--- a/Slides/Clase_5_2020.pptx
+++ b/Slides/Clase_5_2020.pptx
@@ -5,7 +5,7 @@
     <p:sldMasterId id="2147483657" r:id="rId1"/>
   </p:sldMasterIdLst>
   <p:notesMasterIdLst>
-    <p:notesMasterId r:id="rId41"/>
+    <p:notesMasterId r:id="rId37"/>
   </p:notesMasterIdLst>
   <p:sldIdLst>
     <p:sldId id="256" r:id="rId2"/>
@@ -30,51 +30,43 @@
     <p:sldId id="527" r:id="rId21"/>
     <p:sldId id="519" r:id="rId22"/>
     <p:sldId id="520" r:id="rId23"/>
-    <p:sldId id="340" r:id="rId24"/>
-    <p:sldId id="347" r:id="rId25"/>
-    <p:sldId id="348" r:id="rId26"/>
-    <p:sldId id="354" r:id="rId27"/>
-    <p:sldId id="528" r:id="rId28"/>
-    <p:sldId id="355" r:id="rId29"/>
-    <p:sldId id="356" r:id="rId30"/>
-    <p:sldId id="357" r:id="rId31"/>
-    <p:sldId id="358" r:id="rId32"/>
-    <p:sldId id="359" r:id="rId33"/>
-    <p:sldId id="360" r:id="rId34"/>
-    <p:sldId id="521" r:id="rId35"/>
-    <p:sldId id="522" r:id="rId36"/>
-    <p:sldId id="523" r:id="rId37"/>
-    <p:sldId id="524" r:id="rId38"/>
-    <p:sldId id="525" r:id="rId39"/>
-    <p:sldId id="526" r:id="rId40"/>
+    <p:sldId id="528" r:id="rId24"/>
+    <p:sldId id="355" r:id="rId25"/>
+    <p:sldId id="356" r:id="rId26"/>
+    <p:sldId id="357" r:id="rId27"/>
+    <p:sldId id="358" r:id="rId28"/>
+    <p:sldId id="359" r:id="rId29"/>
+    <p:sldId id="360" r:id="rId30"/>
+    <p:sldId id="521" r:id="rId31"/>
+    <p:sldId id="522" r:id="rId32"/>
+    <p:sldId id="523" r:id="rId33"/>
+    <p:sldId id="524" r:id="rId34"/>
+    <p:sldId id="525" r:id="rId35"/>
+    <p:sldId id="526" r:id="rId36"/>
   </p:sldIdLst>
   <p:sldSz cx="9144000" cy="5143500" type="screen16x9"/>
   <p:notesSz cx="6858000" cy="9144000"/>
   <p:embeddedFontLst>
     <p:embeddedFont>
       <p:font typeface="Arvo" panose="020B0604020202020204" charset="0"/>
+      <p:regular r:id="rId38"/>
+      <p:bold r:id="rId39"/>
+      <p:italic r:id="rId40"/>
+      <p:boldItalic r:id="rId41"/>
+    </p:embeddedFont>
+    <p:embeddedFont>
+      <p:font typeface="Roboto Condensed" panose="02000000000000000000" pitchFamily="2" charset="0"/>
       <p:regular r:id="rId42"/>
       <p:bold r:id="rId43"/>
       <p:italic r:id="rId44"/>
       <p:boldItalic r:id="rId45"/>
     </p:embeddedFont>
     <p:embeddedFont>
-      <p:font typeface="Cambria Math" panose="02040503050406030204" pitchFamily="18" charset="0"/>
+      <p:font typeface="Roboto Condensed Light" panose="02000000000000000000" pitchFamily="2" charset="0"/>
       <p:regular r:id="rId46"/>
-    </p:embeddedFont>
-    <p:embeddedFont>
-      <p:font typeface="Roboto Condensed" panose="020B0604020202020204" charset="0"/>
-      <p:regular r:id="rId47"/>
-      <p:bold r:id="rId48"/>
-      <p:italic r:id="rId49"/>
-      <p:boldItalic r:id="rId50"/>
-    </p:embeddedFont>
-    <p:embeddedFont>
-      <p:font typeface="Roboto Condensed Light" panose="020B0604020202020204" charset="0"/>
-      <p:regular r:id="rId51"/>
-      <p:bold r:id="rId52"/>
-      <p:italic r:id="rId53"/>
-      <p:boldItalic r:id="rId54"/>
+      <p:bold r:id="rId47"/>
+      <p:italic r:id="rId48"/>
+      <p:boldItalic r:id="rId49"/>
     </p:embeddedFont>
   </p:embeddedFontLst>
   <p:defaultTextStyle>
@@ -1563,83 +1555,30 @@
     <inkml:context xml:id="ctx0">
       <inkml:inkSource xml:id="inkSrc0">
         <inkml:traceFormat>
-          <inkml:channel name="X" type="integer" max="3360" units="cm"/>
-          <inkml:channel name="Y" type="integer" max="1872" units="cm"/>
+          <inkml:channel name="X" type="integer" max="5120" units="cm"/>
+          <inkml:channel name="Y" type="integer" max="1800" units="cm"/>
           <inkml:channel name="T" type="integer" max="2.14748E9" units="dev"/>
         </inkml:traceFormat>
         <inkml:channelProperties>
-          <inkml:channelProperty channel="X" name="resolution" value="114.28571" units="1/cm"/>
-          <inkml:channelProperty channel="Y" name="resolution" value="112.77109" units="1/cm"/>
+          <inkml:channelProperty channel="X" name="resolution" value="174.14966" units="1/cm"/>
+          <inkml:channelProperty channel="Y" name="resolution" value="109.09091" units="1/cm"/>
           <inkml:channelProperty channel="T" name="resolution" value="1" units="1/dev"/>
         </inkml:channelProperties>
       </inkml:inkSource>
-      <inkml:timestamp xml:id="ts0" timeString="2021-02-23T01:57:10.994"/>
+      <inkml:timestamp xml:id="ts0" timeString="2022-03-01T03:12:59.799"/>
     </inkml:context>
     <inkml:brush xml:id="br0">
       <inkml:brushProperty name="width" value="0.05292" units="cm"/>
       <inkml:brushProperty name="height" value="0.05292" units="cm"/>
       <inkml:brushProperty name="color" value="#FF0000"/>
     </inkml:brush>
-    <inkml:brush xml:id="br1">
-      <inkml:brushProperty name="width" value="0.05292" units="cm"/>
-      <inkml:brushProperty name="height" value="0.05292" units="cm"/>
-      <inkml:brushProperty name="color" value="#92D050"/>
-    </inkml:brush>
-    <inkml:brush xml:id="br2">
-      <inkml:brushProperty name="width" value="0.05292" units="cm"/>
-      <inkml:brushProperty name="height" value="0.05292" units="cm"/>
-      <inkml:brushProperty name="color" value="#0070C0"/>
-    </inkml:brush>
   </inkml:definitions>
-  <inkml:trace contextRef="#ctx0" brushRef="#br0">8180 4961 0,'0'0'0,"0"0"0,0 0 0,0 0 0,0 0 0,0 0 0,0 0 0,0 0 0,-61-15 15,61 15-15,-22-8 0,-9 0 16,9 1-16,-16-1 16,0 8-1,8 0-15,0 0 16,-8 0-16,-8 8 15,-7 7-15,-22 8 16,7 15 0,7 0-16,8 8 15,-15 23-15,16-16 16,-1 1-16,-15 7 16,15 7-1,15 1-15,0 7 16,8-7-16,15 7 15,0 8 1,-1-15-16,9 0 16,7-8-16,0 15 15,7-7-15,1-16 16,7-7 0,8 7-16,7-7 15,15 0-15,16 7 16,7-7-16,8 0 15,52 7 1,1 1-16,-61-31 16,45 15-16,15-30 15,-22 14 1,8 1-16,-1-15 16,-15 0-16,8 7 15,15-15-15,0 0 16,23-8-1,-1-15-15,-52-7 16,-30 7-16,22-8 16,0 1-16,-15-8 15,-15-8 1,-8 0-16,-7-7 16,-15 7-16,-1 0 15,-6-7 1,-9-8-16,-7-16 15,-7-14-15,-9-1 16,-6 1-16,-24-1 16,-14-7-1,-8 15-15,15 0 16,-23 8-16,-45-1 16,-7 16-1,-16 0-15,-22 8 16,22-1-16,-75 31 15,-15 0-15,60 1 16,-166 14 0,219 8-16</inkml:trace>
-  <inkml:trace contextRef="#ctx0" brushRef="#br0" timeOffset="46830.89">4899 2694 0,'0'0'0,"0"0"0,0 0 15,0 0-15,0 0 16,0-7-16,0-1 16,0 8-16,0-8 15,0 8-15,0 0 16,0-7 0,7-16-16,1 15 15,-8 8-15,7-8 16,9 1-1,14 7-15,15 0 16,8 0-16,0-8 16,0 8-16,0 0 15,15-7 1,23 14-16,-8 1 16,-30-8-16,7 0 15,31 0-15,15 0 16,-23-8-1,-8 1-15,24-1 16,7 8-16,-31-8 16,-22 1-1,23 7-15,30 7 16,-16-7-16,-22 0 16,15-7-16,46 7 15,-31-16 1,-37 16-16,7 0 15,38 0-15,-16 0 16,-14 8 0,0 7-16,14-15 15,8 8-15,-29-8 16,-17 8-16,-6-1 16,22-7-1,0 15-15,0-7 16,-15 0-16,-8-1 15,-7-7-15,0 8 16,0-8 0,-8 8-16,-7-1 15,-1-7-15,-7 0 16,0 0 0,1 8-16,-9-8 15,8 8-15,15-39 16,-30 31-16</inkml:trace>
-  <inkml:trace contextRef="#ctx0" brushRef="#br0" timeOffset="62224.47">10417 7045 0,'0'0'0,"0"0"16,0 0 0,0 0-16,0 0 15,0 0-15,0 0 16,8 0-16,0 0 15,14-8 1,8-7-16,23-24 16,0-6-16,-7 7 15,37-16-15,15-15 16,-15 1 0,-7 14-16,-1-14 15,9 7-15,-9 15 16,-29 15-1,-24 16-15,-22 15 16</inkml:trace>
-  <inkml:trace contextRef="#ctx0" brushRef="#br0" timeOffset="71470.53">9850 8418 0,'0'0'16,"0"0"-16,-7 0 15,-23 8-15,-1 15 16,-6-8 0,6 8-16,1 0 15,-8 7-15,1 9 16,-1 6-16,0 16 15,0 8 1,8-15-16,7-1 16,1 16-16,14 22 15,8-14-15,8-1 16,7-7 0,15 7-16,0-7 15,0-8-15,1-16 16,6-6-1,24-1-15,7-8 16,0-7-16,-23-8 16,1-7-16,7 0 15,15-8 1,0-8-16,7-7 16,-14 0-16,-16-8 15,-15 0 1,1-8-16,-1-7 15,-7 0-15,-8-8 16,-8 0-16,-7 8 16,-7 0-1,-1 0-15,-15 0 16,-7-8-16,-23-8 16,-15-14-16,0 7 15,15 7 1,-7-37-16,-23-1 15,83 92-15</inkml:trace>
-  <inkml:trace contextRef="#ctx0" brushRef="#br0" timeOffset="105174.82">9246 4824 0,'0'7'16,"0"-7"-16,0 0 0,0 0 0,0 0 16,0 0-1,0 0-15,0 0 16,0 0-16,0 0 16,7 8-16,1-1 15,7 1 1,38-8-16,38-23 15,-1-30-15,54-31 16,0 0 0,-46-23-16,53-15 15,23-23-15,7 7 16,-29 9-16,-9-24 16,-37 39-16</inkml:trace>
-  <inkml:trace contextRef="#ctx0" brushRef="#br0" timeOffset="143172.81">9427 5373 0,'0'0'0,"0"0"16,0 0-16,0 15 0,0-15 16,0 0-16,0 0 15,8-7-15,7-1 16,30-15-16,46-38 15,37-8 1,-14-7-16,-39 15 16,31-8-16,8 1 15,-31 14 1,-15 8-16,-15 24 16,-53 22-16</inkml:trace>
-  <inkml:trace contextRef="#ctx0" brushRef="#br0" timeOffset="153909.14">10123 9120 0,'0'0'0,"0"0"16,0 0-1,0 0-15,0 0 16,0 0-16,0 0 16,0 0-16,0 0 15,0 0 1,0 0-16,0 0 16,0 0-16,0 0 15,7 0-15,8-7 16,0-1-1,1 1-15,-9-1 16,1 0-16,-1 1 16,1-1-1,-1 0-15,1 1 16,-1 7-16,9-8 16,-9 1-16,1 7 15,-1-8 1,1 8-16,-1 0 15,1 0-15,-1 0 16,1-8 0,0 8-16,-1 0 15,1-7-15,-1 7 16,1 0-16,-1 0 16,-7 0-1,0 0-15,8-8 16,-8 8-16,0 0 15,0 0 1,8 0-16,-1-8 16,1 1-16,-1 7 15,8-8-15,-7 8 16,-1 0 0,1 0-16,0-8 15,-1 1-15,8-1 16,0 1-16,0-1 15,8 0 1,0 1-16,0-1 16,-1 0-16,-7 1 15,0 7-15,1 0 16,-9-8 0,1 1-16,-1-1 15,1 0-15,7 1 16,8-1-1,-1 0-15,9 1 16,-1-1-16,0-7 16,0 15-16,-7-8 15,0 1 1,-1-1-16,1 0 16,0 1-16,-1-9 15,1 1-15,0 8 16,-1-9-1,1 1-15,7 7 16,0 1-16,-7-1 16,0 0-1,0 1-15,-1-1 16,8 1-16,-7-1 16,0 0-16,-1 1 15,1-9 1,-8 9-16,0 7 15,1-8-15,-1 1 16,0-1 0,0 0-16,8 1 15,-1 7-15,1 0 16,0 0-16,7-8 16,0 8-1,0-8-15,1 8 16,-9-7-16,1 7 15,0 0-15,-1 0 16,1 0 0,0 0-16,7 0 15,0 0-15,0 0 16,8 0 0,-8 0-16,8 0 15,-8 0-15,-7 0 16,0 0-16,-8 0 15,0 0 1,0 0-16,0 0 16,0 0-16,1 7 15,6-7-15,1 8 16,0 0 0,-1-1-16,1 1 15,0 0-15,-1-1 16,1 1-1,-8-8-15,0 7 16,0-7-16,0 8 16,1 0-16,-1-1 15,7 1 1,-7 0-16,8 7 16,0 0-16,-8-7 15,8-1-15,7 16 16,0 0-1,-7 0-15,-1-8 16,1 1-16,0-1 16,-1 0-1,-6 0-15,-1 1 16,0-1-16,0-7 16,0 7-16,-7-8 15,7 9 1,-15-16-16,15 23 15,0-1-15,0 1 16,0 8 0,-7-16-16,7 8 15,0 0-15,-7 0 16,-1-8-16,8 16 16,-7-8-1,7-1-15,-7-6 16,-1-1-16,8 0 15,0 1 1,8 6-16,0 1 16,-1 0-16,-7-8 15,8 8-15,-8-7 16,0 7 0,-7-8-16,0 8 15,-1-8-15,1 0 16,-1 0-1,1 1-15,-1-1 16,-7-15-16,8 8 16,-8-1-16,0 1 15,0 0 1,0-8-16,0 0 16,0 0-16,0 0 15,0 15 1,0-15-16,7 30 15,-7-30-15,0 0 16,0 0-16,0 0 16,0 0-1,0 0-15,-7 0 16,-1 0-16,1-7 16,-1 7-16,1-8 15,-24 0 1,9 1-16,7 7 15,7 0-15,0 0 16,1 0 0,-1 0-16,8 0 15,0 0-15,0 0 16,0 0-16,0 0 16,0 0-1,0 0-15,0 0 16,0 0-16,8 0 15,-1 0 1,9 0-16,6-15 16,-7 7-16,1 0 15,-9 8 1,1 0-16,7-7 16,-8-1-16,8 0 15,1-15-15,-1 8 16,0 0-1,-8 0-15,1 7 16,-1-7-16,1 7 16,0 1-1,-8 7-15,0-8 16,0 0-16,0 8 16,0 0-16,0-7 15,0-9 1,0 16-16,0 0 15,-8-7-15,0-1 16,1 8-16,-16-8 16,1 8-1,-46 0-15,-23 16 16,91-16-16</inkml:trace>
-  <inkml:trace contextRef="#ctx0" brushRef="#br0" timeOffset="172155.83">13078 10387 0,'0'0'0,"0"0"15,0 0 1,0 0-16,0 0 15,0 0-15,0 0 16,0 0 0,0 0-16,0 0 15,0 8-15,-7 7 16,7-7 0,7 15-16,1 7 15,0 16-15,-1-8 16,-7 1-16,0-17 15,0 1 1,0 8-16,0-8 16,0 0-16,0-8 15,0 8 1,0 7-16,0-7 16,0 0-16,0 0 15,0 0-15,0-8 16,0-7-1,0-1-15,0 9 16,0-16-16,0 15 16,0-7-1,0-1-15,-7 1 16,-9-1-16,1 1 16,0 0-16,0-1 15,-8 1 1,1 0-16,-1-1 15,8 1-15,0 0 16,-8-1-16,-7 1 16,-8-1-1,0 1-15,1 7 16,-9-7-16,1 7 16,-1-15-1,1 8-15,0-8 16,-1 0-16,-7 0 15,1 0-15,-1 0 16,7 0 0,8 0-16,8 0 15,-8 0 1,-7 0-16,-8 0 16,8 0-16,-8 0 15,8 0-15,-1 0 16,8 0-16,-7 0 15,0 0 1,-1-8-16,1 8 16,0 0-16,-1 0 15,8 8 1,8-8-16,7 0 16,-7 0-16,-8 0 15,1 0-15,-1-8 16,8 1-16,-8 7 15,0-8 1,8 0-16,0 8 16,7 0-16,0 0 15,0 0 1,1 0-16,-1 0 16,0-7-16,1 7 15,-1-8-15,0 0 16,1 8-1,7 0-15,-1 0 16,1 0-16,8 0 16,-1 0-16,1 0 15,-1 0 1,8 0-16,0 0 16,0 0-16,0 0 15,0 0 1,0 0-16,0 0 15,0 0-15,0 0 16,0 0 0,0 0-16,0 0 15,0 0-15,0 0 16,0 0-16,0 0 16,0-7-1,0 7-15,0-8 16,0 1-16,0 7 15,0 0-15,0 0 16,0-8 0,0 8-16,0 0 15,0 0-15,0 0 16,0 0 0,0 0-16,0 0 15,0 0-15,0 0 16,0 0-16,0 0 15,0 0 1,0 0-16,0 0 16,0 0-16,0 0 15,0 0-15,8 0 16,-1 0 0,8 0-16,0 0 15,-7 0-15,0 0 16,-1 0-1,-7 0-15,0 0 16,0 0-16,0 0 16,0 0-16,0 0 15,0 0 1,0 0-16</inkml:trace>
-  <inkml:trace contextRef="#ctx0" brushRef="#br0" timeOffset="177340.5">10017 11021 0,'0'0'16,"0"0"-16,0 0 16,0 0-16,0 0 15,0 0 1,-8 0-16,1 0 15,7 0-15,-8 0 16,-7 0-16,0-8 16,-8 1-1,-7-1-15,0-7 16,-1-1-16,9 9 16,-1-1-1,-7-7-15,7 0 16,0 7-16,1 0 15,-1 1 1,-7-8-16,0-1 16,7-7-16,-7-7 15,15 37-15,-1-29 16,1 14 0,0 0-16,8 1 15,-8-9-15,-1-6 16,-6-17-16,22 39 15</inkml:trace>
-  <inkml:trace contextRef="#ctx0" brushRef="#br0" timeOffset="180522.46">6411 10571 0,'0'0'16,"0"0"-16,-8 0 15,-7 0 1,-23 0-16,-15 0 16,-7-8-16,7 0 15,0 1-15,8-1 16,-8 0 0,-23 1-16,1 7 15,7 0-15,22-8 16,-7 8-16,-7 8 15,-16-1 1,-22 32-16,30-32 16,7 9-16,-14 6 15,-16 1 1,8 0-16,30 0 16,-8 8-16,1 14 15,-8 24-15,7 0 16,24-16-1,-9 24-15,16-24 16,7-7-16,8-8 16,8 0-1,-1 8-15,8-16 16,8 9-16,7-1 16,8 0-16,14 15 15,16 24 1,0-16-16,-15-16 15,15 9-15,22-8 16,9-8 0,-9-8-16,16-7 15,0 8-15,22-1 16,-37-7-16,7-15 16,38 22-1,0-7-15,-8-15 16,38 0-16,-45-8 15,-30-8-15,52 8 16,8-8 0,-30-7-16,30 0 15,-30 7-15,-23-7 16,16-8 0,52-8-16,-53-7 15,8-7-15,45-17 16,-75 24-16,-8 0 15,15-15 1,0 7-16,0 0 16,-15-15-16,-30 38 15,7-23-15,-14 8 16,-9-15 0,-7-16-16,-7 8 15,-8-8-15,-8 16 16,-14-16-1,-16 1-15,-7-1 16,-31 0-16,8 23 16,15 1-16,-7 6 15,-61-14 1,7 7-16,8 8 16,-30-8-16,30 31 15,8 0-15,-61-8 16,8 23-1,-30 15-15,37 0 16,-22 8-16,-46 15 16,16-7-1,22 7-15,15 0 16</inkml:trace>
-  <inkml:trace contextRef="#ctx0" brushRef="#br0" timeOffset="182818.29">14182 9395 0,'0'0'15,"0"0"-15,-7 0 16,-8-7-16,-16-9 16,-6 1-16,-1 0 15,-15-16 1,-30-14-16,-16-1 15,24 15-15,22 1 16,-15-1 0,-76-22-16,69 37 15,7 9-15,-1 7 16,-51 0-16,6 0 16,46 7-1,-30 16-15,-16 8 16,24-8-16,7 15 15,-8 0 1,8 8-16,15-8 16,15 0-16,7 16 15,9 30-15,14-8 16,8 0 0,7 8-16,8 0 15,0-8-15,15-7 16,16 0-16,37 7 15,0-38 1,15 23-16,38 8 16,7-16-16,-37-14 15,60 6 1,15-22-16,1-7 16,-1-24-16,-52-7 15,82-16 1,-60 8-16,53-7 15,-83-8-15,-15-16 16,15-7-16,7-23 16,-45 15-1,-15-14-15,-23-9 16,-15-15-16,-30-7 16,-60-9-16,-62-75 15,54 68 1</inkml:trace>
-  <inkml:trace contextRef="#ctx0" brushRef="#br0" timeOffset="187340.65">6267 6915 0,'0'0'16,"-15"-15"-16,-8-1 15,1-7 1,-9 0-16,-6 8 16,6 0-16,-6 0 15,-9-1 1,1 9-16,-8 7 15,-8 0-15,1 15 16,7 8-16,0 15 16,-22 31-16,-1-1 15,0 9 1,8 14-16,8 39 16,30-76-1,-1 7-15,-14 99 16,15-61-16,15-15 15,7 15-15,16 1 16,7-9-16,15 1 16,15-1-1,38 8-15,31-15 16,-39-30-16,62-1 16,21-15-1,9-15-15,-1-38 16,-60 0-16,98-46 15,-68-8-15,30-30 16,-30 15 0,-52-15-16,14-69 15,-60 38-15,-23 23 16,-23-15-16,-22-8 16,-31-30-1,-67 0-15,-31 15 16,-60 61-16,75 30 15</inkml:trace>
-  <inkml:trace contextRef="#ctx0" brushRef="#br0" timeOffset="195251.4">18605 7212 0,'0'0'15,"0"0"-15,0 0 16,-8-7 0,-7-8-16,-8 7 15,1 0-15,-9 1 16,-6-9-16,-1 9 15,0 7-15,0 0 16,-15 0 0,-7 0-16,-1 0 15,-7 7-15,15 9 16,16 7 0,-9 22-16,1-7 15,-8 16-15,15-24 16,-7 16-16,-1 0 15,9 7 1,-1 9-16,8-1 16,7 0-16,8-8 15,0 16 1,7-1-16,8 32 16,15-32-16,8 9 15,15-9 1,15 9-16,7-9 15,-7-14-15,-15-16 16,30 0-16,7-7 16,16 7-1,-8 0-15,1-30 16,14-8-16,0 0 16,-30-16-16,-7 1 15,29-15 1,1-16-16,-23 8 15,-7-8 1,-24-8-16,1 1 16,-15 0-16,-8-9 15,-7-6-15,-8-1 16,-8 0 0,-7 1-16,-15-1 15,-16-23-15,-22 8 16,0 8-16,8-8 15,-8 23 1,-46-15-16,16 30 16,98 46-16</inkml:trace>
-  <inkml:trace contextRef="#ctx0" brushRef="#br0" timeOffset="196880.1">17584 8289 0,'0'0'16,"0"0"-16,0 0 15,0 0 1,0 0-16,0 0 15,0 0-15,0 0 16,0 0 0,0 0-16,0 0 15,0 0-15,0 0 16,0 0 0,0 0-16,0 7 15,0-7-15,-7 8 16,-1 7-16,0 0 15,-7 8 1,0 8-16,-7-1 16,-1 1-16,-7-1 15,-1 1 1,1 7-16,-8 8 16,16-31-16,-24 92 15,24-46 1,7-15-16,-1 0 15,1-8-15,0-8 16,0 1-16,7-1 16,-7-7-1,0 0-15,0 8 16,8-16-16,-1 0 16,0 0-16,1-7 15,-1 0 1,8-8-16,0 0 15,0 0-15,0 0 16,0 0 0,0 7-16,0-7 15,0 0-15,0 0 16,0-7 0,0-9-16,-7-6 15,7 6-15,0 1 16,0 7-16,0-7 15,0 8 1,0-1-16,0 0 16,0 1-16,0 7 15,0 0 1,0 0-16,0 0 16,0 0-16,0 23 15,0-1-15,0 9 16,0-8-1,0-8-15,0-7 16,0-1-16,0-7 16,7 8-16,1-8 15,-1 0 1,1 0-16,0 0 16,-8 0-16,0 0 15,0 0 1,0 0-16,-8 0 15,-22 0-15,0 0 16,-1-8-16,9 1 16,22 7-1</inkml:trace>
-  <inkml:trace contextRef="#ctx0" brushRef="#br0" timeOffset="198004.92">17750 9037 0,'0'0'0,"-7"0"16,-8 0-16,-8 0 16,0 0-16,-14 0 15,-9 0 1,-7 7-16,-15 8 16,-15 16-1,30-1-15,15 1 16,1 0-16,-1-1 15,0 8-15,8 0 16,-8 8-16,8 0 16,0 15-1,7-8-15,8-14 16,7 6-16,1-6 16,7 14-1,15 16-15,0-24 16,15 32-16,-7-31 15,7 15-15,0-16 16,0-6 0,16 6-16,14-6 15,1-9-15,-8-7 16,0-8-16,0-7 16,15 0-1,15-16-15,-8-15 16,-22 0-16,-7-15 15,-1-15 1,8-9-16,-8-6 16,-7 14-16,-15 1 15,-1 7 1,-14-7-16,0-16 16,-16 0-16,-15 8 15,-7 0-15,7 8 16,-14-1-1,-39-14-15,-45-9 16,15 24-16,-68-1 16,23 1-16</inkml:trace>
-  <inkml:trace contextRef="#ctx0" brushRef="#br0" timeOffset="199365.73">19232 8029 0,'0'0'16,"0"0"-16,0 0 15,0 0 1,0 0-16,0 0 16,0 0-16,0 0 15,0 0-15,0 0 16,0 0 0,0 0-16,0 0 15,0 0-15,8 8 16,-1 7-1,8 0-15,1 8 16,6 0-16,1 0 16,7 15-16,8-7 15,7-1 1,16 8-16,-1 8 16,-7-8-16,0 0 15,-8-7-15,1-1 16,7-7-1,-15-7-15,-1-9 16,-14 1-16,-8-8 16,-7 0-1,-1 0-15,-7 0 16,0 0-16,0 0 16,0 0-1,0 0-15,-7 0 16,-8-15-16,-1 15 15,1 0-15,0-8 16,15 8 0</inkml:trace>
-  <inkml:trace contextRef="#ctx0" brushRef="#br0" timeOffset="200252.51">20699 8594 0,'0'0'16,"0"0"-16,-8 0 15,-7-8-15,-8 1 16,1-1 0,-8-7-16,-1-1 15,9 9-15,-16-1 16,-15 8 0,-23 8-16,1-1 15,14 1-15,16 0 16,7 7-16,-7 0 15,-16 1 1,1 6-16,-1 9 16,8 7-16,8 0 15,15 0 1,-1 1-16,1 6 16,0 9-16,7 30 15,8 0-15,-7 0 16,14 23-1,16-1-15,-1-14 16,8 15-16,0-8 16,0-30-1,1-31-15,21 15 16,24-7-16,22 0 16,-23-23-16,9-16 15,44-7 1,-7-15-16,-23-15 15,15-16-15,8 0 16,-23-23 0,-22 1-16,-8-9 15,-8-14-15,-15-1 16,-15 16-16,0-23 16,-7 22-1,-16 1-15,-7 7 16,0-7-16,-30 7 15,-53-45-15,-8 22 16,-38 16 0,0 0-16</inkml:trace>
-  <inkml:trace contextRef="#ctx0" brushRef="#br0" timeOffset="202400.43">19807 9746 0,'0'0'16,"0"0"-16,0 0 15,0 0-15,-8 0 16,1 0-1,-9 8-15,1 0 16,0-1-16,-7 1 16,-16-8-1,-8 7-15,1 1 16,-8 0-16,15-1 16,1 1-16,6 0 15,-14-1 1,-31 9-16,-7-9 15,15 1-15,15-1 16,-7 9 0,-23-1-16,-16 0 15,31-7-15,23 0 16,-16-1-16,-14 8 16,-16 16-1,16-23-15,14-1 16,8 8-16,0 1 15,15-9 1,8 1-16,7 0 16,8-8-16,8 0 15,-1 0-15,8 0 16,0 0 0,0 0-16,0 0 15,8 0-15,7 0 16,0-8-1,8 0-15,-1 1 16,9 7-16,-1-8 16,0 0-1,0 8-15,-7-15 16,-8 15-16,0 0 16,-7 0-16,-1 0 15,-7 0-15,0 0 16,0 0-1,0 8-15,-7 7 16,-1-7-16,1-1 16,7 1-1,0 0-15,0-8 16,0 0-16,0 0 16,0 0-16,0 0 15,0 0 1,0 0-16,0 0 15,0 0-15,-15 15 16,-8 0 0,-15 16-16,-15 7 15,-7-8-15,60-30 16</inkml:trace>
-  <inkml:trace contextRef="#ctx0" brushRef="#br0" timeOffset="205524.78">16851 10746 0,'0'0'16,"0"0"-16,0 0 16,0 0-16,0 0 15,0 0 1,0 0-16,0 0 16,0 0-16,0 8 15,0 22 1,7 39-16,-7 15 15,8 8-15,-8 22 16,0 8-16,8-23 16,-8-30-1,7 23-15,1-16 16,-1-23-16,1-7 16,-1-8-16,1-7 15,-1-1 1,1 1-16,0-8 15,-8 7-15,0-14 16,0 7 0,0-8-16,0-15 15,0 0-15,0 0 16</inkml:trace>
-  <inkml:trace contextRef="#ctx0" brushRef="#br0" timeOffset="206550.24">16957 10685 0,'0'0'16,"0"0"-16,0 0 15,0 0-15,0 0 16,0 0-16,0 0 16,0 0-1,15 0-15,15 8 16,8-1-16,0 1 15,-8 0 1,23-1-16,22 1 16,9-8-16,-1 0 15,15 0-15,15-8 16,16 8 0,-38-7-16,67-1 15,-6-7-15,14 7 16,-7 8-1,-46-8-15,84 1 16,-76-8-16,60-16 16,-52 16-16,-1-8 15,46 8 1,-53 15-16,38-23 16,-31 7-16,-30 1 15,38 0 1,-15 7-16,-22-7 15,7 15-15,-1-8 16,-44 1 0,-16-1-16,1 8 15,-9 0-15,-6 0 16,-9 0-16,1 0 16,-8 0-1,-7 0-15,-1 0 16,-7 0-16,0 0 15,0 0-15,0 0 16,0 0 0,0 8-16,0 15 15,0 15-15,-7 15 16,-1 8 0,1-7-16,-1 14 15,0 32-15,1-47 16,-1 16-1,8-8-15,8 15 16,7 8-16,8-23 16,-8-7-16,0-16 15,0 0 1,0-8-16,0-7 16,-7-7-16,-1-1 15,1 0-15,-1-7 16,1 7-1,-8 0-15,0 1 16,0 6-16,0-6 16,0 7-1,0-8-15,-8 0 16,-7-7-16,0-1 16,15-7-16</inkml:trace>
-  <inkml:trace contextRef="#ctx0" brushRef="#br0" timeOffset="207089.19">17894 12311 0,'23'7'0,"136"9"16,7-24-1,61-7-15,-23-1 16,30-6-16,38-1 15,-83 7-15,61-6 16,14 14 0,-120 8-16,90 8 15,-60-16-15,0 8 16,-76-8-16,46-7 16,-31-8-1,-37 0-15,-23 0 16,-8-15-16,-45 38 15</inkml:trace>
-  <inkml:trace contextRef="#ctx0" brushRef="#br0" timeOffset="-179369.9">5050 9762 0,'0'0'0,"15"-23"0,8-23 0,67-114 16,62-283-16,-152 374 15,7-91 1,1-61-16,-8 83 16,-8-45-16,8 53 15,8 62-15,-1-1 16,8 0 0,8 31-16,0 23 15,0 15-15,-1 23 16,8 23-16,-7 60 15,-23 17 1,-15-47-16,-23 31 16,38-107-16</inkml:trace>
-  <inkml:trace contextRef="#ctx0" brushRef="#br0" timeOffset="-179044.3">4271 9243 0,'0'0'16,"0"0"-1,23-23-15,60-61 16,38-99-16,-15-1 16,22-52-16,-37 30 15,-30 61 1,7-107-16,-23 114 16,8-29-16,-15 37 15,-16 69-15,-22 61 16</inkml:trace>
-  <inkml:trace contextRef="#ctx0" brushRef="#br0" timeOffset="-178696.35">4302 9494 0,'0'0'15,"0"0"-15,-8-53 16,-22-115-1,7-38-15,8 0 16,15 30-16,7 1 16,16-16-1,7 31-15,31-92 16,-8 99-16,15-60 16,-15 60-16</inkml:trace>
-  <inkml:trace contextRef="#ctx0" brushRef="#br0" timeOffset="-178427.16">3939 8540 0,'0'0'0,"0"-22"16,15-78-16,38-152 16,22-122-16,-14 16 15,-46 236 1</inkml:trace>
-  <inkml:trace contextRef="#ctx0" brushRef="#br0" timeOffset="-178116.39">4891 9342 0,'0'0'0,"8"-69"15,14-99-15,-14-129 16,-8-85-16,-15-38 16,7 321-1</inkml:trace>
-  <inkml:trace contextRef="#ctx0" brushRef="#br0" timeOffset="-177804.13">6857 9533 0,'-15'-23'16,"-46"-138"-16,-82-129 16,-16 0-16,38-15 15,75 183 1</inkml:trace>
-  <inkml:trace contextRef="#ctx0" brushRef="#br0" timeOffset="-177537.87">6675 9136 0,'0'0'0,"-15"-61"15,-45-107-15,-39-84 16,47 115-1</inkml:trace>
-  <inkml:trace contextRef="#ctx0" brushRef="#br0" timeOffset="-174465.53">7091 9319 0,'0'0'16,"0"0"-16,0 0 15,-7 0-15,-9 0 16,-14 8-16,-15-1 16,-23 8-1,0 31-15,0 15 16,-15 31-16,15 15 15,7 15 1,8 8-16,23 7 16,15 8-16,22 46 15,16 23-15,37 37 16,9-6 0,-17-70-16,9 8 15,7-53-15,15-38 16,-22-24-16,-8-29 15,-1-17 1,39 1-16,30-23 16,8-7-16,22-24 15,-45-7 1,-23-15-16,30-24 16,31-60-16,-61-8 15,0-99-15,-37-24 16,-31 32-1,-38-8-15,-22-54 16,-8 153-16,-46-92 16,16 138-1,-23-15-15,-120 7 16,90 46-16</inkml:trace>
-  <inkml:trace contextRef="#ctx0" brushRef="#br0" timeOffset="-151483.95">7651 5083 0,'-23'23'15,"-38"23"-15,1 0 16,-8 22 0,15-14-16,-8 30 15,1 7 1,7-14-16,15 6 16,0 47-16,16-15 15,14 98-15,31-29 16,45 52-16,23-106 15,15 38 1,52-61-16,-37-54 16,-7-30-16,75-31 15,-61-30 1,69-38-16,-84 7 16,-7-15-16,30-53 15,-38 7-15,-30-7 16,-15-62-1,-45 31-15,-76-114 16,-68 30-16,-8-30 16,-37 45-16,97 130 15</inkml:trace>
-  <inkml:trace contextRef="#ctx0" brushRef="#br0" timeOffset="-150680.98">12557 8685 0,'-15'16'0,"-84"60"15,-21 23 1,44-7-16,15 22 16,-7 16-16,15 7 15,16 54 1,37-53-16,22 14 16,24 39-16,14-31 15,1-7-15</inkml:trace>
-  <inkml:trace contextRef="#ctx0" brushRef="#br0" timeOffset="-150600.72">12942 10868 0,'99'16'0,"150"14"16,-45-38-16,91-14 15,-159 14 1</inkml:trace>
-  <inkml:trace contextRef="#ctx0" brushRef="#br0" timeOffset="-150544.75">14991 10151 0,'0'0'0</inkml:trace>
-  <inkml:trace contextRef="#ctx0" brushRef="#br0" timeOffset="-150498.72">14711 9449 0,'0'0'16</inkml:trace>
-  <inkml:trace contextRef="#ctx0" brushRef="#br0" timeOffset="-134635.25">12859 4930 0,'0'0'16,"0"0"-1,-22 8-15,-31 0 16,-61-1-16,-44 16 16,-39 0-16,-53 69 15,-52 22 1,-23-22-16,-68 53 16,60 15-16,-75 38 15,136-37 1,-76 37-16,114-68 15,120-54-15,-135 100 16,136-100-16</inkml:trace>
-  <inkml:trace contextRef="#ctx0" brushRef="#br0" timeOffset="-84464.53">9987 6617 0,'0'0'0,"-8"-53"0,8 53 0,-15-23 16,0 8-16,-8-8 16,-15 7-16,-15 1 15,-7-8 1,-1 0-16,-7 16 16,-7-1-16,-8 8 15,7 0 1,31 8-16,-23-1 15,-16 1-15,-6-8 16,14 15-16,-7-15 16,-23 8-1,0 22-15,31-14 16,-8-1-16,-31 8 16,-7 15-1,30-8-15,-14 9 16,14-1-16,8-8 15,30 1-15,15-8 16,-15 15 0,0 8-16,0 7 15,15-7-15,8-8 16,0 0-16,7 0 16,1 1-1,6 22-15,9 23 16,14-39-16,9 9 15,21-1 1,9 8-16,7 16 16,-8-16-16,23 15 15,23-7-15,7-1 16,0 1 0,38 0-16,-22-16 15,-31-7-15,76 7 16,-31-14-1,31-9-15,0-7 16,-53-8-16,60-7 16,-22-8-16,29-8 15,-44-15-15,-16-38 16,39 99 0,-16-83-16,-31 7 15,24-8-15,-31 0 16,-30 0-1,-15-23-15,0-7 16,-7 7-16,-1-22 16,-22-1-1,-8-15-15,-23 31 16,-15-31-16,-7 16 16,8-1-16,-24 16 15,-37-16 1,-23 8-16,8 16 15,-53 14-15,22 8 16,-22 8-16,-83-8 16,-16 23-1,69 8-15,-159 8 16,219-1-16</inkml:trace>
-  <inkml:trace contextRef="#ctx0" brushRef="#br0" timeOffset="-78758.39">10523 6770 0,'0'0'0,"0"0"16,0 0-16,0 0 16,-7 7-16,-8 16 15,-8 54 1,15-24-16,-7 16 16,8-39-16,-8 69 15,-1-30-15,9-31 16,-1-15-1,8 0-15,0-8 16,0-15-16,0 0 16,8 0-1,15-7-15,22-16 16,-7 8-16,7-8 16,-7 0-16,-15 8 15,-8 7 1,0 0-16,-8 1 15,1 7-15,-8 0 16,0 0-16</inkml:trace>
-  <inkml:trace contextRef="#ctx0" brushRef="#br0" timeOffset="-76206.06">10342 8907 0,'0'0'0,"0"0"15,-8-8 1,-7-15-16,15 23 16</inkml:trace>
-  <inkml:trace contextRef="#ctx0" brushRef="#br0" timeOffset="-75919.3">10107 8518 0,'0'0'0,"0"0"16,0 0-16,0 0 15,-7 0 1,-8 0-16,0-8 16,-8 0-16,-7 8 15,-23-7-15,-23 14 16,1 1-1,14 7-15,8 0 16,-15 16-16,8 0 16,14-1-1,-7 8-15,8 8 16,15-15-16,0 37 16,-1 169-16,31 7 15,8-122 1,-8-122-16</inkml:trace>
-  <inkml:trace contextRef="#ctx0" brushRef="#br0" timeOffset="-75711.3">9918 10166 0,'0'0'0,"8"-8"16,7-14-1,8-1-15,15-31 16,-1 1-16,-14 7 15,-15-7-15,-16-24 16,-15-22 0,1 0-16,-8 15 15,-8 0-15,-30-15 16,68 99 0</inkml:trace>
-  <inkml:trace contextRef="#ctx0" brushRef="#br0" timeOffset="15031.82">3644 10441 0,'0'0'0,"0"0"0</inkml:trace>
-  <inkml:trace contextRef="#ctx0" brushRef="#br1" timeOffset="40480.81">6312 8884 0,'0'0'0,"0"0"16,-15-8 0,-15-7-16,-8 0 15,0-1-15,1 1 16,-1 0-16,0 7 15,-7-7 1,-23 0-16,0 0 16,7 7-16,16 8 15,7 8 1,0-1-16,-7 8 16,-16-7-16,-14-8 15,7 0-15,7 23 16,8 0-1,0 0-15,1 0 16,-1 7-16,0 1 16,7-8-16,9-1 15,-1 9 1,7 7-16,1 8 16,8-8-16,-1 0 15,0 0 1,8-7-16,8 7 15,-1 0-15,8-22 16,0 29-16,0 47 16,0-84-1,0-8-15,15 53 16,0 0-16,0-14 16,8 6-1,7-14-15,16 15 16,7-8-16,-1-15 15,9 23-15,-16-24 16,38 9 0,1 7-16,-1 0 15,-23-15-15,1 0 16,22 0-16,15-8 16,-15 1-1,0-9-15,23-7 16,8 0-16,-46-7 15,-8 14 1,8-14-16,38-9 16,-23-7-16,-7 0 15,7-22-15,8-1 16,-8-8 0,-30 9-16,-8-9 15,-15 8-15,1 1 16,-1-39-16,-15 7 15,-7-7 1,-8 8-16,0 0 16,-8 15-16,-7 0 15,-15-8-15,-31 0 16,-22 16 0,-15-23-16,-38 22 15,7 16-15,1 0 16,-92 0-1,-29 15-15,98 7 16</inkml:trace>
-  <inkml:trace contextRef="#ctx0" brushRef="#br1" timeOffset="49046.78">15074 5159 0,'0'0'15,"0"-15"-15,8-8 16,7-15-16,8 0 16,-1 0-1,1 7-15,0-15 16,7-30-16,0 7 16,-7 16-16,7 7 15,0-7 1,1-1-16,6-14 15,-6 29-15,6-22 16,-6 23-16,-1 8 16,8-1-1,-1 1-15,-6-1 16,-1 8-16,-7 0 16,-1 0-1,16 1-15,0-1 16,0 7-16,-1 16 15,9-15 1,-8 7-16,-1 8 16,1 0-16,0 8 15,0 0-15,0 7 16,7 8 0,-7 0-16,0 0 15,7 15-15,-15-23 16,8 23-1,-8 8-15,0-8 16,-7 8-16,7-8 16,16 8-16,-1 0 15,8 30 1,-8-30-16,8 15 16,-15-23-16,0 0 15,0-7-15,0-1 16,14 16-1,-14-15-15,15 7 16,-15-15 0,15 38-16,-15-31 15,-1-7-15,1 0 16,0 0-16,7-8 16,-7-7-16,0 7 15,0-15 1,7-7-16,-7-9 15,7 24-15,16-46 16,-8 38 0,0-8-16,0-15 15,-8-7-15,-7 7 16,7-8 0,0 1-16,1-1 15,7-7-15,0 0 16,0 0-16,-8-8 15,0 0 1,1 0-16,-1 1 16,0-1-16,8 8 15,0-1 1,0-29-16,-23 37 16,-7 1-16,7-1 15,-7 8-15,0 0 16,7 0-1,0 8-15,-7 0 16,-1 0-16,-6 7 16,-1 0-1,0 8-15,0-7 16,0 7-16,8 7 16,-1 1-16,9 15 15,-9 0 1,9 23-16,-1-8 15,0-8-15,8 16 16,-8-15 0,8-1-16,7 16 15,1 7-15,-1 1 16,-7-1-16,0-15 16,7 8-1,8-8-15,7-7 16,-7-8-16,0 7 15,0-7 1,-8-8-16,8-7 16,0 0-16,0-8 15,0 0-15,-8-8 16,-7 8 0,15-8-16,15-14 15,8 6-15,7-14 16,-15-1-1,-7 1-15,-9-1 16,9-7-16,-1 0 16,-7 15-16,-7-8 15,-16 16 1,0 0-16,8 0 16,0-1-16,-8 1 15,0 0-15,0 7 16,-7 1-1,7-1-15,1 8 16,-1 8-16,8-1 16,-8 1-1,8 22-15,7 9 16,16 6-16,-9-7 16,16 1-1,-22-9-15,-8-7 16,15 0-16,15 8 15,15-9-15,0-6 16,0-1 0,0-7-16,16-8 15,-16 0-15,-30-8 16,30-7 0,7-1-16,16-6 15,-15-17-15,-15 16 16,14-15-16,1 0 15,-30 8 1,-16-1-16,-7 8 16,-1 0-16,9 0 15,-1 8-15,1-8 16,6 8 0,-6 0-16,-8 7 15,-8 0-15,0 1 16,-7-1-1,-1 8-15,1-7 16,-8 7-16,8 0 16,-8 0-1,8 7-15,-1 1 16,1-1-16,7 1 16,1 0-16,-1-1 15,0 1 1,-7-8-16,7 0 15,15 23-15,1-31 16,14-22 0,-7 37-16,0-22 15,-8 0-15,1-8 16,7-8-16,-53 31 16</inkml:trace>
-  <inkml:trace contextRef="#ctx0" brushRef="#br2" timeOffset="59626.14">15014 6121 0,'0'23'0,"0"-23"15,0 0-15,0 0 16,0 0-16,0 0 15,0 0 1,0 0-16,0 0 16,0 0-16,7-15 15,1 7 1,-1-22-16,9-1 16,-1 8-16,7-7 15,1-1 1,7 0-16,8-14 15,0 7-15,0-1 16,-8 9-16,0 7 16,0-8-1,8-14-15,-8 22 16,8 0-16,0 0 16,7 8-16,1-1 15,-8 16 1,-8-7-16,-7-1 15,-1 8-15,8 8 16,1-8 0,-1 7-16,0 1 15,0 7-15,8 1 16,0-1-16,7 8 16,1 0-1,-1 15-15,8 0 16,15 31-16,-15-31 15,0 0 1,0 8-16,-15-8 16,-8 0-16,15 16 15,1-1 1,22 61-16,-31-91 16,9 8-16,-1-1 15,0 1-15,-7-8 16,0 0-1,7 7-15,1 1 16,-1-8-16,0-8 16,16 23-1,-31-38-15,0-8 16,-7 1-16,7-8 16,8-1-16,8-7 15,-1 0 1,0 1-16,1-1 15,-1-8-15,8-15 16,0-7 0,0 7-16,0 0 15,-8 1-15,8 6 16,-8-6-16,-7-1 16,-8 0-1,1-7-15,6-1 16,9 8-16,-9 8 15,9-8 1,7 8-16,0 0 16,-8 0-16,-7 0 15,7 0-15,1-8 16,-9 15 0,9 1-16,-8 7 15,-1 8-15,-6-1 16,-9 1-1,-7 7-15,8 1 16,0-1-16,7 8 16,0 0-16,8 0 15,-8 8 1,8 7-16,7 16 16,1-1-16,-8 1 15,-1 7 1,1 0-16,0-7 15,7 7-15,1 0 16,-9-8-16,9 9 16,-1 6-1,-7 9-15,-8-8 16,-7-8-16,7 15 16,0-15-1,16 8-15,7 15 16,-8-15-16,8 15 15,-8-15-15,-7-16 16,0 1 0,0-8-16,7 7 15,0-7-15,-7-8 16,8 8 0,-9-15-16,-6 0 15,-1-8-15,8 0 16,7-8-16,8 0 15,7-15 1,8 1-16,-7-9 16,-8-7-16,0-23 15,-8 30-15,0-7 16,1 0 0,-1 7-16,-7 1 15,0-1-15,-8 1 16,-7 7-1,7-15-15,0 0 16,8-1-16,-8 9 16,0 7-1,8-30-15,-15 45 16,0 0-16,-1 1 16,1 7-16,7 0 15,0 0 1,8 7-16,0 1 15,0 0-15,0 7 16,15 8 0,-8 0-16,8 15 15,-23-15-15,0 0 16,16 7-16,7 1 16,15 14-1,0-6-15,-15-24 16,7 8-16,23 45 15,-22-37 1,14-8-16,-14 7 16,-16-7-16,1 0 15,22-8-15,7 8 16,1-7 0,-8-1-16,7-7 15,9-8-15,6 0 16,-7-8-1,-30 0-15,8-7 16,14 7-16,16-15 16,-23 8-16,0-8 15,0-15 1,-7 23-16,7 0 16,7-8-16,-14-8 15,-23 8 1,-8 0-16,0-7 15,0-8-15,8-16 16,-8-7-16,-30 61 16</inkml:trace>
-  <inkml:trace contextRef="#ctx0" brushRef="#br0" timeOffset="66614.55">14772 4534 0,'0'0'0,"0"0"15,0 0-15,7-8 16,1 0 0,15-7-16,-1-16 15,1-7-15,0 0 16,-1 0-16,1-8 15,7-15-15,-15 38 16,1-15 0,14-46-16,-8 23 15,9 0-15,14 8 16,8-8 0,7 15-16,9-23 15,-1 0-15,-8 39 16,1-8-1,-1 0-15,0-1 16,-22 9-16,0 7 16,7 0-16,8 0 15,15-15 1,-7 23-16,-8-1 16,7 9-16,8-8 15,-7 22 1,-8 1-16,0-1 15,0 9-15,-16-1 16,-6 0-16,-1 0 16,8 16-1,15 15-15,-8-23 16,23 38-16,-15-23 16,-8 8-16,1-8 15,-9-8 1,1 1-16,8-1 15,-9-7-15,9 8 16,7 7 0,-16-23-16,9 8 15,-1 0-15,0 0 16,16-8 0,-1-15-16,1-7 15,-1 7-15,1-8 16,14 0-16,1-15 15,7 1 1,-22-1-16,-16 0 16,23-8-16,15-7 15,8-8-15,-8 1 16,-7-1 0,14-15-16,9 7 15,-24 31-15,-22-15 16,8 0-1,7 0-15,22-8 16,-14 8-16,-15 7 16,-1 1-16,8 7 15,0 0 1,0 8-16,-22 22 16,-9-14-16,-6 7 15,6 7 1,-6 9-16,6 7 15,1 7-15,0 1 16,7 14-16,-7-6 16,-8-9-1,16 31-15,-16-30 16,0 7-16,8 8 16,0-1-1,7 9-15,-7-24 16,0 9-16,0-9 15,-1 1 1,-6-16-16,22 76 16,-31-75-16,8 7 15,8 7-15,8 1 16,-1-1 0,8-7-16,0 0 15,0 0-15,0-15 16,15 14-1,0-22-15,7 8 16,-29-8-16,7 0 16,15-8-16,15 1 15,-8-1 1,-7-7-16,0-8 16,0 0-16,16-7 15,6-47-15,-44 54 16,-1 0-1,8 1-15,7-9 16,16 1-16,0-9 16,-8 9-1,0-8-15,-23 22 16,8-6-16,0-9 16,0 8-16,-8 8 15,-7 7 1,-8 1-16,1-1 15,6 8-15,9-8 16,7 8 0,0 8-16,-8-16 15,0 8-15,-7 8 16,0-8-16,-8 0 16,8 0-1,7 8-15,1 7 16,6-8-16,1-7 15,-7 31 1,-8-23-16,-1-8 16,16 7-16,15 1 15,0 0-15,-7-8 16,-16 7 0,-7-14-16,0 14 15,-8-7-15,8-7 16,0-1-1,-1 0-15,1-7 16,-38 15-16</inkml:trace>
-  <inkml:trace contextRef="#ctx0" brushRef="#br0" timeOffset="123441.7">17909 8258 0,'0'0'16,"0"0"-16,-15 8 0,-144 99 0,114-62 15,15-7 1,-1 8-16,1 8 16,8 7-16,-1 15 15,8-22-15,7-1 16,8-15-1,0-7-15,15 14 16,0-6-16,8 6 16,30 9-16,15-16 15,-7 0 1,-16-23-16,0 8 16,16-7-16,14-9 15,1 1 1,-16-8-16,-14-8 15,-8 1-15,7-16 16,-7 7 0,-8 1-16,0-23 15,-15 30-15,0-7 16,1 0-16,-9-8 16,1 0-1,-8 0-15,0-7 16,-8-9-16,1 9 15,-9-16-15,9 16 16,-8-1 0,0 8-16,-8-7 15,0 7-15,-22-15 16,-16-8 0,-29-23-16,14 0 15,76 69-15</inkml:trace>
-  <inkml:trace contextRef="#ctx0" brushRef="#br0" timeOffset="124387.79">19436 8060 0,'0'0'16,"0"0"-16,0 0 15,0 0 1,0 0-16,-7-8 16,-1 8-16,1 0 15,-9 0-15,-21 8 16,-16-1 0,-8 9-16,1-1 15,14 0-15,1 8 16,-8 15-1,0 0-15,0 46 16,8-23-16,0 0 16,7 0-16,8 0 15,7-15 1,0 8-16,16-16 16,7 8-16,7-16 15,23 8-15,16 0 16,14-7-1,-7-16-15,30-7 16,23-16-16,-30 1 16,-23-16-1,-8-8-15,8-7 16,0 8-16,-8-16 16,-7 8-1,-8 7-15,-15 1 16,1-1-16,-9-15 15,-7 8-15,-30-31 16,-15-22 0,-1 7-16,46 84 15</inkml:trace>
-  <inkml:trace contextRef="#ctx0" brushRef="#br0" timeOffset="125405.86">19459 9128 0,'0'0'16,"0"0"-16,-8 0 15,1 0-15,-8 0 16,0 0 0,-1 0-16,-6 0 15,-16 0-15,-15-8 16,-15-7-16,15 8 16,8 14-1,-8-7-15,0 8 16,-15 7-16,-8 0 15,16-7 1,22 0-16,8-1 16,-8 9-16,0-1 15,-15 8 1,8-8-16,0 8 16,7 7-16,0 1 15,8-1-15,7-7 16,0 8-1,8 22-15,0-7 16,8 0-16,7-8 16,7 8-16,8-8 15,8 15 1,0-30-16,30 61 16,-16-61-16,9 23 15,-1 0 1,8-8-16,30 0 15,8-15-15,-23-8 16,15-15 0,8-15-16,7-23 15,-30 0-15,-7-16 16,-9 8-16,16-22 16,8-9-1,-15 9-15,-24 14 16,-6 1-16,-9 7 15,-7-7-15,-15 7 16,-15-61 0,-30 46-16,-31 8 15,-7-1-15,83 54 16</inkml:trace>
-  <inkml:trace contextRef="#ctx0" brushRef="#br0" timeOffset="128609.74">14802 2977 0,'0'0'16,"0"0"-16,0 0 15,-7 15 1,-1 0-16,0 8 16,1 15-16,-1 8 15,-7 46 1,8-24-16,-1 31 15,1-7-15,7 15 16,-8 23-16,0-1 16,1 16-1,-1-15-15,-7 46 16,0-54-16,0 38 16,0 0-1,-8 77-15,8-161 16,-8 46-16,1 16 15,-1 14-15,8-22 16,7 30 0,-7-53-16,8-8 15,7 47-15,0-63 16,-8-29-16,8-1 16,0 1-1,0-16-15,0 8 16,0-16-16,0 1 15,0-8 1,0 7-16,0-15 16,0 8-16,0-7 15,0-1 1,0 0-16,0-7 16,0-1-16,8 1 15,-1 0-15,8 7 16,0-15-1,16 15-15,6-7 16,16-1-16,15 1 16,16 0-1,-1-8-15,-30 7 16,37-7-16,16 8 16,0 15-16,7-8 15,8 0 1,-7-7-16,-23 7 15,45-7-15,0 0 16,0-1 0,22 1-16,-52-8 15,61 15-15,14-23 16,-7 1-16,-8 7 16,1 0-1,14 7-15,23-14 16,-30 7-16,15-8 15,8 1 1,52 7-16,-98 0 16,106-54-16,-53 92 15,-7-30-15,7-8 16,8 8 0,52-16-16,-143 16 15,129-1-15,-61-14 16,0 14-1,-8-7-15,23 23 16,-7-23-16,-38 8 16,-8-8-1,38 7-15,-38-7 16,23 8-16,-91 0 16,53-8-16,15-16 15,-30 47 1,0-62-16,0 39 15,-53-8-15,8-8 16,30 1-16,-1-1 16,-29-7-1,7 0-15,16-8 16,-16 7-16,-23-6 16,-14 6-1,-9 1-15,-6 7 16,-1-7-16,8 0 15,-8 7-15,0 1 16,0-1 0,-7 0-16,0 1 15,-8-1-15,0 0 16,0 1 0,-7-1-16,-1-7 15,1 0-15,-1-8 16,-7 0-16,0-8 15,0-7 1,0-23-16,0 23 16,0-16-16,0-14 15,0-1 1,0-22-16,0-9 16,0-7-16,-7 16 15,7-8-15,-8-1 16,1-6-1,-1-9-15,8 16 16,0-23-16,0 15 16,15-8-1,-7-22-15,-1 15 16,8-15-16,-7 22 16,0-15-16,-1 8 15,1 23 1,-1 0-16,8-39 15,-7 47-15,-1-8 16,1-8 0,7 0-16,-7 15 15,-1 8-15,1 8 16,-1-8 0,-7 0-16,0 15 15,-7 31-15,-1-8 16,1 8-16,-8 0 15,-8-8 1,0 16-16,-7-1 16,-15-7-16,7 15 15,0-7-15,8 14 16,-31-6 0,-29-9-16,-24 8 15,16 8-15,-38 7 16,7 1-1,46 7-15,-76-8 16,-7 8-16,-46-23 16,54 23-16,-31-15 15,-15 0 1,-69-8-16,115 15 16,-137-7-16,23 22 15,83 9 1,-106-1-16,8-23 15,-39 54-15,-14 7 16,98-37 0,-105 14-16,82-7 15,-151 31-15,121-24 16,-158 16-16,143-31 16,-212 23-1,220-15-15,-295 54 16,272-47-16,-250 46 15,68-15-15,447-53 16</inkml:trace>
+  <inkml:trace contextRef="#ctx0" brushRef="#br0">7898 6403 0,'26'13'94,"-12"0"-79,12 1 1,-13-1 0,-13 0-16,13 14 15,-13 12-15,27 14 16,-27-13-16,0-14 16,13 27-16,0-26 15,1 12-15,-1-25 16,0 12-1,0-13 1,-13 0-16,0 1 141,13-1-141,14 0 15,-1-13 1,14 13-16,0-13 16,-27 0-16,27 0 15,-14 14-15,27-14 16,-26 26-16,-14-26 15,26 13-15,-12 1 16,-14-14-16,14 26 16,12-26-1,-12 26-15,-14-12 16,0-1-16,0-13 16,1 0-16,-1 0 31,0 13-31,0 0 15,14-13 1,-14 14 78,0-1-79,0-13-15,-13 13 16,14 0 0</inkml:trace>
+  <inkml:trace contextRef="#ctx0" brushRef="#br0" timeOffset="2856.19">10517 7210 0,'-13'-27'47,"-119"-65"-15,-186-54 30,80 54-15,225 92-47,-27-27 0,-39 27 16,26-26-1,13 13-15,-145 13 31,-13 0 1,-424 0 30,291 13 16,305 0-78,12-13 0,-12 13 16,-80 133 15,66-93-15,14 0-1,13 0 17,-1-27-32,14 14 15,0-27-15,0 27 0,0-27 16,14 26 0,-1 1-16,0 0 15,0-14-15,1 1 16,25 26-1,-26-27-15,40 1 16,-39-14-16,52 40 16,-53-40-16,27 27 15,-14-27-15,27 13 16,26 27-16,14-39 16,-53-14-16,52 52 15,27-38-15,-13-1 16,53 0-16,-93-13 15,93 13-15,0-13 16,-80 0-16,-39 0 16,105 0-16,14 0 15,0 0-15,-93 0 16,93 0-16,-14 0 16,-39 0-16,-80-13 15,41-13-15,-15-14 16,-38 0-16,-1 27 15,-13 0 1,0 0-16,13-54 0,-13 41 16,0 13-16,0-40 15,0 13-15,0-13 16,0 40 0,0-27-16,0 14 15,0-14-15,0 14 16,-13-14-16,13 27 15,-27-40-15,14 26 16,13 14 0,-13 0-1,0 0 1,0 13-16,-40-27 16,26 27-1,1-13-15,-1 13 16,-12 0-16,25 0 15,-12 0-15,13 0 16,-1 0-16,1 0 16,0 0-1</inkml:trace>
+  <inkml:trace contextRef="#ctx0" brushRef="#br0" timeOffset="19921.93">9816 8520 0,'0'0'15,"-93"13"-15,1 40 0,-67 53 32,133-67-32,-14 80 15,27-26 1,-1 0-16,14-67 16,-26 40-1,26 0-15,0-26 16,0-14-16,0 41 0,0-28 15,0 27 1,0-39-16,26 52 16,1-26-16,26 13 15,13-26-15,-53-27 16,53 14-16,14-1 16,26-26-16,-53 0 15,-1 0-15,81 0 16,-27 0-16,-54 0 15,28 0-15,26-26 16,13-27-16,-93 53 16,27-27-16,13-26 15,-39 14-15,-27-27 16,13 39-16,-13-66 16,0-12-16,0 12 15,-13 40-15,-106-145 16,13 12-16,-26 1 15,92 132-15,-26-26 16,-40-40 0,53 53-16</inkml:trace>
+  <inkml:trace contextRef="#ctx0" brushRef="#br0" timeOffset="34394.87">6284 7382 0,'0'0'0,"-13"0"0,-1-27 16,1 27-1,-13-26 1,-1 26 0,-12 0 15,25 0-31,-12 0 15,13 0-15,-14 0 16,14-13-16,-13 13 16,-41-14-16,28 14 15,25 0-15,-38 0 16,-1 0-16,-27-39 16,54 39-16,-54 0 15,14-13-15,27 13 16,-14 0-16,39 0 15,-12 0-15,13 0 16,0 0-16,-1 0 16,1 0-1,-13 0 1,-1 26 0,-13 14-16,27-1 15,0 1-15,-13 0 0,-1 13 16,14 0-1,0-27-15,13 14 16,-14 26-16,14-26 16,0 13-16,0-40 15,0 53-15,0-26 16,0 12-16,14-25 16,-1 26-16,27-13 15,-1 26-15,1-40 16,-27 1-16,27-14 15,0 27-15,-1-14 16,1-13-16,39 14 16,-13-1-16,53-13 15,-52-13-15,-1 0 16,13 0-16,14 0 16,26 0-16,-93 0 15,67 0-15,13-39 16,-40-1-16,-53 27 15,53-40-15,-39 13 16,-1-52-16,-13 65 16,-13-26-16,0 13 15,0-12 1,0 25-16,0 1 16,0-1-16,-13-12 15,-40-28-15,40 41 16,0 26-1</inkml:trace>
+  <inkml:trace contextRef="#ctx0" brushRef="#br0" timeOffset="52924.27">18547 7435 0,'0'0'16,"-53"-27"-1,27 14-15,13 13 0,-14 0 16,1 0 0,13-13-16,-1 13 15,1 0 32,-13 0-31,12 0-16,-12 0 15,-14 13 1,27-13-16,-27 27 16,-13-1-16,-26 0 15,0 41-15,52-67 16,-65 66-16,-1 0 15,14-26-15,26-14 16,-13 40-16,-27-26 16,27 13-16,39-40 15,-78 40-15,25 13 16,14-13-16,-53 40 16,79-80-16,-52 106 15,-27 13-15,39 14 16,41-67-16,-67 80 15,66-93-15,-13 53 16,13-53-16,-13 27 16,14 13-16,12 13 15,1-13-15,26-93 16,-13 93-16,-1 26 16,14-13-16,0-66 15,0 79-15,0-52 16,0 25-16,0-78 15,0 52-15,27 14 16,-14-54 0,0-12-16,27 66 15,-14-54-15,1 14 16,-1-13-16,1 0 16,26 12-1,-27-25-15,1-1 16,39 14-16,13 13 15,40 0-15,-92-53 16,52 53-16,53-27 16,1 14-16,25-27 15,-91-13-15,105 0 16,-14 0-16,-39 0 16,-39 0-16,39 0 15,-27 0-15,54 0 16,-80 0-16,106 0 15,13-26-15,40-40 16,79-27-16,-198 40 16,132-40-16,40-65 15,-66 52-15,-133 53 16,93-93-16,-39 27 16,-1-13-16,-79 79 15,39-79 1,-39 0-16,0 13 15,-13-14-15,-27 80 16,14-79-16,12-13 16,-12-1-16,-14 106 15,-13-92-15,0 26 16,0-26-16,0 79 16,0-93-16,0 14 15,0 26-15,0 67 16,0-54-16,-27 14 15,-12-1-15,-14 1 16,0 13-16,-13-14 16,-53-12-16,-14-1 15,94 67-15,-133-54 16,-40-12-16,-13 26 16,172 39-1,-92 14-15,26 13 0,13 0 16,0 0-16,66 0 15,-52 0-15,12 0 16,-25 26-16,65 1 16,-66 12-16,-13 14 15,0 0 1,66-39-16,-66 25 16,13 1-16,27-14 15,39-12-15,40-1 16,-26-13-16,26 13 15</inkml:trace>
+  <inkml:trace contextRef="#ctx0" brushRef="#br0" timeOffset="88133.9">14076 5715 0,'13'0'63,"-13"40"-63,0-27 15,0 27-15,0-1 16,0 1-16,0-14 16,0 1-16,0 26 15,0-27-15,-13 27 16,13-40-16,-27 27 15,27-13-15,-13 25 16,0 1 0,-14-13-16,14-13 15,-13 25-15,26-38 16,-27 52 0,14-66-16,13 13 15,-13 40 1,0-40-16,13 0 15,-14 14-15,-12-1 16,26 1-16,-40-1 16,27 27-16,0-40 15,-27 40-15,0 13 16,1-13-16,26-39 16,-27 39-16,0-1 15,14-25-15,-1-1 16,14 14-16,-13-27 15,-14 27-15,0 0 16,14-14 0,-27 27-16,13-13 15,0-27-15,1 53 16,-41-26-16,27 13 16,27-40-16,-53 40 15,26-40-15,-40 53 16,67-53-16,-14 14 15,-26-1-15,26 1 16,-13-1-16,40-26 16,-14 14-16,-25 38 15,12-52-15,27 14 16,-14-1 0,-12 0-16,12 0 15,27 1-15,-66 12 16,26 0-16,-39 1 15,39-1-15,0 1 16,-26-1-16,13-12 16,-26 25-16,39-26 15,-13 27-15,27-40 16,-40 27-16,39-1 16,1-13-16,13-13 15,-27 14-15,27-1 16,0-13-1,-14 0-15,1 13 16,12-13-16,1 0 16,-13 0-1,12 13 1,1-13 93,0 0-93,0-66-16,0 26 16,-1-26-16,1 0 15,0 40 1,13 12-16,0 1 31,-13 66 63,-1-40-79,14 1-15,0 25 16,0-26 0,0 1-1,0-1-15,0 13 16,0-12 0,0-1-1,0 0 1,14-13 15,25 0-31,-12 0 16,-1 0-16,14 0 15,13 0-15,-27 0 16,-12-13-16,12-27 234,0-39-218,-26 39 0,0 27-16,0-14 15,0-12-15,0-1 16,14 40-16,-1-26 31,-13 52 32,-27 40-63,14-39 15,-13-14-15,-14 40 16,14-27-16,12-13 15,1-13-15,0 14 16,13-1 156,13 0-172,53-13 16,0 0-16,40 0 15,0 13-15,-66-13 16,39 27-16,-13-27 15,-26 26-15,-53-12 110,-14-14-95,14 0-15,0 0 16,0 0 15</inkml:trace>
 </inkml:ink>
 </file>
 
@@ -1649,27 +1588,26 @@
     <inkml:context xml:id="ctx0">
       <inkml:inkSource xml:id="inkSrc0">
         <inkml:traceFormat>
-          <inkml:channel name="X" type="integer" max="3360" units="cm"/>
-          <inkml:channel name="Y" type="integer" max="1872" units="cm"/>
+          <inkml:channel name="X" type="integer" max="5120" units="cm"/>
+          <inkml:channel name="Y" type="integer" max="1800" units="cm"/>
           <inkml:channel name="T" type="integer" max="2.14748E9" units="dev"/>
         </inkml:traceFormat>
         <inkml:channelProperties>
-          <inkml:channelProperty channel="X" name="resolution" value="114.28571" units="1/cm"/>
-          <inkml:channelProperty channel="Y" name="resolution" value="112.77109" units="1/cm"/>
+          <inkml:channelProperty channel="X" name="resolution" value="174.14966" units="1/cm"/>
+          <inkml:channelProperty channel="Y" name="resolution" value="109.09091" units="1/cm"/>
           <inkml:channelProperty channel="T" name="resolution" value="1" units="1/dev"/>
         </inkml:channelProperties>
       </inkml:inkSource>
-      <inkml:timestamp xml:id="ts0" timeString="2021-03-02T02:07:09.505"/>
+      <inkml:timestamp xml:id="ts0" timeString="2022-03-08T03:21:49.265"/>
     </inkml:context>
     <inkml:brush xml:id="br0">
       <inkml:brushProperty name="width" value="0.05292" units="cm"/>
       <inkml:brushProperty name="height" value="0.05292" units="cm"/>
-      <inkml:brushProperty name="color" value="#00B0F0"/>
+      <inkml:brushProperty name="color" value="#FF0000"/>
     </inkml:brush>
   </inkml:definitions>
-  <inkml:trace contextRef="#ctx0" brushRef="#br0">2752 2618 0,'0'0'0,"0"0"15,0 0-15,0-8 0,7 8 16,8 0-16,8 8 16,7-1-16,16 9 15,14-9 1,8 9-16,0-1 16,0-7-16,15 7 15,1-8-15,-39 1 16,8 0-1,15-1-15,8-7 16,-1 0-16,-14-7 16,-1 7-1,-7 0-15,0 0 16,0 0-16,0 0 16,-8 0-16,-7 0 15,-8 7 1,-7-7-16,-8 0 15,0 0-15,-7 0 16,-8 0-16</inkml:trace>
-  <inkml:trace contextRef="#ctx0" brushRef="#br0" timeOffset="377.09">4559 2610 0,'0'0'16,"0"0"-16,0 0 16,0 0-16,7 0 15,8 8 1,8-8-16,0 0 15,-1 7-15,9-7 16,6 0-16,16 0 16,-7 8-1,22 0-15,37 7 16,1 0 0,0 1-16,30-9 15,-22 1-15,-39-8 16,24 7-16,6-7 15,1 0-15,-23 8 16,-83-8 0</inkml:trace>
-  <inkml:trace contextRef="#ctx0" brushRef="#br0" timeOffset="22844.82">4196 6190 0,'0'0'16,"0"0"0,15 0-16,30-8 15,38 16-15,8-1 16,15 1-16,30 7 16,-30 1-1,53 6-15,30 24 16,-38-15-16</inkml:trace>
+  <inkml:trace contextRef="#ctx0" brushRef="#br0">5159 8811 0,'14'0'63,"39"0"-63,52 0 15,1-14 1,79 1 0,133-27-1,-146 40 1,251 0-1,40 0 1,252 0 0,-94 0-1,-224 0-15,476 0 16,-370 0 0,185 0-1,-265 0 16,212 0-15,-211 0 0,92 0-1,-27-13 1,-224 0 0,92 0-1,-145 13 1,26 0-1,13-13 1,-79-14 0,53 1-1,-53 12 1,106-39 0,-14 53-1,-131 0 16,25 0-15,-65 0 0,0 0-1,-41 0 1,-38 0 0</inkml:trace>
+  <inkml:trace contextRef="#ctx0" brushRef="#br0" timeOffset="1139.41">4749 9816 0,'-13'0'31,"13"13"-15,13-13-1,14 0 1,26 0-16,79 0 16,106 0-1,-172 0 1,1178 0-1,-570 0 1,544 0 0,-279 0-1,238 0 1,-317 0 15,-529 0-15,-252 0-1</inkml:trace>
 </inkml:ink>
 </file>
 
@@ -1679,110 +1617,26 @@
     <inkml:context xml:id="ctx0">
       <inkml:inkSource xml:id="inkSrc0">
         <inkml:traceFormat>
-          <inkml:channel name="X" type="integer" max="3360" units="cm"/>
-          <inkml:channel name="Y" type="integer" max="1872" units="cm"/>
+          <inkml:channel name="X" type="integer" max="5120" units="cm"/>
+          <inkml:channel name="Y" type="integer" max="1800" units="cm"/>
           <inkml:channel name="T" type="integer" max="2.14748E9" units="dev"/>
         </inkml:traceFormat>
         <inkml:channelProperties>
-          <inkml:channelProperty channel="X" name="resolution" value="114.28571" units="1/cm"/>
-          <inkml:channelProperty channel="Y" name="resolution" value="112.77109" units="1/cm"/>
+          <inkml:channelProperty channel="X" name="resolution" value="174.14966" units="1/cm"/>
+          <inkml:channelProperty channel="Y" name="resolution" value="109.09091" units="1/cm"/>
           <inkml:channelProperty channel="T" name="resolution" value="1" units="1/dev"/>
         </inkml:channelProperties>
       </inkml:inkSource>
-      <inkml:timestamp xml:id="ts0" timeString="2021-03-02T02:08:50.749"/>
+      <inkml:timestamp xml:id="ts0" timeString="2022-03-08T03:26:28.611"/>
     </inkml:context>
     <inkml:brush xml:id="br0">
       <inkml:brushProperty name="width" value="0.05292" units="cm"/>
       <inkml:brushProperty name="height" value="0.05292" units="cm"/>
-      <inkml:brushProperty name="color" value="#C00000"/>
-    </inkml:brush>
-    <inkml:brush xml:id="br1">
-      <inkml:brushProperty name="width" value="0.05292" units="cm"/>
-      <inkml:brushProperty name="height" value="0.05292" units="cm"/>
-      <inkml:brushProperty name="color" value="#00B0F0"/>
-    </inkml:brush>
-    <inkml:brush xml:id="br2">
-      <inkml:brushProperty name="width" value="0.05292" units="cm"/>
-      <inkml:brushProperty name="height" value="0.05292" units="cm"/>
-      <inkml:brushProperty name="color" value="#92D050"/>
+      <inkml:brushProperty name="color" value="#FF0000"/>
     </inkml:brush>
   </inkml:definitions>
-  <inkml:trace contextRef="#ctx0" brushRef="#br0">5836 4923 0,'0'0'0,"0"0"16,0 0 0,0 0-16,0 0 15,0 0-15,0 0 16,0 0-16,0 0 16,0 7-1,0 9-15,0 7 16,0 7-16,0 8 15,0 0-15,8 1 16,-8 6 0,0-6-16,0-17 15,0 1-15,0 0 16,0 0 0,0 0-16,0 0 15,0 0-15,0-8 16,0 0-16,-8 8 15,8 0 1,0-23-16</inkml:trace>
-  <inkml:trace contextRef="#ctx0" brushRef="#br0" timeOffset="2108.53">6161 6144 0,'0'0'0,"0"0"15,0 0-15,0 0 16,0-8-1,0 1-15,-7-1 16,-1 0-16,1 1 16,-9-8-1,9 7-15,-8-7 16,0 7-16,0 0 16,-1 1-16,-6-1 15,-1 0 1,0 1-16,1 7 15,-1 0-15,0 0 16,1 7-16,-1 1 16,-7 0-1,7-1-15,0 1 16,1 7-16,-1 1 16,8-1-16,0 0 15,0 8 1,7 0-16,1 0 15,-1 7-15,0-7 16,1 0 0,7 0-16,0 0 15,0 0-15,0 0 16,7 0-16,1 7 16,15 1-1,7-1-15,8-7 16,0-8-16,-1 1 15,-6-9 1,-1-7-16,0 0 16,8-7-16,0-1 15,-1 0-15,1-7 16,-8 0-16,-7-1 16,0 1-1,-8 8-15,0-1 16,-7 0-16,-1 1 15,1-9 1,-8 9-16,0-1 16,0-7-16,0 7 15,-8-7-15,1 0 16,-9-1 0,1 1-16,0 0 15,8 7-15,-1 1 16,-22-1-1,30 8-15</inkml:trace>
-  <inkml:trace contextRef="#ctx0" brushRef="#br0" timeOffset="5742.81">5965 7144 0,'0'0'0,"0"0"16,0 0-16,0 0 15,0 0-15,0 0 16,0 0-1,0 0-15,0 0 16,0 7-16,0 1 16,7 7-1,-7 1-15,0 14 16,0 1-16,0-9 16,0 17-16,0-9 15,0-7 1,0 8-16,0-8 15,0-1-15,0-6 16,0-1-16,0 0 16,0 8-1,0-8-15,0 1 16,0-9-16,-7 9 16,-1-1-16,1 0 15,-1 0 1,0-7-16,1 7 15,7-15-15</inkml:trace>
-  <inkml:trace contextRef="#ctx0" brushRef="#br0" timeOffset="6836.82">6033 8243 0,'0'0'0,"0"0"16,0 0-1,0 0-15,0 0 16,0 0-16,0 0 16,0 15-16,0-7 15,7 22 1,-7 8-16,0-7 16,8 7-16,-8 0 15,0-7-15,0-1 16,0 1-1,0-8-15,0 0 16,0 0-16,0-8 16,0 0-1,0 0-15,0-7 16,0 0-16,0-1 16,0 1-16,0 15 15,0-23 1</inkml:trace>
-  <inkml:trace contextRef="#ctx0" brushRef="#br0" timeOffset="7879.36">6131 9296 0,'0'0'0,"0"0"15,0 0 1,0 0-16,0 0 16,0 0-16,0 0 15,0 0 1,0 0-16,0 0 16,0 0-16,0 0 15,-8 8-15,1 7 16,-1 8-1,-7 0-15,0 7 16,8 1-16,-1-1 16,0-7-16,1 0 15,-1 0 1,8 0-16,-7 0 16,7-8-16,0 0 15,0 1 1,0-1-16,0-8 15,0 1-15,0 7 16,0-15-16</inkml:trace>
-  <inkml:trace contextRef="#ctx0" brushRef="#br0" timeOffset="9544.49">6237 9517 0,'0'0'0,"0"0"16,0 0-1,0 0-15,0 0 16,0 0-16,0 0 16,0 0-1,0 0-15,0 16 16,0 7-16,7 15 15,1 7-15,7 9 16,0-1 0,0 1-16,-7-1 15,-1-15-15,1-7 16,0-1-16,-8 1 16,0-8-1,0 0-15,0-8 16,0 0-16,0-7 15,0 0 1,0-8-16,0 7 16,0 1-16,0-8 15,0 15-15,0-15 16</inkml:trace>
-  <inkml:trace contextRef="#ctx0" brushRef="#br0" timeOffset="11003.47">6577 10967 0,'0'0'16,"0"0"-16,0 0 15,0 0 1,0 0-16,0 0 15,0 0-15,0 0 16,-8-7-16,1-1 16,-8-7-1,0 7-15,0-7 16,-1 0-16,1 7 16,0 1-1,0-1-15,8 8 16,-1 0-16,-7 0 15,0 8 1,7-8-16,-7 15 16,0 0-16,0 8 15,0 0-15,0 0 16,7 7-16,0-7 16,8 8-1,0 7-15,8 8 16,0-1-16,-1-14 15,1 7 1,7-7-16,7-1 16,9 1-16,7-16 15,14 0-15,1-7 16,-7-16 0,-8 1-16,-1-1 15,9-7 1,-9-1-16,1-6 15,8-17-15,-9-14 16,-6-8-16,-9 0 16,-14 7-16,-1 1 15,-7 7 1,-7 8-16,-16-8 16,-7 8-16,-8 8 15,8-1-15,-8 16 16,-15 0-1,-22 7-15,-16 8 16,91 0-16</inkml:trace>
-  <inkml:trace contextRef="#ctx0" brushRef="#br0" timeOffset="116220.5">8308 4633 0,'0'0'0,"0"0"0,0 0 0,0 0 16,0 0-16,0 0 15,0 0-15,0 0 16,0 0-1,0 0-15,0 15 16,-7 16-16,-1-1 16,1 16-16,-9 0 15,9-8 1,-1-8-16,-7 9 16,0-1-16,8 0 15,-9 0 1,9-7-16,-1-1 15,1 1-15,-1-1 16,1-7-16,-1-8 16,0 1-1,1-1-15,-1-8 16,8 1-16,0-8 16,0 0-16,0 0 15,0 0 1,0 0-16</inkml:trace>
-  <inkml:trace contextRef="#ctx0" brushRef="#br0" timeOffset="116941.02">8407 4679 0,'0'0'0,"0"0"16,0 0-16,0 0 15,0 0 1,0 0-16,0 0 15,0 0-15,0 7 16,0 1-16,7 7 16,1 0-1,7 8-15,0 0 16,0 0-16,-7-8 16,-1 1-1,1-1-15,-1-8 16,1 1-16,-1 0 15,1-1-15,-1 1 16,9-8 0,-1 0-16,7 0 15,1-8-15,7 1 16,1-9-16,6-6 16,-14-1-1,0 0-15,-1 0 16,-6 8-16,-1-1 15,0 1-15,-8 7 16,1 1 0,-1-1-16,-7 8 15,0 0-15,0 0 16,0 0 0,0 0-16,0 0 15,0 15-15,0 8 16,0 15-1,0 1-15,0-1 16,-7 0-16,7 0 16,0 8-16,0 0 15,0 0 1,0-8-16,0 0 16,0-38-16</inkml:trace>
-  <inkml:trace contextRef="#ctx0" brushRef="#br0" timeOffset="119162.23">8255 5770 0,'0'0'0,"0"0"15,0 0-15,0 0 16,0 0-16,0 0 15,0 0 1,0 0-16,0 8 16,0 14-16,0 17 15,0 6 1,0-6-16,0 6 16,0 1-16,0 8 15,0-1-15,0-7 16,0-8-1,0-7-15,0-9 16,0-6-16,0-9 16,0 1-16,0-8 15,0 0 1</inkml:trace>
-  <inkml:trace contextRef="#ctx0" brushRef="#br0" timeOffset="119595.99">8429 6091 0,'0'0'0,"0"0"16,0 0-16,0 0 16,0 0-16,0 0 15,8 0 1,7-8-16,0 8 16,8 0-16,7-8 15,8 1-15,0-1 16,-1 0-1,-6 1-15,-9 7 16,1-8-16,0 0 16,-8 8-1,0 0-15,-8 0 16,1 0-16,-8 0 16,0 0-16,8 0 15,-1-7 1,-7 7-16</inkml:trace>
-  <inkml:trace contextRef="#ctx0" brushRef="#br0" timeOffset="119899.39">8928 5717 0,'0'0'0,"0"0"16,0 0-1,0 0-15,0 15 16,-7 15-16,-1 24 16,0-1-1,8-7-15,-7 0 16,7 0-16,0-1 15,0 9-15,0-8 16,7-1 0,1 1-16,-8-46 15</inkml:trace>
-  <inkml:trace contextRef="#ctx0" brushRef="#br0" timeOffset="121945.38">8316 7075 0,'0'0'16,"0"0"-16,0 15 16,0 16-1,0 38-15,0 7 16,7-7-16,1-16 15,-8 0-15,0 16 16,0-15 0,0-1-16,7-15 15,-7-7-15,8-8 16,0-16-16,-8-7 16,0 0-1</inkml:trace>
-  <inkml:trace contextRef="#ctx0" brushRef="#br0" timeOffset="122511.87">8361 7151 0,'0'0'15,"0"0"-15,8 8 16,-1 7-16,8 8 16,1-8-1,6 1-15,-7-9 16,0 1-16,1-8 15,6 0-15,16-8 16,7-7 0,1 0-16,-8 0 15,-8-1-15,8 1 16,-16 0 0,1-1-16,-8 1 15,0 8-15,-7-1 16,-1 0-1,-7 8-15,0 0 16,0 0-16,0 0 16,0 0-16,8 8 15,-1 0-15,9 30 16,-1 23 0,0 7-16,-8-22 15,8 0-15,1-8 16,-1 0-1,-8-7-15,8 22 16,-7-22-16,-8-31 16</inkml:trace>
-  <inkml:trace contextRef="#ctx0" brushRef="#br0" timeOffset="123634.37">8270 8075 0,'0'0'16,"0"0"-16,0 0 16,0 0-1,0 0-15,0 0 16,0 0-16,0 0 15,0 0 1,0 0-16,0 15 16,8 8-16,0 15 15,-1 8-15,1 7 16,-1 1 0,1-16-16,-1 0 15,1-15-15,-8-8 16,0 1-16,0-9 15,0 1 1,0-8-16,0 0 16</inkml:trace>
-  <inkml:trace contextRef="#ctx0" brushRef="#br0" timeOffset="123994.46">8286 8365 0,'0'0'0,"0"0"0,0 0 16,0 0 0,15-8-16,7 1 15,1-1-15,7-7 16,1-1-1,-1 9-15,-8-1 16,9 1-16,-1-9 16,0 9-16,0-1 15,1 0 1,-9 1-16,1-1 16,-8 8-16,0 0 15,-7 0-15,-1 0 16,8 0-1,1-7-15,-16 7 16</inkml:trace>
-  <inkml:trace contextRef="#ctx0" brushRef="#br0" timeOffset="124275.98">8860 7907 0,'0'0'15,"0"0"-15,0 0 16,0 0-16,0 0 16,0 15-16,0 16 15,0 15 1,0-1-16,8 9 15,-8-1-15,7 8 16,-7-15-16,8 7 16,-8-53-1</inkml:trace>
-  <inkml:trace contextRef="#ctx0" brushRef="#br0" timeOffset="126029.33">8384 9166 0,'0'0'16,"0"0"-16,0 0 15,0 0-15,0 0 16,0 0 0,0 8-16,0 15 15,0 15-15,7 31 16,9 38-16,-9-16 16,1-7-1,7 0-15,0 8 16,-8-47-16,1-6 15,0-9 1,-8-15-16,0 1 16,0-16-16,0 0 15</inkml:trace>
-  <inkml:trace contextRef="#ctx0" brushRef="#br0" timeOffset="126594.38">8459 9365 0,'0'0'0,"0"0"16,0 0-16,8 7 15,0 1-15,-1 0 16,1-1 0,7 1-16,0 0 15,8-1-15,14-7 16,1-7 0,8-9-16,-9 1 15,1 0-15,-8-8 16,-7 8-16,-8-1 15,0 1 1,0 0-16,-7 0 16,0 7-16,-1 0 15,1 1-15,-8 7 16,7-8 0,-7 8-16,0 0 15,0 0-15,0 0 16,8 8-1,-1 7-15,8 15 16,1 16-16,-1 8 16,0-1-16,0-7 15,0-8 1,0 0-16,-7-7 16,7 14-16,0 9 15,-7-8 1,-8-46-16</inkml:trace>
-  <inkml:trace contextRef="#ctx0" brushRef="#br0" timeOffset="129474.87">8520 10448 0,'0'0'0,"0"0"15,0 0-15,0 0 16,0 0-16,0 0 15,0 0 1,0 0-16,0 0 16,0 16-16,0 22 15,0 15-15,0 1 16,7-1 0,-7 16-16,0 15 15,0-15-15,0-16 16,0 0-16,0-7 15,0 0 1,0-8-16,0-7 16,0-8-16,0-1 15,0-6-15,0-9 16,0 1 0,0-8-16,0 0 15,0 0-15,0 0 16,0 0-1</inkml:trace>
-  <inkml:trace contextRef="#ctx0" brushRef="#br0" timeOffset="129868.37">8527 10922 0,'0'0'16,"0"0"0,0 0-16,0 0 15,0 0-15,16 0 16,6-8-16,16 0 15,15 1 1,0-1-16,-8 1 16,-7 7-16,0-8 15,-8 8 1,0 0-16,1 0 16,-9 0-16,1 0 15,-8 0-15,8-8 16,-1 1-1,1-1-15,-23 8 16</inkml:trace>
-  <inkml:trace contextRef="#ctx0" brushRef="#br0" timeOffset="130290.49">9306 10097 0,'0'0'16,"0"0"-1,0 0-15,0 0 16,0 0-16,0 8 16,0 23-16,8 22 15,-1 16 1,1 7-16,-8 16 16,0-1-16,0-22 15,0 0-15,0-1 16,0 16-1,-8-7-15,8-9 16,0-14-16,0 30 16,8 15-1,7-30-15,-15-69 16</inkml:trace>
-  <inkml:trace contextRef="#ctx0" brushRef="#br1" timeOffset="150586.26">9435 4358 0,'0'0'16,"0"0"-16,0 0 16,0-8-1,0 1-15,0-1 16,0 0-16,-8 1 16,-7-8-1,-8-1-15,-7 1 16,7 0-16,-22 0 15,-46-1-15,-30 9 16,23 7 0,-15 7-16,-1 1 15,31 0-15,0 7 16,-38 8-16,8-8 16,22-7-1,-15-1-15,0-7 16,15 0-16,1 0 15,-24-7-15,9 7 16,-1 0 0,0 0-16,0 7 15,30 1-15,8-8 16,-22 0 0,-16 7-16,15 1 15,0-8-15,1 15 16,-9-7-16,16 0 15,23-1 1,-8 1-16,-15 22 16,7-7-16,0-7 15,8-1-15,0 0 16,0 8 0,-7 0-16,-1 0 15,23 0-15,0 0 16,-7 15-1,-1-8-15,1 16 16,-1-8-16,16 8 16,7-8-16,8-15 15,0 8 1,7-8-16,0 7 16,1 8-16,7-7 15,7-1 1,0 1-16,1-1 15,7 1-15,0-1 16,7 1-16,1-8 16,7 7-1,8 1-15,7-1 16,0 1-16,31 7 16,-1-7-16,8-1 15,8 1 1,30 7-16,0-8 15,-1-14-15,9 7 16,22-1 0,-61-6-16,46-1 15,23 0-15,-15 8 16,22 0 0,-23 0-16,-22-8 15,38 0-15,-23-15 16,15 8-16,30 7 15,-68-7 1,46 0-16,15-8 16,-23-16-16,23-7 15,-54 8-15,31 0 16,8-8-16,-38 0 16,38 8-1,-8-8-15,-53-8 16,30-7-16,8-8 15,-30 1 1,7-9-16,-7 8 16,15-22-16,-46 22 15,-7-30-15,-23 37 16,-15-6 0,1 7-16,-9-1 15,1-6 1,-16-1-16,-7 0 15,-23-15-15,-7 0 16,-23 7-16,0-7 16,-8 8-16,-30 15 15,-7-16 1,30 16-16,-68-8 16,15 24-16,-16 22 15,-6-8-15</inkml:trace>
-  <inkml:trace contextRef="#ctx0" brushRef="#br1" timeOffset="151886.85">8875 7045 0,'0'0'16,"-7"-8"-16,-16-7 15,-30-8 1,-15-15-16,8 7 16,-1 1-16,-22-9 15,-15 9-15,-8-1 16,-8 8-1,-14 1-15,14-1 16,-6 7-16,-62 9 16,31-1-1,-23 16-15,61-8 16,-69 15-16,1-7 16,-1 7-16,46 0 15,15 16-15,-45-1 16,37 8-1,-37 23-15,38-30 16,22 15-16,-8 0 16,1-8-1,30 0-15,0 8 16,7 7-16,16-7 16,14 0-1,16-8-15,7-8 16,16 9-16,7-1 15,15 7-15,15 17 16,15-1 0,24 0-16,21-8 15,24-7-15,-24-16 16,39 1-16,30-8 16,-8 0-1,15-8-15,-60-15 16,60 0-16,8 0 15,8 0-15,-24 0 16,9 0 0,14 8-16,8-1 15,-15 1-15,-8-23 16,23-8 0,-22 7-16,-1-6 15,-60 6-15,30-7 16,-15 0-16,-23 1 15,-7-9 1,0 1-16,-16 7 16,-22 0-16,-15 0 15,-16 8-15,-14-1 16,0 1 0,-1 0-16,-14-8 15,-24-23-15,-52-15 16,-23-15-1,-83-16-15,61 31 16,-46 15-16,15 8 16</inkml:trace>
-  <inkml:trace contextRef="#ctx0" brushRef="#br1" timeOffset="153242.97">8921 8983 0,'0'0'16,"0"0"-16,0 0 15,-23-15-15,-15 0 16,-22-8-16,-24 0 15,16 0 1,-22-8-16,-39-7 16,16 0-16,15 15 15,-54-7 1,46 14-16,-7 1 16,-61 0-16,53 7 15,-22 8-15,-1 0 16,38 8-1,-68 7-15,46-15 16,-46 31-16,23-1 16,60 1-16,-68 14 15,8-6 1,22 6-16,1 9 16,37-1-16,8-7 15,0 7 1,0 1-16,22-8 15,8-8-15,8 0 16,15-7-16,7 7 16,0 8-1,16-8-15,-1 7 16,8-14-16,8 7 16,7-7-16,15 14 15,16 1 1,29 15-16,-7-7 15,8-1-15,37 1 16,-14-24-16,52 24 16,0-24-1,-45 1-15,15-8 16,45-1-16,-30 1 16,46 0-1,-69-8-15,38-15 16,15 16-16,-7-9 15,45-22-15,-98 15 16,68-23 0,-15 0-16,22-15 15,-45 0-15,0 7 16,31-14 0,-54 7-16,38-31 15,-22 15-15,-54 1 16,1-8-16,0-8 15,-8-7 1,-31 22-16,-6-7 16,-24 23-16,-14-15 15,-24-8-15,-14 0 16,-23 0 0,-76 0-16,1 38 15,-92 15-15,84 54 16,-98 15-1,60-15-15,38-16 16</inkml:trace>
-  <inkml:trace contextRef="#ctx0" brushRef="#br1" timeOffset="205701.55">15792 5579 0,'0'0'16,"0"0"-16,0 0 0,16 23 0,-9-8 15,1 8-15,-8 8 16,0 7 0,7 8-16,-7 7 15,8-7-15,-8 0 16,7-8 0,-7 8-16,0-1 15,-7 1-15,-1 0 16,8-8-16,-7 0 15,-1 1 1,8-9-16,0-7 16,0 0-16,0 0 15,0-8 1,0 0-16,8-7 16,-1 0-16,-7-8 15</inkml:trace>
-  <inkml:trace contextRef="#ctx0" brushRef="#br1" timeOffset="206596.98">15702 5564 0,'0'0'0,"0"0"16,0 0-16,0 0 15,0 0 1,0 0-16,7-8 16,1 1-16,7-24 15,8 8 1,7 0-16,0 0 16,8 8-16,0 0 15,0 0-15,-1 7 16,-6 8-1,-1 0-15,0 0 16,0 0-16,-7 8 16,0-1-16,-1 1 15,-7 0 1,1-1-16,-9 1 16,1-1-16,-1 1 15,-7 7 1,0-7-16,0 7 15,-7 0-15,-1 1 16,1-1 0,-1 0-16,-7 1 15,0-9-15,0 1 16,0-1-16,7 1 16,-7 0-1,7-1-15,1-7 16,7 0-16</inkml:trace>
-  <inkml:trace contextRef="#ctx0" brushRef="#br1" timeOffset="207297.21">16843 5144 0,'0'0'0,"0"0"15,0 0-15,0 0 16,0 0 0,0 0-16,0 0 15,0 0-15,-7 8 16,-1 7-16,-15 8 16,-14 7-1,-9 9-15,1-9 16,0 8-16,7 0 15,8 8 1,7-8-16,8 1 16,0-9-16,7-7 15,1 8 1,-1-1-16,8 1 16,0-1-16,0 1 15,0 7-15,8-8 16,7 8-1,15 1-15,0-9 16,-7-7-16,-1-8 16,1 1-16,-8-9 15,0-7 1,-15 0-16</inkml:trace>
-  <inkml:trace contextRef="#ctx0" brushRef="#br1" timeOffset="207685.06">17032 5396 0,'0'0'0,"0"0"15,0 0 1,0 0-16,0 0 16,0 0-16,0 15 15,8 16-15,-1 7 16,1 15-1,0 1-15,-1-1 16,1 1-16,-1-9 16,1-6-1,-1-17-15,-7 1 16,8-7-16,-8-16 16</inkml:trace>
-  <inkml:trace contextRef="#ctx0" brushRef="#br1" timeOffset="208289.7">16987 5457 0,'0'0'15,"0"0"-15,0 0 16,0 0-16,0 0 16,7-8-1,1 1-15,7-8 16,8-1-16,7 1 16,0-8-1,-7 8-15,-8 7 16,0 1-16,0-1 15,8 8 1,-8 0-16,0 0 16,0 8-16,-7-1 15,0 16-15,-8 15 16,0 0 0,-8-15-16,0 0 15,1 0-15,7-8 16,0 1-16,0-9 15,0 1 1,0 0-16,0-1 16,0-7-16,0 0 15,7 8 1,1-1-16,0 1 16,-1 0-16,1-1 15,7 1-15,0 0 16,-8-1-1,1 1-15,0-8 16,-1 7-16,1-7 16,-1 0-1,8 8-15,-15-8 16</inkml:trace>
-  <inkml:trace contextRef="#ctx0" brushRef="#br1" timeOffset="208953.59">17743 5053 0,'0'0'0,"0"0"16,0 0-1,0 0-15,0 0 16,0 0-16,0 0 16,0 15-1,-8 8-15,1 7 16,-1 8-16,1 8 16,-1 8-16,-7 14 15,7 1 1,8-16-16,8-7 15,0-8-15,-1-7 16,1-8 0,-1 0-16,-7-8 15,0 0-15,0 0 16,0-7-16,8 0 16,-1 7-1,-7-15-15</inkml:trace>
-  <inkml:trace contextRef="#ctx0" brushRef="#br1" timeOffset="210623.66">18136 5190 0,'0'0'0,"0"0"16,0 0-1,0 0-15,0 15 16,0 8-16,0 8 16,0 7-16,0 15 15,0 8-15,0-7 16,0-16-1,0-8-15,0-7 16,0-7-16,0-1 16,0-8-1,0-7-15,0 0 16,0 0-16,8-7 16,-1-16-1,1-8-15,-8-7 16,0 8-16,0-1 15,0 1-15,0 7 16,7 0 0,-7 8-16,0 7 15,0 0-15,0 1 16,0 7 0,8-8-16,-8 8 15,7 0-15,8 0 16,1 8-16,-1-1 15,7 1 1,1 0-16,7-1 16,8-7-16,0 0 15,7-7 1,1-9-16,-16 1 16,-7 7-16,-8 1 15,-8-1-15,1 0 16,-1 1-1,-7 7-15,0 0 16,0 0-16,0 0 16,0 0-1,0 0-15,8 7 16,-1 16-16,1 8 16,0 15-16,-1 0 15,1-16 1,-1 1-16,1-1 15,-1 1-15,-7-31 16</inkml:trace>
-  <inkml:trace contextRef="#ctx0" brushRef="#br1" timeOffset="210991.13">18741 4991 0,'0'0'15,"0"0"-15,7 0 16,24 8 0,29 23-16,1 22 15,-1 0-15,-7 16 16,-23 15-16,-30 23 16,-7 15-1,-16 31-15,-22-54 16,-23 0-16,-23 61 15,15-15-15</inkml:trace>
-  <inkml:trace contextRef="#ctx0" brushRef="#br1" timeOffset="211659.9">16118 7136 0,'0'0'0,"0"31"15,0 53-15,7 0 16,1 22-16,-1 9 16,1-31-1,-1 0-15,1-8 16,-1-22-16,-7-9 15,0-6-15,0-17 16,0-6 0,0-9-16,0-7 15,0 0-15</inkml:trace>
-  <inkml:trace contextRef="#ctx0" brushRef="#br1" timeOffset="212056.82">16148 7075 0,'0'0'15,"0"0"-15,0 0 16,0 0-16,7 0 15,24-15 1,37-16-16,0 16 16,-31 7-16,-6 8 15,6 8 1,1 7-16,0 8 16,-15 0-16,-8 8 15,-8 7-15,-14 15 16,-1 1-1,-7-16-15,0-8 16,-8 8-16,-7-7 16,-8-8-16,1-8 15,-1-15 1,15-7-16,23 7 16</inkml:trace>
-  <inkml:trace contextRef="#ctx0" brushRef="#br1" timeOffset="212474.41">17206 6793 0,'0'0'15,"0"0"-15,0 0 16,0 0-16,0 0 16,-7 23-1,-9 22-15,-14 24 16,0 0-16,0-1 16,-8 16-16,0-7 15,15-16 1,1 7-16,7 1 15,7 0-15,8-8 16,8-23 0,7 0-16,7 8 15,9-8-15,7-7 16,-1-8-16,-6-16 16,-9-7-1,8-15-15,16-16 16,-46 31-16</inkml:trace>
-  <inkml:trace contextRef="#ctx0" brushRef="#br1" timeOffset="213197.29">17471 7052 0,'0'0'16,"0"0"-16,0 0 15,0 0-15,0 0 16,0 15-16,0 39 15,7 15 1,1-24-16,-8-7 16,0-7-16,0 0 15,0-9 1,0-6-16,-8-1 16,1-7-16,7-1 15,-8 1 1,8-8-16,0 0 15,0 0-15,0-8 16,-7-22-16,-1-16 16,8 0-1,8 8-15,7 0 16,0 7-16,8 8 16,-1 0-16,1 8 15,0 8 1,-1 7-16,1 0 15,0 7-15,-8 1 16,-8-1 0,1 1-16,-1 0 15,-7-1-15,0 1 16,0 0 0,0-1-16,0 1 15,0 7-15,8 0 16,7 1-16,8 7 15,15-1 1,-8 1-16,-8-15 16,-6 0-16,-1-1 15,-8 1 1,1-8-16,-1 0 16,1 0-16,-8 0 15</inkml:trace>
-  <inkml:trace contextRef="#ctx0" brushRef="#br1" timeOffset="213584.31">18144 6716 0,'0'0'0,"0"0"16,0 0 0,0 0-16,0 16 15,7 14-15,1 46 16,-8 8-1,0 0-15,0 0 16,0-23-16,0-15 16,0-8-16,0-15 15,0 0 1,0 8-16,0-8 16,15 22-16,7 32 15,-22-77 1</inkml:trace>
-  <inkml:trace contextRef="#ctx0" brushRef="#br1" timeOffset="-214741.83">18552 6671 0,'0'0'15,"0"0"-15,0 0 16,7 7 0,1 1-16,-1-1 15,1 1-15,0 7 16,7 16-16,0 22 15,0 16 1,-7 0-16,-1-24 16,-7-6-16,0-1 15,0 0 1,0-15-16,0 7 16,0-14-16,0-1 15,0-7-15,0-8 16,0 0-1,0 0-15,0 0 16,0 0-16</inkml:trace>
-  <inkml:trace contextRef="#ctx0" brushRef="#br1" timeOffset="-214361.64">18741 7098 0,'0'0'16,"0"0"-16,0 0 16,7 0-16,16-8 15,7 1 1,8-1-16,0-7 15,-8 7-15,0-7 16,1 0 0,-9 7-16,9 0 15,-9 1-15,-7-1 16,0 8-16,-7 0 16,0 0-1,-8 0-15,0 0 16,0 0-16,0 0 15,0 0-15,0 0 16,0 0 0</inkml:trace>
-  <inkml:trace contextRef="#ctx0" brushRef="#br1" timeOffset="-213985.15">19293 6533 0,'0'0'16,"0"0"-16,0 0 15,0 0 1,0 0-16,-8 8 16,1 22-16,7 16 15,0 23 1,7 22-16,8 24 16,-7-31-16,-1 23 15,1 7-15,-8-53 16,0-7-1,7-1-15,1-7 16,0-8-16,-8-38 16</inkml:trace>
-  <inkml:trace contextRef="#ctx0" brushRef="#br1" timeOffset="-213465.6">19716 6403 0,'0'0'16,"8"16"-16,7 60 15,22 38-15,1 24 16,-15-8-1,-8 53-15,-15-38 16,-7-38-16,-16 53 16,-7-61-16,30-99 15</inkml:trace>
-  <inkml:trace contextRef="#ctx0" brushRef="#br0" timeOffset="-179841.8">10690 4755 0,'0'0'16,"0"0"-16,0 0 15,0 0 1,0 0-16,0-8 15,0 1-15,0-9 16,7-7-16,8 1 16,16-9-1,6 0-15,1 1 16,-8 7-16,-7 8 16,-8 7-16,0 1 15,0 7 1,-7 0-16,-1 7 15,1 1-15,0-1 16,-8 9 0,0 22-16,-16 8 15,-6 15-15,-8-8 16,-1 1-16,-6-1 16,6-7-1,9 0-15,-1-8 16,8 0-16,0-15 15,7 0-15,1-8 16,-1-7 0,8-8-16,0 0 15,0 0-15,0 0 16,0 0 0,0 0-16,8-16 15,14 1-15,9 0 16,6-8-1,1 8-15,-8 7 16,1 8-16,-9 0 16,1 8-16,0-1 15,7 9 1,-7 6-16,-1 1 16,1 0-16,7 0 15,-7-8-15,-1 1 16,1-1-1,-8-7-15,0-1 16,8 1-16,15-8 16,-8-8-16,-30 8 15</inkml:trace>
-  <inkml:trace contextRef="#ctx0" brushRef="#br0" timeOffset="-179383.51">11899 4556 0,'0'0'0,"0"0"15,-7 0-15,-1 0 16,-15 0-1,-7 0-15,-8 8 16,-15 0-16,0 7 16,8 0-1,7 8-15,8 0 16,7 0-16,8 7 16,0 1-16,15-8 15,8 0 1,14 0-16,16 0 15,15-8-15,0-8 16,0-14 0,-15-1-16,0-15 15,-1-7-15,-14-8 16,-8-1-16,-7 1 16,-16 0-1,-7 8-15,-8 7 16,-14 7-16,-24 1 15,61 15-15</inkml:trace>
-  <inkml:trace contextRef="#ctx0" brushRef="#br0" timeOffset="-176539.43">10493 5984 0,'0'0'16,"8"-8"-1,14-7-15,16-8 16,0 0-16,-8-8 16,8 1-1,7-1-15,1 8 16,-9 8-16,9 0 16,-8 7-16,-8 8 15,-8 8 1,-6 7-16,-1 8 15,-8 15-15,-7 0 16,-7 8-16,-8 8 16,-16-1-1,1 8-15,-8-7 16,8-9-16,0-6 16,15-9-1,0-7-15,0-8 16,7-7-16,0-1 15,1-7-15,7 0 16,0 0 0,0-7-16,0-8 15,7-8-15,9 0 16,-1 8 0,7 7-16,1 8 15,0 8-15,-1 7 16,9 0-16,-9 8 15,1 0 1,0-8-16,-1 8 16,1-8-16,7-7 15,8 0-15,15-8 16,15-8 0,0-7-16,-15-1 15,-53 16-15</inkml:trace>
-  <inkml:trace contextRef="#ctx0" brushRef="#br0" timeOffset="-176124.58">11831 5945 0,'0'0'16,"-7"0"-16,-9-7 16,-6-1-16,-16 16 15,-7-1 1,-8 9-16,0 7 16,15 7-16,8 1 15,7 7 1,8 0-16,7 0 15,16-7-15,15 7 16,14-8-16,24-14 16,-8-9-16,0-14 15,-8-16 1,-7-15-16,-15-8 16,-8 0-16,-15-7 15,-8-1 1,1 16-16,-9 15 15,-6 8-15,22 15 16</inkml:trace>
-  <inkml:trace contextRef="#ctx0" brushRef="#br0" timeOffset="-173968.87">10644 7159 0,'0'0'0,"0"0"15,0 0-15,0 0 16,0 0-1,0 0-15,0 0 16,0 0-16,0 0 16,0 0-1,8-15-15,7-8 16,15 0-16,8 0 16,0 8-16,-8 7 15,0 8 1,0 15-16,-7 8 15,0 15-15,-8 16 16,-8-1 0,1-7-16,-8-8 15,0-7-15,-8-8 16,1 0-16,7-8 16,0 0-1,0 0-15,7 1 16,9-1-16,6 8 15,1 0-15,0 0 16,-1 0 0,-7-8-16,-7 0 15,0 0-15,-8-7 16,0 0 0,-8 7-16,-7 0 15,-15 0-15,-8-7 16,0 0-1,8-8-15,0 0 16,7-8-16,8 0 16,7-7-16,8 15 15</inkml:trace>
-  <inkml:trace contextRef="#ctx0" brushRef="#br0" timeOffset="-173475.15">11740 7052 0,'0'0'16,"-15"0"-16,-23 15 15,-7 8-15,-8 15 16,0 31 0,15 0-16,16-16 15,7-7-15,7-8 16,1 0-1,7-7-15,7-8 16,16-8-16,7 0 16,15-7-16,1-16 15,-8-7 1,-1-15-16,1-31 16,-15-31-16,-16 23 15,-14 23 1,-1 8-16,-14 8 15,-9 14-15,-22 9 16,1 14-16,-9 24 16,61-31-1</inkml:trace>
-  <inkml:trace contextRef="#ctx0" brushRef="#br0" timeOffset="-170716.36">10697 8304 0,'0'0'0,"0"0"15,0 0 1,0 0-16,0 0 16,0 0-16,0 0 15,0 0-15,0 0 16,0-8-1,8-7-15,14-8 16,24 0-16,7 0 16,0 8-16,-16 0 15,-6 7-15,-9 8 16,-7 0 0,-7 8-16,0-1 15,-8 9-15,0 7 16,-8 15-1,-7 7-15,-15 9 16,-8-1-16,8-7 16,7 0-16,8 0 15,7 0 1,16 7-16,14-7 16,9-8-16,14-8 15,-7-14 1,0-9-16,-1-7 15,1 0-15,-8 0 16,-7-7-16,-8 7 16,0-8-1,-15 8-15</inkml:trace>
-  <inkml:trace contextRef="#ctx0" brushRef="#br0" timeOffset="-170292.85">11771 8166 0,'0'0'15,"0"0"-15,-15 8 16,-16 7-16,-14 8 16,-8 15-1,0 16-15,15 7 16,16-23-16,6-7 16,9-1-1,7-7-15,7 0 16,16-8-16,7-7 15,1-1-15,6-14 16,-6-8 0,-9-1-16,-7-7 15,-7-7-15,-8-1 16,-8 8 0,-7 1-16,-7 6 15,22 16-15</inkml:trace>
-  <inkml:trace contextRef="#ctx0" brushRef="#br0" timeOffset="-162524.52">10644 9235 0,'0'0'16,"0"0"-16,0 0 15,0 0-15,0 0 16,0 0-1,0 0-15,0 0 16,8-8-16,-1 1 16,8-1-16,1 0 15,6 1 1,1-1-16,0 8 16,-8 0-16,0 8 15,0-1-15,0 9 16,-7-1-1,-1 0-15,1 1 16,-8-1-16,0 8 16,-8-8-1,1 8-15,-1 0 16,1 0-16,-1 0 16,0-8-1,1 0-15,-1 0 16,8-7-16,0 0 15,8-1-15,7 1 16,8 7-16,-1 0 16,9 1-1,-9-1-15,1 0 16,0 0-16,-1 1 16,-7-1-1,-7 0-15,0 0 16,-8 1-16,0-1 15,0 8-15,-8-8 16,-7 0 0,-8 16-16,-7-1 15,0-7-15,7-7 16,0-1 0,8-7-16,0-8 15,0 0-15,7-8 16,8 8-16</inkml:trace>
-  <inkml:trace contextRef="#ctx0" brushRef="#br0" timeOffset="-162056.4">11733 9258 0,'0'0'0,"0"0"15,-8 0-15,-7 8 16,-8 7-16,-14 15 15,-9 16 1,9 8-16,6 7 16,9-23-16,14 0 15,0-8-15,8-7 16,8 0 0,7-8-16,8-7 15,15-8-15,7-8 16,-7-7-16,0-15 15,-1-16 1,-6-8-16,-16-14 16,-15 14-16,-8 9 15,-14 14 1,-24 8-16,-29 16 16,75 7-16</inkml:trace>
-  <inkml:trace contextRef="#ctx0" brushRef="#br0" timeOffset="-161090.28">10795 10693 0,'0'0'15,"0"0"-15,0 0 16,0 0 0,0 0-16,0 0 15,0 0-15,0 0 16,16-16-16,21-14 15,1-8 1,7 0-16,-14 15 16,-1 0-1,-7 8-15,7 7 16,-7 8-16,-1 8 16,-7 7-16,0 8 15,-7 0-15,-8 22 16,-8 9-1,-7 22-15,-7 16 16,-1-24-16,-7 1 16,7 7-16,8-7 15,7-15 1,8-24-16,0-15 16,0-15-1,8 0-15,7-7 16,8-16-16,7-15 15,15-8-15,1 0 16,-8 16 0,-1 7-16,1 0 15,-38 23-15</inkml:trace>
-  <inkml:trace contextRef="#ctx0" brushRef="#br0" timeOffset="-160721.31">11801 10479 0,'0'0'16,"-8"8"-1,-7 7-15,-7 23 16,-9 0-16,1 8 15,7-8-15,16-7 16,-1 7 0,8-15-16,8-8 15,-1 0-15,8-15 16,1-7-16,6-9 16,9-14-1,6-16-15,-6 0 16,-16 8-16,-8 8 15,-7 14-15,-7 1 16,-8 7 0,-16 8-16,31 0 15</inkml:trace>
-  <inkml:trace contextRef="#ctx0" brushRef="#br0" timeOffset="-121804.89">2903 13524 0,'0'0'0,"0"0"15</inkml:trace>
-  <inkml:trace contextRef="#ctx0" brushRef="#br2" timeOffset="-113445.72">11861 5724 0,'0'0'0,"-7"-7"16,-8-1-16,0 0 15,-16-7 1,1-8-16,0 0 16,-8-7-16,8 7 15,-8-8-15,0 1 16,-7 7-1,-1-8-15,-6 1 16,-24 7-16,-22 0 16,7 8-16,-15 7 15,-38 0 1,54 1-16,-39 7 16,-14-15-16,14 15 15,-7 0 1,0 0-16,53-8 15,-53 0-15,-15 8 16,22 0-16,-7-7 16,30-9-1,23 16-15,-38 0 16,8-7-16,7 7 16,0-8-16,0 8 15,15 0 1,23 0-16,-22 0 15,-1 8-15,8-1 16,7 1 0,8 15-16,8-8 15,7-7-15,0 7 16,7 0-16,1 8 16,7 8-1,8-1-15,0 1 16,-8 7-16,0-7 15,0-1 1,8 8-16,7 0 16,1 8-16,-1 15 15,8-15-15,7-8 16,8 8 0,8 0-16,7 0 15,8-1-15,7 16 16,8 0-16,7-7 15,16-1 1,22 1-16,8 7 16,14 0-16,9 0 15,7-8 1,-31-7-16,39-8 16,15-7-16,-1-16 15,31 0-15,-61-7 16,76 0-1,-15-1-15,23-7 16,-69-7-16,61 7 16,-7-8-16,-8 16 15,-15-16 1,-8 0-16,23-15 16,-38-7-16,22-24 15,-59 16-15,-9 8 16,24-24-1,-23 16-15,-16-8 16,-14 1-16,-16-9 16,-15 8-1,-7 1-15,-16-1 16,-7-8-16,-15 1 16,-30-31-1,-38-38-15,-23 38 16,15 8-16,-52-16 15,7 16-15,15 38 16,-38-8 0,30 31-16,-75 22 15,30 31-15,-75 39 16,105-32 0</inkml:trace>
-  <inkml:trace contextRef="#ctx0" brushRef="#br2" timeOffset="-111871.02">11627 8258 0,'0'0'16,"0"0"-16,-15-15 15,-15-8 1,-16-8-16,8-7 15,-14-8-15,-16-15 16,-23 0-16,15 16 16,-7-1-1,-8 8-15,-22-16 16,30 24-16,-23-16 16,-23 8-16,1 7 15,-8 8 1,-23 0-16,53 8 15,-68 0-15,8 7 16,30 1 0,-15-1-16,52 8 15,-44 0-15,-1 15 16,23 8-16,-15 8 16,23-9-1,-1 17-15,1-9 16,15 1-16,7 7 15,15-15 1,1 0-16,22 7 16,0-7-16,8 8 15,14-1-15,1 1 16,7 7 0,8-8-16,0 1 15,8-1-15,7-7 16,0 15-16,7 8 15,16-8 1,7 8-16,23 8 16,8-16-16,7 0 15,7 0 1,23 0-16,-7-7 16,-8-1-16,31 16 15,-1 8-15,-7-16 16,15 8-1,23 7-15,-54-15 16,39 0-16,22-7 16,-30-16-16,38 8 15,-46-8 1,8-7-16,23-1 16,-8-7-16,0 0 15,0-15 1,-38 0-16,23 0 15,38-1-15,-38-6 16,30-1-16,-30-8 16,-30 8-1,30-23-15,-8 1 16,-22 6-16,-16 1 16,-7 0-1,-7 8-15,-8-9 16,-15 9-16,-8-1 15,-7-14-15,-16 6 16,-7 9 0,-15-16-16,-15 0 15,-16-15-15,-37-23 16,-23 8 0,-37 7-16,29 31 15,-97-8-15,14 31 16,-22 15-16,-83 15 15,-39 39-15,220-31 16</inkml:trace>
-  <inkml:trace contextRef="#ctx0" brushRef="#br2" timeOffset="-110487.83">11937 10426 0,'0'0'15,"0"0"-15,0 0 16,-15-8-16,0 0 15,-16-7-15,-6-8 16,-9 8 0,-22-16-16,0 1 15,0-1-15,8-7 16,-1 8-16,-29-9 16,-24 1-1,16 23-15,-16-8 16,-29 0-16,52 8 15,-37 7-15,-16 1 16,8 7 0,-30-8-16,45 8 15,-23 0-15,-22 0 16,30 8 0,-23 7-16,53 0 15,-7 8-15,-24 0 16,9 15-16,22 8 15,-15 7 1,8 1-16,30-8 16,-31 15-16,-7 7 15,31 1-15,14-8 16,0 0 0,23-15-16,8-8 15,0 8-15,14-8 16,9 0-1,7 0-15,7 1 16,8-1-16,8 0 16,7 8-1,23 15-15,22 23 16,16 7-16,14-14 16,16-1-16,-7-7 15,6 7-15,39 0 16,-31-30-1,23 0-15,31-16 16,-61-14-16,90-1 16,-37-23-1,53-15-15,-84 8 16,106-23-16,-75-8 16,76-7-16,-130 15 15,62-16 1,-16-7-16,-23 0 15,16-8-15,-61 8 16,-22-7-16,-16 7 16,-7-1-1,0-29-15,-23 15 16,-8-1-16,-14 9 16,-16-24-1,-7 0-15,-38 1 16,-53-8-16,-8 7 15,-75-7-15,15 22 16,46 24 0</inkml:trace>
-  <inkml:trace contextRef="#ctx0" brushRef="#br2" timeOffset="-90743.57">15792 9342 0,'0'0'0,"0"0"16,0 0-16,0 0 16,0 0-1,0 0-15,0 0 16,0 0-16,8 7 16,0 9-1,-8-1-15,7 8 16,-7 7-16,0 1 15,0-1-15,0-7 16,0 0 0,0 8-16,0-8 15,0 0-15,0 7 16,0 1-16,0-8 16,0 15-1,0 0-15,0-8 16,0 9-16,0-9 15,0-7 1,0 0-16,0 0 16,0 0-16,0-8 15,0 0 1,0 0-16,0 1 16,0-1-16,0-7 15,0-1-15,0 1 16,-7 0-1,7-1-15,0 1 16,0-8-16</inkml:trace>
-  <inkml:trace contextRef="#ctx0" brushRef="#br2" timeOffset="-89769.36">15740 9273 0,'0'0'0,"0"0"16,0 0-16,0 0 16,0 0-16,0 0 15,0 0-15,0 0 16,0 0-1,0 0-15,0 0 16,0-7-16,0-1 16,7-7-1,1-1-15,-1 1 16,8 0-16,0 0 16,8-1-16,7 1 15,1 7 1,-1 1-16,0-1 15,0 8-15,1 0 16,-9 0-16,1 0 16,-8 8-1,0-1-15,0 1 16,-7 7-16,-1 1 16,1-1-1,-8 0-15,0 8 16,-8 0-16,-7 7 15,0 1 1,-8 7-16,-7 0 16,8-15-16,-9 8 15,9-8-15,7-8 16,-1 0 0,9-7-16,-1-1 15,1 1-15,7-8 16,-8 8-1,8-8-15,0 0 16,0 0-16,0 0 16,0 0-16,0 0 15,0 0 1,0 0-16,0 0 16,0 0-16,0 0 15,0 0-15,0 0 16,0 0-1</inkml:trace>
-  <inkml:trace contextRef="#ctx0" brushRef="#br2" timeOffset="-88634.88">16586 8907 0,'0'0'15,"0"0"-15,0 0 16,0 0-16,0 0 15,-7 7 1,-1 1-16,-7 7 16,-8 23-16,1 31 15,-1 7-15,-7 1 16,-8 7 0,0 30-16,8-22 15,7-1-15,1-7 16,-1 8-1,8-23-15,7-8 16,8-15-16,0-1 16,8-7-16,7 8 15,8 0 1,7 7-16,0-14 16,0-9-16,0 8 15,16 8 1,-1 0-16,16 0 15,-61-46-15</inkml:trace>
-  <inkml:trace contextRef="#ctx0" brushRef="#br2" timeOffset="-87970.69">16851 9403 0,'0'0'15,"0"0"-15,0 0 16,-8 15-16,1 16 16,-1 14-16,-7 9 15,0 15 1,7-1-16,1 9 16,7-24-16,0-15 15,0 0 1,0-15-16,0 0 15,0-8-15,0 1 16,0-1-16,0-7 16,0-8-1</inkml:trace>
-  <inkml:trace contextRef="#ctx0" brushRef="#br2" timeOffset="-87329.4">16768 9456 0,'0'0'0,"0"0"16,0 0-16,0 0 15,0 0-15,0-7 16,7-9 0,8-6-16,8-1 15,15 0-15,0 0 16,-1 8-16,-6-1 16,-9 9-1,1-1-15,-8 8 16,0 0-16,-7 0 15,-1 8 1,1 7-16,-8 8 16,-8 15-16,1 8 15,-8 0-15,0-8 16,7-8 0,0-7-16,1 0 15,7 0-15,0-8 16,7 0-1,1 1-15,7-1 16,0-7-16,0-1 16,-7 1-16,0 0 15,-1-1 1,1 1-16,-8-8 16,0 0-16,7 7 15,-7-7 1,0 0-16,0 0 15,0 0-15,0 0 16,0 0 0,0 0-16,0 0 15,0 0-15,0 0 16</inkml:trace>
-  <inkml:trace contextRef="#ctx0" brushRef="#br2" timeOffset="-87046.12">17123 9784 0,'0'0'16,"0"0"-16,0 0 15,0 0-15,0 0 16,0 0 0,0 0-16,0 0 15,0 0-15,0 0 16,0 0 0,0 0-16,0 0 15,0 0-15,8 8 16,-1 0-16,1-1 15,-1 1 1,1 0-16,-8-8 16,0 0-16,0 0 15,7 7 1,-7-7-16,8 8 16,-1 0-16,-7-8 15</inkml:trace>
-  <inkml:trace contextRef="#ctx0" brushRef="#br2" timeOffset="-86201.17">17743 8884 0,'0'0'16,"0"0"-1,0 0-15,0 0 16,0 0-16,0 0 16,0 8-16,0 14 15,0 9 1,0 22-16,0 31 16,0-15-16,0 15 15,-8 0-15,8 0 16,0 0-1,0-31-15,0 1 16,0-9-16,0-6 16,0-9-1,0 1-15,0-1 16,0 1-16,0-16 16,0 8-16,0-8 15,0 0 1,0 1-16,0-1 15,0-7-15,0-1 16,0 1 0,0 0-16,0-1 15,0-7-15,0 0 16</inkml:trace>
-  <inkml:trace contextRef="#ctx0" brushRef="#br2" timeOffset="-84597.96">18325 9098 0,'0'0'0,"0"0"16,0 0-1,0 0-15,0 0 16,0 0-16,0 0 16,0 0-16,0 0 15,0 0 1,0 7-16,-8 16 15,8 8-15,-7 7 16,7 0-16,0 15 16,0 8-1,0-7-15,-8-8 16,8-1-16,0-14 16,0-8-1,0-8-15,0 0 16,0-7-16,0 0 15,0-8-15,0 0 16,0 0 0,0 0-16,0 0 15,0 0-15,0 0 16,-7-16 0,-1 1-16,1-15 15,-1-9-15,1 9 16,-1 7-16,8 8 15,0 0 1,0-1-16,0 9 16,-8-1-16,8 0 15,0 1 1,0 7-16,0 0 16,0 0-16,0 0 15,0 0-15,0 0 16,0 0-1,0-8-15,0 8 16,0 0-16,0 0 16,0 0-1,0 0-15,0 0 16,0 0-16,0 0 16,0 0-16,0 0 15,0 0 1,0 0-16,0 0 15,0 0-15,0 0 16,0 0 0,0 0-16,0 0 15</inkml:trace>
-  <inkml:trace contextRef="#ctx0" brushRef="#br2" timeOffset="-84217.01">18280 9586 0,'0'0'0,"0"0"16,0 0-16,0 0 16,0 0-1,0 0-15,0 0 16,0 0 0,7 0-16,8 0 15,8 0-15,0 0 16,-1 0-16,1 0 15,-8 0 1,8-8-16,-8 1 16,0-1-16,-15 8 15</inkml:trace>
-  <inkml:trace contextRef="#ctx0" brushRef="#br2" timeOffset="-83912.38">18635 9189 0,'0'0'0,"0"0"16,0 0-1,0 0-15,0 8 16,0 15-16,-8 38 15,1 23 1,7 7-16,0-22 16,-8-16-16,1 1 15,7-16 1,0-7-16,0-9 16,0-6-16,0-16 15,0 0-15</inkml:trace>
-  <inkml:trace contextRef="#ctx0" brushRef="#br2" timeOffset="-83489.96">19021 9662 0,'0'0'16,"0"0"-16,0 0 16,0 0-16,0 0 15,0 16 1,-8 7-16,-7 15 16,-8 15-16,-15 1 15,8-9 1,0-6-16,0-9 15,7-15-15,8 1 16,15-16-16</inkml:trace>
-  <inkml:trace contextRef="#ctx0" brushRef="#br2" timeOffset="-82544.5">19361 9311 0,'0'0'0,"0"0"16,0 0-16,0 0 16,0 0-1,0 0-15,0 0 16,0 0-16,0 0 16,0-7-1,7-1-15,1 0 16,-1-7-16,8 0 15,1 7-15,-9 1 16,1-1 0,-1 8-16,1 0 15,-8 0-15,0 0 16,7 8-16,-7-1 16,0 9-1,0 6-15,0 9 16,-7-1-16,-1 9 15,-7 6 1,8-14-16,-1-1 16,0-7-16,1 0 15,-1-7 1,1-1-16,-1 0 16,1-7-16,-1-1 15,8-7-15,0 8 16,0-8-1,0 0-15,0 0 16,0 0-16,0 0 16,0 0-16,0 0 15,8 0 1,7 0-16,7 0 16,1 0-16,0 0 15,-8 0 1,0 8-16,0-1 15,0 1-15,0-1 16,1 1 0,-1 0-16,0-1 15,0 1-15,0 0 16,0-1-16,0 1 16,0-8-1,-15 0-15</inkml:trace>
-  <inkml:trace contextRef="#ctx0" brushRef="#br2" timeOffset="-82074.81">20094 9243 0,'0'0'16,"0"0"-16,0 0 15,0 0-15,0 0 16,0 0-16,-15 7 16,-8 1-1,1 7-15,-1 0 16,0 1-16,0 7 15,1-1 1,7 1-16,7 0 16,8 8-16,0-8 15,8 0-15,7-1 16,7-6 0,1-1-16,-8-15 15,0 0-15,1 0 16,-1-8-16,0-15 15,0-7 1,-8-1-16,1-7 16,-8 8-16,0-8 15,-15-8 1,15 46-16</inkml:trace>
-  <inkml:trace contextRef="#ctx0" brushRef="#br2" timeOffset="-81679.06">20260 8808 0,'0'0'16,"0"0"-16,0 0 15,0 0 1,8 0-16,15 7 16,7 8-16,8 8 15,-1 0 1,1 15-16,0 23 15,0 46-15,-16-23 16,-6 8-16,-9 7 16,-7-15-1,-7-15-15,-16-1 16,-15 16-16,-37 16 16,75-100-16</inkml:trace>
-  <inkml:trace contextRef="#ctx0" brushRef="#br2" timeOffset="-76037.87">9435 4144 0,'0'0'0,"15"-7"15,15-32-15,23-14 16,15-8-1,23 0-15,15-31 16,-23 1-16,7 7 16,16 0-16,15-23 15,-23 8 1,-22 30-16,7 8 16,8 8-16,-15 7 15,-76 46-15</inkml:trace>
-  <inkml:trace contextRef="#ctx0" brushRef="#br2" timeOffset="-75582.73">9533 4274 0,'0'0'0,"0"0"16,0 0-16,0 0 15,15-15-15,15-23 16,16-16-1,-9 1-15,-21 7 16,-1 15-16,-8 16 16,-7 15-16,0 0 15,0 0 1</inkml:trace>
-  <inkml:trace contextRef="#ctx0" brushRef="#br2" timeOffset="-73368.47">11378 4358 0,'0'0'0,"0"0"15,7-8-15,1 1 16,7-16-1,0 0-15,23-8 16,22-7-16,23-15 16,0-16-16,38-30 15,16 0 1,-24-16-16,15-15 16,24 24-16,-1-17 15,15-29-15,-60 53 16,30-16-1,8 8-15,-69 62 16,-75 45-16</inkml:trace>
-  <inkml:trace contextRef="#ctx0" brushRef="#br2" timeOffset="-72982.49">11498 4266 0,'8'-7'15,"30"-47"-15,45-53 16,23-7-1,7 7-15,1-15 16,-54 53-16,-60 69 16</inkml:trace>
+  <inkml:trace contextRef="#ctx0" brushRef="#br0">4048 8678 0,'0'14'156,"13"-14"-156,27 0 16,-13 0-16,211 0 16,-13 26-1,105-26 1,252 13-1,-119 40 1,477 79 0,-252-52 15,582 26-15,-411-27-1,200-39 1,-662-14-16,-265-26 15,410 27 1,-528-27 0</inkml:trace>
+  <inkml:trace contextRef="#ctx0" brushRef="#br0" timeOffset="1255.7">3863 7594 0,'0'-14'78,"13"14"-62,53 0-16,0 0 15,159-13 1,371-66 0,-120 13-1,304 13 1,-396 26-1,-212 27-15,-119 0 16</inkml:trace>
 </inkml:ink>
 </file>
 
@@ -1792,48 +1646,32 @@
     <inkml:context xml:id="ctx0">
       <inkml:inkSource xml:id="inkSrc0">
         <inkml:traceFormat>
-          <inkml:channel name="X" type="integer" max="3360" units="cm"/>
-          <inkml:channel name="Y" type="integer" max="1872" units="cm"/>
+          <inkml:channel name="X" type="integer" max="5120" units="cm"/>
+          <inkml:channel name="Y" type="integer" max="1800" units="cm"/>
           <inkml:channel name="T" type="integer" max="2.14748E9" units="dev"/>
         </inkml:traceFormat>
         <inkml:channelProperties>
-          <inkml:channelProperty channel="X" name="resolution" value="114.28571" units="1/cm"/>
-          <inkml:channelProperty channel="Y" name="resolution" value="112.77109" units="1/cm"/>
+          <inkml:channelProperty channel="X" name="resolution" value="174.14966" units="1/cm"/>
+          <inkml:channelProperty channel="Y" name="resolution" value="109.09091" units="1/cm"/>
           <inkml:channelProperty channel="T" name="resolution" value="1" units="1/dev"/>
         </inkml:channelProperties>
       </inkml:inkSource>
-      <inkml:timestamp xml:id="ts0" timeString="2021-03-02T02:17:33.608"/>
+      <inkml:timestamp xml:id="ts0" timeString="2022-03-08T03:26:37.242"/>
     </inkml:context>
     <inkml:brush xml:id="br0">
       <inkml:brushProperty name="width" value="0.05292" units="cm"/>
       <inkml:brushProperty name="height" value="0.05292" units="cm"/>
-      <inkml:brushProperty name="color" value="#C00000"/>
+      <inkml:brushProperty name="color" value="#FF0000"/>
     </inkml:brush>
   </inkml:definitions>
-  <inkml:trace contextRef="#ctx0" brushRef="#br0">7371 6190 0,'0'0'0,"0"0"16,0 0-16,0 0 15,0 0-15,0 0 16,0 0 0,0 7-16,0 9 15,0 14-15,0 8 16,-8 23 0,8 8-16,0 46 15,0-24-15,0 8 16,0 16-16,0-8 15,-7-23 1,-1 15-16,-7 0 16,7-15-16,1-31 15,-1 1-15,1-1 16,-1-7 0,1 8-16,7-16 15,0-8-15,7-7 16,1-15-1,-8-8-15</inkml:trace>
-  <inkml:trace contextRef="#ctx0" brushRef="#br0" timeOffset="782.91">7363 6098 0,'0'0'0,"0"0"16,0 0-16,15-7 15,16-1 1,29-7-16,23-1 15,0 9-15,-30-1 16,8 0-16,22 8 16,53-15-1,-30 0-15,22 0 16,8-8-16,-45 7 16,38 16-16,-16-22 15,-15 6 1,-7 1-16,7 0 15,-22 7-15,-16 8 16,-22 8-16,-8-1 16,-7 1-1,0 0-15,7 7 16,0 0-16,-7 0 16,7 8-16,-7 0 15,0 15 1,-8 1-16,0 37 15,-8 0-15,1-7 16,0 23 0,-1 30-16,1-38 15,-1 0-15,1-8 16,7 61-16,-8-60 16,1-24-1,15 54-15,-8-23 16,0-16-16,-8-6 15,1-9 1,7-7-16,-7-8 16,-8-38-16</inkml:trace>
-  <inkml:trace contextRef="#ctx0" brushRef="#br0" timeOffset="1232.17">7499 7663 0,'8'0'0,"45"0"16,30-8 0,0 8-16,91 8 15,-38-16-15,61-7 16,-54 15-16,16-23 16,30 0-1,-23 0-15,-7 8 16</inkml:trace>
-  <inkml:trace contextRef="#ctx0" brushRef="#br0" timeOffset="10055.06">13245 6182 0,'0'0'16,"0"0"-1,0 8-15,0 7 16,0 8-16,0 0 15,0 0-15,0 0 16,0 7 0,-8 24-16,1 22 15,7 8-15,-8 0 16,1 0-16,7 23 16,0-8-1,7-23-15,1-7 16,-8 7-16,7-7 15,1-16-15,-1 1 16,1-16 0,-1 0-16,1-7 15,-8-31-15</inkml:trace>
-  <inkml:trace contextRef="#ctx0" brushRef="#br0" timeOffset="10803.6">13215 6022 0,'0'0'0,"0"0"16,0 0 0,0 0-16,0 0 15,7 0-15,16-8 16,30 1-16,7 7 15,1 0 1,-8 0-16,0 0 16,45 0-16,15-8 15,-22 0 1,30 8-16,23-7 16,-61-1-16,22 0 15,39 1-15,-53 7 16,-16 0-1,9 0-15,-9 0 16,-7 7-16,-15 1 16,-15 0-1,-8 7-15,-7 0 16,7 8 0,0 15-16,-15-7 15,-7 7-15,0 15 16,-1 1-16,-7-1 15,-7 31-15,7 8 16,0-16-16,-8 8 16,0 15-1,8 16-15,-7-39 16,7-7-16,0-23 16,0-1-1,0 9-15,7-8 16,-7-8-16,0 0 15,0-8 1,0-7-16,0 8 16,0-31-16</inkml:trace>
-  <inkml:trace contextRef="#ctx0" brushRef="#br0" timeOffset="11152.43">13336 7731 0,'15'0'16,"38"8"-16,7-8 15,61-8-15,76 1 16,-31 7-16,15-15 15,-22-1 1,75-14-16,-82 7 16</inkml:trace>
-  <inkml:trace contextRef="#ctx0" brushRef="#br0" timeOffset="23379.93">9729 6587 0,'0'0'16,"0"0"-16,0 0 16,0 0-1,0 0-15,0 0 16,0 0-16,0 0 16,0 0-16,8 7 15,0 8 1,-1 1-16,8 7 15,0 7-15,8 8 16,0 1 0,-1-1-16,1 0 15,-8 0-15,0-7 16,0-1-16,-7-7 16,0 0-1,-1 0-15,1 0 16,-1 0-16,1-1 15,-8-22-15</inkml:trace>
-  <inkml:trace contextRef="#ctx0" brushRef="#br0" timeOffset="24049.2">10160 6426 0,'0'0'16,"0"0"-16,0 0 15,0 0 1,0 0-16,-7 0 15,-1 0 1,1 0-16,-8 8 16,-1 7-16,1 16 15,-7 15-15,7 7 16,7 0-16,16-7 16,-1 0-1,8-8-15,0 0 16,8-7-16,0-8 15,-1-8-15,-6-7 16,6-1 0,-7-7-16,0 0 15,1-7-15,-1-1 16,0 0 0,-8-7-16,1 0 15,-1-8-15,-7 0 16,0 0-16,0-15 15,0 7 1,0 1-16,0-1 16,-7 8-16,7 23 15</inkml:trace>
-  <inkml:trace contextRef="#ctx0" brushRef="#br0" timeOffset="24752.58">10501 6312 0,'0'0'0,"0"0"16,0 0-16,0 0 15,-8 7-15,8-7 16,-8 8-1,1 0-15,-8 7 16,0 16-16,7 22 16,1 23-16,14-7 15,16-8 1,-1 0-16,9 0 16,-1-23-16,0-7 15,-7-16-15,0-7 16,-8-8-1,0-8-15,0 0 16,0 1-16,-7-8 16,-1-1-16,1-14 15,-8-1 1,0-15-16,0-7 16,-8-8-16,-15-8 15,-14 8 1,-16 8-16,-8 15 15,61 38-15</inkml:trace>
-  <inkml:trace contextRef="#ctx0" brushRef="#br0" timeOffset="32568.74">11090 6304 0,'0'0'0,"0"0"15,0 0-15,0 0 16,-7 0 0,-1 0-16,-7 0 15,0 0-15,-8 0 16,1 8-16,6-1 15,-6 9 1,7-9-16,-1 9 16,9-1-16,-1 0 15,8-7 1,0-1-16,8 9 16,-1-9-16,9 1 15,-1 0 1,0-1-16,0 1 15,0-8-15,0 0 16,0 0-16,-7 0 16,-1 0-16,1 0 15,0-8 1,-8 8-16,7-7 16,1-1-16,-8 8 15,0 0-15,7-8 16,-7 8-1,0 0-15,0 0 16,0 0-16,0 0 16,8 0-1,-1 0-15,8 8 16,1 7-16,6 8 16,1 0-16,0 0 15,-1 7 1,1-7-16,-8 0 15,0-8-15,0 1 16,0-1 0,-7 0-16,0-7 15,-1 0-15,8 7 16,-15-15-16</inkml:trace>
-  <inkml:trace contextRef="#ctx0" brushRef="#br0" timeOffset="33225.06">11430 6197 0,'0'0'15,"0"0"-15,0 0 16,0 0 0,0 0-16,0 0 15,0 0-15,0 0 16,0 0-16,-7 8 16,-8 0-1,7-1-15,-7 9 16,8-1-16,-1 0 15,8 8 1,0 7-16,8 1 16,-1 7-16,1-15 15,-1-8-15,1 1 16,-1-9 0,1 1-16,-1-1 15,-7-7-15,8 0 16,0 0-16,-8 0 15,0 0 1,0 0-16,0 0 16,0 0-16,0 0 15,0 0-15,0 0 16,0 0 0,0 0-16,0 0 15,7 0-15,1 0 16,7 8-1,7 7-15,1 16 16,7-1-16,-7 1 16,0-1-16,-1-7 15,-6 0 1,-1-7-16,15 14 16,15 39-16,8 7 15,-53-76 1</inkml:trace>
-  <inkml:trace contextRef="#ctx0" brushRef="#br0" timeOffset="38886.54">8013 6617 0,'0'0'15,"0"0"-15,0 0 16,0 0 0,0 0-16,0 0 15,-7 0-15,-8 0 16,0 0-16,-1 0 16,1 0-1,0 0-15,0 0 16,0 8-16,0-1 15,0 1 1,0 0-16,0-1 16,-8 9-16,0-1 15,8-8-15,0 9 16,0-9 0,7 1-16,1 0 15,-1-1-15,8-7 16,0 0-16,0 0 15,0 8 1,0 0-16,8 7 16,-1 0-16,1-7 15,-1 7-15,1 0 16,7 0 0,0 1-16,0-1 15,0-7-15,8 7 16,0 0-1,-1 0-15,1-7 16,0 0-16,-1 7 16,-6-7-16,6 7 15,-7-8 1,1 1-16,-1 0 16,0-1-16,0 1 15,-8 0 1,1-1-16,7 1 15,-7 0-15,7-1 16,-8 1-16,8 7 16,-7-7-1,0 7-15,-1-7 16,1-1-16,-1 1 16,1 7-16,-1 0 15,-7-7 1,0 7-16,0 1 15,0 6-15,0-6 16,-7-1 0,-1 0-16,-7 8 15,0-8-15,0 8 16,0-7-16,-8-9 16,-7 1-1,7-1-15,-7 1 16,7-8-16,1 0 15,-1 0-15,0 0 16,8 0 0,0-8-16,0 1 15,7-1-15,1 1 16,-1-1 0,1 0-16,-1-7 15,8 0-15,0-8 16,0 0-16,0 0 15,8 0 1,7-7-16,0-1 16,0 1-16,8-1 15,-1 1-15,9-9 16,-1 9 0,-7-8-16,-1 15 15,-7 0-15,0 0 16,-7 8-16,0-1 15,-1 1 1,1 8-16,-1-1 16,-7 0-16,0 1 15,0-1 1,0 0-16,0 1 16,-7-8-16,-1 7 15,1 0-15,-1 1 16,0-1-1,-22-7-15,30 15 16</inkml:trace>
-  <inkml:trace contextRef="#ctx0" brushRef="#br0" timeOffset="39692.98">8391 6609 0,'0'0'0,"-7"8"15,-8 7-15,0 8 16,-8 15-1,0 1-15,1 6 16,6 1-16,9 8 16,-1-1-16,16 16 15,-1-16 1,9 1-16,6-9 16,1-6-16,0-17 15,-1-6-15,1-1 16,0-7-1,-8-8-15,0 0 16,0-8-16,0-7 16,0-1-1,0-14-15,0-16 16,-7-7-16,0-1 16,-8 8-16,-8 1 15,0-1 1,1 8-16,-1 15 15,1 0-15,-8 0 16,0 8-16,-1 0 16,-14-1-1,0 1-15,-15 0 16,45 15-16</inkml:trace>
-  <inkml:trace contextRef="#ctx0" brushRef="#br0" timeOffset="40284.64">8800 6335 0,'0'0'0,"0"0"15,0 0-15,0 0 16,0 0 0,-8 0-16,1 7 15,-9 1-15,1 7 16,0 1-16,0 6 16,7 9-1,1-8-15,7 0 16,0-8-16,0-7 15,7-1-15,1 1 16,0 0 0,-1-8-16,1 0 15,-1 0-15,-7 0 16,0 0 0,8-8-16,-8 8 15,0 0-15,0 0 16,0 0-16,0-8 15,0-7 1,7-8-16,1 0 16,-8 23-16</inkml:trace>
-  <inkml:trace contextRef="#ctx0" brushRef="#br0" timeOffset="40709.54">9004 6518 0,'0'0'16,"0"0"-16,0 0 15,0 0 1,-8 8-16,-7 7 16,0 8-16,0 7 15,0-7 1,0 8-16,7-1 16,0 8-16,-7 1 15,8-1-15,-8 7 16,0 1-1,-1-8-15,1-7 16,0-1-16,8 1 16,-1-16-16,1 1 15,7-9 1,0-7-16,0 0 16,0 0-16</inkml:trace>
-  <inkml:trace contextRef="#ctx0" brushRef="#br0" timeOffset="41094.23">9283 6900 0,'0'0'0,"0"0"15,0 0-15,0 0 16,0 0-16,0 0 16,-7 7-16,-1 8 15,-7 8 1,-7 0-16,6 0 16,1 8-16,0-8 15,8-8 1,7-8-16,0 1 15,0-8-15,0 0 16,0 0-16,0 0 16,7-8-1,1 1-15,-1-1 16,1 1-16,-8 7 16,-8 0-1,8 0-15</inkml:trace>
-  <inkml:trace contextRef="#ctx0" brushRef="#br0" timeOffset="74248.97">18302 5678 0,'0'0'0,"0"0"15,0 0-15,0 0 16,-7 16-16,-1 7 15,1 15-15,-1 15 16,8 8 0,0-15-16,0 15 15,8 8-15,-1 7 16,8-7 0,0-8-16,8-8 15,0-7-15,7 7 16,8-14-16,-38-39 15</inkml:trace>
-  <inkml:trace contextRef="#ctx0" brushRef="#br0" timeOffset="74783.5">19232 5633 0,'0'0'0,"0"0"16,-7 0-16,-16 0 15,-7 0-15,-8 7 16,-7 8-1,-16 8-15,8 0 16,-7 15 0,7 1-16,7 6 15,16 1-15,15-15 16,7-1-16,8 1 16,8 7-16,7-8 15,23 9 1,0-9-16,0-15 15,-8-7-15,0-8 16,-7-8-16,-1 1 16,1-8-1,-8-1-15,0 1 16,-7 0-16,-1-8 16,-7-8-1,-7 1-15,-1-1 16,1 1-16,-1-1 15,-7 8 1,8 8-16,-1 0 16,8 15-16</inkml:trace>
-  <inkml:trace contextRef="#ctx0" brushRef="#br0" timeOffset="75282.03">19965 5648 0,'0'0'15,"-7"0"1,-16 0-16,-22 7 16,-23 9-16,-23 14 15,8 8-15,0 16 16,15 15 0,30-16-16,15 0 15,8-14-15,0-1 16,7 8-1,8-8-15,16-8 16,21 1-16,31-16 16,0-15-16,-22-8 15,-8-7 1,-1 0-16,-6-8 16,-16 0-16,0 0 15,-8 8-15,-7-8 16,0 0-1,-15-7-15,-7-16 16,-24-15-16,46 61 16</inkml:trace>
-  <inkml:trace contextRef="#ctx0" brushRef="#br0" timeOffset="77147.25">21719 5602 0,'0'0'0,"0"0"16,-7-8 0,-16-7-16,-7 8 15,7-1-15,-15 0 16,-15 8-16,-15 16 16,0-1-1,8 8-15,15 0 16,7 7-16,15 1 15,8 7-15,7-8 16,16 8 0,7-7-16,30 0 15,16-16-15,-16-15 16,-14-8 0,-1 1-16,-8-9 15,-6 1-15,-1 7 16,-8 1-1,-7 7-15,8-8 16,-8 8-16,0 0 16,0 0-16,0 0 15,0 0 1,0 8-16,7 15 16,1 0-16,-1 7 15,9 8 1,-1-7-16,7 15 15,9-8-15,-1 0 16,-30-38-16</inkml:trace>
-  <inkml:trace contextRef="#ctx0" brushRef="#br0" timeOffset="77602.25">22347 5465 0,'0'0'16,"-8"0"-16,-7-8 16,-8 0-16,-7 8 15,-30 8 1,-8 7-16,7 8 15,8 0-15,16 8 16,6-1 0,16-7-16,0 0 15,7 0-15,16-8 16,7 0-16,23 1 16,7-9-1,-7-7-15,-8 0 16,-7-7-16,-8 7 15,0 0 1,-7 0-16,-8 0 16,0 0-16,7 15 15,1 61-15,-16 39 16,1 76 0,7-77-16,7 31 15,1 15-15</inkml:trace>
-  <inkml:trace contextRef="#ctx0" brushRef="#br0" timeOffset="79537.25">22007 6747 0,'0'0'16,"0"0"-16,0 0 15,0 0-15,0 0 16,0 0-1,-8 23-15,8 84 16,0 30-16,-7 130 16,7-122-16</inkml:trace>
-  <inkml:trace contextRef="#ctx0" brushRef="#br0" timeOffset="84282.29">13751 6640 0,'0'0'0,"-7"15"15,-1 16-15,-7 45 16,0 39-16,15-16 16,0-30-1,0-8-15,0-16 16,0-6-16,0-24 15,0-8-15,0-7 16,0 0 0,0 0-16,-8-7 15,-7-16-15,8 0 16,-1-23 0,1-7-16,7-24 15,0 32-15,0 14 16,0 8-16,0 8 15,0 7 1,0 1-16,0 7 16,0 0-16,15 46 15,7 22-15,9-7 16,14 0 0,-7-23-16,-8-22 15,-7-9-15,-1-7 16,1-7-1,0-9-15,-1-6 16,1-9-16,0-7 16,-8 0-1,0 7-15,-7 8 16,-8 0-16,0-7 16,-8-1-16,-7 1 15,0-1 1,0 8-16,7 8 15,1 8-15,7 7 16,0 0 0,0 0-16</inkml:trace>
-  <inkml:trace contextRef="#ctx0" brushRef="#br0" timeOffset="84597.75">14439 6953 0,'0'0'0,"0"0"16,0 0-16,-7 8 16,-8 7-1,-1 8-15,9 0 16,7-8-16,0 0 15,0-7 1,0-1-16,7 1 16,1-8-16,7 0 15,0-15-15,-7 7 16,-1 1 0,-7 7-16,-22 0 15,22 0-15</inkml:trace>
+  <inkml:trace contextRef="#ctx0" brushRef="#br0">10041 6853 0,'0'13'78,"79"-106"-62,-52 67-1,65-106-15,292-292 16,-186 213 0,-92 144-1</inkml:trace>
+  <inkml:trace contextRef="#ctx0" brushRef="#br0" timeOffset="651.83">6403 7832 0,'13'0'32,"199"-278"-17,-106 132-15,211-264 16,146-79 0</inkml:trace>
+  <inkml:trace contextRef="#ctx0" brushRef="#br0" timeOffset="6071.21">2606 9723 0,'0'-26'203,"53"-14"-187,0-39-16,-13 26 16,92-79-1,-66 52-15,0-12 32,344-318-1,-238 185-16,-26 66 1,79-92 0,-80 65-1,40-12 1,-118 119 0,-54 65-1</inkml:trace>
+  <inkml:trace contextRef="#ctx0" brushRef="#br0" timeOffset="12661.93">15703 6892 0,'0'0'0,"-66"40"16,39-40-16,-12 13 15,-1 1-15,0 12 16,-39-26 0,13 40-1,26-14 1,-26 1 0,40-14-1,12 13-15,-52 1 31,0 65-15,40-26 0,-27 80-1,13-27 1,14 132 0,-1 67-1,27-146 1,0-106-16,0 66 15,106 146 1,-14-93 0,147 186-1,-54-199 1,119 79 0,-79-172-1,159 1 16,-67-54-15,159-26 0,-118 0-1,210 0 1,-131 0 0,449 0-1,-780 0 1,516-13-1,-424-27 1,1-65 0,-80 25-1,-27 14 1,54-53 0,-53 26-1,65-79 1,14 14 15,-106 78-15,80-158-1,-93 93 1,26-67 0,-65 14-1,-1 65 1,-13-65-1,0 92 1,-27-132 0,-26 119-1,-92-80 1,52 94 0,-65-15-1,78 54 16,-171-92-15,171 118 0,-184-92-1,65 52 1,-78 41 0,52-1-1,-159 13 1,133 1-1,-186-80 1,159 93 0,-132 13-1,0 0 1,-146 0 0,292 0-1,-67 13 16,133 27-15,-80 39 0,66-13-1,173-52 1,12-1 0,14 0-1</inkml:trace>
+  <inkml:trace contextRef="#ctx0" brushRef="#br0" timeOffset="28667.45">7607 11919 0,'0'14'63,"0"-1"-48,26 27-15,107 79 16,-14-66 0,92 52-1,-12-52 1,131 13 0,-131-13-1,145-39 1,26 25 15,199-25-15,-172-14-1,185 0 1,27-40 0,-517 13-16,107-39 15,277-92 1,-331 78-1,94-105 1,-107 92 0,119-39-1,-79 13 1,80-106 0,-41 40 15,41-53-16,-120 119 1,-13 0 0,0-14-1,-40 54 1,-52 39 0,-1 14-1,1-1 48,12 1-63,-39 13 15,14-1 1,-1 1 0,0 0 62,0 0-63</inkml:trace>
+  <inkml:trace contextRef="#ctx0" brushRef="#br0" timeOffset="30443.68">7527 12197 0,'27'27'16,"-1"52"0,-12-79-16,12 93 15,14-40-15,-40-40 16,26 13 15,-26-79 63,0-39-78,0 26-16,0-27 15,0 67-15,-13-107 16,13 107-1,0 13 1,0-1 172,26-25-188,14 25 15,-13-12 1,12 0-16,1 26 15,0 0 1,-14 0 0,1 0-1,-1 0 1</inkml:trace>
+  <inkml:trace contextRef="#ctx0" brushRef="#br0" timeOffset="57991.94">2725 11562 0,'13'-26'94,"14"-1"-94,92-39 16,26 27-16,120-28 15,79-25 1,331-107 0,-318 160 15,-145-14-31,-27 13 16,40 0-1,13 1 1,-159-1-1,1 14 1</inkml:trace>
+  <inkml:trace contextRef="#ctx0" brushRef="#br0" timeOffset="58540.36">3307 10081 0,'53'26'0,"40"40"15,26 14 1,278 65-1,53-13 1,383 146 0,-476-172-1,-66 0 1,-264-80 0</inkml:trace>
 </inkml:ink>
 </file>
 
@@ -1843,29 +1681,61 @@
     <inkml:context xml:id="ctx0">
       <inkml:inkSource xml:id="inkSrc0">
         <inkml:traceFormat>
-          <inkml:channel name="X" type="integer" max="3360" units="cm"/>
-          <inkml:channel name="Y" type="integer" max="1872" units="cm"/>
+          <inkml:channel name="X" type="integer" max="5120" units="cm"/>
+          <inkml:channel name="Y" type="integer" max="1800" units="cm"/>
           <inkml:channel name="T" type="integer" max="2.14748E9" units="dev"/>
         </inkml:traceFormat>
         <inkml:channelProperties>
-          <inkml:channelProperty channel="X" name="resolution" value="114.28571" units="1/cm"/>
-          <inkml:channelProperty channel="Y" name="resolution" value="112.77109" units="1/cm"/>
+          <inkml:channelProperty channel="X" name="resolution" value="174.14966" units="1/cm"/>
+          <inkml:channelProperty channel="Y" name="resolution" value="109.09091" units="1/cm"/>
           <inkml:channelProperty channel="T" name="resolution" value="1" units="1/dev"/>
         </inkml:channelProperties>
       </inkml:inkSource>
-      <inkml:timestamp xml:id="ts0" timeString="2021-03-02T02:25:19.887"/>
+      <inkml:timestamp xml:id="ts0" timeString="2022-03-08T03:28:37.414"/>
     </inkml:context>
     <inkml:brush xml:id="br0">
       <inkml:brushProperty name="width" value="0.05292" units="cm"/>
       <inkml:brushProperty name="height" value="0.05292" units="cm"/>
-      <inkml:brushProperty name="color" value="#C00000"/>
+      <inkml:brushProperty name="color" value="#FF0000"/>
     </inkml:brush>
   </inkml:definitions>
-  <inkml:trace contextRef="#ctx0" brushRef="#br0">3719 6144 0,'0'0'0,"0"0"0,0 0 0,0 0 0,0 0 15,0 0 1,0 0-16,0 0 16,8 0-16,7 0 15,8 0 1,15 8-16,7-8 15,15 7-15,8 1 16,-15-1-16,-15 1 16,-8 0-1,8-1-15,15 1 16,30 0-16,0-1 16,-15 1-16,-15-16 15,15 1 1,31 7-16,-16 0 15,-30-8-15,-8 8 16,8-8-16,15 8 16,15 0-1,-15-7-15,-15 7 16,0 0-16,15-8 16,8 8-1,-1 0-15,-22 8 16,-7-8-16,-1 7 15,-7 1-15,7 7 16,1-7 0,-1 0-16,8-1 15,-8 8-15,-7-7 16,0 0 0,0-1-16,14 1 15,1-8-15,0 8 16,-7-1-16,-16 1 15,0-8 1,-7 7-16,0 1 16,-1 0-16,8-1 15,1-7-15,6 8 16,16-8 0,0 0-16,-7 0 15,-1 0-15,-7 0 16,-15 8-1,-1-1-15,8 1 16,8 0-16,-38-8 16</inkml:trace>
-  <inkml:trace contextRef="#ctx0" brushRef="#br0" timeOffset="13709.55">3818 8945 0,'0'0'15,"0"0"-15,0 0 16,7 0 0,16 0-16,15 8 15,15-8-15,7 7 16,-7 1-16,15-1 15,30 1 1,23 0-16,-30-8 16,15 0-16,7 0 15,-22 0-15,-23 0 16,38 0 0,0 0-16,0 0 15,-16 0-15,16 0 16,0 0-1,-38 0-15,0 0 16,15 7-16,0 1 16,-7-8-16,-16 0 15,-14 8 1,-1-8-16,-7 0 16,-8 7-16,-7 1 15,7 7-15,-30-15 16</inkml:trace>
-  <inkml:trace contextRef="#ctx0" brushRef="#br0" timeOffset="79831.28">3598 7754 0,'0'0'0,"0"8"16,0 0-16,23 160 0,-8-62 15,-7-29-15,-1 30 16,1 7 0,-8-30-16,-8 0 15,8 38-15,-7-38 16,-1-15-16,1-1 16,7-7-1,-8 8-15,8-69 16</inkml:trace>
-  <inkml:trace contextRef="#ctx0" brushRef="#br0" timeOffset="80650.34">3780 7640 0,'0'0'0,"0"0"16,7-8-16,9 1 16,29-9-16,31-7 15,22-7 1,-23 7-16,31 0 15,38 0-15,-31 0 16,61 0 0,-53 16-16,23 7 15,45-23-15,-46 0 16,54-8-16,-76 16 16,60-8-1,-45 16-15,0-16 16,1 15-16,-54-7 15,0 7 1,8 8-16,-8-7 16,-15 7-16,-23 15 15,-7-8-15,-8 9 16,-7-9 0,0 16-16,-1 0 15,-7 0-15,0 0 16,1 15-16,-9 31 15,-7 7 1,-7 16-16,-1-1 16,-7 16-16,7 0 15,1-23 1,-1 0-16,8-15 16,0 15-16,0-16 15,-7 1-15,-1-16 16,1 8-1,-1 23-15,0 0 16,-7-38-16,-7 8 16,-24 7-1,-7-8-15,53-53 16</inkml:trace>
-  <inkml:trace contextRef="#ctx0" brushRef="#br0" timeOffset="80954.92">5655 8586 0,'83'-15'0,"189"-8"15,-45 15-15,-76 8 16</inkml:trace>
+  <inkml:trace contextRef="#ctx0" brushRef="#br0">2659 2606 0,'27'0'172,"105"0"-157,40 0 1,291 0 0,648 0-1,146 0 1,-635 0 0,238 0-1,-728 0-15,79 0 16,107 0-1,-278 0 1</inkml:trace>
+  <inkml:trace contextRef="#ctx0" brushRef="#br0" timeOffset="76673.84">6297 8427 0,'0'-13'125,"27"13"-94,-14 0-31,13 0 16,1 0-16,-1 0 15,1 0 1,65 13 0,67 0-1,26 0 1,-13-13 0,53 14-1,-79-14 1,-14 13-1,-79 0 1,13-13 0,-53 0-16,0 0 15,27 13 1,-13-13 0,12 0-1,-12 0 1,12 0 15,-12 0-15,-1 0 15,27-13-15,-26-27-1,78-26 1,-25 13-1,12-13 1,-78 53-16,-1-13 16,0-1-1,0-13 1,1-26 0,-1 27-1,0-14 16,14 13-15,-14-13 0,0 13-1,0-13 1,0-13 0,14-13-1,-14 39 1,14-26-1,-14 40 1,27-54 0,-1 1-1,-12-27 1,-1 66 0,-13 1-1,27-41 16,13 41-15,-13-41 0,-1 41-1,1 12 1,0 1 0,-27 12-1,13-12 1,27 13-1,-13 13 1,-14-14 0,27 1-1,-39 0 1,25 13 15,1-26-15,-27 12-1,0 14 1,1 0 0,-1 0-1,0 0 63,0 14-62,1 12 0,-1 27-16,40 13 15,13 80 1,-26-54 0,-14 14-1,14-80 1,-27 27 15,0-26-15,-13-14-1,0 0 1,0 27 0,13-14-16,-13 14 15,14 0 1,-14 0-1,13-14 1,0 0 0,-13 27-1,13 0 1,1-13 0,-14-27-1,13 27 16,-13-27-31,0 0 16,26 27 0,-26-27-1,0 27 1,27 39 0,-14-13-1,0 1 1,14 12-1,-27-66 1,26 27 0,-13 0-1,1-27 1,-1 0 15,13 27-15,1-40 31,12 0-32,147 0 1,-41 0 0,54 13-1,-67 0 1,-40-13-16,27 0 15,-79 0 1,92 0 0,1 0-1,-80 0 1,13 0 15,-13 0-15,-27 0-1,54 0 1,-14 0 0,66 0-1,-79 0 1,0 0 0,79 27-1,-105-27 1,65 13-1,-65-13 1,-14 26 78,0-12-79,-13-1-15,0 0 16,27 40 0,-14-27-16,13 27 31,-13 40-15,-13-80-1,0 0-15,14 80 16,-14-80-1,13 27 1,-13-27 0,0 14 15,0 26-31,0-1 16,0-25 15,0-14-16,0 0 1,-13 14 0,-14-1 15,14-26-15,0 14-1,-27 25 1,-13-12-1,-26-14 1,26 0 0,0 14-1,0-27 1,27 13-16,-80-13 31,66 26-15,-79-26-1,40 13 1,-1 27 0,-26-40-1,27 0 1,-40 0 0,-40 0-1,53 0 1,-79 0-1,40 0 17,131 0-32,1 0 15</inkml:trace>
+  <inkml:trace contextRef="#ctx0" brushRef="#br0" timeOffset="79283.09">6218 8493 0,'0'0'0,"-14"0"0,-25 27 31,-1 39-15,27-66 0,13 26-1,0 27 1,0-40 0,0 40-1,0-40-15,0 1 16,0 39-1,0-27 17,26 14-32,-26-27 31,14 13-31,38 14 31,41 13-15,-53-13-1,39-14 1,106 27 0,-118-13-1,12 0 1,80-1 0,-27-12-1,-53-14 1,1-13-1,78 26 1,-39 14 15,1-27-31,-15 14 32,67-14-17,-26 0 1,-67-13-1,54 0 1,-107 0 0,0 0-1,-12 0 32,12 0-47,-13 0 16,27 27-1,-27-27 17,1 0 155,-1 13-171,-13 13-1,13-26-15,-13 40 16,66 79 0,-39-40-1,-14-12 17,0-41-17,-13 0 1,0 14-1,13-27 1,-13 1 0,0-1-1,0 13-15,27 1 16,-27 26 0,0-27-1,13-13 1,-13 27-1,13-27 17,-13 27-32,13 0 31,-13-27-15,14 53-1,-14-26 1,26 79-1,-13-66 1,-13 26 0,0-52-1,0 52 1,14 0 0,-1-13-1,-13 1 1,13-14-1,-13 13 1,0-13 15,13 13-15,0-13 0,-13-14-1,14-12 1,-14 39-1,0-40 1,0 14 0,0-27-1,13-13 48,0 0-63,27-26 15</inkml:trace>
+  <inkml:trace contextRef="#ctx0" brushRef="#br0" timeOffset="83080.13">10411 9512 0,'-13'0'94,"0"13"-94,-14 27 16,1-14-16,13 54 31,0-28-15,-14 67-1,14-39 1,-14 12-1,14-12 1,-13 26 0,12 0-1,-12-54 1,13 41 0,-14-14-1,1 14 1,26-67-1,-13 27-15,-1-26 16,-12 39 15,26-13-31,-53 13 16,53 0 0,-40 14-1,40-41 1,-13 14-1,0-40 1,0 67 0,-14 12-1,14-39 1,13-13 0,-13-14-1,0-12 1,13-1 62,0 0-62,0 0-1,0 14 16,-14-14-15,14 0 15,0 1-31,0-1 16,-13 40 0,0 0 15,0-40-31,13 0 15,0 0 1,0 0 0,0 1 109,0-1-125,0 0 15,-14-13 1,14 13 281,0 1-266,14-14 172,-1 39-187,13-39-16,-12 27 15,25 39 1,41 66 15,12-13-15,133 265 0,-185-318-1,-1 13 1,-12-26-1,-27-26 157,-13-1-156,-14-12 0,-39 12-1,40-26 1,-14 0-16,-13 26 15,-13 1 1,13-14 0,-13-13-1,-40 0 1,-40 13 0,-26-13-1,67 0 1,-81 0 15,107 0-15,53 0-1,-41 0 1,-12 0 0,66 0-1,-14 0 1,14 0-1,-66 0 1,-14 0 0,-39 0-1,53 0 1,-41 0 0,94 0-1,13 0 1,0 0 171,13-13-171,0-13-16,79-80 16,0-26-1,-13 52 1,-13-12 15,13-1-15,-26 40-1,-13 13 1,-14 1 0,13-14-1,40-40 1,1 1-1,-54 65-15,13 1 16,14-27 0,-14 26-1,-26 1 157,0-1-156,-26-39-16,26 40 15,-13-27 1,-14-119 0,-12-40-1,25 120 1,-25-28 0,25 107-1</inkml:trace>
+  <inkml:trace contextRef="#ctx0" brushRef="#br0" timeOffset="84049.64">7580 8718 0,'-66'40'31,"-119"118"16,145-105-31,27-39 0</inkml:trace>
+  <inkml:trace contextRef="#ctx0" brushRef="#br0" timeOffset="84422.55">7395 8678 0,'27'0'15,"-1"66"1,40 27 15,-39-40 16</inkml:trace>
+  <inkml:trace contextRef="#ctx0" brushRef="#br0" timeOffset="84765.41">7779 8916 0,'-93'93'94,"93"-80"-94,-26 14 16,-1-14 15,14 0-31</inkml:trace>
+  <inkml:trace contextRef="#ctx0" brushRef="#br0" timeOffset="85137.97">7699 8877 0,'14'0'46,"-1"39"-46,13-12 16,-26-14 0,14 14-1,-1-14 1</inkml:trace>
+  <inkml:trace contextRef="#ctx0" brushRef="#br0" timeOffset="85768.65">7276 8731 0,'-13'0'31,"0"0"-15,-14 13-16,14 14 16,-14-14-1,-12 0 1,12 14 0,14-14 15,0-13-16,13 13-15</inkml:trace>
+  <inkml:trace contextRef="#ctx0" brushRef="#br0" timeOffset="86136.65">7091 8758 0,'13'-14'16,"0"54"-1,14 40 1,39-1 0,-40 0-1,1-26 1</inkml:trace>
+  <inkml:trace contextRef="#ctx0" brushRef="#br0" timeOffset="86884.17">10226 8652 0,'13'0'78,"-13"13"-78,-39 14 15,-1 12 1,0 1 0,1-27-1,39 0-15</inkml:trace>
+  <inkml:trace contextRef="#ctx0" brushRef="#br0" timeOffset="87249.17">10094 8586 0,'40'66'0,"-40"-53"16,0 14-16,26 12 15,0 1 1,-12-27 0</inkml:trace>
+  <inkml:trace contextRef="#ctx0" brushRef="#br0" timeOffset="87669.31">10464 8652 0,'14'0'47,"-14"13"-31,-27 27 0,-26-1-16,13 1 15,14-13 1,13-27-1,0 13 1</inkml:trace>
+  <inkml:trace contextRef="#ctx0" brushRef="#br0" timeOffset="88017.31">10292 8705 0,'0'39'15,"27"1"-15,-27-13 16,39 39 0,-39-53-1,14 13-15,-1 1 32,0-14-17</inkml:trace>
+  <inkml:trace contextRef="#ctx0" brushRef="#br0" timeOffset="88385.31">10385 9141 0,'0'14'15,"-27"-14"1,14 26 0,-13-13-1,13 1-15,-1-1 16,1-13-16,0 13 16,0 0-1,-14 0 1</inkml:trace>
+  <inkml:trace contextRef="#ctx0" brushRef="#br0" timeOffset="88792.32">10134 9168 0,'26'13'31,"-13"0"-15,0 1-16,1-1 16,25 13 15,1 1-15</inkml:trace>
+  <inkml:trace contextRef="#ctx0" brushRef="#br0" timeOffset="89270.85">10848 8916 0,'-40'14'78,"-13"25"-78,14-12 16,12-14-1,-52 27 1,66-40-1</inkml:trace>
+  <inkml:trace contextRef="#ctx0" brushRef="#br0" timeOffset="89586.86">10583 8930 0,'14'26'63,"-1"1"-48,13-14-15,-13 0 16,1 0 0,-1 14-1,-13-14 1</inkml:trace>
+  <inkml:trace contextRef="#ctx0" brushRef="#br0" timeOffset="90321.09">9512 11351 0,'0'13'63,"0"0"-47,-27 27-16,-26-14 15,0 1 1,1 26-1,38-27 1,-25-13 0,39 1-1</inkml:trace>
+  <inkml:trace contextRef="#ctx0" brushRef="#br0" timeOffset="90706.09">9274 11417 0,'13'0'15,"-13"13"1,13-13-16,14 53 16,-27-40-1,26 0 1,-26 1 15,13-14-15,0 0-1</inkml:trace>
+  <inkml:trace contextRef="#ctx0" brushRef="#br0" timeOffset="91220.7">9644 11933 0,'0'13'47,"-13"0"-32,0 0-15,-27 40 16,-13-13-1,13-14 17,14 1-17,13-27 1,-14 13-16</inkml:trace>
+  <inkml:trace contextRef="#ctx0" brushRef="#br0" timeOffset="91594.01">9393 12039 0,'39'26'16,"1"27"-16,-13-40 16,25 27-1,15 0 1</inkml:trace>
+  <inkml:trace contextRef="#ctx0" brushRef="#br0" timeOffset="92155">9472 11708 0,'-53'26'31,"40"-13"-31,0 14 16,-1-27-16,-25 26 15,12 1 1,1-14 0,13 0-1</inkml:trace>
+  <inkml:trace contextRef="#ctx0" brushRef="#br0" timeOffset="92529.01">9274 11695 0,'26'39'47,"-13"-26"-47,14 14 16,-1-1-1,-13 1 1,67 39 0</inkml:trace>
+  <inkml:trace contextRef="#ctx0" brushRef="#br0" timeOffset="100298.74">12554 8864 0,'53'13'78,"-39"-13"-62,52 0-16,159 0 16,-27 13 15,27 13-31,-13 1 31,39-1-15,-145 1-1,-40-27 1,-53 0-16,0 0 16,1 0-1,-54 0 95,0 0-95,-26-13-15,-79-54 16,12 41 15,67 0-31,79 39 78,1 13-62,-1-26-1,-13 13 48,0 1-47,0-1 15</inkml:trace>
+  <inkml:trace contextRef="#ctx0" brushRef="#br0" timeOffset="105178.72">16126 8070 0,'14'-66'94,"25"-40"-94,1-13 16,-14 79-16,41-198 15,-41 119 17,0 53-32,-26 26 0,27-39 15,-14 26 1,14 0 15,-1 13-15,-26 0-1,53-39 1,-40 26 0,53-53-1,-39 80 1,-1-27 0,14-13-1,0 39 1,-27 14-1,0 13 110,14 0-109,-1 0 15,-13 27-15,27-1 0,-27-26-1,53 40 1,-52-14-1,-1-13-15,13 1 16,1 52 15,-14-40-15,0 27-16,53 66 31,-52-53-15,25 14-1,-39-14 1,27-26 0,-14 26-1,0-27 1,-13 28 0,13-1-1,14 0 1,-14 0-1,0 40 1,1-53 0,-1 26-1,-13-66 32,13 1 78,0-1-109,-13 0 15,0 13-31,13-12 16,1 12-1,-14-13 1,13 1-16,0-1 31,0-13 94,14 0-125,13 0 16,-1 0-16,93 0 15,-92 0 1,0 0-16,66 0 31,-14 0-31,-12 0 32,12 0-17,-39 0 1,0 13-1,0-13 1,13 0 0,0 0-1,80 0 1,-67 0 0,67 0-1,-67 0 1,0 0-1,14 0 1,26 0 15,-92 0-31,-1 0 16,-13 0 109,-13 27-109,0-1-1,0-13 1,0 93-1,14-53 1,-1-27-16,-13 54 16,0-40 15,0 39-15,13-53-1,-13 27 1,0-13-1,0 0 1,0 26 0,0-27-1,0-12 1,0 13 15,0-27-15,0 0-16,-26 14 15,12-14 17,-25 13-32,12-26 15,-92 13 17,26 1-17,-39-1 1,66-13-1,-40 0 1,40 0 0,-93 0-1,80 0 1,-40 13 0,-119 27-1,158-40 1,54 0-1,13 0 1,-1 13 31,1 0 265,-13 1-312,13-1 16,-27 0 0,40 0-1,-13 0 157,-1 1-156,1 12-16,13-13 15,0 27 1,-13 13 0,0 40-1,13-54 1,-14 1 0,14 26-1,0-26 1,0-14-1,0 27 1,0-40 0,0 40 15,0-26-15,-13-14-1,13 40 1,-13 13-1,13 40 1,-13-80 0,13 14-16,-27 53 15,1-27 1,13 13 0,-1 1-1,-12 12 1,0 1-1,12-1 1,1-26 15,-13 54-15,-27-1 0,53-53-1,-14 13 1,-12-13-1,26-13 1,-26 27 0,12-41-1,14 14 1,-13-40 0,0 27-1</inkml:trace>
+  <inkml:trace contextRef="#ctx0" brushRef="#br0" timeOffset="109395.11">16140 8295 0,'-27'-14'47,"-26"14"-47,14 0 16,-94 0-1,1 0 1,-40 0-1,93 0 1,52 0-16,-158 0 31,-14 0-15,41 0 0,78 0-1,-25 0 1,52 0-1,0 0 1,39 0 0,1 0-1,0 0 110,0 27-109,0-14 0,-1 27-1,1-14 1,0-12-1,13-1 1,0 0-16,0 40 31,-27 26-15,27 1 0,0-1-1,0 40 1,0-66-1,0 0 1,0 13 15,0-13-15,0 26 0,14 14-1,-14-53 1,0-1-1,0-25-15,0 12 16,26 0 93,-13-26-93,14 0 0,-1 14-1,40-1 1,27 0-16,79 0 16,13-13-1,-66 0 1,-13 0-1,-40 0 1,14-13 0,-14 0-1,-40 13 1,27 0 0,-40 0-1,27 0 16,0 0-15,-14 0 15,-13 0 32,1 0-63,-1 0 156,0 13-140,0 14-1,14 65 1,39 67 0,-13-40-1,-27 40 1,1-80-1,-1-13-15,-13 0 16,1-26 0,12 66-1,-13-66 1,14 39 0,-14-26-1,0 26 16,1-26-15,-1 27 0,13-41-1,-26 14 1,13-26 0,1 12-1,-1 1 1,-13-27-1,13 27 1,0-14 0,1 27-1,-14 27 1,26 12 0,0 41-1,-12-67 1,-14-53 15,0 0 172,0 14-203,0 12 16,0-12-1,-27 26 1,14 39 0,-66 54-1,39-40 1,14-40 0,-27 40-1,26-67 1,1 28-1,12-41 1,-12 40 0,26-53-1,-13 27 1,0-14-16,-1 67 16,-25 119-1,-14-133 16,39-52-15,1 26 0,13-40-1,0 0 1,40-53 140,-27 40-140,40 0-16,119 0 31,-40-26-15,120 26-1,-107-13 1,80-14 0,-119 27-16,26 0 15,67 0 1,-107 13-1,1 1 1,-27-14 0,-26 0-1,-27 0 1,0 0 0,14 0-1,39 0 16,93 0-15,-80 0 0,66 13-1,-131-13 95,-28-27-110,1-12 15,-26-27-15,-1-14 16,-53-79 0,-13 1-1,53 92 1,-66-40-1,14-27 1,38 54 0,15-14-1,-1 40 1,26 14 0,-26-27-1,27 26 1,-14-26-1</inkml:trace>
+  <inkml:trace contextRef="#ctx0" brushRef="#br0" timeOffset="111508.21">16417 10755 0,'-13'0'94,"0"14"-79,0-1 17,-1-13 108,28 0-124,39 0-16,-14 0 16,-12 0-16,65-13 15,-12 13 16,-14 0-15,-26 0-16,-27 0 16,0 0 15,14 0-15,12 0-1,-12 0-15,-1 0 16,1 0-1,12 0 17,146 26-32,-26-13 15,-119 0 1,-27 1 15,0-14 32,-13 26-48,0 14-15,0 0 16,0 118 0,0-25-1,-26 65 1,-1-79-1,27 119 1,-13-185 0,-13 146-1,-14-107 1,40-39 0,-13-26 62,0-27-63,-1 0-15,1 0 16,-27 13 0,-26-13-1,0 0 1,0 0-1,-27 0 1,27-40 0,-119-26-1,40 13 1,12 27 0,41-14 15,12 13-16,54 14 1,26 0 78,0-14-94,0-12 15,0-27-15,26-27 16,27-79 0,-40 66-1,1 27 17,-1 66-32,-13-1 15,13-39 1,0 14-1,1-14 1,12 13 0,14-13-1,-14 14 1,-26-1 0,13 27-1,1-1 1</inkml:trace>
+  <inkml:trace contextRef="#ctx0" brushRef="#br0" timeOffset="113660.87">15214 8387 0,'13'14'16,"-13"25"-1,0 54 1,0 26-1,0-13 1,0 66 0,0-53-1,0-66-15,-13 66 16,-1 0 0,14-66-1,0 0 1,0-27 15,0-13 125,40-13-140,13 0-16,13 0 16,66 0-1,1 0 1,-94 0-1,-25 0 1,-1 0 62,0 0-78,13 0 16,1 0-1,-14 0 1,0 0 15,1 0-15,-1 0 0,0-13 30,0 0-30,1 0 0,-1-1-16,0-52 31,0 27-15,0-41-1,1 1 1,12-40-1,-13-66 1,14 52 0,-14-145-1,0 226 1,-13 25-16,0 14 16,0 0-1,0-1 1,0-12-1,0 13 142,-53 13-142,-13 0-15,-53 13 16,-53-13 0,80 0-1,25 0 1,54 0-1,0 0 64</inkml:trace>
+  <inkml:trace contextRef="#ctx0" brushRef="#br0" timeOffset="115591.17">17529 8229 0,'0'13'47,"0"26"-31,0 28-1,0-1 1,0 53-1,0-27-15,13-39 16,13 93 0,-26-93-1,27 39 1,-27-25 0,0 38-1,26-52 1,-26-26-1,0-14 1,0 0 125,27-13-63,12 0-78,1-26 15,-27 26 1,1 0-16,12 0 31,0-27-15,1 14 0,-14 13-1,93 0 1,0-13-1,-27 13 1,-39-13 0,-14-1 77,-26 1-93,14-27 16,-14 14 0,26-40-1,-26-66 1,13-14 0,-13 27-1,0 53 1,0-27-1,0 54-15,0 12 16,0-39 0,0 39-1,0 1 1,0 13 0,0 0-1,0-1 1,0 1-1,-13 13 32,0-26-31,-27 26 0,-52-14-1,-1 1-15,-26-13 16,-80-40-1,173 39-15,-53 14 16,52 0 0</inkml:trace>
+  <inkml:trace contextRef="#ctx0" brushRef="#br0" timeOffset="142951.54">9088 8771 0,'-26'26'0,"13"-26"0,0 14 16,-1-14 15,1 13 125,-27 13-156,27-12 16,0 12-16,-40 0 15,-13 41-15,0-1 16,39-40 0,1 1 15,-1 12-16,14-25 1</inkml:trace>
+  <inkml:trace contextRef="#ctx0" brushRef="#br0" timeOffset="143305.59">8784 8824 0,'0'0'15,"40"66"-15,-14-26 16,-26-14-16,66 67 16,-39-54-1</inkml:trace>
+  <inkml:trace contextRef="#ctx0" brushRef="#br0" timeOffset="143745.21">9737 9842 0,'13'14'16,"-13"-1"-1,0 53 1,-106 53-1,27-39 1,-1 12 0,14-26-1,13-26 17,53-27-32</inkml:trace>
+  <inkml:trace contextRef="#ctx0" brushRef="#br0" timeOffset="144024.25">9366 9975 0,'13'79'16,"14"-26"0,-1-13-16,14 39 15,13-13 1,26 27 0,-52-53 15</inkml:trace>
+  <inkml:trace contextRef="#ctx0" brushRef="#br0" timeOffset="144469.96">9750 8215 0,'-13'0'16,"-265"238"30,172-171-30,93-54 0</inkml:trace>
+  <inkml:trace contextRef="#ctx0" brushRef="#br0" timeOffset="144733.57">9313 8057 0,'0'105'16,"0"-52"-16,40 40 15,53 92 17,26-66-17</inkml:trace>
+  <inkml:trace contextRef="#ctx0" brushRef="#br0" timeOffset="145476.6">12052 8864 0,'-13'13'0,"13"0"31,-14-13-31,-25 26 16,25-12 0,-25 25-1,12 1 1,14-27-16</inkml:trace>
 </inkml:ink>
 </file>
 
@@ -1875,65 +1745,26 @@
     <inkml:context xml:id="ctx0">
       <inkml:inkSource xml:id="inkSrc0">
         <inkml:traceFormat>
-          <inkml:channel name="X" type="integer" max="3360" units="cm"/>
-          <inkml:channel name="Y" type="integer" max="1872" units="cm"/>
+          <inkml:channel name="X" type="integer" max="5120" units="cm"/>
+          <inkml:channel name="Y" type="integer" max="1800" units="cm"/>
           <inkml:channel name="T" type="integer" max="2.14748E9" units="dev"/>
         </inkml:traceFormat>
         <inkml:channelProperties>
-          <inkml:channelProperty channel="X" name="resolution" value="114.28571" units="1/cm"/>
-          <inkml:channelProperty channel="Y" name="resolution" value="112.77109" units="1/cm"/>
+          <inkml:channelProperty channel="X" name="resolution" value="174.14966" units="1/cm"/>
+          <inkml:channelProperty channel="Y" name="resolution" value="109.09091" units="1/cm"/>
           <inkml:channelProperty channel="T" name="resolution" value="1" units="1/dev"/>
         </inkml:channelProperties>
       </inkml:inkSource>
-      <inkml:timestamp xml:id="ts0" timeString="2021-03-02T02:27:07.242"/>
+      <inkml:timestamp xml:id="ts0" timeString="2022-03-08T03:29:14.964"/>
     </inkml:context>
     <inkml:brush xml:id="br0">
       <inkml:brushProperty name="width" value="0.05292" units="cm"/>
       <inkml:brushProperty name="height" value="0.05292" units="cm"/>
-      <inkml:brushProperty name="color" value="#C00000"/>
+      <inkml:brushProperty name="color" value="#FF0000"/>
     </inkml:brush>
   </inkml:definitions>
-  <inkml:trace contextRef="#ctx0" brushRef="#br0">3795 5060 0,'0'0'0,"0"0"16,0 0-1,0 0-15,0 0 16,0 0-16,15-7 16,15-1-1,16 0-15,14 1 16,8 7-16,-15 0 15,8 0-15,37-16 16,8 24 0,-8-16-16,15 8 15,16-15-15,-31 7 16,8-7-16,15 15 16,-8-7-1,-7-1-15,-7 8 16,6 0-16,-29 0 15,-76 0 1</inkml:trace>
-  <inkml:trace contextRef="#ctx0" brushRef="#br0" timeOffset="972.37">6260 5053 0,'0'0'16,"7"0"-16,8 0 16,8 0-16,30 7 15,60-7 1,1 31-16,-1-24 15,53 9-15,-67-1 16,74-15 0,-6 0-16,60 0 15,-76 7-15,98 9 16,-60-1-16,83-7 16,-45 30-1,8-15-15,29-8 16,-30 0-16,39 8 15,-47-15 1,77 7-16,-16-7 16,-90 7-16,105 0 15,0-7-15,-105-1 16,68 16 0,-1-15-16,-105 0 15,68-16-15,-76 8 16</inkml:trace>
-  <inkml:trace contextRef="#ctx0" brushRef="#br0" timeOffset="-125148.98">4967 9853 0,'0'0'0,"0"0"16,0 0-16,113 0 0,-45-15 16,0 7-16,8 1 15,22-1-15,-15 0 16,-15 8-1,0 0-15,46 0 16,-8 16-16,-8-9 16,30-7-1,-7 0-15,-37-7 16,44 14-16,31-7 16,-23-15-16,30 7 15,-60 1 1,7-1-16,39 8 15,-54-8-15,15 8 16,16 0-16,-38 0 16,-8 0-1,0 8-15,23-8 16,-8 8-16,-15-8 16,0 7-16,0-7 15,-15 8 1,-15 0-16,-7-16 15,-1 16-15,-7-1 16,0 1 0,0-8-16,-1 0 15,1 8-15,-8-1 16,1-7-16,-1 0 16,0-7-1,0 7-15,-30 0 16</inkml:trace>
-</inkml:ink>
-</file>
-
-<file path=ppt/ink/ink15.xml><?xml version="1.0" encoding="utf-8"?>
-<inkml:ink xmlns:inkml="http://www.w3.org/2003/InkML">
-  <inkml:definitions>
-    <inkml:context xml:id="ctx0">
-      <inkml:inkSource xml:id="inkSrc0">
-        <inkml:traceFormat>
-          <inkml:channel name="X" type="integer" max="3360" units="cm"/>
-          <inkml:channel name="Y" type="integer" max="1872" units="cm"/>
-          <inkml:channel name="T" type="integer" max="2.14748E9" units="dev"/>
-        </inkml:traceFormat>
-        <inkml:channelProperties>
-          <inkml:channelProperty channel="X" name="resolution" value="114.28571" units="1/cm"/>
-          <inkml:channelProperty channel="Y" name="resolution" value="112.77109" units="1/cm"/>
-          <inkml:channelProperty channel="T" name="resolution" value="1" units="1/dev"/>
-        </inkml:channelProperties>
-      </inkml:inkSource>
-      <inkml:timestamp xml:id="ts0" timeString="2021-03-02T02:54:15.893"/>
-    </inkml:context>
-    <inkml:brush xml:id="br0">
-      <inkml:brushProperty name="width" value="0.05292" units="cm"/>
-      <inkml:brushProperty name="height" value="0.05292" units="cm"/>
-      <inkml:brushProperty name="color" value="#C00000"/>
-    </inkml:brush>
-  </inkml:definitions>
-  <inkml:trace contextRef="#ctx0" brushRef="#br0">4929 11868 0,'0'0'0,"0"0"0</inkml:trace>
-  <inkml:trace contextRef="#ctx0" brushRef="#br0" timeOffset="4149.14">3047 12563 0,'0'0'16,"0"0"-16,0 0 16,0 0-16,0 0 15,0 0-15</inkml:trace>
-  <inkml:trace contextRef="#ctx0" brushRef="#br0" timeOffset="8426.03">3341 12044 0,'0'0'0,"0"0"16,0 0-1</inkml:trace>
-  <inkml:trace contextRef="#ctx0" brushRef="#br0" timeOffset="24693.17">19603 6609 0,'-38'-7'0,"-30"-16"16,-23 0-16,-98 0 16,53 0-16,-76 0 15,99 16 1,-76-16-16,15 15 15,-7 1-15,45 7 16,-8 0 0,-38 0-16,39 15 15,-31 8-15,61 0 16,-54 7-16,16 1 16,-8 7-1,-15 15-15,76-30 16,-53 15-16,22 8 15,16-8 1,-16 8-16,16 8 16,30-9-16,-15 9 15,-8 7-15,15-23 16,8 8 0,7 7-16,-7 16 15,8-16-15,7 1 16,22-8-1,1-1-15,-1 16 16,1 16-16,7-9 16,8-22-16,7 8 15,1-1 1,7 31-16,15 0 16,7-8-16,8-7 15,16 7-15,6 8 16,1 0-1,15-8-15,23 1 16,37 7-16,-7 0 16,60 0-1,-45-31-15,38 1 16,30-9-16,23-7 16,-46 16-1,114 22-15,-91-22 16,45-1-16,-15 8 15,46-15-15,-23 0 16,45-16 0,-38-22-16,-37-16 15,128 1-15,-68-16 16,-67-15-16,89-23 16,-6-16-1,-92 1-15,31 0 16,53-31-16,-152 23 15,84-46 1,-76 31-16,45-23 16,-60-8-16,-53 23 15,16-46-15,-31 47 16,-23-1 0,-23-23-16,-22 23 15,-23-7-15,-15-16 16,-75-15-1,-23 30-15,-91-7 16,91 23-16,-152-15 16,-29 22-16,22 31 15,-83 7 1,37 1-16,-52 38 16,53 22-16,-84 9 15,349-9 1</inkml:trace>
-  <inkml:trace contextRef="#ctx0" brushRef="#br0" timeOffset="27349.59">15845 6938 0,'0'0'0,"-7"-16"15,-8-6-15,-8-1 16,-15-8 0,-30-7-16,-23 0 15,8 0-15,-7-16 16,-31-22 0,15 22-16,30 9 15,-45 6-15,-38-29 16,1 22-16,-31-7 15,60 7 1,-75-31-16,53 32 16,-38-16-16,53 22 15,-114-37 1,129 38-16,-90-31 16,52 16-16,-38 7 15,-14 0-15,-1 16 16,16-1-1,-54-7-15,-7-15 16,68 22-16,-53-22 16,30 15-16,16 7 15,-54 8 1,8 0-16,69 0 16,-47 0-16,16 0 15,-7-7 1,52-1-16,-91 1 15,46 7-15,8-23 16,-1 23-16,-7-15 16,-15 31-1,52-1-15,-74 16 16,44-1-16,-7 8 16,-8 8-16,-30 8 15,23 7 1,68-15-16,-76 30 15,38-22-15,-7-16 16,29 23 0,-29-7-16,7 22 15,15 1-15,23-1 16,-54 16-16,54-23 16,-15 7-1,37-7-15,-52 38 16,22-16-16,-22 32 15,52-39-15,16 23 16,-16 7 0,1-7-16,7 8 15,-23 38-15,38-31 16,38-31 0,-37 77-16,21-38 15,16-30-15,0 7 16,0 22-16,8 1 15,7-15 1,0 38-16,8-24 16,7 1-16,8 8 15,7-1 1,15-7-16,1 0 16,7 46-16,15-47 15,0 32-15,8 7 16,7-31-1,15 39-15,-7-31 16,0-7-16,15 37 16,-8-45-1,8 0-15,0-8 16,0-7-16,-8-24 16,-7-14-16,-8-16 15,-7-7 1,-8-9-16,0-6 15,-7-9-15,-1 1 16,1 0-16,-8-8 16,0 0-1,0 0-15,0 0 16,0 0-16,0 0 16,-8-8-16,1-15 15,-1 0 1,1-7-16,-1 7 15,1 0-15,-1 8 16,0 7 0,8 8-16,0 0 15,0 0-15,0 0 16,0 0-16,0 8 16,8 7-1,0-7-15,-1-1 16,1 1-16,7-8 15,0 0-15,0-8 16,-7 1 0,-8 7-16,0-8 15,0-7-15,-8-8 16,-7 7 0,0 9-16,0-1 15,0 8-15,-1 0 16,9 0-1,-8 8-15,15-8 16</inkml:trace>
-  <inkml:trace contextRef="#ctx0" brushRef="#br0" timeOffset="28744">3712 9120 0,'-8'0'0,"-22"-15"16,-15 0-16,-1-8 16,-7 0-1,-30 16-15,-15-1 16,7 8-16,-15 0 15,-15 8 1,16 7-16,37-8 16,-16 1-16,-21 15 15,21 0-15,9-8 16,-31 31 0,15-16-16,-15 9 15,38-16-15,-15 22 16,-15 24-16,15-8 15,7 8 1,23-8-16,16-8 16,-9 16-16,-7 30 15,15-15 1,-14-8-16,14 39 16,7-1-16,1-22 15,15 15-15,8 0 16,7-8-1,7-38-15,8 8 16,15 45-16,8-30 16,0-15-1,7-8-15,16 15 16,30 31-16,7-8 16,-22-38-16,7 8 15,45 15 1,8 7-16,-22-29 15,44 6-15,-44-22 16,37 0-16,8 7 16,0-7-1,45 0-15,-91-16 16,99-7-16,-46 8 16,46-16-16,-54 8 15,69-15 1,-15-1-16,-53-14 15,67-24 1,-21-22-16,29 14 16,-106 1-16,114-23 15,-83 31-15,45-31 16,-113 23 0,75-62-16,-30 24 15,-37 15-15,6-8 16,9-22-16,-39 14 15,-22 9-15,-15 7 16,-8-16 0,1-22-16,-16 7 15,-15 16-15,-8-23 16,-14-16 0,-31 9-16,-53-9 15,-8 16-15,-37-8 16,15 31-1,38 7-15,-99-23 16,46 24-16,-53-9 16,75 32-16,-112-9 15,36 1 1,-14 15-16,15 7 16,-15-7-16,-76 30 15,114-22-15,-69 7 16,-37 15-1,98-7-15,-98 7 16,22-15-16,121 16 16</inkml:trace>
-  <inkml:trace contextRef="#ctx0" brushRef="#br0" timeOffset="48137.2">16072 4587 0,'0'0'0,"0"0"16,0 0-16,0 0 15,0 0 1,0 0-16,0 8 16,8 30-16,-1 15 15,1 8 1,-8 38-16,0 39 16,0-8-16,-8-1 15,1 1-15,-1-23 16,1 0-1,7-16-15,0-7 16,0-15-16,0-23 16,7 0-1,-7-46-15</inkml:trace>
-  <inkml:trace contextRef="#ctx0" brushRef="#br0" timeOffset="48845.45">16337 4442 0,'0'0'0,"0"0"15,0 0 1,0 0-16,15 0 16,8-8-16,14 1 15,62-9 1,37 9-16,-8 7 15,61 15-15,-75-23 16,82 16 0,-37-23-16,75 15 15,-105-8-15,120 1 16,-82-9-16,82-14 16,-105 7-1,83-8-15,-54 1 16,1 15-16,-68-1 15,60 9-15,-22-1 16,-15 0 0,-8 8-16,-31 8 15,-22 0-15,-7-1 16,-8 9 0,-16-1-16,1 15 15,0 16-15,-15 15 16,-8 8-16,-23 53 15,-22 46 1,7-38-16,-22 68 16,22-76-16,8 23 15,0-46 1,8-15-16,-1 16 16,0-47-16,8-7 15,0-8-15,0-15 16,0-8-1,0-15-15</inkml:trace>
-  <inkml:trace contextRef="#ctx0" brushRef="#br0" timeOffset="49365">16564 5800 0,'0'0'0,"0"0"16,0 0-16,0 0 15,30 0 1,38 0-16,15 0 16,61-7-16,7 7 15,15-15 1,31-1-16,52 9 15,-60 7-15,106-23 16,-23 15-16,-106 1 16,122 7-1,-107-8-15,-14 0 16,6 1-16,1-1 16,-30 8-1,-23-15-15,-38 7 16,-23 0-16,-22 1 15,-7-1-15,-16 8 16,-15 0 0</inkml:trace>
-  <inkml:trace contextRef="#ctx0" brushRef="#br0" timeOffset="56551.82">4732 4366 0,'0'0'0,"0"0"16,-7 0-16,-1-8 16,-7 8-1,8 0-15,-1 0 16,1 0-16,-1 0 15,0 0 1,8 0-16,-7 23 16,-1 15-16,8 31 15,0 15-15,15 45 16,1-6 0,-1 44-16,7-22 15,-7-45-15,8 29 16,-8-22-1,-7-30-15,-1-9 16,-7-22-16,8 0 16,-8-16-16,7-7 15,1 0-15,0-15 16,7 7 0,0 0-16,-8-7 15,9 0 1,6-1-16,24-14 15,22-1-15,15-15 16,0 0-16,15 0 16,8 0-16,-8 1 15,-30 6 1,31-7-16,-9 8 16,-14-8-16,0 0 15,-16-15 1,0 8-16,1-9 15,-8 1-15,0-7 16,-8-1 0,1-8-16,-9-14 15,-6-1-15,-9 0 16,-7 8-16,8-8 16,-8-14-1,0-17-15,0 24 16,1-8-16,-1-23 15,0 0-15,0 31 16,0 15 0,-7 0-16,-8 7 15,-8 9-15,-15-9 16,1 24-16,-1-1 16,-38 1-1,-44 7-15,-39 7 16,-45 32-16,30 14 15,-90 62 1,52-16-16,-37 16 16,52 38-16,-22-8 15,61-38-15,-39 53 16,99-61 0,-8 1-16,91-77 15</inkml:trace>
-  <inkml:trace contextRef="#ctx0" brushRef="#br0" timeOffset="84630.84">3818 1473 0,'-15'-8'15,"-53"-30"1,-23-15-16,8-1 16,-31 1-16,-22-23 15,30 30-15,-37-8 16,14 24-1,38 7-15,-52 15 16,7 1-16,0 30 16,-23 30-16,53 8 15,0-7 1,-15 22-16,0 54 16,38-24-16,15-6 15,8 45-15,14-16 16,31 9-1,0 30-15,30-61 16,0-1-16,31 24 16,-9-38-16,16-16 15,23 23 1,22-7-16,-30-31 16,53 8-16,30-16 15,16-7 1,37-16-16,-38 1 15,61-23-15,-38-1 16,-15-14-16,53-1 16,-23-7-1,38-16-15,-91 8 16,68-23-16,-37-15 16,22-23-16,-91 16 15,31-9 1,-16-22-16,-29-15 15,-31 30-15,-8-31 16,-22-14 0,-23 29-16,-30-14 15,-15-16-15,-31 23 16,-30 8-16,-67-38 16,44 53-1,-90-16-15,-15 16 16,-8 16-16,-121-1 15,1 54 1,52 45-16,-106 54 16,303-61-16</inkml:trace>
+  <inkml:trace contextRef="#ctx0" brushRef="#br0">9723 8506 0,'40'0'125,"145"0"-125,-132 0 16,66 0-16,159 0 16,754 0-1,-834 0-15,1139 0 16,-292 0-1,569 0 1,-741 0 0,-27 0 15,-422 0-15,-385 0-1</inkml:trace>
+  <inkml:trace contextRef="#ctx0" brushRef="#br0" timeOffset="1258.56">3638 9763 0,'0'13'32,"40"14"-32,105 12 15,160-25 1,131-14-1,715 53 1,-119 26 0,423 40 15,-529-26-15,-92-54-1,-610-39-15,-78 0 16</inkml:trace>
 </inkml:ink>
 </file>
 
@@ -1943,17 +1774,17 @@
     <inkml:context xml:id="ctx0">
       <inkml:inkSource xml:id="inkSrc0">
         <inkml:traceFormat>
-          <inkml:channel name="X" type="integer" max="3360" units="cm"/>
-          <inkml:channel name="Y" type="integer" max="1872" units="cm"/>
+          <inkml:channel name="X" type="integer" max="5120" units="cm"/>
+          <inkml:channel name="Y" type="integer" max="1800" units="cm"/>
           <inkml:channel name="T" type="integer" max="2.14748E9" units="dev"/>
         </inkml:traceFormat>
         <inkml:channelProperties>
-          <inkml:channelProperty channel="X" name="resolution" value="114.28571" units="1/cm"/>
-          <inkml:channelProperty channel="Y" name="resolution" value="112.77109" units="1/cm"/>
+          <inkml:channelProperty channel="X" name="resolution" value="174.14966" units="1/cm"/>
+          <inkml:channelProperty channel="Y" name="resolution" value="109.09091" units="1/cm"/>
           <inkml:channelProperty channel="T" name="resolution" value="1" units="1/dev"/>
         </inkml:channelProperties>
       </inkml:inkSource>
-      <inkml:timestamp xml:id="ts0" timeString="2021-02-23T02:07:33.010"/>
+      <inkml:timestamp xml:id="ts0" timeString="2022-03-01T03:15:05.322"/>
     </inkml:context>
     <inkml:brush xml:id="br0">
       <inkml:brushProperty name="width" value="0.05292" units="cm"/>
@@ -1961,12 +1792,7 @@
       <inkml:brushProperty name="color" value="#FF0000"/>
     </inkml:brush>
   </inkml:definitions>
-  <inkml:trace contextRef="#ctx0" brushRef="#br0">15951 4961 0,'0'0'15,"0"0"-15,-15 0 0,-121 0 16,68-15-16,8 7 16,7 0-16,15 8 15,8 0 1,7 0-16,8-7 15,7 7-15,1 0 16,7 0-16,-8 0 16,8 0-1,-7 7-15,-1 1 16,0 7-16,1 1 16,-1 14-1,1 8-15,-1 8 16,8 15-16,8-15 15,-1 7-15,1 24 16,-1-1 0,1-45-16,0 22 15,-1 0-15,1-7 16,-8-8-16,0 0 16,0-7-1,0 0-15,0-9 16,0 1-16,7-7 15,1-1 1,7 8-16,-8-8 16,9 0-16,-1 1 15,7-1-15,1-8 16,0 1 0,-1 0-16,1-8 15,-8 0-15,0 0 16,8 7-1,-8-7-15,0 0 16,0 0-16,-7 0 16,-1 0-1,-7 0-15</inkml:trace>
-  <inkml:trace contextRef="#ctx0" brushRef="#br0" timeOffset="304.58">15324 5427 0,'0'0'15,"0"0"-15,7 0 16,16 7-16,30 1 16,23-8-1,-1 0-15,-22 0 16,-15-8-16,-15 1 16,-1 14-1,8 1-15,-30-8 16</inkml:trace>
-  <inkml:trace contextRef="#ctx0" brushRef="#br0" timeOffset="752.58">16465 5030 0,'0'0'15,"0"0"-15,0 0 16,0 0 0,0 7-16,0 9 15,0 22-15,0-8 16,0 24-16,-7-9 16,-1 24-1,8 15-15,-7 0 16,-1-15-16,0-1 15,1 1 1,-1 0-16,1-23 16,-1-8-16,-14 8 15,22-46-15</inkml:trace>
-  <inkml:trace contextRef="#ctx0" brushRef="#br0" timeOffset="1267.08">16458 5030 0,'0'0'16,"0"0"-16,0 0 16,0 0-16,0 0 15,0 0-15,0 0 16,0 0 0,22 0-16,46 0 15,16 7-15,-16 9 16,-8 14-1,-22-15-15,0 31 16,-16-8-16,-6-7 16,-9 7-16,-7 8 15,0 7 1,-7-7-16,-9 15 16,-6-15-16,-16 7 15,-7 1 1,7-24-16,0 1 15,0-8-15,8 0 16,7-8-16,8-8 16,8 1-1,-1 0-15,8-8 16,0 0-16</inkml:trace>
-  <inkml:trace contextRef="#ctx0" brushRef="#br0" timeOffset="1789.55">17856 5129 0,'0'0'0,"0"0"15,-7 0-15,-16-8 16,-7 23-16,-8-7 16,-7-31-1,-1 31-15,8 7 16,1 16-16,-9-1 15,1 8-15,15-7 16,0 15 0,7-1-16,8-6 15,7 6-15,8 1 16,8-8 0,14-7-16,9-1 15,14-14-15,8-1 16,7-23-16,-7-7 15,-7-8 1,-9-7-16,1-24 16,-15 24-16,-8-1 15,-7 1-15,-8-1 16,-8 1 0,-22-9-16,30 39 15</inkml:trace>
-  <inkml:trace contextRef="#ctx0" brushRef="#br0" timeOffset="63973.54">14069 10044 0,'7'0'0,"46"-8"0,0 1 0,597-16 15,-461 15-15,38 1 16,0 14-16,-53 1 16,75 7-1,1-7-15,-61-1 16,83 1-16,15 7 15,-105-7-15,128-16 16,-23 16 0,-60-16-16,113 1 15,-76-1-15,77-7 16,-1 7 0,-106-7-16,106 0 15,-98 22-15,83-14 16,-52 14-16,-107 16 15,76-8 1,7 8-16,-98-23 16,91 16-16,-68-24 15,15 16 1,-83-8-16,53 0 16,-16 0-16,-22 30 15,-7-30-15,-8-8 16,-46 1-1,-15 7-15,8 0 16,0-8-16,8 8 16,-8-7-1,0-1-15,-16 8 16,-6-8-16,-9 1 16,1-1-16,-8 0 15,0 1 1,0-1-16,0 8 15,8 0-15,0-8 16,0 1 0,7-8-16,8 15 15,-1-16-15,1 1 16,0 0-16,0 0 16,-8-8-1,8 0-15,7 0 16,8 8-16,8-1 15,-9 16 1,-14 0-16,-7 0 16,-1 0-16,0 0 15,0 0-15,8 0 16,0 0 0,0 0-16,-1 0 15,9 31-15,-24-39 16,-6 8-1,-1-7-15,0-1 16,-8 0-16,1 8 16,-1-7-16,1-1 15,0 0 1,-1-7-16,-7 0 16,0-16-16,0 8 15,8-15 1,-8 0-16,0-8 15,0 1-15,0 6 16,0-14-16,-8-8 16,8-23-1,0-8-15,0 16 16,0-31-16,0 23 16,8-15-16,-8 7 15,0 1 1,0 15-16,0-1 15,0 8-15,0 16 16,-8-16 0,1 1-16,-1 14 15,-7 1-15,0-1 16,0-22 0,-8-15-16,0 22 15,1 0-15,7 23 16,-16-15-16,9 8 15,-1 15 1,0 7-16,1 1 16,-1 7-16,-7 0 15,-8 0-15,-15 0 16,-8 0 0,16 8-16,7 7 15,-52-22-15,-31 14 16,15 9-1,-23 7-15,-45-8 16,84 8-16,-92 8 16,8-16-1,-60 1-15,90 7 16,-98-8-16,8 77 16,22-115-16,-75 8 15,75 22 1,-22 9-16,-68-1 15,37 16-15,61-1 16,-144 16-16,53-61 16,8 46-1,-61-24-15,144 9 16,-151-16 0,83 15-16,-53 1 15,60-1-15,31 16 16,-53 22-16,-1-22 15,137-1-15,-114-14 16,16 14 0,113-7-16,-114-7 15,77-1-15,-39-7 16,76 7 0,-68 1-16,68-9 15,-46 9-15,84 7 16,0 7-1,-54 1-15,47-8 16,29 8-16,8-1 16,0-7-16,7 8 15,9 0 1,14-1-16,8 1 16,14-1-16,-6 9 15,7-1 1,7-7-16,-7 7 15,7 8-15,-7 23 16,8 38-16,7 38 16,0-8-1,15 85-15,-8-108 16,8 39-16,1 61 16,-16-46-1,7 23-15,-7-39 16,0 55-16,8-17 15,-8 47-15,0 76 16,0-152 0</inkml:trace>
+  <inkml:trace contextRef="#ctx0" brushRef="#br0">14459 9578 0,'27'-13'234,"13"13"-234,65-14 16,15 1-16,38 13 15,-52 0-15,-27 0 16,93 0-16,40 0 16,39 0-16,-145 0 15,146 0-15,105 0 16,66 0-16,-291 0 15,265 0-15,40 0 16,-14 0-16,40 0 16,-317 0-16,198 0 15,13 0-15,40 0 16,-265 0-16,159 0 16,27 0-16,-54 0 15,-158 0-15,106 0 16,-1 0-16,-25 0 15,-120 0 1,93 0-16,-1 0 16,27 0-16,-26 0 15,-66 0-15,105 0 16,-52 0-16,13 0 16,-93 0-16,66 0 15,-13 0-15,-13 0 16,-66 0-16,52 0 15,14 0-15,-53 0 16,-27 0-16,14 0 16,-27 0-16,1-39 234,-14-1-218,0-26-16,0 26 15,0 14-15,0-1 16,0-13-16,0 1 16,0 12-16,0-39 15,0 13-15,0-13 16,0-40-16,0 67 15,0-67-15,0 0 16,0 0-16,0 80 16,0-41-16,0 15 15,0 25-15,0 14 16,0-14-16,0 1 16,0 13-1</inkml:trace>
 </inkml:ink>
 </file>
 
@@ -1976,17 +1802,17 @@
     <inkml:context xml:id="ctx0">
       <inkml:inkSource xml:id="inkSrc0">
         <inkml:traceFormat>
-          <inkml:channel name="X" type="integer" max="3360" units="cm"/>
-          <inkml:channel name="Y" type="integer" max="1872" units="cm"/>
+          <inkml:channel name="X" type="integer" max="5120" units="cm"/>
+          <inkml:channel name="Y" type="integer" max="1800" units="cm"/>
           <inkml:channel name="T" type="integer" max="2.14748E9" units="dev"/>
         </inkml:traceFormat>
         <inkml:channelProperties>
-          <inkml:channelProperty channel="X" name="resolution" value="114.28571" units="1/cm"/>
-          <inkml:channelProperty channel="Y" name="resolution" value="112.77109" units="1/cm"/>
+          <inkml:channelProperty channel="X" name="resolution" value="174.14966" units="1/cm"/>
+          <inkml:channelProperty channel="Y" name="resolution" value="109.09091" units="1/cm"/>
           <inkml:channelProperty channel="T" name="resolution" value="1" units="1/dev"/>
         </inkml:channelProperties>
       </inkml:inkSource>
-      <inkml:timestamp xml:id="ts0" timeString="2021-02-23T02:09:13.533"/>
+      <inkml:timestamp xml:id="ts0" timeString="2022-03-01T03:15:47.584"/>
     </inkml:context>
     <inkml:brush xml:id="br0">
       <inkml:brushProperty name="width" value="0.05292" units="cm"/>
@@ -1994,7 +1820,7 @@
       <inkml:brushProperty name="color" value="#FF0000"/>
     </inkml:brush>
   </inkml:definitions>
-  <inkml:trace contextRef="#ctx0" brushRef="#br0">3757 9189 0,'0'0'0,"23"0"0,22 8 16,295-8-16,-166-15 15,-45-1-15,37 1 16,-45 0-16,15 7 15,15 0-15,-7 8 16,22 0 0,-30 0-16,-7-7 15,52-16-15,-37 8 16,53-23-16,-99 22 16,53-14-1,15-1-15,-30 8 16,31 0-16,-77 8 15,16 0 1,15-8-16,-22 0 16,-24 0-16,8 8 15,8-8 1,-8 8-16,-30 0 16,-8-8-16,-7 7 15,8-7-15,-1 1 16,-15 6-1,0 1-15,8-8 16,-8 0-16,-7 0 16,7-7-16,1-8 15,-9-1 1,1-6-16,-8-1 16,8-38-16,-8 53 15,8-22-15,-1-8 16,1-8-1,0 8-15,-1-7 16,9-9-16,-1-7 16,0 16-1,0 6-15,-7 9 16,7 15-16,-7-8 16,-8 16-16,-7-1 15,-1 16 1,1-8-16,-8 8 15,-8-8-15,-22-8 16,-31-15-16,-7 16 16,-15-1-1,-38-22-15,23 45 16,22 1-16,-37-9 16,-38 9-1,22-9-15,-22 1 16,-8-8-16,1 8 15,-62 0 1,-14-16-16,75 39 16,-75-31-16,52 0 15,-59 8-15,82 15 16,-38-8-16,31 8 16,-16-7-1,77 7-15,-47-23 16,31 23-16,16-38 15,-9 15 1,16 15-16,30 0 16,15 1-16,-8-1 15,9 0 1,-1 8-16,15 0 16,8 0-16,-1 0 15,1 8-15,0 15 16,-15 38-1,-8 76-15,-8 85 16,23 14-16,8 1 16,7 30-16,8-53 15,-15 30 1,0 31-16,15-130 16</inkml:trace>
+  <inkml:trace contextRef="#ctx0" brushRef="#br0">2262 11589 0,'13'0'188,"40"0"-188,27 0 16,-54 0-16,106 0 15,-12 0-15,-28 0 16,54 0-16,-54 0 15,120 0-15,105 0 16,-26 0-16,-171 0 16,237 0-16,26 0 15,54 0-15,-278 0 16,317 0-16,132 0 16,41 0-16,-28 26 15,-422 14 1,502 66-16,-39-14 15,25-39-15,-422-40 0,383 14 16,-66-27 0,-119 0-16,-291 0 15,146 0-15,-54 0 16,-184 0-16,-67 0 16</inkml:trace>
 </inkml:ink>
 </file>
 
@@ -2004,17 +1830,17 @@
     <inkml:context xml:id="ctx0">
       <inkml:inkSource xml:id="inkSrc0">
         <inkml:traceFormat>
-          <inkml:channel name="X" type="integer" max="3360" units="cm"/>
-          <inkml:channel name="Y" type="integer" max="1872" units="cm"/>
+          <inkml:channel name="X" type="integer" max="5120" units="cm"/>
+          <inkml:channel name="Y" type="integer" max="1800" units="cm"/>
           <inkml:channel name="T" type="integer" max="2.14748E9" units="dev"/>
         </inkml:traceFormat>
         <inkml:channelProperties>
-          <inkml:channelProperty channel="X" name="resolution" value="114.28571" units="1/cm"/>
-          <inkml:channelProperty channel="Y" name="resolution" value="112.77109" units="1/cm"/>
+          <inkml:channelProperty channel="X" name="resolution" value="174.14966" units="1/cm"/>
+          <inkml:channelProperty channel="Y" name="resolution" value="109.09091" units="1/cm"/>
           <inkml:channelProperty channel="T" name="resolution" value="1" units="1/dev"/>
         </inkml:channelProperties>
       </inkml:inkSource>
-      <inkml:timestamp xml:id="ts0" timeString="2021-02-23T02:14:18.161"/>
+      <inkml:timestamp xml:id="ts0" timeString="2022-03-01T03:21:22.318"/>
     </inkml:context>
     <inkml:brush xml:id="br0">
       <inkml:brushProperty name="width" value="0.05292" units="cm"/>
@@ -2022,7 +1848,9 @@
       <inkml:brushProperty name="color" value="#FF0000"/>
     </inkml:brush>
   </inkml:definitions>
-  <inkml:trace contextRef="#ctx0" brushRef="#br0">9344 5007 0,'-8'-16'15,"-7"-6"-15,-7-1 0,-160-99 0,122 83 16,14 24 0,1 7-16,0 8 15,-8 8-15,7 7 16,1 1-16,0 7 16,7-1-1,0 9-15,8-8 16,7 0-16,0 15 15,-7 31-15,7 7 16,8-30 0,8 7-16,7 1 15,7 14-15,24 24 16,6-23 0,31-1-16,23-7 15,0-15-15,37 0 16,-7-8-1,-30-15-15,38 7 16,-1-14-16,-22-16 16,53-8-16,-46 8 15,8-8-15,45-7 16,-37-8 0,22-7-16,0-54 15,-83 91-15,38-7 16,8-15-1,-24-8-15,-14 0 16,15-15-16,-8 8 16,-15-8-16,-23 7 15,-15 8 1,1-23-16,-16 23 16,0-30-16,-15-23 15,-15 7 1,-31-7-16,-29-8 15,-1 23-15,-30-16 16,-37 9-16,29 22 16,-105-15-1,0 30-15,-31-30 16,-105 15-16,234 31 16</inkml:trace>
+  <inkml:trace contextRef="#ctx0" brushRef="#br0">3585 6218 0,'0'-14'203,"13"14"-187,27 14-16,39-1 15,-52-13-15,13 0 16,12 0-16,54 13 15,0-13-15,-53 0 16,53 0-16,-27 0 16,27 0-16,26 0 15,-79 0-15,80 0 16,-14 0-16,39 13 16,-105-13-16,93 27 15,13-1-15,-1-26 16,-105 0-16,93 14 15,26-14 1,0 0-16,13 0 0,-119 0 16,106 0-1,40 0-15,-14 0 0,-105 0 16,171 0 0,27 0-16,0 13 15,-185-13-15,172 26 16,40-26-16,12 13 15,1-13-15,-212 0 16,185 0-16,14 0 16,-27 0-16,-185 0 15,92 0-15,-13 0 16,14 0-16,-133 0 16,80 0-16,12 0 15,-39 0-15,-13 0 16,-79 0-16,26 0 15,13 0-15,-27 0 16,-25 0-16,-1 0 16,0 0-16</inkml:trace>
+  <inkml:trace contextRef="#ctx0" brushRef="#br0" timeOffset="4582.85">3691 8930 0,'132'0'860,"14"26"-845,-27-13-15,79 14 16,-65-14-16,131 27 15,27 13-15,-92-27 16,-133-13-16,79 14 16,-52-14-16,-14-13 15,-66 13-15,1-13 16</inkml:trace>
+  <inkml:trace contextRef="#ctx0" brushRef="#br0" timeOffset="6360.54">3387 11549 0,'0'-13'375,"53"13"-375,13-13 16,40 13-16,-67 0 15,80 0-15,0 0 16,0 0-16,-39 0 16,52 0-16,27 0 15,-27 0-15,-66 0 16,172 0-16,93 0 16,92 0-16,-277 0 15,251 0-15,106 0 16,105 0-16,14 13 15,-450 0-15,291 53 16,172 40-16,-159-40 16,-344-53-16,159 27 15,14-27-15,-80 1 16,-146-14-16,40 26 16,-40-26-1,-52 0-15</inkml:trace>
 </inkml:ink>
 </file>
 
@@ -2032,147 +1860,41 @@
     <inkml:context xml:id="ctx0">
       <inkml:inkSource xml:id="inkSrc0">
         <inkml:traceFormat>
-          <inkml:channel name="X" type="integer" max="3360" units="cm"/>
-          <inkml:channel name="Y" type="integer" max="1872" units="cm"/>
+          <inkml:channel name="X" type="integer" max="5120" units="cm"/>
+          <inkml:channel name="Y" type="integer" max="1800" units="cm"/>
           <inkml:channel name="T" type="integer" max="2.14748E9" units="dev"/>
         </inkml:traceFormat>
         <inkml:channelProperties>
-          <inkml:channelProperty channel="X" name="resolution" value="114.28571" units="1/cm"/>
-          <inkml:channelProperty channel="Y" name="resolution" value="112.77109" units="1/cm"/>
+          <inkml:channelProperty channel="X" name="resolution" value="174.14966" units="1/cm"/>
+          <inkml:channelProperty channel="Y" name="resolution" value="109.09091" units="1/cm"/>
           <inkml:channelProperty channel="T" name="resolution" value="1" units="1/dev"/>
         </inkml:channelProperties>
       </inkml:inkSource>
-      <inkml:timestamp xml:id="ts0" timeString="2021-02-23T02:20:43.183"/>
+      <inkml:timestamp xml:id="ts0" timeString="2022-03-01T03:22:27.708"/>
     </inkml:context>
     <inkml:brush xml:id="br0">
       <inkml:brushProperty name="width" value="0.05292" units="cm"/>
       <inkml:brushProperty name="height" value="0.05292" units="cm"/>
-      <inkml:brushProperty name="color" value="#002060"/>
-    </inkml:brush>
-    <inkml:brush xml:id="br1">
-      <inkml:brushProperty name="width" value="0.05292" units="cm"/>
-      <inkml:brushProperty name="height" value="0.05292" units="cm"/>
-      <inkml:brushProperty name="color" value="#C00000"/>
+      <inkml:brushProperty name="color" value="#FF0000"/>
     </inkml:brush>
   </inkml:definitions>
-  <inkml:trace contextRef="#ctx0" brushRef="#br0">11997 5182 0,'0'-7'15,"0"7"-15,0 0 16,0 0-16,0 0 16,8-8-1,0 0-15,7 1 16,0 7-16,0-8 15,0 0-15,0 1 16,8-1 0,7 8-16,15-7 15,8-1-15,0 8 16,-7 0-16,7 0 16,-1 15-1,17-7-15,-1 7 16,0 8-16,-8 0 15,-15-31 1,8 16-16,15 0 16,46-8-16,-31 0 15,-15 7-15,0 1 16,91-1 0,-76 9-16,0-1 15,15 0-15,8-15 16,-15 15-1,7 1-15,-7-9 16,0 1-16,-31-8 16,1 8-16,22-8 15,7 7 1,1-7-16,-8 0 16,0 16-16,8-9 15,-8-7 1,-30 0-16,0 0 15,0 8-15,8-8 16,-8 0-16,-1 0 16,-14 7-1,0 1-15,0-8 16,-8 0-16,-7 8 16,-1-8-1,-6 0-15,-1 7 16,0-7-16,0 23 15,-8-30 1,-7 7-16,0 0 16,0 0-16,0 0 15,0 0-15,0 0 16,0 0 0,0 0-16,0 0 15,0 0-15</inkml:trace>
-  <inkml:trace contextRef="#ctx0" brushRef="#br0" timeOffset="10355.61">2207 8884 0,'0'0'16,"0"0"-16,0 0 16,0 0-16,0-8 15,0-7 1,8-8-16,0-15 16,-1 0-16,1-8 15,-1-15-15,1 8 16,-1-9-1,-7-22-15,-7 23 16,-1 8-16,1 0 16,-1 7-16,1 15 15,-1 8 1,8 8-16,-8-8 16,1 8-16,-1 0 15,8 15 1,0 0-16,0 0 15,0 0-15,0 0 16,0 7-16,15 24 16,16 45-1,14 39-15,-7-9 16,0 1-16,-8 8 16,-7-46-1,-1-16-15,9 8 16,-1-15-16,0 0 15,0-1-15,0-6 16,1-1 0,-9-8-16,1 1 15,-8-16-15,8 0 16,0-15 0,-23 0-16</inkml:trace>
-  <inkml:trace contextRef="#ctx0" brushRef="#br0" timeOffset="10852.63">3145 8762 0,'0'0'0,"0"0"15,0 0-15,0 0 16,0 0 0,0 0-16,0 0 15,0 0-15,0 0 16,-8-8-16,8 8 15,-7-7 1,-8 7-16,0 0 16,-1 7-16,-6 8 15,-1 8-15,8 0 16,7-8 0,1 1-16,7-1 15,0-7-15,7-1 16,1 1-1,-1-8-15,1 0 16,0 0-16,-1 0 16,1 0-16,-1 0 15,1 0 1,-1 0-16,1 0 16,7 0-16,8 15 15,22 16-15,23 45 16,8 23-1,-31-38-15,-15-15 16,-7-15-16,-8-8 16,-7-8-1,-1-15-15,1-8 16,7-38-16,-15 46 16</inkml:trace>
-  <inkml:trace contextRef="#ctx0" brushRef="#br0" timeOffset="11157.87">3447 7747 0,'0'0'0,"0"0"16,0 0-16,0 0 15,0 0-15,0 7 16,0 9 0,8 14-16,-1 24 15,1 52-15,0-29 16,7 30-16,0-1 16,7 1-1,1 0-15,15 23 16,-8-23-16,-7-16 15,-23-91-15</inkml:trace>
-  <inkml:trace contextRef="#ctx0" brushRef="#br0" timeOffset="11418.52">3470 8647 0,'0'0'0,"0"0"16,0 0-16,8-7 16,22-1-1,23 0-15,0 1 16,0-1-16,-16 1 15,-6-9-15,-31 16 16</inkml:trace>
-  <inkml:trace contextRef="#ctx0" brushRef="#br0" timeOffset="11677.52">4233 8655 0,'0'0'16,"0"0"-16,0 0 15,0 0-15,-7 23 16,-1 15 0,1 15-16,-1 1 15,1-1-15,-1-7 16,1 0-16,-1-16 15,8-14 1,0-16-16,0 0 16</inkml:trace>
-  <inkml:trace contextRef="#ctx0" brushRef="#br0" timeOffset="12255.16">4574 8830 0,'0'0'0,"0"-7"15,7-24 1,1-37-16,-8-54 16,0-24-16,-15-29 15,7 38-15,1 22 16,-1 1 0,8 7-16,0 30 15,-8 16-15,1 16 16,-1 14-16,1 8 15,-1 8 1,1 0-16,7 15 16,-8-8-16,1 8 15,-9 0 1,1 15-16,-23 39 16,8 22-16,8 16 15,6 22-15,16 1 16,8-16-1,15 0-15,-1-7 16,9-8-16,-1-16 16,-7-14-16,-1-1 15,1-15 1,0 0-16,-1-15 16,8-7-16,8-9 15,-38-7 1</inkml:trace>
-  <inkml:trace contextRef="#ctx0" brushRef="#br0" timeOffset="12655.68">5103 8144 0,'-8'-16'16,"1"16"-16,-8 0 16,0 0-16,-8 8 15,0 7 1,8 0-16,0 8 16,0 0-16,7 15 15,1 16 1,7-16-16,0-15 15,7-15-15,1-1 16,7 1-16,0-8 16,8 0-1,-1-8-15,-6 1 16,-1-1-16,-8 16 16,1-16-16,-8-7 15,0 15 1,0-8-16,-8-7 15,8 15-15</inkml:trace>
-  <inkml:trace contextRef="#ctx0" brushRef="#br0" timeOffset="13067.42">5398 8395 0,'0'0'0,"0"0"16,0 0-16,0 0 16,0 0-16,-8-7 15,1-1-15,-1 1 16,0-9-1,8-14-15,8-8 16,0-16-16,14-7 16,1 23-1,-8 15-15,0 0 16,-7 16-16,-8 7 16,7 0-1,1 7-15,-1 8 16,9 1-16,-1 7 15,0-1-15,0 9 16,0-8 0,0 15-16,-15-38 15</inkml:trace>
-  <inkml:trace contextRef="#ctx0" brushRef="#br0" timeOffset="13616.81">6010 7884 0,'0'0'0,"0"0"16,-8 0 0,-7 15-16,-7 1 15,-1 7-15,-7 15 16,7 7-16,8 9 16,15-1-1,8-7-15,7-23 16,0-8-16,0-7 15,0-8-15,0 0 16,0 0 0,0 0-16,0 0 15,1 0-15,-1 8 16,0 7 0,8 38-16,7 31 15,-8-8-15,-6-14 16,-9-17-16,-7-6 15,-7-17 1,-1 1-16,-7 0 16,-8-8-16,-15 8 15,-30 0 1,-30 8-16,23-16 16,-1-7-16,76-8 15</inkml:trace>
-  <inkml:trace contextRef="#ctx0" brushRef="#br0" timeOffset="13939.47">4649 8960 0,'0'0'0,"0"0"16,23 0-16,30 0 15,15-7 1,23-9-16,52-14 16,-22-1-16,38-15 15,0 1-15,-46-1 16,61-8-1,-38 1-15,23-8 16,-31 15-16,-44 16 16,-84 30-1</inkml:trace>
-  <inkml:trace contextRef="#ctx0" brushRef="#br0" timeOffset="14408.01">2593 9578 0,'0'0'16,"15"0"-16,15-7 15,23-8 1,91-1-16,-16-14 16,1-1-16,60-30 15,-83 23 1,83-38-16,-38 15 15,-7 0-15</inkml:trace>
-  <inkml:trace contextRef="#ctx0" brushRef="#br0" timeOffset="18735.79">10561 7579 0,'0'0'16,"0"0"-16,-7 7 15,-1 1-15,-7 7 16,7 1 0,-7-1-16,0 8 15,0 0-15,0 7 16,0 1-16,-16 7 15,9 0 1,-1 15-16,0 1 16,1-1-16,-1 1 15,-7 7 1,15-15-16,0 7 16,7 0-16,-7 16 15,0-23-15,0 7 16,7-7-1,8-8-15,0-7 16,0-1-16,0-7 16,0 8-1,8-8-15,-8 7 16,0-15-16,7 16 16,1-8-16,-8 7 15,0 1 1,7-1-16,1 9 15,7-1-15,-7 0 16,-1-8-16,1-7 16,-1 0-1,8 8-15,-7-16 16,7 0-16,0-7 16,-15-8-16</inkml:trace>
-  <inkml:trace contextRef="#ctx0" brushRef="#br0" timeOffset="19427.12">10516 7396 0,'0'0'16,"0"0"-16,0 0 15,7 7 1,8 1-16,1 7 15,-1 8-15,7 8 16,1 7-16,-8-8 16,8 54-1,-8-46-15,-8 16 16,1-1-16,0 8 16,-1 0-16,1 8 15,7-8 1,-8 0-16,1 8 15,-8 22-15,0 9 16,0-16 0,0 15-16,-8 0 15,1-15-15,7-15 16,-8-8-16,1-8 16,-1-7-1,1 7-15,-1-14 16,0-1-16,-7-15 15,0 7 1,-7-15-16,22-15 16</inkml:trace>
-  <inkml:trace contextRef="#ctx0" brushRef="#br0" timeOffset="20090.97">10478 7518 0,'0'0'0,"0"0"16,0 0-16,0 0 15,-8 0-15,-7 0 16,-15 15 0,0 0-16,-16 8 15,-7 8-15,-7 7 16,7-8 0,0 9-16,15-9 15,8 1-15,0-1 16,0 39-16,-8 22 15,8-22 1,-8 0-16,8-1 16,-1-14-16,9 22 15,7-15 1,-1-7-16,9-9 16,-1 9-16,8-16 15,8 0-15,7 46 16,8-15-1,-1-23-15,1-1 16,0 1-16,-1 0 16,1-8-16,0 0 15,-1-22 1,-22-16-16</inkml:trace>
-  <inkml:trace contextRef="#ctx0" brushRef="#br0" timeOffset="20564.95">10554 7457 0,'0'0'0,"0"0"15,0 0-15,0 0 16,7 7-1,8 9-15,8-1 16,7 8-16,15 23 16,16 22-16,15 16 15,-1 15 1,-7 1-16,-15 6 16,0 39-16,-8-15 15,-7-8-15,0 8 16,-8-23-1,-15-8-15,-15 8 16,-15-15 0,-7-1-16,22-91 15</inkml:trace>
-  <inkml:trace contextRef="#ctx0" brushRef="#br0" timeOffset="25419.2">9956 7815 0,'0'8'0,"0"-8"16,0 0-16,0 0 16,0 0-1,0 0-15,0 0 16,0 0-16,0 0 16,0 0-1,0 0-15,0 0 16,0 0-16,0 0 15,0 0-15,0 0 16</inkml:trace>
-  <inkml:trace contextRef="#ctx0" brushRef="#br0" timeOffset="26219.91">10251 8006 0,'0'0'0,"0"0"16,0 0-1,0 0-15,0 0 16,0 0-16,0 0 16,0 0-1,0 0-15,0 0 16,0 0-16</inkml:trace>
-  <inkml:trace contextRef="#ctx0" brushRef="#br0" timeOffset="26881.17">10652 8151 0,'0'0'0,"0"0"16,0 0-16,0 0 16,0 0-16,0 0 15,0 0 1,0 0-16,0 0 16,0-7-16,0-1 15,0 8-15</inkml:trace>
-  <inkml:trace contextRef="#ctx0" brushRef="#br0" timeOffset="27379.75">11143 7899 0,'0'0'0,"0"0"15,0 0-15</inkml:trace>
-  <inkml:trace contextRef="#ctx0" brushRef="#br0" timeOffset="28011.56">9979 8327 0,'0'0'16,"0"0"-16,0 0 16,0 0-16,0 0 15,0 0-15,0 0 16,0 0 0,0 0-16,0 0 15,0 0-15,0 0 16</inkml:trace>
-  <inkml:trace contextRef="#ctx0" brushRef="#br0" timeOffset="28474.73">10901 8617 0,'0'0'0,"0"0"16,0 0 0,0 0-16,0 0 15,0 0-15,0 0 16,0 0 0</inkml:trace>
-  <inkml:trace contextRef="#ctx0" brushRef="#br0" timeOffset="28761.31">11370 8556 0,'0'0'15,"0"0"-15,0 0 16</inkml:trace>
-  <inkml:trace contextRef="#ctx0" brushRef="#br0" timeOffset="32794.14">10780 8067 0,'0'0'0,"0"0"16,0 0-1,0 0-15,-7 8 16,7-8-16,-8 8 16,1-1-1,7 1-15,0-8 16,0 0-16,0 0 15,0 0-15,0 0 16</inkml:trace>
-  <inkml:trace contextRef="#ctx0" brushRef="#br0" timeOffset="33542.21">10236 8121 0,'0'0'16,"0"0"-16,0 0 16,0 0-16,0 0 15,0 0 1,0 0-16,0 0 15,0 0-15,0 0 16</inkml:trace>
-  <inkml:trace contextRef="#ctx0" brushRef="#br0" timeOffset="33980.01">10826 8189 0,'0'0'16</inkml:trace>
-  <inkml:trace contextRef="#ctx0" brushRef="#br0" timeOffset="48771.99">2381 10288 0,'0'0'0,"0"0"15,-15 8-15,0-1 16,-8 1 0,1 0-16,-1-8 15,0 0-15,1 0 16,7 0-16,7-8 15,0 0 1,8 8-16,0 0 16,0-7-16,8-8 15,0-1 1,7 1-16,0 0 16,0 0-16,0-1 15,0 1-15,0 7 16,8-7-16,7 0 15,16-8 1,-1 8-16,8-1 16,0 1-1,-8 8-15,-7-1 16,-8 0-16,8 1 16,0-9-16,7 1 15,8-8-15,0 16 16,7-32-1,-7 1-15,-7 8 16,14-8-16,8-8 16,0 8-1,0-1-15,-22 9 16,14-1-16,16-14 16,14-9-16,-21 16 15,-1 0 1,0 0-16,0 7 15,15 1-15,-15 7 16,-15 7 0,7 1-16,8 0 15,15 0-15,8-16 16,-15 8-16,-1 0 16,16-7-1,0-1-15,-31 8 16,-14 0-16,22 1 15,7-1-15,1 0 16,-1 0 0,1-8-16,7 1 15,0-1-15,1-7 16,-16 8 0,-16-1-16,17-15 15,14 1-15,-8-1 16,1 8-16,-8 7 15,0 1 1,15-1-16,-15 0 16,-15 16-16,-8-8 15,-14 0-15,-9 8 16,9 0 0,-1 0-16,0-1 15,0 1-15,1 7 16,6 1-1,-6 7-15,-9-8 16,1 1-16,-8-1 16,0 0-16,0 1 15,-7-1 1,-1 8-16,1 0 16,-8 0-16,8-8 15,-8 8-15,7-7 16,-7 7-1,0 0-15,0 0 16,0 0-16,0-8 16,-7-15-1,-1-15-15,-15-15 16,-7-1-16,-8 1 16,0-16-16,8 23 15,8-7 1,-1-1-16,8 9 15,0-9-15,-1 1 16,1 7-16,-7-7 16,-9-1-1,-6-7-15,-9 0 16,1 23-16,0-31 16,14 16-1,1 7-15,7 8 16,8 0-16,0 7 15,8 8 1,-1 8-16,0 0 16,1-1-16,7 16 15,-8-15-15,1 8 16,-1-9 0,8 9-16,0-1 15,-7 0-15,-1 1 16,8 7-16,-7-8 15,7 8 1,0 0-16,-8 0 16,0 0-16,-7-15 15,0 7-15,0 1 16,0 7 0,-8-8-16,1 8 15,-1 0-15,0 0 16,1 0-1,-1 0-15,0 0 16,-7 8-16,-15-16 16,-23 16-16,-8 7 15,0 0 1,8 0-16,-7-7 16,-24 7-16,16 1 15,15-9-15,-7 1 16,-31 15-1,-8 0-15,-7-1 16,-22 9-16,37 0 16,0 7-1,-7 7-15,-1 9 16,31-16-16,0 0 16,-8-7-16,1 15 15,29-24 1,16 1-16,-16 0 15,-14 0-15,-8 15 16,15-7 0,7-8-16,1 7 15,14-7-15,-7-8 16,-7 1-16,7-1 16,0 0-1,15 0-15,-7 1 16,-16 7-16,-7 0 15,0-8-15,8 8 16,-1 0 0,16 0-16,-16 7 15,16-22-15,0 15 16,-1-8-16,9 0 16,6 0-1,1 1-15,7-1 16,1 0-16,7-7 15,7-8 1,1 7-16,-1 1 16,0 0-16,8-8 15,-7 7-15,7-7 16,-8 8 0,8-8-16,0 8 15,-7-1-15,7 8 16,0 1-16,0-1 15,0 8 1,0 15-16,0 8 16,7 30-16,24 16 15,6 30 1,9-8-16,-16-37 16,8 7-16,0 0 15,-1 45-15,-22-75 16,8 22-1,0 16-15,-1 7 16,1-8-16,7 1 16,1 15-1,-1-16-15,0 1 16,-7-8-16,-1-8 16,-6 31-16,-1-23 15,-8-15 1,1 7-16,-8-76 15</inkml:trace>
-  <inkml:trace contextRef="#ctx0" brushRef="#br0" timeOffset="95803.99">12859 7586 0,'0'0'0,"0"0"0,0 0 0,0 0 15,8 8-15,-1 0 16,1-8-16,15 15 15,-1 0 1,1 0-16,15 8 16,-16-7-16,-6-9 15,-1 9-15,0-9 16,-8 1 0,1-1-16,-1 1 15,1 0-15,-8-1 16,0 1-16,0-8 15,0 8 1,0-1-16,0-7 16</inkml:trace>
-  <inkml:trace contextRef="#ctx0" brushRef="#br0" timeOffset="96198.93">13555 7899 0,'0'0'15,"0"0"-15,0 0 16,0 0-16,0 0 15,0 0 1,0 0-16,0 0 16,-8 8-16,8-8 15</inkml:trace>
-  <inkml:trace contextRef="#ctx0" brushRef="#br0" timeOffset="96474.48">13010 8228 0,'0'0'0,"0"0"15,0 0-15,0 0 16,0 0 0</inkml:trace>
-  <inkml:trace contextRef="#ctx0" brushRef="#br0" timeOffset="96722.48">13063 8319 0,'0'0'16,"0"0"-16,0 0 16,0 0-16,0 0 15,0 8-15,0-8 16,0 0 0</inkml:trace>
-  <inkml:trace contextRef="#ctx0" brushRef="#br0" timeOffset="97028.16">13850 8289 0,'0'0'16,"0"0"-16,0 0 15,0 0-15,0 0 16,0 0-16,0 0 15</inkml:trace>
-  <inkml:trace contextRef="#ctx0" brushRef="#br0" timeOffset="97270.42">13252 8182 0,'0'0'16,"0"0"-16,0 0 16,0 0-16,0 7 15,8 1-15,7 0 16,-15-8-1</inkml:trace>
-  <inkml:trace contextRef="#ctx0" brushRef="#br0" timeOffset="98481.11">16095 7976 0,'0'0'16,"0"0"0,0 0-16,0 0 15,0 0-15,0 0 16,0 0-16,0 0 16</inkml:trace>
-  <inkml:trace contextRef="#ctx0" brushRef="#br0" timeOffset="98768.11">15248 8395 0,'0'0'16,"0"0"-16,0 0 16,0 0-1,0 0-15,0 0 16,0 0-16</inkml:trace>
-  <inkml:trace contextRef="#ctx0" brushRef="#br0" timeOffset="137565.84">12693 8212 0,'0'0'0,"0"0"0,0 0 0,0 0 0</inkml:trace>
-  <inkml:trace contextRef="#ctx0" brushRef="#br0" timeOffset="138075.94">13215 8708 0,'0'0'0,"0"0"16,0 0-16,0 0 16,0 0-16,0 0 15</inkml:trace>
-  <inkml:trace contextRef="#ctx0" brushRef="#br0" timeOffset="138494.6">14160 8571 0,'0'0'0,"0"0"15</inkml:trace>
-  <inkml:trace contextRef="#ctx0" brushRef="#br0" timeOffset="138868.97">14318 8052 0,'0'0'0,"0"0"16,0 0-16,0 0 16,0 0-16,0 0 15,0 0-15,0 0 16,0 0 0,0 0-16,0 0 15</inkml:trace>
-  <inkml:trace contextRef="#ctx0" brushRef="#br0" timeOffset="139202.14">13736 7770 0,'0'0'0,"0"0"16,0 0-16,0 0 15,0 0-15,0 0 16,0 0-1,0 0-15,0 0 16,0 0-16,0 0 16,-7 0-1,7 0-15</inkml:trace>
-  <inkml:trace contextRef="#ctx0" brushRef="#br0" timeOffset="139450.63">12905 8121 0,'0'0'0,"0"0"16,7-8-1,-7 8-15</inkml:trace>
-  <inkml:trace contextRef="#ctx0" brushRef="#br0" timeOffset="151038.51">18302 4831 0,'0'0'15,"0"0"-15,0 0 16,0 0-16,0 0 16,0 0-1,0 0-15,0 0 16,-7 77-16,7-77 15,-8-8 1,8 8-16,-15 8 16,0 7-16,-8 8 15,1 0-15,-9 7 16,1 8 0,7 8-16,1 0 15,14-23-15,1-8 16,7 8-1,0-8-15,7 0 16,8 1-16,8-1 16,0 0-16,7 16 15,-7-24 1,-1-7-16,1 0 16,-8 0-16,0 0 15,0 0 1,0-7-16,1-1 15,-1 0-15,-8 1 16,1-1-16,-1 1 16,1-1-1,-8 8-15,0 0 16,0 0-16,0 0 16,0 0-1,0 0-15,7 8 16,9-1-16,-1 8 15,0-7-15,23 38 16,-16-46 0,1 8-16,0-8 15,-1 0-15,-7 0 16,1 0 0,-1 0-16,0-8 15,0 0-15,0-7 16,-7 7-16,-1 1 15,1-9 1,-1 1-16,1 0 16,-8 0-16,0-8 15,0-8 1,0 16-16,0 15 16,0 0-16,0 0 15,0-8-15,0 1 16,0-1-1,0 0-15,0 8 16</inkml:trace>
-  <inkml:trace contextRef="#ctx0" brushRef="#br0" timeOffset="151443.74">19013 5381 0,'0'0'0,"0"0"16,0 0-16,0 0 16,0 0-1,0 0-15,0 0 16,0 0-16,0 7 16,8 1-16,-8-8 15,0 8 1,7-1-16,1 9 15,-1 6-15,1-14 16,-1 7 0,1-7-16,-8-8 15</inkml:trace>
-  <inkml:trace contextRef="#ctx0" brushRef="#br0" timeOffset="151901.04">19648 4793 0,'0'0'16,"0"0"-16,0 0 15,-8 8 1,1-1-16,-8 16 15,-16 8-15,1 7 16,-15 0 0,0 38-16,22-22 15,0-8-15,8-8 16,0-8-16,-8 8 16,8-7-1,8-8-15,-1-8 16,-7 31-16,15-46 15</inkml:trace>
-  <inkml:trace contextRef="#ctx0" brushRef="#br0" timeOffset="152234.88">19089 4984 0,'0'0'0,"0"0"15,0 0-15,0 0 16,0 0 0,0 0-16,7 7 15,16 9-15,15-1 16,22 23-16,-22-7 15,-8-1 1,0 1-16,8-1 16,7 1-16,1-1 15,-8 1 1,-1-1-16,-14 1 16,-23-31-16</inkml:trace>
-  <inkml:trace contextRef="#ctx0" brushRef="#br0" timeOffset="152596.96">20018 5205 0,'0'0'0,"0"0"16,0 0-1,0 0-15,0 8 16,0-8-16,0 0 16,0 7-16,0 1 15,0 0 1,0-1-16,0 9 15,0-9-15,0 8 16,0 1 0,0 7-16,0 22 15,0 39-15,0-38 16,0-46-16</inkml:trace>
-  <inkml:trace contextRef="#ctx0" brushRef="#br0" timeOffset="152983.81">20306 4930 0,'0'0'15,"0"0"-15,0 0 16,0 0-16,0 0 16,0 0-1,0 0-15,0 8 16,0 0-16,0-1 15,7 16 1,1 0-16,-8-8 16,7 1-16,1-1 15,-1 8-15,1 7 16,-8-7 0,0-23-16</inkml:trace>
-  <inkml:trace contextRef="#ctx0" brushRef="#br0" timeOffset="153242.97">20109 5182 0,'0'0'15,"0"0"-15,0 0 16,0 0-16,15 0 15,15 0 1,16 0-16,7-7 16,-8-1-16,-7 8 15,0 0 1,7-8-16,8-7 16,-15 0-16,-38 15 15</inkml:trace>
-  <inkml:trace contextRef="#ctx0" brushRef="#br0" timeOffset="154232.07">20850 4694 0,'0'0'16,"0"0"-16,0 0 16,0 0-16,0 0 15,0 0 1,0 0-16,0 0 16,-8 7-16,1 1 15,-1 7 1,1 1-16,-1-1 15,1 0-15,-1 8 16,-7 38 0,15-61-16,-8 38 15,8-30-15,0 7 16,0 0-16,0 8 16,0-7-1,8-1-15,0-8 16,7 9-16,0-9 15,15-7 1,8 0-16,-8 0 16,0-7-16,0-1 15,-7 0-15,0 1 16,-8-1 0,0 1-16,-7 7 15,-1-8-15,-7 8 16,0 0-16,0 0 15,0 0 1,0 0-16,0 0 16,0 0-16,0 0 15,0 8 1,0-8-16,0 15 16,0-8-16,0 1 15,8 7 1,-1-7-16,1 7 15,7-7-15,15 0 16,0-8-16,8 0 16,-15-8-1,0 0-15,-8 1 16,-8-1-16,1 0 16,-1 1-1,1-1-15,0 0 16,-8-7-16,0 0 15,0 15 1,0-15-16,0-1 16,0 1-16,-8 8 15,8-1-15,0 8 16,0-15-16,0 15 16</inkml:trace>
-  <inkml:trace contextRef="#ctx0" brushRef="#br0" timeOffset="154882.07">21508 5022 0,'0'0'15,"0"0"-15,0 0 16,0 0-16,0 0 15,0 0-15,0 0 16,0 0 0,7-8-16,1 1 15,7-1-15,0 8 16,0 0 0,-7 0-16,-1 0 15,-7 0-15,0 0 16,8 8-16,-8-8 15,0 0 1,0 7-16,0 9 16,-8-1-16,8-7 15,-7 14 1,-1-6-16,8-9 16,0 9-16,0-9 15,0 1-15,0-1 16,8 9-1,14 7-15,16-8 16,0 0-16,0 0 16,-16-7-1,1-8-15,-8 8 16,-7-8-16,-1 0 16,-7 0-16,0 0 15,0 0 1</inkml:trace>
-  <inkml:trace contextRef="#ctx0" brushRef="#br0" timeOffset="155321">22226 4663 0,'0'0'16,"0"0"-16,0 0 15,0 0-15,0 0 16,0 0 0,-15 23-16,-23 31 15,-7-9-15,7-6 16,8-9-16,-1 8 16,1-7-1,7-1-15,1-7 16,-1 15-16,8 1 15,0-24 1,0 15-16,-8 1 16,0-8-16,23-23 15</inkml:trace>
-  <inkml:trace contextRef="#ctx0" brushRef="#br0" timeOffset="155718.76">21946 4648 0,'0'0'0,"0"0"16,0 0-1,0 0-15,0 0 16,0 0-16,8 8 16,-1-1-16,24 24 15,-1 7 1,-8-15-16,1 15 16,-8-15-16,0 7 15,0-7-15,1 0 16,-1-7-1,0 6-15,-8-6 16,1-1-16,0 0 16,-1 0-1,-7-15-15,0 16 16,0-16-16</inkml:trace>
-  <inkml:trace contextRef="#ctx0" brushRef="#br0" timeOffset="156333.22">22490 4946 0,'0'0'16,"0"0"-16,0 0 16,0 0-16,0 0 15,16 0 1,-1-8-16,7 0 15,1 1-15,0-1 16,-8-7-16,0 7 16,-15 8-1,0 0-15,0 0 16,0 8-16,-8 7 16,-7 8-1,-7 0-15,-9 0 16,1-54-16,0 85 15,7-24 1,8-14-16,8 6 16,-1-6-16,8-1 15,8 8-15,7-8 16,15 16 0,0-8-16,0-1 15,-7-14-15,0 0 16,-8-8-16,0 0 15,-7 0 1,-1 0-16,-7 0 16,0 0-16,8-8 15,-8 8 1</inkml:trace>
-  <inkml:trace contextRef="#ctx0" brushRef="#br0" timeOffset="156993.88">22997 4617 0,'0'0'0,"0"0"15,0 0 1,0 0-16,8 16 16,-1 14-16,-7-22 15,8 38-15,-8-16 16,0 1-1,0-1-15,0-7 16,0 0-16,7 0 16,1 0-1,-8-23-15,0 15 16,7 8-16,1 0 16,-1 0-16,-7-23 15</inkml:trace>
-  <inkml:trace contextRef="#ctx0" brushRef="#br0" timeOffset="157272.01">22997 4938 0,'0'0'0,"0"0"16,8 0-16,22 0 15,15-8 1,23 8-16,-7-7 16,-16-1-16,0-7 15,8-8 1,-15-8-16,-38 31 15</inkml:trace>
-  <inkml:trace contextRef="#ctx0" brushRef="#br0" timeOffset="158032.69">23670 4686 0,'0'0'0,"0"0"16,-8 8-16,-22 22 15,-15 16 1,7-8-16,0 8 15,8-8-15,15-7 16,0 7 0,7 8-16,8-31 15,15 8-15,0 0 16,8-8-16,0-7 16,-1-1-1,1-14-15,0-1 16,-8 0-16,-8 8 15,1-7-15,-1-8 16,-7 15 0,0 0-16,0 0 15,0 0-15,0 0 16,8 15 0,0-8-16,-1 1 15,1 0-15,-1 7 16,8-7-1,8-8-15,7-8 16,1 0-16,-1-7 16,-8 7-16,1-7 15,-8 8 1,0-9-16,-7 9 16,-1-9-16,1 9 15,0-1 1,-1-7-16,1-16 15,-8 31-15</inkml:trace>
-  <inkml:trace contextRef="#ctx0" brushRef="#br0" timeOffset="158518.5">23950 5198 0,'0'0'0,"0"0"16,0 0-16,0 0 16,0 0-16,15-8 15,0 0-15,-8 1 16,1 7-1,-1 0-15,1 0 16,-8 0-16,0 0 16,0 0-1,0 0-15,0 0 16,0 0-16,0 7 16,0 1-16,0 0 15,0 7 1,0 0-16,0-7 15,0 15-15,0-1 16,0-6 0,0-1-16,0 8 15,-8-8-15,1 0 16,-1-7 0,-7 0-16,-7-1 15,6 1-15,-6-54 16,22 46-16</inkml:trace>
-  <inkml:trace contextRef="#ctx0" brushRef="#br0" timeOffset="158798.51">24577 4549 0,'0'0'16,"0"0"-16,0 0 16,-8 15-16,-22 23 15,0 23 1,7-7-16,8-16 16,-8 15-16,1-22 15,-1-1-15,0 1 16,1-8-1,-9 7-15,9-7 16,22-23-16</inkml:trace>
-  <inkml:trace contextRef="#ctx0" brushRef="#br0" timeOffset="159023.51">24305 4694 0,'0'0'0,"0"0"16,7 15-16,8 0 15,8 39 1,-8-31-16,-7-8 16,-1 0-16,1-7 15,0-1 1,-1 1-16,-7-8 15</inkml:trace>
-  <inkml:trace contextRef="#ctx0" brushRef="#br0" timeOffset="159410.65">24464 4900 0,'0'0'16,"0"0"0,7 0-16,16 0 15,15 0-15,7 8 16,0-1-16,-14-7 16,-16 0-1,0 0-15,-8 0 16,-7 0-16,0 0 15,0 0-15,0 0 16,0 0 0,0 8-16,8 7 15,-8 0-15,0 1 16,0 6 0,0 1-16,-8-7 15,-7-1-15,-15 23 16,0-23-16,0 1 15,30-16 1</inkml:trace>
-  <inkml:trace contextRef="#ctx0" brushRef="#br0" timeOffset="165003.2">20374 4946 0,'0'0'0,"0"0"15,0 0-15,0 0 16,0 0 0,7 7-16,8 9 15,1-9-15,6 54 16,-7-7-1,-7 14-15,-1 1 16,1 0-16,0 15 16,-8-16-1,7-29-15,1-1 16,-1-8-16,-7-22 16,8 0-16,-8-8 15,0 0 1</inkml:trace>
-  <inkml:trace contextRef="#ctx0" brushRef="#br0" timeOffset="166038.19">23095 4534 0,'0'0'0,"0"0"16,0 0-1,0 0-15,0 7 16,8 8-16,-1 16 15,1-1 1,-8 1-16,0 7 16,0-7-16,0-8 15,-8 7 1,1 1-16,-1-8 16,1-1-16,-1 9 15,8-8-15,0 0 16,0 0-1,0 7-15,0-30 16</inkml:trace>
-  <inkml:trace contextRef="#ctx0" brushRef="#br0" timeOffset="166949.91">17652 4976 0,'0'0'0,"0"0"16,0 0-16,0 0 15,0 0-15,15 8 16,0-1-16,8-7 15,0 8 1,-1-8-16,1 0 16,-8 0-16,-15 0 15</inkml:trace>
-  <inkml:trace contextRef="#ctx0" brushRef="#br0" timeOffset="167171.9">17781 5236 0,'0'0'15,"15"-16"-15,7 9 16,1-1-1,7 8-15,1-7 16,-31 7-16</inkml:trace>
-  <inkml:trace contextRef="#ctx0" brushRef="#br0" timeOffset="167972.97">17214 5068 0,'0'0'0,"0"23"16,0 15 0,0-8-16,0-7 15,7 8-15,1-8 16,-1-8-1,9 0-15,-1-7 16,0-1-16,0 1 16,-8-8-16,1 0 15,0 0 1,-8 0-16,0 0 16,7-8-16,-7 8 15,0 0 1,0 0-16,8-7 15,-1-1-15,1 1 16,-8 7 0,0 0-16,7 7 15,1 1-15,-1 7 16,9 0-16,-1 8 16,0 15-1,0 1-15,-7-9 16,-1-7-16,1 8 15,-8-9 1,0 1-16,-8 0 16,1 0-16,-9 0 15,-6 0-15,-16 7 16,38-30 0</inkml:trace>
-  <inkml:trace contextRef="#ctx0" brushRef="#br0" timeOffset="177472.46">17977 7014 0,'0'0'15,"0"0"-15,0 0 16,-7 8 0,-1 7-16,1 0 15,-1 8-15,0 23 16,8-8 0,0 8-16,0 0 15,0-8-15,8-8 16,0-7-16,7 0 15,0 0 1,15-8-16,8 1 16,7-16-16,1 0 15,-1-23 1,0 0-16,1-8 16,-1 1-16,-7-1 15,0 1-15,-1-1 16,-6-7-1,-9 15-15,1 0 16,0 0-16,-1 8 16,-7 0-1,-7 7-15,0 8 16,-1 0-16,-7 0 16,8 8-16,-1-1 15,8 1 1,8 30-16,-8-7 15,0 7-15,-7 0 16,-1 15-16,1-7 16,-8 0-1,0 7-15,-8-7 16,-7 69 0,8-62-16,-1-22 15,1-8-15,-1-1 16,1-6-16,-1-1 15,-7-7 1,0-1-16,-8 1 16,8-8-16,0-8 15,-8-7-15,-7-69 16,30 84 0</inkml:trace>
-  <inkml:trace contextRef="#ctx0" brushRef="#br0" timeOffset="177825.51">19232 7029 0,'0'-15'0,"0"15"15,0 0-15,0 0 16,0 0 0,0 0-16,0 0 15,15 0-15,8 8 16,-8-16-1,8 0-15,7 1 16,0-9-16,-7 16 16,0-7-16,-23 7 15</inkml:trace>
-  <inkml:trace contextRef="#ctx0" brushRef="#br0" timeOffset="178059.51">19126 7342 0,'0'0'16,"0"0"-16,0 0 16,8 0-16,15-7 15,-1 7 1,9-8-16,-1-7 15,-8 7-15,-6 0 16,6-7-16,-22 15 16</inkml:trace>
-  <inkml:trace contextRef="#ctx0" brushRef="#br0" timeOffset="178738.78">19882 6732 0,'0'-16'15,"0"16"-15,-7 8 16,-1 7-16,-14 16 16,6 15-1,-6 30-15,14-38 16,8 8-16,0-23 16,8 7-1,7-7-15,0-8 16,8 8-16,-1-7 15,1-1-15,0-8 16,-1 1 0,1-8-16,0-8 15,-8 1-15,0-8 16,-7 7 0,-1 8-16,-7 0 15,0 0-15,0 0 16,8-8-16,-8 8 15,0 0 1,7 0-16,1 0 16,7 8-16,8-8 15,-1 0 1,16 0-16,-8 0 16,1 0-16,-1-8 15,-8 1-15,1-9 16,0-6-1,-1-1-15,1-31 16,-8-7-16,0 8 16,-7 15-1,0 7-15,-8 8 16,0-7-16,0 14 16,0 16-16</inkml:trace>
-  <inkml:trace contextRef="#ctx0" brushRef="#br0" timeOffset="179132.24">20646 7083 0,'0'0'0,"0"0"16,0 0-16,0 0 15,0 7-15,7 9 16,1 6-16,-8 1 16,0 8-1,0-8-15,0-8 16,0 0-16,0 16 16,0-24-1,0-7-15,0 0 16</inkml:trace>
-  <inkml:trace contextRef="#ctx0" brushRef="#br0" timeOffset="179765.96">21455 6609 0,'0'0'15,"0"0"1,-15 39-16,0-24 15,-16 23-15,-14 16 16,0 7 0,7 0-16,0-8 15,8-15-15,7-7 16,-7-1-16,7-7 16,-7 23-1,7-16-15,8-14 16,15-16-16</inkml:trace>
-  <inkml:trace contextRef="#ctx0" brushRef="#br0" timeOffset="180043.96">21039 6739 0,'0'0'16,"0"0"-16,0 0 16,0 0-16,15 16 15,0-1-15,15 23 16,16 8 0,14-8-16,16 23 15,-16-15-15,-14-16 16,-16 1-16,0-1 15,0 1 1,-30-31-16</inkml:trace>
-  <inkml:trace contextRef="#ctx0" brushRef="#br0" timeOffset="180608.02">21908 6671 0,'0'0'0,"0"0"15,0 0-15,0 0 16,0 7-16,0 8 15,0 39 1,8-1-16,-8 31 16,0-30-16,0-9 15,0-29 1,0-1-16,0 0 16,0-15-16</inkml:trace>
-  <inkml:trace contextRef="#ctx0" brushRef="#br0" timeOffset="180879.01">21666 6823 0,'0'0'0,"0"0"15,8 0 1,7 0-16,15 8 16,8-8-16,0 0 15,7 15 1,1-7-16,-9-8 16,1 0-16,8-8 15,-46 8 1</inkml:trace>
-  <inkml:trace contextRef="#ctx0" brushRef="#br0" timeOffset="182179.8">22347 6159 0,'0'0'0,"0"0"15,0 0-15,7 0 16,1 8-16,7 7 15,-7 8 1,-1 0-16,1 0 16,-1 0-16,-7 0 15,0-1 1,0 1-16,0 0 16,0 15-16,0 1 15,0 6-15,-7 1 16,-1-15-1,1 7-15,-1-8 16,1-7-16,-1 0 16,0 0-1,1 0-15,-1-15 16,1-1-16,7 1 16,0 0-16,0-8 15,0 0 1,0 0-16,0 7 15,0-7-15,0 0 16,15 0 0,15 0-16,8 0 15,0 0-15,-8 0 16,0 0-16,0 8 16,1-1-1,6 9-15,9 14 16,-8 1-16,-8 7 15,0 0-15,-15-7 16,0-1 0,-7-7-16,-8 0 15,0-8-15,-15 8 16,-8 8 0,0-16-16,-7 0 15,-15 0-15,-16-7 16,-7-8-1,-7-8-15,14 1 16,8-1-16,53 8 16</inkml:trace>
-  <inkml:trace contextRef="#ctx0" brushRef="#br0" timeOffset="182918.11">17992 8144 0,'0'0'16,"0"0"-16,0 0 15,0 0-15,0 0 16,0 0-1,0 0-15,8 0 16,7 0-16,15 0 16,16 7-16,7-7 15,22 0 1,31 0-16,23 0 16,-39 0-16,92-7 15,-16-1 1,83-15-16,-82-30 15,128 22-15,-23-7 16,-76-31 0,99 77-16,-8-16 15,-82-15-15,67 0 16,-38-7-16,-30 15 16,31-1-1,6-68-15,-104 138 16,52-54-16,-84 0 15,1-8 1,-106 8-16</inkml:trace>
-  <inkml:trace contextRef="#ctx0" brushRef="#br0" timeOffset="193242.99">17932 5968 0,'0'0'0,"0"0"15,0 0-15,0 0 16,0 0-16,0 0 15,15 8 1,0 0-16,15-1 16,23-7-16,15 0 15,8 0 1,30-7-16,7-1 16,-30 0-16,-7 24 15,45-39-15,30-38 16,-45 61-1,45 7-15,-37-7 16,37-7-16,15-1 16,-22 0-1,52 8-15,-82-15 16,90 15-16,-46-7 16,39-1-16,-68 8 15,75 15 1,-30-22-16,60-1 15,-113 0-15,121-7 16,-61-16 0,61 1-16,-68 7 15,53 0-15,15 8 16,-114 7-16,84 1 16,-23-9-1,60 9-15,-128 7 16,91-8-16,-31 0 15,16 1 1,-99-1-16,46 8 16,0-23-16,-61 8 15,7 15-15,-6-8 16,-24-7 0,-15 0-16,76-31 15</inkml:trace>
-  <inkml:trace contextRef="#ctx0" brushRef="#br0" timeOffset="-199286.98">19557 8632 0,'0'0'0,"0"0"0,0 0 0,0 0 16,0 0-16,8 23 15,-1 46-15,8 22 16,-7 24 0,-8 60-16,0-22 15,-15 61-15,15-54 16,-8 54-1,8-54-15,-7 15 16,7-30-16,7 31 16,-7-23-16,0-24 15,0 1 1,0-15-16,15 37 16,-7-30-16,7-22 15,0 22-15,-15-38 16,0-39-1,-7 1-15,-1-23 16,1-8-16,-1-7 16,-7-16-1,-15-30-15,30 38 16</inkml:trace>
-  <inkml:trace contextRef="#ctx0" brushRef="#br0" timeOffset="-198799.84">18650 10975 0,'0'0'0,"0"0"16,8 0-1,22-8-15,38-7 16,15 0-16,-7 7 16,52-37-16,8 14 15,-37 16 1,59-8-16,9-8 15,37 16-15,-68 7 16,60 1 0,1 14-16,7 1 15,-68-8-15,46-15 16,-16 7 0,0 31-16,-7-61 15,-76 15-15,38 0 16,0-7-16,-38 7 15,-22 7-15,-1 1 16,1 8 0,-31 7-16,-30 0 15</inkml:trace>
-  <inkml:trace contextRef="#ctx0" brushRef="#br0" timeOffset="-194522.72">19648 10807 0,'0'0'0,"0"0"0,0 0 16,0 0-1,0 0-15,0 0 16,0 0-16</inkml:trace>
-  <inkml:trace contextRef="#ctx0" brushRef="#br0" timeOffset="-194319.72">19769 10510 0,'0'0'15,"0"0"-15,7 0 16,-7 0 0</inkml:trace>
-  <inkml:trace contextRef="#ctx0" brushRef="#br0" timeOffset="-193971.29">19950 10265 0,'0'0'0,"0"0"16,0 0-16,0 0 15</inkml:trace>
-  <inkml:trace contextRef="#ctx0" brushRef="#br0" timeOffset="-193773.61">20094 10136 0,'0'0'16,"0"0"-16,0 0 15,0 0-15,0 0 16,0 0 0</inkml:trace>
-  <inkml:trace contextRef="#ctx0" brushRef="#br0" timeOffset="-193594.25">20170 10013 0,'0'0'0,"0"0"16,0 0-1,0 0-15,0 0 16,0 0-16,0 0 15</inkml:trace>
-  <inkml:trace contextRef="#ctx0" brushRef="#br0" timeOffset="-193416.76">20359 9784 0,'0'0'16,"0"0"-16,0 0 16,0 0-16,7-22 15,-7 22-15</inkml:trace>
-  <inkml:trace contextRef="#ctx0" brushRef="#br0" timeOffset="-193223.92">20510 9624 0,'0'0'0,"0"0"16,0 0-16,0 0 15,0 0-15,7-7 16,-7 7-16</inkml:trace>
-  <inkml:trace contextRef="#ctx0" brushRef="#br0" timeOffset="-193074.3">20653 9349 0,'0'0'0,"0"0"15,0 0 1,0 0-16</inkml:trace>
-  <inkml:trace contextRef="#ctx0" brushRef="#br0" timeOffset="-192895.75">20812 9220 0,'0'-8'0,"0"8"15,0 0 1,0-8-16,0 8 16</inkml:trace>
-  <inkml:trace contextRef="#ctx0" brushRef="#br0" timeOffset="-192700.64">21009 8937 0,'0'0'0,"0"0"16,0 0-16,0 0 15,0 0 1,0 0-16</inkml:trace>
-  <inkml:trace contextRef="#ctx0" brushRef="#br0" timeOffset="-192510.85">21122 8838 0,'0'0'16,"0"0"-16,0 0 15,0 0 1,0 0-16,0 0 16,0 0-16</inkml:trace>
-  <inkml:trace contextRef="#ctx0" brushRef="#br0" timeOffset="-183597.18">21175 8663 0,'0'0'0,"0"0"16,0 0-16,0 0 15,0 0 1,0 0-16,0 0 16,0 0-16,8-8 15,-1 0-15,8 1 16,8-16-1,7 0-15,8-8 16,7-14-16,-7-1 16,0-8-1,-8 16-15,-7 15 16,0-7-16,-1-1 16,1 1-16,0-1 15,14-22 1,-6 7-16,-31 46 15</inkml:trace>
-  <inkml:trace contextRef="#ctx0" brushRef="#br0" timeOffset="-182764.59">19701 10632 0,'0'0'0,"0"0"16,0 0-1,0 0-15,0 0 16,0 0-16,-8 7 16,8-7-1,0 0-15,-7 8 16,-8 0-16,0 7 16,-23 8-1,-8 7-15,-7 8 16,8 16-16,0 22 15,7-15-15,-15-7 16,-7-1 0,-8-7-16,-16 53 15,31-38-15,8-7 16,-23 7 0,68-61-16</inkml:trace>
-  <inkml:trace contextRef="#ctx0" brushRef="#br0" timeOffset="-165611.78">8089 10967 0,'0'0'16,"0"0"-16,0 0 15,0 0-15,0 0 16,0 0-1,0 0-15,8 0 16,-1 0-16,1 0 16,7 0-16,0 0 15,8-7 1,7-1-16,8 8 16,7-7-16,0-1 15,1 8 1,-8 0-16,-16 0 15,8 0-15,16 0 16,-1 8-16,8-8 16,8 15-1,-9 0-15,-6-7 16,-1-1-16,16 9 16,7-9-1,0 1-15,-8 0 16,-14-8-16,-9-8 15,9 8-15,7-23 16,0 31 0,15-24-16,0-7 15,-8-7-15,1-1 16,-1 1 0,8-1-16,0 1 15,-7-1-15,-24 8 16,1 8-16,23-38 15,-1 15 1,16-23-16,-16 15 16,1 0-16,-8 8 15,-16 7 1,1 1-16,0 14 16,0-6-16,0-9 15,-16 23-15,1 16 16,-8-16-16,0 1 15,0-1 1,1 8-16,-1 0 16,-8 0-16,8-8 15,-7 8 1,7-7-16,-7 14 16,-1-22-16,1 23 15,-8-8-15,7 7 16,-7-7-1,8 0-15,-1 8 16,1 0-16,7-1 16,0 1-1,8 0-15,7 7 16,0 0-16,8-7 16,0 7-16,7 0 15,-7 1 1,7-1-16,-7 0 15,8 8-15,6 8 16,1-1-16,-7-15 16,7 24-1,-16-17-15,-6-6 16,-1-1-16,8 8 16,0-8-16,-8 0 15,0 1 1,0-1-16,1-7 15,-9 7-15,1-8 16,-8 1 0,0 0-16,0-1 15,0 1-15,0-8 16,-7 8 0,7-1-16,-7 1 15,-1-8-15,1-8 16,-1 8-16,1 8 15,0-1 1,-1 1-16,-7-8 16,8 8-16,-8-8 15,7 7-15,1 1 16,-1 0 0,-7-8-16,0 0 15,0 0-15,0 15 16,0-7-16,0 7 15,0 0 1,-7 0-16,-1 8 16,-7 8-16,0-8 15,0 0 1,-8-1-16,0-6 16,-14 29-16,6-6 15,1-9-15,8 1 16,-9 7-1,9-15-15,-1 15 16,0-15-16,1 0 16,-1 0-1,-7 15-15,7-15 16,-7 0-16,-1-1 16,1 1-1,0-7-15,0-1 16,0 8-16,-1-8 15,9-7-15,-9-1 16,-22 47 0,23-39-16,-8 0 15,-7 1-15,0-1 16,-1 0-16,9 0 16,6-7-1,-6 7-15,-9-7 16,-7 0-16,0-1 15,0 1-15,0-1 16,8 1 0,7-8-16,1 0 15,-9 8-15,1-8 16,-1 7 0,1-7-16,0 0 15,7 0-15,8 0 16,-1 0-16,-6 8 15,-9 0 1,1-1-16,0 1 16,-1-1-16,8-7 15,1 0 1,-1 0-16,-8 0 16,9 0-16,-9 8 15,8 0-15,1-1 16,-1 9-1,0-9-15,15 1 16,1 0-16,7-1 16,-1 1-16,1-1 15,0 1 1,0 0-16,8-1 16,-1 1-16,0 0 15,1-1-15,-1-7 16,1 8-1,-1-8-15,1 0 16,-1 0-16,1 0 16,-1 7-1,0-7-15,1 0 16,-1 0-16,1 0 16,-1 0-16,-7-7 15,0-1 1,0 1-16,0-9 15,0 9-15,-8-1 16,0-7 0,1 0-16,-1-1 15,0 1-15,-7 0 16,7-8-16,-7 0 16,-8-8-1,-7 1-15,-8-8 16,8 7-16,7 1 15,0 7 1,8 0-16,7 0 16,-7 0-16,0 0 15,-8 0-15,0 0 16,0 8 0,0 0-16,1-8 15,-1-8-15,0 9 16,15 14-16,-7 0 15,0-7 1,0 0-16,-8-8 16,0 0-16,8 0 15,0 0 1,-1 0-16,1-7 16,0-8-16,-16-54 15,9-23-15,37 115 16</inkml:trace>
-  <inkml:trace contextRef="#ctx0" brushRef="#br0" timeOffset="-160846.3">8875 11181 0,'0'0'0,"0"0"16,0 0-16,0 0 16,0 0-16,0 0 15,0 0 1,0 0-16,0 0 15</inkml:trace>
-  <inkml:trace contextRef="#ctx0" brushRef="#br0" timeOffset="-160571.68">9253 11601 0,'0'0'0,"0"0"16,0 0-16,0 0 15,0 0-15,0 0 16,0 0-16</inkml:trace>
-  <inkml:trace contextRef="#ctx0" brushRef="#br0" timeOffset="-160322.15">9737 11433 0,'0'0'16,"0"0"-16,0 0 15,0 0 1,0 0-16,0 0 15,0 0-15,0 0 16,0 0 0</inkml:trace>
-  <inkml:trace contextRef="#ctx0" brushRef="#br0" timeOffset="-160095.55">9934 11036 0,'0'-15'15,"0"15"-15,0 0 16,0 0-16,0 0 16,0 0-1,0 0-15,0 0 16,0-8-16,0 8 15</inkml:trace>
-  <inkml:trace contextRef="#ctx0" brushRef="#br0" timeOffset="-159873.9">10433 10906 0,'0'0'0,"0"0"15,0 0-15,0 0 16,7 8-16,8 0 16,0-1-16,-15-7 15</inkml:trace>
-  <inkml:trace contextRef="#ctx0" brushRef="#br0" timeOffset="-159657.81">10871 11105 0,'0'0'0,"0"0"16,0 0 0,0 0-16,0 0 15,0 0-15,0 0 16</inkml:trace>
-  <inkml:trace contextRef="#ctx0" brushRef="#br0" timeOffset="-159491.28">11037 10861 0,'0'0'0,"0"0"15,0 0-15,0 0 16</inkml:trace>
-  <inkml:trace contextRef="#ctx0" brushRef="#br0" timeOffset="-127169.23">7930 11181 0,'0'0'16,"0"0"-16,0 0 15,0 0 1,0 0-16,0 0 15,0 0-15,0 0 16,0 0 0,0 0-16,0 0 15,0 0-15,8 0 16,7 0-16,0 0 16,0 0-1,8 0-15,-8 8 16,8-1-16,-1 1 15,1 7 1,0 1-16,-1 7 16,9 7-16,6 1 15,9-1-15,-1 1 16,-7-8 0,-8-8-16,8 8 15,-8 0-15,-7-1 16,-8 1-16,0 0 15,0-7 1,0 6-16,0 1 16,1 0-16,-1 0 15,7 15-15,1-15 16,0 0 0,-1 0-16,1 0 15,7 0-15,-7-8 16,0 0-1,-8 1-15,0-9 16,0 1-16,-7-1 16,-1 1-16,1 0 15,-1-1 1,1 1-16,-8-8 16,0 0-16,0 0 15,0 0 1,0 0-16,0 0 15,0 0-15,0 0 16,0-8-16,-8-22 16,-37-62-1,45 92-15</inkml:trace>
-  <inkml:trace contextRef="#ctx0" brushRef="#br0" timeOffset="-124556.8">7908 11074 0,'0'0'16,"0"0"-1,0 0-15,0 0 16,0 0-16,0 0 16,0 0-16,0 0 15,0 0 1,0 0-16,0 0 15,7 0-15,8 0 16,8-7-16,7-16 16,-7 23-1,0 0-15,7-8 16,0 1-16,0-1 16,8-7-1,0-1-15,7-14 16,1 15-16,-9-1 15,9-14-15,-8 15 16,-16 7 0,1 0-16,0 1 15,-1-1-15,1 0 16,7 8 0,0-7-16,1 7 15,-1 0-15,0 7 16,0-7-16,-7 8 15,0 0 1,-1-1-16,1 1 16,0 0-16,-8-1 15,0 1-15,0-1 16,0 9 0,0-9-16,0-7 15,1 8-15,-1-8 16,7 15-1,1-7-15,0-1 16,7 9-16,0-1 16,0-7-16,-7-1 15,0-7 1,-8 8-16,0 0 16,8-8-16,-1 0 15,9 0 1,-1-8-16,8 0 15,-1 1-15,1-9 16,0 9-16,0-1 16,7-15-1,-15 16-15,8-9 16,8 1-16,-1 0 16,-7 0-16,0-1 15,-8 1 1,0 0-16,0 7 15,-7 0-15,-8 1 16,0-8-16,0-8 16,0 15-1,1 0-15,-1 1 16,0-8-16,0 7 16,0-7-1,0 7-15,-7 0 16,7-7-16,8-8 15,-16 23 1,16-23-16,-8 16 16,0-9-16,8 1 15,-1 0-15,1-8 16,0 0 0,-1 0-16,1 0 15,0 0-15,7 0 16,0 1-16,-7-1 15,0 7 1,7 1-16,-7 0 16,-1 0-16,1-1 15,-8 1-15,8 0 16,-16 7 0,1 1-16,7-1 15,-15 8-15,0 0 16,8-8-1,-1 1-15,-7 7 16,0 0-16,0 0 16,0 0-16,0 0 15,0 0 1,0 0-16,8-8 16,-8 8-16,0 0 15,0 0 1,0 0-16,7 0 15,1 0-15,7 8 16,0 7-16,-7-7 16,7 7-1,7 8-15,16 0 16,0 0-16,7 7 16,8 8-16,8 8 15,-8-8 1,0 16-16,-16-24 15,24 8-15,-1 0 16,-7 8 0,8 0-16,-16-8 15,0 8-15,1-8 16,-1 0-16,0-7 16,-7-1-1,-7-7-15,-1 0 16,-8-8-16,1 1 15,-8-1 1,0 0-16,0-7 16,1 7-16,-9-7 15,1-1-15,-1 1 16,1 0 0,-8-8-16,7 7 15,-7-7-15,8 8 16,0 0-16,-8-8 15,0 0 1,0 0-16,0 0 16,0 0-16,7 7 15,-7-7 1,8 8-16,-8-8 16,0 0-16,0 0 15,0 7-15,0-7 16,0 0-1,0 0-15,0 8 16,0-8-16,-8 8 16,1 7-16,-1-7 15,-7 15 1,-8-1-16,0-6 16,1-1-16,-8 8 15,-1-8 1,1 0-16,0 1 15,0-1-15,7 0 16,-7 0-16,-8 1 16,0-1-1,-15 8-15,8 0 16,-1-8-16,9 0 16,-1-7-16,0 0 15,0-1 1,-7 1-16,0-1 15,-1 1-15,-7 0 16,0 7 0,16-7-16,6 7 15,1-8-15,-8 1 16,0 7-16,-7-7 16,-8 7-1,8 1-15,7-9 16,0 1-16,8-1 15,0 1 1,0 0-16,-8-1 16,0 1-16,0-8 15,0 8-15,-7-1 16,0-7 0,14 0-16,1 0 15,0 0-15,0 0 16,-16 0-16,1 0 15,0 0 1,-1 8-16,8-8 16,8 0-16,0 0 15,0 8 1,-1-1-16,1 1 16,0-1-16,0 1 15,-8 0-15,0-1 16,0 1-1,8 7-15,0 0 16,7-7-16,-7 0 16,30-8-16</inkml:trace>
-  <inkml:trace contextRef="#ctx0" brushRef="#br0" timeOffset="-121093.77">3984 7212 0,'0'0'15,"8"-7"-15,14-16 16,16-8-16,23-7 16,14-15-1,1 30-15,45-92 16,-53 100-16,30-8 15,15 8-15,-7 0 16,8 7 0,29 0-16,-22 8 15,15 0-15,0 0 16,-37 0-16,22-22 16,7 37-1,-14-8-15,6 1 16,1-8-16,-30 0 15,0 0 1,15-8-16,15 8 16,-31 0-16,-6 31 15,-16-46-15,7-23 16,-22 38 0,-8 7-16,-14-7 15,-9 8-15,1-1 16,7 9-16,-30-16 15</inkml:trace>
-  <inkml:trace contextRef="#ctx0" brushRef="#br1" timeOffset="-97084.2">19837 10258 0,'0'0'0,"0"0"15,0 0 1</inkml:trace>
-  <inkml:trace contextRef="#ctx0" brushRef="#br1" timeOffset="-96707.83">20306 10410 0,'0'0'0,"0"0"16,0 0 0,0 0-16,0 0 15,0 0-15,0 0 16,0 0-1,0 0-15,0 0 16</inkml:trace>
-  <inkml:trace contextRef="#ctx0" brushRef="#br1" timeOffset="-96404.06">20049 9510 0,'0'0'16,"0"0"-16,0 0 16,0 0-16,0 0 15,0 0-15,0 0 16</inkml:trace>
-  <inkml:trace contextRef="#ctx0" brushRef="#br1" timeOffset="-96001.41">20790 9868 0,'0'0'16,"0"0"-16,0 0 16,0 0-16,0 0 15,0 0 1,0 0-16,0 0 16,0 0-16,0 0 15</inkml:trace>
-  <inkml:trace contextRef="#ctx0" brushRef="#br1" timeOffset="-95714.22">20691 8983 0,'0'0'15,"0"0"-15,0 0 16,8 8-1,-8-8-15</inkml:trace>
-  <inkml:trace contextRef="#ctx0" brushRef="#br1" timeOffset="-95390.47">21349 9441 0,'0'0'16,"0"0"-16,0 0 16,0 0-16,0 0 15,0 0 1,0 0-16,0 0 16</inkml:trace>
-  <inkml:trace contextRef="#ctx0" brushRef="#br1" timeOffset="-95054.45">20706 9266 0,'0'0'16,"0"0"-16,-7 0 15,-1 0-15,1 0 16,-1 0-16,8 0 16,0 0-16</inkml:trace>
-  <inkml:trace contextRef="#ctx0" brushRef="#br1" timeOffset="-94623.77">19935 9624 0,'0'0'0,"0"0"15,0 0 1,0 0-16,0 0 16,0 0-16,0 0 15</inkml:trace>
-  <inkml:trace contextRef="#ctx0" brushRef="#br1" timeOffset="-94323.71">20744 10326 0,'0'0'15,"0"0"1,0 0-16,0 0 15,0 0-15,-7-7 16,7 7-16</inkml:trace>
-  <inkml:trace contextRef="#ctx0" brushRef="#br1" timeOffset="-94099.46">20963 9311 0,'0'0'0,"0"0"15,0 0 1,-7 8-16,7-8 15</inkml:trace>
-  <inkml:trace contextRef="#ctx0" brushRef="#br1" timeOffset="-28584.49">12988 7777 0,'0'0'0,"0"0"0,0 0 15,7-38-15,-7 38 0</inkml:trace>
-  <inkml:trace contextRef="#ctx0" brushRef="#br1" timeOffset="-28239.34">12693 7770 0,'0'0'15,"0"0"-15,0 0 16,0 0-16,7 0 16,1 7-1,-8-7-15,0 0 16</inkml:trace>
-  <inkml:trace contextRef="#ctx0" brushRef="#br1" timeOffset="-27827.47">12617 8083 0,'0'0'0,"0"0"15,0 0-15,0 0 16,0 0-16,0 0 15,0 0 1,0 0-16</inkml:trace>
-  <inkml:trace contextRef="#ctx0" brushRef="#br1" timeOffset="-27597.97">12602 8365 0,'0'0'0,"0"0"16,0 0-1,8 8-15,-1-8 16,1 7-16,-8-7 15</inkml:trace>
-  <inkml:trace contextRef="#ctx0" brushRef="#br1" timeOffset="-27414.74">12874 8678 0,'0'7'15,"0"-7"1,0 16-16,0-1 16,8 8-16,-1-8 15,-7-15-15</inkml:trace>
+  <inkml:trace contextRef="#ctx0" brushRef="#br0">7329 5636 0,'26'0'156,"14"0"-140,0 0-16,13 0 15,0 0-15,-27 0 16,27 0-16,53 0 15,-27 0-15,-52 0 16,65 0-16,1 0 16,-14 0-1,-39 0-15,39 0 16,1 0-16,26 0 16,-67 0-16,-26 0 15,14 0-15,13 0 16,-14 13-16,1-13 15,-14 0 1,13 0-16,-13 0 16,14 0-1,-14 0-15,0 0 16,1 13-16,-1-13 16,0 0-16,13 0 15,1 0-15,26 0 16,-13 0-16,-1 0 15,-12 0-15,26 0 16,0 0-16,-27 0 16,-13 0-16</inkml:trace>
+  <inkml:trace contextRef="#ctx0" brushRef="#br0" timeOffset="15120.98">10689 8096 0,'0'-13'46,"0"0"95,-13 0-94,0-1-31,-1 28 109,14-1-94,0 0-31,0 0 15,0 0 1,0 1 109,0-1-109,0 0-1,14-13 1,-1 0 0,0 0-1,0 0 16,1 0-15,-14-26 31,0 12 15,-14 1-30,14 0-32,-13 13 203,13 13-188,-13 0 1,13 1 0,0-1-16,0 0 62,26-13 16,-12-26-62,-1 26 0,-13-14-16,26 14 15,-12-13-15,-14 0 125,-27 0-125,27-14 16,-13 27 31,0-13-47,13 0 78,-14 13-47,-12 0 47,26 13-47,0 0-15,0 1 15,0-1 1,0 0-17,0 0-15,0 0 31,0 14 16,13-27 0,0 0-31,-13-13-1,14-1 17,-14 1 30,0 0-62,0 0 16,-14 13 78,1 0-63,0 0-31,0 0 156</inkml:trace>
+  <inkml:trace contextRef="#ctx0" brushRef="#br0" timeOffset="22578.05">10504 8043 0,'0'14'281,"0"-1"-234,0 0 31,13-13 16,0 0-94,1 0 297,-14-13-282,-14 13 32,1-13-47,0 13 63,0 0-32,0 0-16,-1 0 17,1 0-1,0 13 0,0 0-15,13 0 15,0 0-15,0 1-1,0-1 1,0 0 15,0 0-15,13-13 15,13 0 0,-12 0 1,-1 0-1,-13-13-16,13 0-15,-13 0 250,-13-1-250,13 1 32,-13 13 15</inkml:trace>
+  <inkml:trace contextRef="#ctx0" brushRef="#br0" timeOffset="25650.03">10266 8070 0,'0'-13'63,"0"-1"437,-13 1-453,-1 0 15,1 0-46,13 26 203,13-13-157,-13 13-46,14 0-1,-1-13 32,0 0 16,0 0-48,-13-13 173</inkml:trace>
+  <inkml:trace contextRef="#ctx0" brushRef="#br0" timeOffset="27754.82">10570 7660 0,'13'0'219,"14"0"-204,-14 13 1,0-13 0,-13 13-16,13-13 31,-13 13-31,0-39 94,0 13-79,-13-14 1,-13 1-1,13 13 17,-1 13 30,1 0-46,0 0-1,0 0-15,-1 0 32,14 13-17,0 0 1,0 0 0,0 0-16,0 1 15,0-1 1,0 0 15,0 0 0,14-26 110,-1 0-125,0 13 140,-13 13-141,13-13-15,1 13 16,-1-13 0</inkml:trace>
+  <inkml:trace contextRef="#ctx0" brushRef="#br0" timeOffset="29555.42">10332 9181 0,'13'0'328,"-13"-13"-328,0 0 16,0-1 93,-26 14-46,13 14-48,-1-14-15,14 13 16</inkml:trace>
+  <inkml:trace contextRef="#ctx0" brushRef="#br0" timeOffset="32587.99">11192 8890 0,'0'-26'31,"0"39"0,-13-13 1,13 13-17,0 0 32,-14-13 188,1 0-220,-13 27 16,26-14 63</inkml:trace>
+  <inkml:trace contextRef="#ctx0" brushRef="#br0" timeOffset="86683.83">10478 7594 0,'-14'26'250,"1"-13"-234,13 0-16,-26 14 16,-1-14-1,14 14 32,0-27-31,-1 0-16,1 13 15,-13 13-15,13-26 16,-1 14 0,1-1-16,0-13 15,0 13-15,-1-13 16,14 13-16,-26 0 16,26 1-1,-13-14-15,-14 26 16,14-26-1,0 13-15,0 1 16,-1-1-16,14 0 16,-13-13-16,0 13 15,0-13 1,13 13 0,-14-13-16,14 14 15,-26-1 1,26 0-1,-13-13-15,-1 13 16,14 1 0,-26-1-1,13 13 1,0-12 15,-1-14-31,14 13 31,-13 0-15,13 0 0,-26 14-1,12-14 17,14 13 202,0 1-234,0-14 16,0 0-1,0 1 1,0-1 15,0 0-31,0 0 31,14 14 32,-1-14-32,0 13-15,0-12-1,1-1 1,-14 0-16,26 14 31,-26-14-31,13-13 16,-13 13-1,27-13 17,-14 13-17,0 0 1,0-13 0,1 0-1,-1 0 1,0 0-16,0 27 15,1-27 1,12 26 0,14-12-16,-14-14 31,-13 0-31,1 0 16,-1 0-16,0 0 15,27 13-15,-14-13 16,-13 13-1,27 0-15,-13-13 16,12 0-16,1 0 16,-14 0-16,14 0 15,13 0-15,-27 0 16,1 0 0,-1 13-16,-12-13 31,-1 0-31,13 0 31,-12 0-31,-1 0 16,13 0-1,-13 0 1,1 0 0,12 0-1,-13 0-15,1 0 16,12 0-16,1 0 31,-14 0-31,0 0 16,0 0-16,0 0 15,1 0 1,-1 0 0,13 0-1,-12 0 1,25 0-1,-12 0-15,-14 0 16,0 0-16,0 0 16,-13-13 156,0-13-172,0 13 15,0-14-15,0 14 16,0 0-16,0-27 15,0 27 1,0-14 0,0 1-1,-13-1 1,13 1 0,0 13-1,0-1-15,0-12 16,-13 13 31,0 13-32,13-13 1,0-1-16,-40-12 16,40 13-16,0-1 15,-13 1 1,13 0-1,-13 0-15,13-1 16,-14 14 0,1-13-1,-13-13-15,12 13 16,14-14-16,-13 27 16,-13-26-16,13 12 31,-1 1-16,1-13-15,0 12 16,-14-12-16,14 26 16,0-26-1,0 12 1,-1 1 0,1 13-16,13-13 15,0 0 1,-13 13-16,0-14 15,13 1-15,-13 0 32,13 0-17,-14 13 17,14-13-17,-13-1 1,0 1-1,13 0 1,-13 0-16,-1-1 16,-12 1-1,13-13 48,-1 26-63,14-14 15,-13 14 1,13-13 15,-13 0-15,0 13 0,0 0-1,13-13 1,-14 13-1,1 0 17,0 0-32,0 0 15,-1 0 1,1 0 125</inkml:trace>
+  <inkml:trace contextRef="#ctx0" brushRef="#br0" timeOffset="100128.69">10570 8572 0,'0'14'188,"0"-1"-126,0 0-15,0 0-16,0 1 32,0-1-16,0 0-32,0 0 1,0 1-16,0-1 15,0 0 1,0 0 0,0 0-1,0 1-15,0-1 16,0 0-16,0 0 16,0 14-1,0-14 1,0 14-1,0-14-15,0 26 16,0-12 0,0-14-1,0 0-15,0 27 16,0-13 0,0-14-16,0 13 15,0-13-15,0 14 16,0-14 15,0 0-15,0 14 15,0-1-31,0-12 16,0 12-1,0-13 16,0 0 266,13-13-281,27-13 0,-27 13-16,0 0 15,1 0-15,12-13 16,-13 0-1,1 13 1,-14-13 0,13 13-1,-13-14-15,13 14 32,0-13 14,1 13-30,-1-26 15,0 12-15,27-12 0,-27 26-1,0-13 1,0-1-16,1 1 15,-14 0 1,26 0-16,-13-14 16,40-12-16,-26 12 15,-14 14 1,0 0 0,0-1-1,1 1-15,-14 0 110,13 13-110,-13-13 15,13 0 1,-13-1-16,13-12 15,14 13 1,-27-1-16,13 1 16,-13 0-1,0 0-15,0-1 16,0-12 78,0 13-79,0-14 17,0 14 30,0 0 79</inkml:trace>
+  <inkml:trace contextRef="#ctx0" brushRef="#br0" timeOffset="111745.25">10941 8136 0,'0'-13'47,"13"-14"-31,-13 14-1,0-13 1,0-1-16,0 1 31,0 12-31,0 1 16,0 0-1,0 0 1,0-14 0,0 14-1,0 0 1,0 0-1,-13-14 1,13 14 15,-14 13-15,1-13-16,0-1 16,0 1-1,-1 13 1,14-26-16,-13 26 15,0 0 1,0-13-16,-1 13 16,14-14-16,-13 14 15,0 0-15,-13-13 16,12 13 0,-12-13-16,13 13 15,-1 0 1,1 0-16,0 0 15,0 0-15,-1 0 16,-12 0-16,13 0 16,0-13-16,-14 13 15,14-14-15,0 14 16,-1 0-16,-12 0 16,13 0-16,-14 0 15,1 0 1,13 0-16,-1 0 15,-12 0-15,13 0 32,-14 27-32,14-27 0,0 0 15,0 0 1,13 13 0,-14 0-1,1 1 1,0 12-1,0 0 1,13-12-16,-14 25 16,14-12-16,0 12 15,-13-25 1,13 12-16,0-13 16,0 14-1,0-1-15,0-12 16,0-1-16,0 13 15,0-13 1,0 1-16,0 25 16,0-25-1,0 12-15,0-13 16,0 14 0,13-1-1,-13-13 1,14-13-1,-14 14 1,13-1 0,-13 0-16,13-13 15,-13 13 1,13-13-16,1 14 16,-1-1-16,13 0 31,-13 0-16,1-13-15,-1 0 16,13 0 0,1 0-16,26 0 15,-27 0-15,1 0 16,12 0-16,-12 0 16,12 0-16,-12-13 15,-14 13-15,0-26 16,14 12-16,-1-12 15,-26 13 1,14-1-16,-14 1 16,13-26-16,0 12 15,-13 14-15,0 0 16,13-27-16,-13 13 16,0 1-16,0-14 31,0 27-31,0 0 15,0 0 1,0-1-16,0 1 16,-13-13-1,0 26 1,13-14-16,-13 1 16,-1 0-16,1 13 15,0 0-15,0-13 16,-1 0-16,-12 13 15,13-14 1,-1 14-16,1 0 16,-13-13-1,-1 13-15,1 0 16,13 0 0,-14 0-16,1 0 15,-1 0-15,14 0 16,0 0-16,0 0 15,-14 0-15,14 0 32,-14 0-17,14 0 1,0 0-16,0 0 16,-14 13-16,14 14 15,0-14 1,0 0-16,-14 14 15,1 12 1,26-25-16,0 12 16,-14-13-16,1 14 15,13-14-15,0 27 16,0-14-16,0-13 16,0 27-1,0 0-15,0-27 16,0 13-1,13 41 1,1-41 0,12 1-16,1-1 15,-14 0-15,13-12 16,-12-1-16,25 13 16,14-12-1,-40-14 1,14 13-16,-14-13 15,14 0-15,-14 0 0,0 0 16,27 0 0,-27 0-16,13 0 15,1-13-15,-14-14 16,13 14-16,-12-14 16,-1 14-16,-13-13 15,26-1-15,1 1 16,-14-14-16,-13 27 15,27-14-15,-14-12 16,0 12-16,-13 14 16,0 0-16,13-27 15,-13 14-15,0 12 16,0-12-16,0 0 16,0 12-16,0-12 15,0-1 1,0 14-16,0-13 15,-13 12-15,0-12 16,0 0-16,-14-1 16,1 1-16,12 26 15,1-27-15,-27 27 16,14-26 0,13 13-16,0 13 0,-14-27 15,1 27 1,12 0-1,1 0-15,0 0 16,-13 0-16,12 0 16,-12 0-1,13 0-15,-27 0 16,13 0 0,1 13-1,13 14 1,-27 12-16,14-12 15,12-1-15,1 14 16,0-14-16,0 1 16,-1-1-16,14 1 15,-13-1-15,13 14 16,0-14-16,0 1 16,0 13-16,0-1 15,0 1-15,0-27 16,0 14-16,0 12 15,27 1-15,-14-27 16,0 40-16,14-26 16,-14-1-1,27 14-15,-40-27 16,26 0-16,0 0 16,1-13-16,-1 0 15,14 0-15,26 0 16,0-13-16,-13-40 15,27 0-15,39-26 16,-53 26-16,0-13 16,-40 40-16,41-1 15,-41-13-15,1 14 16,-14 13 0,-13-14-16,13 1 15,-13 13-15,0-14 16,0 14-16,0-14 15,0 14-15,0 0 16,0 0 0,0-14-16,-13 1 0,0 13 15,-1-27-15,1 27 16,-27-14-16,14 1 16,-1-1-1,27 14-15,-26-13 16,13 26-16,0-27 15,-1 14 1,-39 0 0,27-1-16,26 1 15,-27 13-15,1-13 16,-27 13-16,0-26 16,27 26-1,-14 0-15,14 0 16,-1 0-16,14 0 15,-14 0-15,-12 0 16,26 0-16,-14 0 16,-13 0-16,1 0 15,-1 26-15,14-13 16,-1 0-16,-26 27 16,27-27-16,12 1 15,-12-1 1,26 0-16,-13 27 15,0-14-15,13 27 16,0-13 0,0 26-16,0-53 15,0 14-15,0 26 16,13 26 0,-13-66-16,26 27 0,1 26 15,26-13 1,-40-27-16,0-12 15,14 25-15,-1-25 16,-13 12-16,14 0 16,12-26-16,-12 0 15,13 27-15,-27-27 16,13 13-16,1-13 16,-1 0-16,-13 0 15,14 0-15,-14 0 16,0 0-16,0 0 15,1-26 1,-1-14-16,13-13 16,-26 13-16,0 1 15,0-14-15,0 0 16,0 40-16,0-40 16,0 13-16,0-13 15,0 40 1,0 0-16,-13-14 15</inkml:trace>
+  <inkml:trace contextRef="#ctx0" brushRef="#br0" timeOffset="114326.17">10874 8718 0,'0'-13'15,"-13"13"16,0 0-15,0 0 0,-1 0 15,1 0 0,0 0-31,0 0 16,0 0-1,-1 13 32,1 13-31,13-12 0,0-1-16,0 13 15,0-12 1,0-1-16,0 0 15,0 0-15,0 14 16,0-1 0,13-26-16,-13 13 109,27-26-93,12-26-1,1 12 1,-27 1 0,1 12-16,-14 1 15,13-13-15,-13 12 0,13 14 16,-13-13-1,0-13-15,0 13 94,-13 13-16,-14 13-62,27 13-16,-26 1 16,13-1-16,13-13 15</inkml:trace>
+  <inkml:trace contextRef="#ctx0" brushRef="#br0" timeOffset="121130.85">12965 8824 0,'0'13'78,"0"0"-63,13 1 1,0-1 0,-13 0-1,13-13-15,14 0 16,26 0-1,-27 0-15,1 0 16,-1-26-16,-13 26 16,-13-14 46,0-12-46,0 13-1,-13 13 17,0 0-1</inkml:trace>
+  <inkml:trace contextRef="#ctx0" brushRef="#br0" timeOffset="122644.36">16272 8387 0,'0'14'46,"0"-1"-14,13 0-17</inkml:trace>
+  <inkml:trace contextRef="#ctx0" brushRef="#br0" timeOffset="146182.47">11774 8043 0,'-26'0'94,"-1"0"-79,-79 0-15,0 0 16,27 0-16,-80 14 16,80-1-16,-172 13 15,-41 1-15,68-27 16,157 0-16,-91 0 15,52 0-15,79 0 16</inkml:trace>
+  <inkml:trace contextRef="#ctx0" brushRef="#br0" timeOffset="163581.44">8506 10253 0,'14'0'156,"-1"13"-140,0 0-1,0-13-15,1 13 16,-1 1-16,0-14 16,0 0-1,0 13-15,14-13 16,13 13 0,-27-13-16,13 0 15,1 13 1,-27 0-16,26 1 15,-13-14-15,27 13 16,-40 0-16,27-13 16,12 13-16,-12-13 15,-14 14-15,0-14 16,40 26-16,-40-13 16,1 0-1,-1-13-15,-13 14 16,26-14-16,-13 0 31,1 0-15,12 0-1</inkml:trace>
+  <inkml:trace contextRef="#ctx0" brushRef="#br0" timeOffset="166279.64">8520 10213 0,'13'0'79,"0"-13"-64,14 13-15,12-14 16,1-12-1,0 26 1,-1-13-16,-26 13 16,40-13-16,14-14 0,-28 14 15,-26 13-15,40-27 16,-39 27 0,25-13-16,-25 13 15,12 0 1,-13 0-16,14-13 15,-1 0 1,-13 13 0,14 0-16,-14 0 297,0 0-282,1 13 1,-1 0-1,-13 0 1,0 1 0,13-1-16,0-13 15,-13 13-15,13 14 16,1-1-16,-1 0 16,0-12-16,0-1 15,14 27-15,-14-27 16,13 13-1,-26-12 17,14 12-17,-14-13 1,13 0 0,-13 1-1,0 12-15,13-13 16,-13 1-16,13-1 15,-13 26-15,0-25 16,0 12 0,0-13-1,0 1-15,0-1 16,27 0-16,-27 0 16,0 14-16,0-1 15,0-13 1,0 1-16,0-1 15,0 0-15,0 14 16,0-1 0,0-13-16,0 14 15,0-1 1,0-13 0,0 1-16,0 12 15,0 1 16,-13-14 1,-1 0 15,1 0-32,-13 1 1,-14 12-16,0-26 15,1 13-15,39 0 16,-14-13 0,-12-13 62,13 0-63,0 0 1,13 0 0,0-1-1,0 1 1,0 0 0,0-14-1,0 14 1,0-13-1,0-1 1,-14 14 0,14 0 31,-26 0-47,13 13 15,-1-14-15,14 1 16,0-13-1,0 12 1,0 1 0,-13 13-1,13-13-15,0-14 16,0 14 15,0 0-31,-13 0 16,13-14-16,-13 14 15,13-13-15,0 12 16,0 1 15</inkml:trace>
+  <inkml:trace contextRef="#ctx0" brushRef="#br0" timeOffset="208136.65">2500 2752 0,'66'0'125,"93"0"-110,-53 0-15,-27 0 16,133 0-16,106 0 15,12 0-15,-224 0 16,185 0-16,40 0 16,-80 0-16,-158 0 15,79 0-15,-13 0 16,-120 0-16,-12 0 16</inkml:trace>
 </inkml:ink>
 </file>
 
@@ -2182,133 +1904,75 @@
     <inkml:context xml:id="ctx0">
       <inkml:inkSource xml:id="inkSrc0">
         <inkml:traceFormat>
-          <inkml:channel name="X" type="integer" max="3360" units="cm"/>
-          <inkml:channel name="Y" type="integer" max="1872" units="cm"/>
+          <inkml:channel name="X" type="integer" max="5120" units="cm"/>
+          <inkml:channel name="Y" type="integer" max="1800" units="cm"/>
           <inkml:channel name="T" type="integer" max="2.14748E9" units="dev"/>
         </inkml:traceFormat>
         <inkml:channelProperties>
-          <inkml:channelProperty channel="X" name="resolution" value="114.28571" units="1/cm"/>
-          <inkml:channelProperty channel="Y" name="resolution" value="112.77109" units="1/cm"/>
+          <inkml:channelProperty channel="X" name="resolution" value="174.14966" units="1/cm"/>
+          <inkml:channelProperty channel="Y" name="resolution" value="109.09091" units="1/cm"/>
           <inkml:channelProperty channel="T" name="resolution" value="1" units="1/dev"/>
         </inkml:channelProperties>
       </inkml:inkSource>
-      <inkml:timestamp xml:id="ts0" timeString="2021-03-02T01:31:04.003"/>
+      <inkml:timestamp xml:id="ts0" timeString="2022-03-08T03:06:01.981"/>
     </inkml:context>
     <inkml:brush xml:id="br0">
-      <inkml:brushProperty name="width" value="0.05292" units="cm"/>
-      <inkml:brushProperty name="height" value="0.05292" units="cm"/>
-    </inkml:brush>
-    <inkml:brush xml:id="br1">
       <inkml:brushProperty name="width" value="0.05292" units="cm"/>
       <inkml:brushProperty name="height" value="0.05292" units="cm"/>
       <inkml:brushProperty name="color" value="#FF0000"/>
     </inkml:brush>
   </inkml:definitions>
-  <inkml:trace contextRef="#ctx0" brushRef="#br0">4203 4709 0,'0'0'0,"0"0"0,0 0 15,0 8 1,0 7-16,8 8 16,-8 7-16,7 1 15,-7 22 1,8-7-16,-8 53 16,0 8-16,-8-61 15,8 23-15,0 15 16,0-8-1,0-15-15,0-23 16,0-38-16</inkml:trace>
-  <inkml:trace contextRef="#ctx0" brushRef="#br0" timeOffset="682.48">4347 4732 0,'0'0'0,"0"0"16,0 0-16,-8 8 16,1 7-16,-1 23 15,8-7 1,0-1-16,0-7 16,8 15-16,7 8 15,8-8-15,-1-15 16,1 0-1,0 0-15,-1-16 16,1-7-16,0-7 16,-8-1-1,7-7-15,1 0 16,0-1-16,-8 1 16,0-8-16,0 8 15,-7 7 1,-1-7-16,1 7 15,-1 1-15,-7 7 16,0 0 0,8-8-16,-8 8 15,0 0-15,0 0 16,0 0-16,0 0 16,8 8-16,7 7 15,0 16 1,7 30-16,1 15 15,-8-23-15,-7-7 16,-1-8 0,8 0-16,1 1 15,-9 6-15,1 9 16,-1-1-16,-7-53 16</inkml:trace>
-  <inkml:trace contextRef="#ctx0" brushRef="#br0" timeOffset="1239.6">5330 5198 0,'0'0'15,"0"0"-15,0 0 16,0 0 0,0 0-16,0 0 15,-8 0-15,-7 0 16,0 7-16,-8 1 16,1 7-1,6 0-15,9-7 16,-1 7-16,1 0 15,7 1-15,0-9 16,7 9 0,1-9-16,-1 1 15,1-8-15,0 0 16,-1 0 0,1 0-16,-1 0 15,1 0-15,-1 0 16,-7 0-16,0 0 15,8 8 1,-1 7-16,9 8 16,-1 7-16,0-7 15,0 0 1,0-8-16,-7 1 16,7-9-16,-8 1 15,1-1-15,-1 1 16,1-8-1,-8 0-15,0 0 16</inkml:trace>
-  <inkml:trace contextRef="#ctx0" brushRef="#br0" timeOffset="1610.28">5685 5602 0,'0'0'16,"0"0"-16,0 0 15,0-15 1,0 7-16,0-7 16,0-23-16,0 7 15,-8 1-15,1-1 16,-1 1-1,8-1-15,-7-7 16,7 15-16,0 8 16,0-16-1,0 24-15,7-16 16,1 15-16,7-7 16,0 7-16,8 1 15,-8-1 1,0 8-16,-15 0 15,0 0-15</inkml:trace>
-  <inkml:trace contextRef="#ctx0" brushRef="#br0" timeOffset="1914.88">6131 5022 0,'0'0'15,"0"0"-15,0 0 16,0 8-16,0 7 16,0 0-16,0 8 15,0 0-15,0 0 16,0-8-1,-8 8-15,8-8 16,0 1-16,0-1 16,0 0-1,0 16-15,0-31 16</inkml:trace>
-  <inkml:trace contextRef="#ctx0" brushRef="#br0" timeOffset="2388.96">6721 5075 0,'0'0'0,"0"0"15,0 0-15,0 0 16,0 0-16,-8 0 16,-7 8-1,-8 0-15,1 7 16,-9 15-16,9-7 16,7 0-16,7-7 15,8 6 1,8 1-16,-1-7 15,8-9-15,0 1 16,1-8 0,-1 0-16,0 0 15,0 0-15,-8 0 16,1 0-16,0 0 16,-8 0-1,15 15-15,7 54 16,1 30-16,0-7 15,-1-24-15,-6-7 16,6-22 0,-22-39-16</inkml:trace>
-  <inkml:trace contextRef="#ctx0" brushRef="#br0" timeOffset="3963.42">4574 7976 0,'0'0'0,"0"0"16,0 0-16,0 0 15,0 0-15,0 0 16,0 0-1,0 0-15,0 0 16,15 0-16,15-8 16,23-7-16,7 0 15,-14-1 1,-8 1-16,-1-8 16,9 0-16,-8 8 15,-1-8 1,-37 23-16</inkml:trace>
-  <inkml:trace contextRef="#ctx0" brushRef="#br0" timeOffset="4462.67">4785 8044 0,'0'0'0,"0"0"16,0 0-16,0 0 16,0 0-16,0 8 15,8 15 1,-1-8-16,9 8 15,-1 0-15,0 0 16,0 15 0,0 0-16,-7 0 15,-1 0-15,1 1 16,-1-9-16,-7 1 16,0-8-16,0-1 15,-7 1 1,-1-7-16,-7-1 15,0 0-15,0-7 16,0-1 0,0 1-16,-1-8 15,1 0-15,0 0 16,0 0-16,0-8 16,7 1-1,8-1-15,0 8 16</inkml:trace>
-  <inkml:trace contextRef="#ctx0" brushRef="#br0" timeOffset="4937.91">5284 8220 0,'0'0'0,"0"0"16,0 0-16,0 0 16,0 0-1,0 0-15,0 0 16,0 0-16,-7 8 15,-1-1 1,1 8-16,-1 1 16,8-1-16,0 0 15,0 0-15,8 1 16,-1-9 0,8 1-16,8 0 15,7-8-15,0-8 16,1 8-1,-9-15-15,-6-1 16,-9 9-16,-7-1 16,0-7-16,-7 0 15,-9-1 1,1 1-16,-7-8 16,22 23-16</inkml:trace>
-  <inkml:trace contextRef="#ctx0" brushRef="#br0" timeOffset="5387.02">5776 8067 0,'0'0'16,"0"0"-16,0 0 16,0 0-16,0 0 15,-8 8 1,-15 7-16,1 8 16,7-8-16,0 1 15,7-1 1,0 0-16,1 0 15,7-7-15,0 7 16,7 1-16,9-1 16,-1-8-1,0 9-15,0-1 16,-8-7-16,1 14 16,-8-6-16,-8 7 15,-7 0 1,0 7-16,0-7 15,-8 0-15,8-16 16,-7 1-16,22-8 16</inkml:trace>
-  <inkml:trace contextRef="#ctx0" brushRef="#br0" timeOffset="5882.6">6078 8212 0,'0'0'15,"0"0"-15,0 0 16,0 0-16,8 0 15,7 0-15,0 0 16,0 0 0,-7-7-16,-1-1 15,1 0-15,-1 1 16,1-1 0,-8 0-16,0 8 15,-8-7-15,1-1 16,-8 8-16,-1 0 15,1 0 1,-7 15-16,7 1 16,-1 14-16,1 16 15,8 0-15,7 0 16,7-8 0,16 0-16,0-15 15,14 0-15,1-8 16,8-15-16,-16-8 15,0 1 1,-7-9-16,-23 16 16</inkml:trace>
-  <inkml:trace contextRef="#ctx0" brushRef="#br0" timeOffset="6106.74">6146 7930 0,'0'0'0,"0"0"16,0 0-16,8-8 15,22-7-15,8-16 16,7-14-1,-45 45-15</inkml:trace>
-  <inkml:trace contextRef="#ctx0" brushRef="#br0" timeOffset="9378.92">9231 4534 0,'0'0'16,"0"0"-16,0 0 15,0 0-15,0 0 16,0 0-1,-8 15-15,-7 15 16,0 54-16,0 23 16,-1 0-1,16 23-15,-7-16 16,7 1-16,0-8 16,-8-23-16,1-31 15,7-15 1,0-15-16,0 0 15,0-8-15,0-15 16,0 0-16</inkml:trace>
-  <inkml:trace contextRef="#ctx0" brushRef="#br0" timeOffset="9899.11">9964 4511 0,'0'0'0,"0"0"16,-8 7-16,-14 9 16,-16 14-1,-23 31-15,1 15 16,7 16-16,15-8 16,8 8-16,7 22 15,16-38 1,7-22-16,7-16 15,8-15-15,16 7 16,6-7 0,9-15-16,7-16 15,-16-7-15,9-38 16,-1-39-16,-7-22 16,-8-47-1,-22 54-15,-16 39 16,1 22-16,-16 8 15,-15 22-15,-45 16 16,-8 39 0,8 29-16,83-68 15</inkml:trace>
-  <inkml:trace contextRef="#ctx0" brushRef="#br0" timeOffset="11811.56">10433 4579 0,'0'0'0,"-8"8"15,-7 7-15,-8 16 16,-7 30-16,0 7 15,7 1 1,8 8-16,15 14 16,7-30-16,9-7 15,14-16 1,8 0-16,7-15 16,15-8-16,9-23 15,-24-22-15,0-16 16,1-23-1,-9 8-15,1-23 16,-15-15-16,-16 30 16,-14 16-16,-16 7 15,1 31 1,-31 0-16,-61 30 16,114-15-16</inkml:trace>
-  <inkml:trace contextRef="#ctx0" brushRef="#br0" timeOffset="13903.48">9435 7594 0,'0'0'0,"0"0"16,0 0-16,0 0 16,0 0-16,-8 15 15,1 31 1,-9 8-16,1-1 16,0 23-16,-8 46 15,8-38-15,0 0 16,0 31-1,8-8-15,-1-46 16,8-8-16,0 1 16,0-24-1,0-30-15</inkml:trace>
-  <inkml:trace contextRef="#ctx0" brushRef="#br0" timeOffset="14259.2">9971 7709 0,'0'0'0,"0"0"16,0 0-16,0 7 15,0 16 1,-7 23-16,-16 45 16,0 16-1,1 0-15,-1 0 16,-7 15-16,15-38 15,7-15-15,1-16 16,7 1-16,0-54 16</inkml:trace>
-  <inkml:trace contextRef="#ctx0" brushRef="#br0" timeOffset="14690.84">10720 7800 0,'0'0'16,"-8"0"-16,-14 0 15,-39 15-15,-22 24 16,0 29-16,7 16 16,8-7-1,23-9-15,-1 9 16,16 14-16,23-37 16,7-16-1,7-8-15,16-7 16,0-8-16,7-15 15,30-30-15,23-54 16,-15 8 0,-7-8-16,-23-31 15,-31 69-15,-7 8 16,-15 8-16,-30 22 16,45 8-1</inkml:trace>
-  <inkml:trace contextRef="#ctx0" brushRef="#br0" timeOffset="15517.41">12156 5060 0,'0'0'0,"0"23"15,-7 38-15,-8 23 16,-16 69-16,1-46 16,30-107-16</inkml:trace>
-  <inkml:trace contextRef="#ctx0" brushRef="#br0" timeOffset="16212.79">11559 8724 0,'0'0'0,"-15"15"16,-8 8-16,0 15 15,1 15-15,-1 16 16,0 23 0,1-31-16,-1 0 15,0-8-15,23-53 16</inkml:trace>
-  <inkml:trace contextRef="#ctx0" brushRef="#br0" timeOffset="20913.41">13086 4495 0,'0'0'0,"0"0"16,0 0-16,0 0 15,0 0-15,8 23 16,-8 46 0,-23 68-16,0-7 15,1 53-15,6-61 16,9-15-16,-1-23 16,-7-15-1,8-31-15,-1-15 16,1 0-16,-1-16 15,8 1 1,0-8-16,0 0 16,-8-8-16,1-22 15,-8-1 1,0-14-16,7-1 16,0-31-16,1 1 15,7-8-15,0 8 16,7 7-16,1 1 15,-8 6 1,8 24-16,-8 15 16,0 8-16,0 15 15,0 0 1,7 15-16,8 24 16,0 37-16,16 23 15,22 8-15,-16-38 16,-6-24-1,-1-6-15,-7-17 16,-1-6-16,-7-1 16,8-7-1,7-1-15,23-7 16,-15-7-16,-8-16 16,8-31-16,-8-37 15,-15-16 1,0-8-16,-7 9 15,-8 37-15,0 23 16,0 16 0,0 7-16,0 7 15,8 9-15,-8 7 16</inkml:trace>
-  <inkml:trace contextRef="#ctx0" brushRef="#br0" timeOffset="21373.94">14175 4999 0,'0'0'0,"-8"0"16,-15 8-16,-14 15 16,-1 7-1,8 8-15,7 0 16,0-7 0,8 0-16,8-9 15,-1 9-15,8-1 16,8-7-16,-1 0 15,8 0 1,0-8-16,0 1 16,8-1-16,-8-7 15,8 7-15,-8 0 16,0 0 0,0 8-16,0 0 15,1-8-15,-1 1 16,-8-9-1,1-7-15,-1 0 16,-7 0-16</inkml:trace>
-  <inkml:trace contextRef="#ctx0" brushRef="#br0" timeOffset="21745.67">14341 4961 0,'0'0'0,"0"0"16,15 0-16,15 8 15,23-1 1,15 1-16,-22-1 16,-1 1-16,-15 0 15,-7 7 1,-8 0-16,-7 8 15,-8 23-15,0-8 16,-8 0-16,-7 0 16,0 1-1,0-1-15,7-15 16,1 0-16,7-1 16,0-6-1,7-9-15,1 1 16,-1-8-16,16-8 15,22-37-15,-45 45 16</inkml:trace>
-  <inkml:trace contextRef="#ctx0" brushRef="#br0" timeOffset="21925.64">14749 5068 0,'8'0'16,"30"7"-16,30-14 15,-8 14-15,31-7 16,-91 0 0</inkml:trace>
-  <inkml:trace contextRef="#ctx0" brushRef="#br0" timeOffset="23320.28">12844 7976 0,'0'7'0,"0"24"15,-7 30 1,-9 30-16,1 39 16,0-23-16,0-8 15,0 1 1,0-32-16,7-14 16,1-24-16,-1-15 15,8-15 1,0 0-16,0-45 15,0-32-15,8-60 16,-1 30-16,1 31 16,-1 15-1,1-16-15,-8 24 16,0 15-16,0 15 16,0 0-16,0 8 15,0 7 1,0 8-16,0 0 15,8 23-15,-1 15 16,8 16 0,8 30-16,0-1 15,7-14-15,8-15 16,7-9 0,15-6-16,-14-24 15,-1-15-15,-7-8 16,-8-15-16,8-23 15,0-15 1,-8-7-16,-15 14 16,-7 1-16,-1 7 15,-7 8-15,0 15 16,0 8 0,15-8-16,-15 23 15</inkml:trace>
-  <inkml:trace contextRef="#ctx0" brushRef="#br0" timeOffset="23860.92">13834 8373 0,'0'0'0,"-7"0"16,-8-8-16,-15 0 15,-8 8 1,0 8-16,8 0 16,7 14-16,0 9 15,1-1-15,-1 1 16,15-8-1,1 0-15,7-8 16,0-7-16,0-8 16,7 7-1,1 1-15,7-8 16,8 0-16,-1 0 16,1 0-1,-8 0-15,0 0 16,1 8-16,-1-1 15,7 24-15,1 22 16,-8 8 0,-7-15-16,7-8 15,-8-7-15,1-8 16,7-8-16,0 0 16,-7-7-1,-1-8-15,8-8 16,8-7-16,7-39 15,-30 54 1</inkml:trace>
-  <inkml:trace contextRef="#ctx0" brushRef="#br0" timeOffset="24259.94">14228 8250 0,'0'0'0,"0"0"16,0 0 0,0 0-16,7 0 15,16 0-15,7 8 16,8 7 0,0-7-16,-8 0 15,-7 7-15,-8-8 16,-8 9-1,-7 22-15,-15 8 16,-8-1-16,1 1 16,-1 8-1,8-16-15,0 0 16,0 0-16,7-7 16,1-8-16,7-8 15,0 0 1,0-15-16,0 0 15,0 0-15,22 0 16,9-15-16,-31 15 16</inkml:trace>
-  <inkml:trace contextRef="#ctx0" brushRef="#br0" timeOffset="24466.97">14341 8640 0,'0'0'0,"23"0"16,52 0-16,16 0 16,15 0-1,7-23-15,-30-8 16,-83 31-16</inkml:trace>
-  <inkml:trace contextRef="#ctx0" brushRef="#br0" timeOffset="25159.24">15656 5694 0,'0'0'0,"-15"23"16,-23 68-16,8 8 16,0 23-1,30-122-15</inkml:trace>
-  <inkml:trace contextRef="#ctx0" brushRef="#br0" timeOffset="25768.83">15407 8708 0,'-8'31'16,"-22"83"-16,-38 92 16,23-53-16</inkml:trace>
-  <inkml:trace contextRef="#ctx0" brushRef="#br0" timeOffset="28212.24">16163 4877 0,'0'8'0,"-8"15"15,1 15-15,-8 23 16,0 23 0,-1-16-16,9 1 15,-1-16-15,-7 9 16,8-9-1,-1-22-15,0-9 16,8-14-16,0 0 16,0-8-16,0 0 15,-7-8 1,-8-15-16,0-15 16,0-15-16,-1-24 15,1-14-15,8 14 16,7 9-1,0 14-15,0 8 16,0 16-16,0 7 16,0 15-1,0 8-15,0 0 16,7 8-16,16 15 16,7 23-1,0-1-15,1 1 16,-1 0-16,8-15 15,-8-1-15,0-15 16,8-7 0,-8 0-16,1-8 15,-1-8-15,-8-7 16,9-16 0,-9 1-16,-7-8 15,1-1-15,-9 9 16,1 15-16,-1-1 15,-7 9 1,0 7-16,8 7 16,-1 47-16,1 53 15,7-1 1,-7 1-16,-1-30 16,-7-32-16,0-22 15,0-7-15,0-16 16</inkml:trace>
-  <inkml:trace contextRef="#ctx0" brushRef="#br0" timeOffset="28971.1">15951 8136 0,'0'0'15,"0"0"-15,0 0 16,0 0-16,0 0 15,-7 15 1,-1 16-16,8 15 16,8 15-16,-1-16 15,1-6 1,-8-24-16,7 0 16,-7-7-16,0-8 15,0 0-15,0 0 16,0 0-1</inkml:trace>
-  <inkml:trace contextRef="#ctx0" brushRef="#br0" timeOffset="29219.18">16049 8311 0,'0'0'15,"0"0"-15,16 0 16,14 0-16,15-7 16,8-8-16,-8-1 15,1 9 1,-8-1-16,-8 0 16,-7 1-16,-8-1 15,0 1 1,-15 7-16</inkml:trace>
-  <inkml:trace contextRef="#ctx0" brushRef="#br0" timeOffset="29510.99">16511 7869 0,'0'0'0,"0"0"16,0 23-16,0 45 15,-8 16 1,1 31-16,7 22 15,0-60-15,0-9 16,0-14-16,0-54 16</inkml:trace>
-  <inkml:trace contextRef="#ctx0" brushRef="#br0" timeOffset="30137.5">17350 5404 0,'0'0'0,"-23"23"15,-22 68-15,-1 69 16,9 16-16,6-16 16</inkml:trace>
-  <inkml:trace contextRef="#ctx0" brushRef="#br0" timeOffset="30614.08">17365 8624 0,'-8'8'0,"-52"99"15,-31 191-15,46-169 16</inkml:trace>
-  <inkml:trace contextRef="#ctx0" brushRef="#br0" timeOffset="35457.33">18257 4808 0,'0'0'15,"0"0"-15</inkml:trace>
-  <inkml:trace contextRef="#ctx0" brushRef="#br0" timeOffset="35896.78">18302 4656 0,'0'0'16,"0"0"-16,0 0 16,0 0-16,0 0 15,0 15 1,0 15-16,0 24 15,0-1-15,0 8 16,0 8-16,0 15 16,0-15-1,0-16-15,0-7 16,0-8-16,0-7 16,0-1-1,-7 1-15,7-8 16,-8-1-16,8-14 15,0 7 1,0-7-16,0-8 16,0 0-16,0 0 15</inkml:trace>
-  <inkml:trace contextRef="#ctx0" brushRef="#br0" timeOffset="36238.49">18680 5518 0,'0'0'15,"0"0"-15,0 0 16,0 0-16,0 0 15,0 0-15</inkml:trace>
-  <inkml:trace contextRef="#ctx0" brushRef="#br0" timeOffset="37038.29">19398 4625 0,'0'0'16,"0"0"-16,0 0 16,0 0-1,0 0-15,0 0 16,0 0-16,0 0 15,0 0-15,-7 15 16,-1 1 0,-14 22-16,-16 30 15,-7-22-15,-1 8 16,1 7 0,-1 15-16,16-7 15,0-8-15,15-15 16,7-16-1,8-7-15,0-8 16,8 1-16,7-1 16,8-8-16,14-7 15,-6 0 1,-9 0-16,-6 0 16,-9 0-16,-7 0 15,0 0-15,0 0 16,0 0-1,-15 0-15,0 0 16,0 0-16,0 0 16,7 0-16,8 0 15,0 0 1</inkml:trace>
-  <inkml:trace contextRef="#ctx0" brushRef="#br0" timeOffset="37628.72">19784 4579 0,'0'0'16,"8"0"-16,14-7 15,9 7 1,14-8-16,-7 16 16,-16-8-16,-7 7 15,-7 9 1,-8 14-16,-23 39 15,-22 15-15,0-16 16,-1-6-16,8-9 16,1 31-1,22-23-15,7-23 16,8-7-16,0-8 16,8-8-1,14 0-15,16 0 16,30-15-16,8 0 15,-31-15 1,0-8-16,-45 23 16</inkml:trace>
-  <inkml:trace contextRef="#ctx0" brushRef="#br0" timeOffset="38479.21">18567 7869 0,'0'0'0,"0"0"15,0 0 1,-8 15-16,1 8 15,-1 30-15,1 16 16,-1 15 0,8 0-16,0 15 15,0-15-15,0-30 16,0-1-16,0-15 16,0 0-1,0 1-15,0-17 16,-7 1-16,7-23 15</inkml:trace>
-  <inkml:trace contextRef="#ctx0" brushRef="#br0" timeOffset="38822.35">18832 8716 0,'0'0'0,"0"0"16,0 0 0,0 0-16,0 0 15,0 0-15,0 0 16,0 0 0,0 0-16,0 0 15</inkml:trace>
-  <inkml:trace contextRef="#ctx0" brushRef="#br0" timeOffset="39383.46">19119 7899 0,'0'0'0,"15"0"16,15-7-16,23-1 15,-15 0-15,7 1 16,1-1-16,-1 1 16,-15 7-1,-7 0-15,0 0 16,-8 0-16,-8 7 15,1 1 1,-8 30-16,-15 31 16,-16 22-16,9 1 15,-9-1 1,9 16-16,-1-38 16,0-8-16,1-8 15,-1 1 1,0-8-16,8-16 15,8-15-15,7-15 16,0 0-16,0 0 16</inkml:trace>
-  <inkml:trace contextRef="#ctx0" brushRef="#br0" timeOffset="39600.1">19217 8281 0,'0'0'0,"0"0"15,0 0 1,15 0 0,8-8-16,30 1 0,37-16 15,24-8 1,-39 1-16,-75 30 15</inkml:trace>
-  <inkml:trace contextRef="#ctx0" brushRef="#br0" timeOffset="40007.1">19784 8021 0,'0'0'0,"0"0"16,0 0-1,0 0-15,0 0 16,-8 8-16,-7 23 16,0-1-1,0 16-15,8 0 16,7 15-16,7-8 15,1-7-15,14-8 16,9-15 0,22-15-16,7-24 15,-7-22-15,-15-8 16,-16 1 0,1-16-16,-15-16 15,-16 9-15,-15 22 16,-14 15-16,-9 8 15,1 16 1,7 14-16,38-7 16</inkml:trace>
-  <inkml:trace contextRef="#ctx0" brushRef="#br0" timeOffset="40648.39">20782 5304 0,'0'0'16,"-15"8"-16,-15 23 15,-23 45-15,0 8 16,7 0 0,9 7-16,37-91 15</inkml:trace>
-  <inkml:trace contextRef="#ctx0" brushRef="#br0" timeOffset="41358.64">19262 5312 0,'0'0'0,"0"0"16,0 0-16,16-8 16,-9 1-1,8-1-15,0 8 16,8-15-16,0 7 15,-1-7 1,1 0-16,-8-1 16,-7 1-16,-1 0 15,-7 7-15,0 1 16,-7-1 0,7 8-16,-8 0 15,-7 0-15,-8 8 16,1-8-1,22 0-15</inkml:trace>
-  <inkml:trace contextRef="#ctx0" brushRef="#br0" timeOffset="42232.46">20449 8456 0,'0'0'0,"0"0"15,0 0-15,0 0 16,-7 8 0,-8 15-16,-16 15 15,1 31-15,-8 15 16,1-15-16,37-69 15</inkml:trace>
-  <inkml:trace contextRef="#ctx0" brushRef="#br0" timeOffset="54722.98">21750 4610 0,'0'0'0,"0"0"16,0 0-16,-8 0 16,-15 7-1,1 1-15,-1 0 16,-7-1-16,7 1 16,8 7-1,0-7-15,-8 7 16,0 0-16,8 1 15,8-9-15,-1 9 16,1-1 0,7-15-16,0 15 15,0 0-15,7 8 16,-7-7 0,8-9-16,-8 1 15,7 7-15,-7 0 16,0 1-16,0 7 15,0-1 1,0 17-16,0-9 16,-7 8-16,-8 8 15,-8-8 1,0-15-16,1 0 16,7-8-16,-1 1 15,9-9-15,-1 1 16,8-8-1</inkml:trace>
-  <inkml:trace contextRef="#ctx0" brushRef="#br0" timeOffset="55201.31">22105 4869 0,'0'0'16,"0"0"-16,0 0 15,0 0-15,-15 8 16,0 0-1,-8-1-15,0 9 16,8-1-16,0 0 16,0 16-1,0-1-15,7 16 16,8-16-16,8-7 16,7-7-16,23 6 15,0-22 1,-1 0-16,-14-7 15,-8-1-15,8-7 16,-8 0 0,-7-1-16,-8 1 15,0-15-15,-8-1 16,-7-7-16,-15 0 16,-16-8-1,46 46-15</inkml:trace>
-  <inkml:trace contextRef="#ctx0" brushRef="#br0" timeOffset="56203.96">21160 7678 0,'0'0'15,"-8"8"-15,-14-1 16,-24 16-16,1 0 16,7-8-1,8 8-15,7-8 16,8 1-16,8-1 15,7 0-15,7 8 16,8-8 0,31 8-16,-1 0 15,0-7-15,8 6 16,8 9 0,-16-8-16,-7 0 15,-8 0-15,-15-8 16,-7-7-16,-8 14 15,-15 9 1,-16-1-16,-14 16 16,-15 8-16,-16-1 15,-15 1-15,38-32 16,16 1 0,14-7-16,8-9 15,15-7-15</inkml:trace>
-  <inkml:trace contextRef="#ctx0" brushRef="#br0" timeOffset="56637.08">21871 7938 0,'0'0'16,"0"0"-16,0 0 15,0 0 1,0 0-16,0 0 16,0 0-16,-16 7 15,-14 8-15,-30 31 16,14 15-1,9 8-15,14 0 16,15 7 0,8-30-16,8-23 15,7-8-15,23 8 16,0-16-16,-1-22 16,1-15-1,-8-16-15,-7-8 16,-8-14-16,-7-1 15,-8 23 1,-8 23-16,-7 8 16,15 15-16</inkml:trace>
-  <inkml:trace contextRef="#ctx0" brushRef="#br0" timeOffset="57331.69">22543 5243 0,'0'0'0,"-15"16"16,0 14-16,-23 54 16,1 8-16,-1 7 15,38-99 1</inkml:trace>
-  <inkml:trace contextRef="#ctx0" brushRef="#br0" timeOffset="57999.33">22196 8525 0,'0'0'15,"0"0"-15,-8 15 16,-15 62-16,-30 91 15,-7 84 1,22-107-16</inkml:trace>
-  <inkml:trace contextRef="#ctx0" brushRef="#br0" timeOffset="77372.53">23352 4640 0,'0'0'15,"0"0"-15,23-7 16,15-9-16,7 1 16,0 0-1,-7 0-15,0 7 16,-15 0-16,-8 8 16,0-7-1,0-1-15,-7 8 16,-1 0-16,1 0 15,-8 0-15,7 8 16,-7 15 0,0 22-16,-15 62 15,-7-30-15,-9-9 16,-6 24 0,6 0-16,9-24 15,6-22-15,1 0 16,0-16-16,8-7 15,-1 0 1,8-23-16</inkml:trace>
-  <inkml:trace contextRef="#ctx0" brushRef="#br0" timeOffset="77633.32">23398 4961 0,'0'0'0,"0"0"15,15 0-15,30 0 16,38-8-1,-15 1-15,76-9 16,15-22-16,-8-8 16</inkml:trace>
-  <inkml:trace contextRef="#ctx0" brushRef="#br0" timeOffset="78802.07">23005 7815 0,'0'0'0,"0"0"15,15 0-15,22-7 16,16-1-16,15-7 15,0 7-15,-7 1 16,-8 7 0,-8-8-16,-7 8 15,-15 0-15,-1 0 16,-7 0 0,-7 0-16,0 8 15,-8 7-15,-8 23 16,-30 77-16,0-1 15,-7 16 1,15 7-16,0-15 16,7-15-16,8-23 15,7-31-15,8-14 16,0-39 0</inkml:trace>
-  <inkml:trace contextRef="#ctx0" brushRef="#br0" timeOffset="79088.28">23254 8281 0,'0'0'0,"0"0"15,0 0-15,23 0 16,37-15 0,61-1-16,-15-6 15,60-17-15,-7 1 16</inkml:trace>
-  <inkml:trace contextRef="#ctx0" brushRef="#br0" timeOffset="81568.75">24176 5678 0,'0'0'15</inkml:trace>
-  <inkml:trace contextRef="#ctx0" brushRef="#br0" timeOffset="82218.53">24191 5594 0,'0'0'0,"-7"8"16,-16 15-16,-15 30 16,-7 62-16,0-24 15,14-22 1,31-69-16</inkml:trace>
-  <inkml:trace contextRef="#ctx0" brushRef="#br0" timeOffset="82829.6">23730 8869 0,'0'0'0,"0"0"16,0 0-16,-7 7 16,-16 31-16,-37 92 15,-8 15 1</inkml:trace>
-  <inkml:trace contextRef="#ctx0" brushRef="#br0" timeOffset="100390.55">24668 4816 0,'0'0'16,"-8"8"-16,-7-1 15,-8 8 1,1-7-16,-9 7 15,1 1-15,7 7 16,-7 15-16,8 23 16,-1 15-1,15-23-15,1-7 16,7-8-16,0 1 16,7-17-1,16 24-15,22-15 16,16-1-16,-8-22 15,0 0 1,0-16-16,0 0 16,-8-7-16,-7-8 15,-8 0-15,0-15 16,8-46 0,-23 0-16,-15 23 15,-7 31-15,-16-16 16,-7 15-16,-16 1 15,31 22 1,-23 1-16,-30 7 16,68 0-16</inkml:trace>
-  <inkml:trace contextRef="#ctx0" brushRef="#br0" timeOffset="101810.36">24796 8159 0,'0'0'15,"0"0"-15,0 0 16,-7-8-16,-1 1 15,-7 7-15,-15 0 16,-8 0 0,-7 7-16,-8 8 15,7 8 1,8 8-16,8 7 0,-15 54 16,15-16-1,15 23-15,15 46 16,7-61-16,16-15 15,30-16-15,30 1 16,0-47 0,-7-30-16,29-61 15,-6-30-15,-1-23 16,-53-1 0,1 1-16</inkml:trace>
-  <inkml:trace contextRef="#ctx0" brushRef="#br0" timeOffset="102734.89">24902 8144 0,'0'0'0,"23"7"15,60 24 1,-15 22-16,0 54 15,-8-8-15</inkml:trace>
-  <inkml:trace contextRef="#ctx0" brushRef="#br0" timeOffset="109954.35">7870 8189 0,'0'0'0,"0"0"16,0 0-16,-8 8 15,-22 30 1,-23 77-16,-15 22 16,-30 31-16,22-23 15,-7-8-15</inkml:trace>
-  <inkml:trace contextRef="#ctx0" brushRef="#br0" timeOffset="110330.6">8263 5533 0,'0'0'0,"-23"31"16,-68 114-16,-120 320 15,181-411-15</inkml:trace>
-  <inkml:trace contextRef="#ctx0" brushRef="#br0" timeOffset="127650.27">20850 8495 0,'0'0'0,"0"0"15,15 0 1,23-16-16,15-14 15,7-8-15,1 0 16,7-8-16,23 0 16,22-7-1,-45-1-15,0-7 16,8 0-16,-1 8 16,-7 14-1,-15 9-15,0 7 16,-15 8-16,7-8 15,-7 8-15,0-1 16,0 1 0,-8 0-16,-30 15 15</inkml:trace>
-  <inkml:trace contextRef="#ctx0" brushRef="#br0" timeOffset="128559.84">20412 9380 0,'0'0'16,"0"0"-16,0 0 15,0 0-15,0 0 16,0 0-16,0 0 16,0 0-1,0 0-15,0 0 16,0 15-16,0 23 16,-8 8-1,8-8-15,0 8 16,0 0-16,0 0 15,0 15 1,0 7-16,0-14 16,0-8-16,0-16 15,8 1-15,-1-1 16,1-7 0,-8-23-16</inkml:trace>
-  <inkml:trace contextRef="#ctx0" brushRef="#br0" timeOffset="129083.11">20812 9525 0,'0'0'0,"0"0"15,0 0-15,0 0 16,0 0 0,0 0-16,0 0 15,0 0-15,-7 8 16,-1 7-16,-7 0 15,0 16 1,7-1-16,1 8 16,7 1-16,0-1 15,7-8 1,1-7-16,-1-8 16,1-7-16,0-8 15,7-15 1,0 7-16,0-15 15,-8-15-15,1-23 16,-16-31-16,1 24 16,-1 22-1,1 15-15,-8 16 16,0 8-16,-16 7 16,1 15-16,7 8 15,23-23 1</inkml:trace>
-  <inkml:trace contextRef="#ctx0" brushRef="#br0" timeOffset="129567.97">21379 9502 0,'0'0'0,"-7"-8"16,-1 8-16,-15 0 15,1 0-15,-1 8 16,-7 15 0,-8 8-16,0 37 15,0 47-15,23-24 16,8-7 0,14-7-16,8-39 15,8 0-15,0-30 16,22-16-16,0-15 15,8-30-15,-22-1 16,-1-45 0,-23 30-16,-14 23 15,-8 24-15,-16 6 16,-14 16 0,-8 31-16,53-31 15</inkml:trace>
-  <inkml:trace contextRef="#ctx0" brushRef="#br0" timeOffset="153357.57">20676 4274 0,'0'0'15,"0"0"-15,0 0 16,0 0-16,0 0 15,0 0 1,0 0-16,0 15 16,8 1-16,-1 14 15,1 16-15,-8 15 16,-8 8 0,1 60-16,-16-7 15,8-15-15,-8 46 16,1-31-16,-9 8 15,9 15 1,-1-38-16,-7 45 16,-8 9-16,0-24 15,-15 31 1,0-8-16,0 39 16,16-62-16,-16 54 15,22-31 1,1 69-16,7-69 15,1 54-15,-24 30 16,9-38-16,-1 0 16,15-38-1,0 23-15,8-15 16,-7-8-16,14-1 16,-7 9-1,15-31-15,0-30 16,0 14-16,15 16 15,8-30-15,15 15 16,-1-16 0,1-22-16,0-8 15,-8 15-15,8-23 16,15 0 0,15 1-16,23 7 15,-23-23-15,7 0 16,16-31-16,0 1 15,-38-31 1,30-8-16,45-38 16,-7-7-16,-15-8 15,0 0 1,0-8-16,-31 1 16,-7-16-16,8-23 15,22-31-15,-7-14 16,-8 14-1,-15 1-15,0-16 16,23-38-16,-15 1 16,-31 29-16,0-52 15,-14 45 1,-9-23-16,16 15 16,-15-14-16,7 6 15,0 1 1,0-30-16,16 7 15,-16 15-15,8-23 16,-8 0 0,-7 1-16,-16 29 15,1-29-15,-16 14 16,8 24-16,0 14 16,-7-14-1,7 7-15,0 8 16,-8-1-16,-7-22 15,0 38 1,-15 8-16,-16 7 16,-14 16-16,-8-1 15,22 46-15,-52-14 16,-53 14 0,-38 31-16,0 22 15,-106 39-15,15 38 16,46 31-16,90-39 15</inkml:trace>
-  <inkml:trace contextRef="#ctx0" brushRef="#br0" timeOffset="157396.1">23866 3870 0,'0'0'15,"0"0"-15,0 0 16,-15 7-16,0 8 16,-8 8-16,-7 8 15,-15 53 1,-16 0-16,-22 23 16,-15 30-16,15 0 15,-38 92 1,23-84-16,-23 92 15,60-77-15,-15 77 16,-14-8-16,14-54 16,-15 47-1,31-47-15,-23 85 16,30-92-16,-23 68 16,31-76-16,-8 62 15,23 30 1,15-123-16,0 78 15,7-78-15,8 1 16,0 38 0,0-84-16,15 7 15,0-7-15,8-7 16,7-16 0,8-15-16,15-8 15,-8-15-15,-7-8 16,7 0-16,8-7 15,15-8 1,0 0-16,0-15 16,-22-16-16,-1-7 15,23-38 1,0-8-16,8-16 16,-1-45-16,-7 8 15,-7-23-15,-1 15 16,1-8-1,7-7-15,-8 15 16,-7 7-16,-15 9 16,-15-16-16,-8 0 15,-15 15 1,0-46-16,-8 39 16,-22-46-16,-8 22 15,-30-75 1,23 98-16,-8 1 15,8-54-15,14 31 16,16 0-16,8-77 16,7 84-1</inkml:trace>
-  <inkml:trace contextRef="#ctx0" brushRef="#br0" timeOffset="158025.41">24343 4663 0,'0'8'0,"-16"38"16,-6 30-16,-8 23 15,-16 54-15,8 7 16,-7 8-16,15 23 16,0 61-1,7 15-15,15-31 16,16 62-16,-1-8 16,9 23-1,-1-23-15,0-23 16,0-38-16,8 76 15,7-106 1,8 7-16,15-8 16,-1-37-16,-6 7 15,-16-69-15,23-8 16,45 16 0,-7-30-16,-23-39 15,8-15-15,29-23 16,-36-23-16,44-31 15,-7 1 1,-16-39-16,-21-60 16,-17 30-16,-52-69 15</inkml:trace>
-  <inkml:trace contextRef="#ctx0" brushRef="#br0" timeOffset="158192.01">25393 7548 0,'0'-213'15,"0"174"-15,-75-350 16,37 175-16,-7-7 16,-1 0-1,-7-8-15,-7-8 16,-31 1-16,0 7 16,-7-8-16</inkml:trace>
-  <inkml:trace contextRef="#ctx0" brushRef="#br0" timeOffset="159468.54">19194 3595 0,'-15'7'16,"-38"39"-16,-15 31 15,-30 14 1,-38 92-16,53-45 16,-23 83-16,-15-15 15,0 38-15,30-22 16,8 29-1,-8 24-15,1 76 16,29-84-16,23 62 16,8-77-1,-8 38-15,-7 7 16,7 8-16,8-37 16,15-62-1,15 46-15,7-46 16,24-23-16,6-53 15,9 37-15,-8-67 16,22-16 0,54 22-16,-24-44 15,31-1-15,38-16 16,-68-29-16,105-24 16,-45-15-1,54-30-15,-77-1 16,1-30-16,37-30 15,-45-16 1,-8 8-16,61-107 16,-91 84-16,8-76 15,15-8 1,0 7-16,-31 16 16,-14-38-16,-23 46 15,-16-16-15,-22-76 16,-7 122-1,-8-69-15,-16 1 16,-29 7-16,-1 7 16,-37-14-16,15-1 15,0 54 1,-68-92-16,7 54 16,-30 30-16,38 39 15,-30 7 1,45 45-16</inkml:trace>
-  <inkml:trace contextRef="#ctx0" brushRef="#br0" timeOffset="160776.29">10281 3717 0,'-22'8'16,"-61"22"-16,14-7 15,-14 23 1,-53 30-16,15 31 16,8-8-16,-38 61 15,22 16-15,46-1 16,-30 77-16,7 38 15,23-45 1,37-32-16,1 100 16,7-38-16,23-38 15,0 30 1,7 0-16,8 23 16,8-76-16,22 83 15,0-30-15,16-22 16,22-47-1,38 39-15,-38-92 16,7 38-16,31-53 16,15-31-16,0-23 15,45-30 1,-60-31-16,68-38 16,-30-7-16,14-24 15,1-30 1,-53-45-16,-15-9 15,37-129-15,-37 30 16,-23-14-16,-23-1 16,1-61-1,-24 0-15,-14 15 16,-38-30-16,-8 38 16,-23-8-16,-22-37 15,0 60 1,8 15-16,-9 24 15,-37-9-15,-15 17 16,8 37 0,-16-8-16,53 77 15</inkml:trace>
-  <inkml:trace contextRef="#ctx0" brushRef="#br0" timeOffset="200970.11">6018 10242 0,'0'0'16,"0"0"-16,0 0 0,0 0 0,0 0 15,0 0 1,0 16-16,-8-1 15,0 8-15,1 15 16,-1 8-16,1 7 16,-1 31-1,1-38-15,-8 15 16,-1-15-16,1 15 16,-7 30-1,-1 1-15,0-23 16,1-8-16,-1 7 15,0 1-15,1 8 16,6-32 0,9-7-16,-8-7 15,7 0-15,1-1 16,-1-7-16,1-8 16,-1 0-1,8-15-15,0 0 16,0 0-16</inkml:trace>
-  <inkml:trace contextRef="#ctx0" brushRef="#br0" timeOffset="201858.45">5957 10166 0,'0'0'15,"0"0"-15,0 0 16,0 0-16,0 0 16,0 0-16,0 0 15,8-8 1,7 1-16,15-8 15,31-1-15,14 1 16,-7-8 0,-30 8-16,7 7 15,8 1-15,15 7 16,0 0 0,-7 7-16,-8 1 15,-8 7-15,0 8 16,1 8-16,-8 7 15,-8 8 1,0-8-16,-7 0 16,-8 0-16,-8 8 15,-7 7-15,0 24 16,-7-24 0,-1-7-16,1 0 15,-8-1-15,-8 16 16,0 0-1,1 1-15,-1-9 16,0-7-16,-15 0 16,1-16-16,-9 1 15,1-1 1,0 1-16,-1-1 16,1 8-16,-8 1 15,-8-1 1,-7-8-16,0 1 15,8-8-15,-1 0 16,-7-8-16,8 0 16,7-7-16,0-8 15,8 7 1,14-7-16,1 0 16,0 8-16,0-8 15,0 8 1,7-8-16,0 0 15,23 0-15</inkml:trace>
-  <inkml:trace contextRef="#ctx0" brushRef="#br0" timeOffset="204444.77">7439 11227 0,'0'0'0,"0"0"15,0 31 1,-8 22-16,8 16 16,0 22-16,8 8 15,-1-30 1,-7 15-16,8-8 16,0-7-16,-8-69 15</inkml:trace>
-  <inkml:trace contextRef="#ctx0" brushRef="#br0" timeOffset="-203590.43">10863 10075 0,'0'0'15,"0"0"-15,0 0 16,0 0-16,0 0 16,0 0-16,0 0 15,0 7 1,8 16-16,-8 15 16,0 8-16,0 7 15,0-7 1,0 0-16,0 7 15,-8 16-15,1 7 16,-1-14 0,1-1-16,-8 7 15,0 31-15,-1-22 16,9-31-16,-1-8 16,1 0-1,-1-8-15,1-7 16,7 8-16,0-8 15,0-8-15,0 8 16,0-15 0,0 7-16,0-15 15,0 0-15</inkml:trace>
-  <inkml:trace contextRef="#ctx0" brushRef="#br0" timeOffset="-202650.8">11015 10105 0,'0'0'0,"0"0"16,0 0-16,15-8 15,15 1-15,8-8 16,0-1-16,7 9 16,0-9-1,1 9-15,-16-1 16,-7 8-16,7 0 16,8 0-1,7 8-15,0-1 16,1 1-16,-1 0 15,-7 7-15,0 8 16,-8 7 0,-7-7-16,-1 8 15,1-1-15,0 8 16,-8-7-16,-8-8 16,1 0-1,-1 7-15,-7 1 16,0 7-16,-7 15 15,-8 1 1,-8-1-16,-7 1 16,-8-1-16,0 1 15,-7 7-15,0 0 16,-1 0 0,16-16-16,-8-6 15,-15-1-15,0 0 16,0-8-1,0 1-15,8 0 16,7-9-16,0 1 16,8-7-16,0-1 15,0-7-15,7-1 16,0 1 0,1-1-16,7-7 15,7 0-15,0 0 16,8 0-1</inkml:trace>
-  <inkml:trace contextRef="#ctx0" brushRef="#br0" timeOffset="-201625.73">12103 11135 0,'0'0'0,"0"0"16,0 0-16,0 0 15,0 0-15,0 0 16,0 0-16,0 0 15,0 0 1,0 0-16,0 0 16,0 0-16,8-7 15,-1-1-15,1 0 16,7 1 0,0-1-16,0 1 15,-7 7 1,-1 0-16,9 7 15,-9 1-15,1 7 16,-1 16-16,1 22 16,-16 1-1,1-1-15,-1 0 16,-7-7-16,0 0 16,0 7-16,0-14 15,0-1 1,-1 0-16,1-15 15,0-8-15,0 0 16,7-7-16,1 0 16,7-8-1,0 0-15,0 0 16,0 0-16,0 0 16,7 0-16,1-8 15,7 0 1,0-7-16,8 0 15,0 7 1,7-7-16,8 7 16,7 16-16,0-1 15,-7 9-15,-8-1 16,1 0-16,-9 1 16,1-1-1,0-8-15,7 1 16,-7 0-16,-1-8 15,1 0 1,-23 0-16</inkml:trace>
-  <inkml:trace contextRef="#ctx0" brushRef="#br0" timeOffset="-181989.57">9563 10113 0,'0'0'15,"0"0"-15,0 0 16,0 0-16,0 0 16,0 0-16,0 0 15,-7 7 1,-16 9-16,-15 6 15,-15 9-15,-7 22 16,22-22 0,-7 15-16,-23 7 15,-8 1-15,-7-1 16,15 0-16,15-7 16,-8-8-1,8 1-15,8-17 16,0 1-16,-1 0 15,16 0-15,0 0 16,7-8 0,8-7-16,0 7 15,7-7-15,1-1 16,7-7 0,0 0-16,-8 8 15,8-8-15,0 0 16,0 0-16,0 8 15,8-1 1,15 1-16,14 7 16,9 1-16,14 14 15,1-7 1,-1 7-16,1-7 16,7-7-16,0-1 15,-15 0-15,-8-7 16,0 7-1,-7 0-15,7 8 16,1 23-16,-46-46 16</inkml:trace>
-  <inkml:trace contextRef="#ctx0" brushRef="#br1" timeOffset="-159578.6">3765 4930 0,'0'0'15,"0"0"-15,0 0 16,7 0-16,8 8 16,16 0-1,14 7-15,8 0 16,15 0-16,0 8 15,8-15-15,45 30 16,0-23 0,15 16-16,15-8 15,-30-8-15,38 39 16,7-24 0,-7-15-16,22 1 15,-37-9-15,52 1 16,-37-8-16,7 7 15,-60-7 1,15 8-16,23 7 16,-31 1-16,1-1 15,-1 8-15,-113-23 16</inkml:trace>
-  <inkml:trace contextRef="#ctx0" brushRef="#br1" timeOffset="-159017.42">4952 8556 0,'22'-8'0,"92"-7"16,52 0 0,61 7-16,-38-7 15,38-16-15,60 8 16,-136-7 0,114-31-16,22 15 15,-113 0-15,68-46 16,-15 1-16,-84 37 15</inkml:trace>
-  <inkml:trace contextRef="#ctx0" brushRef="#br1" timeOffset="-158632.68">9147 4755 0,'0'0'0,"8"-8"15,37 1 1,106-1-16,31-7 16,67 22-16,-90 16 15,68-8-15,0 1 16,-61 7-16,76-16 15,-91 1 1</inkml:trace>
-  <inkml:trace contextRef="#ctx0" brushRef="#br1" timeOffset="-158290.5">9170 8182 0,'0'0'0,"15"0"16,53 0-16,121 7 16,15-22-16,-15-8 15,83-23-15,-52-15 16,52-38 0,8 0-16,-1-31 15,-158 69-15</inkml:trace>
-  <inkml:trace contextRef="#ctx0" brushRef="#br1" timeOffset="-157899.2">12648 5106 0,'0'0'16,"7"0"-16,46 0 16,38 15-16,98 8 15,-68-8 1,90 24-16,-67-39 16,53 22-16,-31-22 15,8 16-15,-53-16 16,-121 0-1</inkml:trace>
-  <inkml:trace contextRef="#ctx0" brushRef="#br1" timeOffset="-157585.34">15573 4984 0,'8'0'15,"37"0"-15,84 7 16,75-7-1,45 23-15,-82-30 16,82-1-16,-60 0 16,-8 8-16,-82 8 15,-99-8 1</inkml:trace>
-  <inkml:trace contextRef="#ctx0" brushRef="#br1" timeOffset="-157242.6">12821 8670 0,'0'0'0,"23"0"16,113 0-16,0 0 16,167 8-16,-122-1 15,61-22 1,45-15-16,-166 7 15,106-23-15,-91 0 16,15-7-16</inkml:trace>
-  <inkml:trace contextRef="#ctx0" brushRef="#br1" timeOffset="-157021.39">15853 8182 0,'0'0'0,"0"0"16,30 7-16,61 9 16,90-1-16,-14-7 15,29-31 1,46-38-16,-98 22 15</inkml:trace>
-  <inkml:trace contextRef="#ctx0" brushRef="#br1" timeOffset="-156617.34">18711 4770 0,'22'0'0,"99"-23"16,91-15-16,0 46 16,82-39-16,-29 16 15,-106 7 1,75 8-16,-90-7 15,7-1-15,-53 23 16,-98-15 0</inkml:trace>
-  <inkml:trace contextRef="#ctx0" brushRef="#br1" timeOffset="-156259.74">18287 8540 0,'0'0'0,"0"0"16,0 0-16,23 0 16,45 16-1,38-1-15,45 0 16,76-7-16,75-39 15,-166 16-15</inkml:trace>
-  <inkml:trace contextRef="#ctx0" brushRef="#br1" timeOffset="-155591.37">23488 5060 0,'38'8'16,"38"7"-1,113 16-15,-8-16 16,69 15-16,-76-37 15,67 14-15,-14 1 16,-45-23 0,-16-1-16,-45-6 15,-61 6-15</inkml:trace>
-  <inkml:trace contextRef="#ctx0" brushRef="#br1" timeOffset="-154902.71">22861 8571 0,'15'0'15,"91"0"-15,219 15 16,-15 16-16,143 45 16,-105-38-16,144 8 15,-9 0 1</inkml:trace>
-  <inkml:trace contextRef="#ctx0" brushRef="#br1" timeOffset="-144359.87">7446 9166 0,'0'0'16,"0"0"-16,-7 0 15,-1 0-15,-7 0 16,-7 8 0,-16 0-16,-8 7 15,-7 15-15,8 1 16,0 15-1,7 22-15,8 16 16,7-23-16,0 0 16,16 0-16,7-22 15,0-1 1,0-8-16,0-7 16,7 8-16,1-16 15,-8-7-15,7-1 16,1 1-1,7-8-15,8-8 16,7-7-16,15-8 16,1-7-16,7-9 15,0-6 1,0-32-16,-8-7 16,-15 16-16,-7 7 15,-8 0 1,-8-8-16,-7 31 15,0 7-15,-7 16 16,-1 7-16,8 8 16</inkml:trace>
-  <inkml:trace contextRef="#ctx0" brushRef="#br1" timeOffset="-120051.71">12572 9357 0,'0'0'16,"0"0"-16,0 0 16,0 0-16,-8 0 15,-7 8 1,0-1-16,0 1 15,-15 7-15,-8 1 16,-7-1-16,-1 0 16,16-7-1,0-1-15,7 1 16,8 0-16,0-1 16,7 1-1,1-8-15,-1 7 16,8-7-16,0 0 15,0 8-15,0 7 16,0 1 0,8-1-16,-1 0 15,8 8-15,1 0 16,6 0-16,1-8 16,7 0-1,0-7-15,1 0 16,-1-1-16,-7 1 15,-1-8 1,-7 0-16,1 8 16,-9-8-16,1 7 15,-1 1-15,1-1 16,-8 9 0,0-1-16,0 8 15,0-8-15,-8 8 16,1-8-1,-8 8-15,-8 0 16,-7 0-16,-8 0 16,0-8-16,8 0 15,0-7-15,14 0 16,1-8 0,15 0-16,0 0 15</inkml:trace>
-  <inkml:trace contextRef="#ctx0" brushRef="#br1" timeOffset="-119657.25">13101 9456 0,'0'0'0,"0"0"16,-15 0-16,-8 0 15,-7 8-15,-8 7 16,1 16 0,6-1-16,9 1 15,-1-1-15,8 8 16,7-7-1,1-8-15,7-8 16,0-7-16,7-1 16,8-7-16,8 0 15,-8-7 1,0-8-16,-7-1 16,-1 1-16,-14 0 15,-1-1 1,8 16-16</inkml:trace>
-  <inkml:trace contextRef="#ctx0" brushRef="#br1" timeOffset="-117552.91">13139 9365 0,'0'0'16,"0"0"-1,0 0-15,0 0 16,-8 0-16,-7 0 16,-7 0-16,-1 7 15,-15 9 1,0 7-16,1 15 16,6 7-16,-7 9 15,8-8 1,8 7-16,6-7 15,9 0-15,-1-8 16,8-15-16,8 0 16,-1-8-1,9 0-15,14 0 16,53 1-16,-30-24 16,-8-7-1,1-8-15,-9 0 16,-6-8-16,-9 1 15,1-1 1,-8-22-16,-7-23 16,-8-1-16,-8 16 15,-15 16-15,-14 6 16,-9 9 0,-22 7-16,68 23 15</inkml:trace>
-  <inkml:trace contextRef="#ctx0" brushRef="#br1" timeOffset="-109188.41">9578 10250 0,'0'0'16,"0"0"-16,0 0 15,0 0 1,-7 8-16,-8 7 16,-16 8-16,-14 0 15,-8-8-15,8 8 16,-1 0 0,-7 15-16,-37 8 15,-9 7-15,16 1 16,8-9-1,-8 9-15,-1-16 16,16 0-16,15-7 16,16-1-16,6-7 15,9-8 1,7-7-16,7 0 16,0-1-16,1 1 15,7-8-15,0 0 16,0 0-1,0 0-15,0 0 16,0 0-16,0 0 16,0 0-1,0 0-15,7 8 16,9-1-16,21 16 16,1 0-1,15 7-15,0-7 16,0 0-16,0 0 15,7 0-15,16 0 16,-8 7 0,-15-22-16,-15 7 15,-8-7-15,0 0 16,0-1-16,1 1 16,-1 0-1,0-1-15,-7 1 16,-1-1-16,-6-7 15,-1 8-15,-8-8 16,1 0 0,-1 0-16,1 0 15,0 8-15,-1-1 16,-7 1 0,0-8-16</inkml:trace>
-  <inkml:trace contextRef="#ctx0" brushRef="#br1" timeOffset="-103049.52">7537 8815 0,'0'0'0,"-7"0"16,-1 0-16,-7 0 15,-8 0 1,-15 0-16,-14 8 15,-9 7-15,1-7 16,22 7 0,8 0-16,-8 8 15,7 0-15,-6 8 16,-1 22-16,-7 0 16,-8 16-1,7-8-15,-7 8 16,8 15-16,15-15 15,-1-1-15,16-22 16,8-8 0,-1 8-16,8 0 15,8-16-15,-1 8 16,16 1 0,7-1-16,23 8 15,8-8-15,-16-15 16,-7-8-16,22 0 15,8 0 1,16-15-16,-16 8 16,-16-8-16,1-8 15,0-7-15,-7 0 16,-9 0 0,16-24-16,-7 9 15,-8-1-15,-8 1 16,0-8-1,-7 0-15,-8-24 16,0-21-16,-8 6 16,-7 9-16,-7-1 15,-16-23 1,1 39-16,-16-1 16,-8 24-16,46 30 15</inkml:trace>
-  <inkml:trace contextRef="#ctx0" brushRef="#br1" timeOffset="-101292.65">8074 10036 0,'0'0'16,"0"0"-1,0 0-15,0-7 16,-8-16-16,1-23 15,-1 8-15,1-31 16,-1 0 0,8-53-16,8 23 15,-1 15-15,1 8 16,-1 7-16,1 16 16,-8 7-1,0 15-15,0 9 16,0 14-16,0 0 15,0 8 1,0 0-16,-8 8 16,-7 7-16,0 0 15,8 1-15,-1-1 16,0-7 0,1-1-16,-1 1 15,8 0-15,0-8 16,0 0-16,0 0 15,0 0 1,0 0-16,0 0 16,0 0-16,0 0 15,0 0 1,0 15-16,0 15 16,0 16-16,8 0 15,-8-46-15</inkml:trace>
-  <inkml:trace contextRef="#ctx0" brushRef="#br1" timeOffset="-99903.6">13600 9876 0,'0'0'0,"0"0"15,0 0 1,0-8-16,0 1 15,0-16-15,0 0 16,0-23 0,0 0-16,0-30 15,0-31-15,8 31 16,-1 0 0,1-1-16,7 9 15,-8 22-15,1 8 16,0 22-16,-1 9 15,-7-1 1,0 8-16,0 0 16,0 0-16,-7 8 15,-1 7 1,0 0-16,1-7 16,-1 0-16,8-8 15,0 0-15,-7 7 16,7-7-1,0 0-15,0 0 16,0 0-16,7 8 16,16-1-16,7-7 15,1 0 1,-16 0-16,-8 0 16,-7 8-16,-7 23 15,-16 45 1,23-76-16</inkml:trace>
-  <inkml:trace contextRef="#ctx0" brushRef="#br1" timeOffset="-91832.32">21372 3816 0,'0'0'15,"-31"31"-15,-6 30 16,-1 7-16,-15 39 15,7-15 1,-6 38-16,-1-16 16,0-15-16,-15 54 15,0 15 1,15 23-16,-15 7 16,-38 77-16,23-84 15,-16 60-15,-14 24 16,7-38-1,31-39-15,14 69 16,23-61-16,-7 62 16,7-1-1,0-23-15,8 0 16,7 31-16,1 0 16,14-77-16,16 107 15,-1-60 1,8-32-16,8 24 15,15 0-15,-15-92 16,14 22-16,-14-60 16,0-15-1,15 45-15,7-60 16,8 7-16,0-39 16,22 1-1,9-8-15,21-7 16,1-24-16,-23-7 15,31-15-15,14-8 16,-7-38 0,23-46-16,-38 31 15,-16-8-15,-22-15 16,16-61 0,6-31-16,-22 46 15,8-61-15,-31 68 16,8-68-1,-7 31-15,-9-24 16,1 39-16,15-92 16,-15 61-16,-8-53 15,-7 0 1,-16 30-16,-7-22 16,-7 30-16,-16 7 15,8-15-15,-8 31 16,-7-38-1,0 30-15,-8-15 16,0-38-16,8 76 16,0-23-1,0 8-15,-1 15 16,-14-8-16,7 47 16,-30-54-1,15 60-15,15 32 16,1-8-16,-24-1 15,-45-22-15,-22-7 16,-23 6-16,7 39 16,8 8-1,-30 7-15,14 8 16</inkml:trace>
+  <inkml:trace contextRef="#ctx0" brushRef="#br0">3638 4498 0,'-26'53'62,"26"-13"-62,-14 39 16,-25 133 0,-1-27-1,0 53 1,27-79-1,0-67 1,13-65-16,0-14 16,0 0-1,0 14 188,0-14-203,26-13 16,-12 0-16,65 13 16,172 27-1,-13-1 1,503 28 0,-238-54-1,53 0 16,-318-13-15,-225 0 0,-13-93 171,0 67-171,0-40-16,13-80 15,27 1 1,105-477 15,-131 582-31,25-39 32,-26 53-17,-13 12 32,-26 14 78,13 0-109,-67 0-1,-184 0 1,105 0 0,14 0-16,-41-13 15,-184-27 16,92 27 1,-39 0-17,-80 13 17,132 0-1,146 0-31,53 0 15,-13 0 17,65 0-17</inkml:trace>
+  <inkml:trace contextRef="#ctx0" brushRef="#br0" timeOffset="693.76">4180 4895 0,'-13'13'63,"-13"133"-32,13-80-31,13-13 16,-40 13-1,40-40 1,0 1 0</inkml:trace>
+  <inkml:trace contextRef="#ctx0" brushRef="#br0" timeOffset="1577.34">3995 4987 0,'13'0'63,"1"-26"-47,12 13-1,1 13 16,-14 0-31,13-14 16,-12 14 0,12 0-1,-13 0-15,0 0 16,14 0 0,-14 0-1,14 67 1,-27-14-1,13 26 1,-13-39 0,0 39-1,-40-53 1,-13 14 0,-13 0-1,-40-27 1,80-13-1,13 0 1,-1 0 62,41-13-62,-14 13-16,13 0 15</inkml:trace>
+  <inkml:trace contextRef="#ctx0" brushRef="#br0" timeOffset="2510.44">4538 5226 0,'0'-27'0,"0"14"16,0 0-1,0-1 1,-14 14-16,-12 0 63,13 14-63,-1-1 15,-38 13 1,12 14-1,40-27-15,-13 14 16,13 12 0,0-25-1,0-1 1,0 0 0,13-13-1,0 0 1,14-13 15,-27-14-31,0 54 141,0 26-141,0-27 15,13 1-15,0 12 16,-13-25 0,0 12-1,26-26 63,1-13-62</inkml:trace>
+  <inkml:trace contextRef="#ctx0" brushRef="#br0" timeOffset="2926.03">4934 4564 0,'-13'40'15,"0"26"1,-13 26-16,-14 41 16,13 78-1,14-78 17,0-14-17,0-53 1,0-13-1,13-40 1,0 0 0</inkml:trace>
+  <inkml:trace contextRef="#ctx0" brushRef="#br0" timeOffset="3334.03">4604 5199 0,'0'-13'31,"26"13"-15,93 0-1,-26 0 1,-14 0 0,-52-13 15</inkml:trace>
+  <inkml:trace contextRef="#ctx0" brushRef="#br0" timeOffset="4213.1">5331 5292 0,'-13'0'16,"-13"-27"-1,12 27-15,1-13 16,-13 13-1,-1-13 1,1 13 0,13 0-1,-14 0 1,-13 13 0,14 13-1,-14 67 1,27-53-1,13 13-15,0-27 16,0-13 0,13 1-1,1-14 1,38-27 0,1-39-1,-53 13 1,14 13-1,-14 27 1,0 40 62,0 12-78,26 27 16,-26-26-1,13 26 1,14-39 0,-27-14-1,13-13 17</inkml:trace>
+  <inkml:trace contextRef="#ctx0" brushRef="#br0" timeOffset="15242.54">6191 5252 0,'0'-13'156,"13"13"-141,80 0-15,66-40 16,39 40 0,239-13-1,13 13 1,198 0 0,-556 0-16,186 0 31,-251 0-16,-14 0 79,-13-13 31,-13-1-109,0-12-1,-1 26 1,-12-27 0,13 14-1,-1 0 1,28 13 125,12 0-110,-13 26-16,1-12 1,-14-1-16,13 0 31,-13 0-15,0 1 0,0-1-1,0 0 1,-27-26 109,27 0-110,-13-1-15,13 1 16,0-40 0,0 27-1</inkml:trace>
+  <inkml:trace contextRef="#ctx0" brushRef="#br0" timeOffset="15775.89">8639 4749 0,'0'119'47,"0"-39"-32,0 39 1,0 79 0,-14-52-1,1 52 1,-13-118-16,13-14 16,-1-13-1,14-67 48,0-25-48,0-54-15,0 53 16</inkml:trace>
+  <inkml:trace contextRef="#ctx0" brushRef="#br0" timeOffset="16776.91">8586 4498 0,'0'13'63,"13"-13"-63,0 13 15,53 14 1,0-14 0,305-13-1,-292 0 1,212 0-1,278 0 1,-357 0 0,-14 0-16,67 0 31,66 0-31,-159 0 31,39 0-15,-78 0-1,-1-13 1,-79 0 0,-40 13 62,0-14-78,14 14 15,12 0-15,27-26 16,-39 26 0,-14 0 62,0 13-63,-13 27-15,0 52 16,0 147 0,27-28-1,13 67 1,-27-146 0,13 67-1,-26-133 1,13-40-1</inkml:trace>
+  <inkml:trace contextRef="#ctx0" brushRef="#br0" timeOffset="17715.72">8625 5781 0,'14'0'78,"78"0"-78,80 0 16,-66 0-1,331 0-15,12 0 32,266 0-17,-345 0 1,-198 0-16,-26 0 15,-67 0 1,14 0 0</inkml:trace>
+  <inkml:trace contextRef="#ctx0" brushRef="#br0" timeOffset="18776.3">9366 5133 0,'13'-13'94,"-13"-1"-94,0-12 15,-13 0 1,-13-14 0,13 27-1,-1-14 1,-12 27 0,-53 0-1,-1 0 1,-39 66-1,66-13 1,40 53 15,13-53-15,0 0 0,0-40-16,13 27 15,0-27 1,1 0-1,25 0 1,-12-13-16,-1 14 16,14-14-1,-14 0 1,14 13 0,26-13-1,-13 0 1,-40 0-1</inkml:trace>
+  <inkml:trace contextRef="#ctx0" brushRef="#br0" timeOffset="19242.73">9512 4895 0,'0'53'31,"0"-14"-16,0 120 1,0-66 0,0 52-1,0-65 1,0-67 0,0 13-1</inkml:trace>
+  <inkml:trace contextRef="#ctx0" brushRef="#br0" timeOffset="20231.33">10147 5212 0,'-13'0'63,"-1"0"-48,1-13 1,0 13-16,-14 0 15,1 0 1,13 0 15,-27 0-15,14 0 0,-1 0-1,14 53 1,-14 26-1,27-13 1,0-26 0,0-13-1,14-27 17,-1 0-32,0 0 15,66-27 1,-52-13-16,13-12 15,26-41 1,-53 80 15,-13-14-15,13 27 46,14 66-62,-1 27 16,1-14 0,12 14-1,-39-67-15,0-12 16,14 12 0,-1-39 30,40-93-30</inkml:trace>
+  <inkml:trace contextRef="#ctx0" brushRef="#br0" timeOffset="20892.32">10649 5027 0,'-39'0'32,"26"13"-17,-14 1 1,-13 12 0,27-13-1,0 0-15,13 40 31,0-39-15,0 25 0,13-25-1,14-1 1,-14 13 0,0-13 15,0 1-16,1-14 1,-1 26 0,-13-13-1,0 27 1,-53 13 0,13 0-1,27-40 1,39-92 62</inkml:trace>
+  <inkml:trace contextRef="#ctx0" brushRef="#br0" timeOffset="21290.52">10742 5173 0,'13'0'31,"14"39"-31,-14 41 16,0 12-1,14 27 1,-14-79-1,0 0 17</inkml:trace>
+  <inkml:trace contextRef="#ctx0" brushRef="#br0" timeOffset="21954.52">11020 5569 0,'13'0'31,"-13"-26"0,0 0-31,0-1 16,0 1-1,0-27 1,0-27 0,0-39-1,0 40 1,0 13 15,0 39-31,0-26 16,0 27 15,13-1-15,27 1-1,-13 26 1,25 0-1,-38 0 1,-1 0 0,0 13-1,-13 0 63,0 14-78</inkml:trace>
+  <inkml:trace contextRef="#ctx0" brushRef="#br0" timeOffset="22467.17">11007 5384 0,'0'0'0,"0"13"32,0 1-17,13-14 1,40 0 0,0 0-1,-14 0 1,-25 0-16,39-14 15,-40 14 110</inkml:trace>
+  <inkml:trace contextRef="#ctx0" brushRef="#br0" timeOffset="42232.27">12224 5133 0,'66'26'125,"53"-12"-110,26 12-15,14-13 16,-53-13-16,185 0 15,-79 0 1,105 0 0,186 0-1,-331 0 17,-53 0-32,-79 0 31,-27 0 406,-26 0-405,-1 0-17,1-26 1,26 26 140,14 0-140,-14 0-1,14 0 1,-1 13-16,1 0 16,-14 1 15,0-14 16,-13 13-32,0 0 1,0 13 0,-13-26-1,0 0 204,-1 0-219,1 0 16,0 0-1,-14-26-15,14 13 16,-27-27-1,27 27 1,0 0 62,0 13-78,0-14 31,-1 1 219,14 0-234</inkml:trace>
+  <inkml:trace contextRef="#ctx0" brushRef="#br0" timeOffset="42979.19">15055 4643 0,'0'27'79,"0"39"-79,0 27 15,0-40-15,0-1 16,0 15-16,0 12 15,0-13 1,0-13 0</inkml:trace>
+  <inkml:trace contextRef="#ctx0" brushRef="#br0" timeOffset="43907.18">15505 4882 0,'-14'39'62,"1"-12"-46,0-1 0,-53 67-1,-14 26 1,14-27-1,-13 27 1,26-52 0,13-1-1,14-40 1,13-13 0</inkml:trace>
+  <inkml:trace contextRef="#ctx0" brushRef="#br0" timeOffset="45538.23">15677 5464 0,'0'-14'156,"0"-12"-156,-14 13 32,1 13 30,-13 0-46,-14 0-16,14 0 15,-14 0-15,0 13 16,0 0 0,14 14 15,0 12 0,12-39-15,1 27-1,13 12 1,0-25 0,0-1-1,0 0-15,0 27 32,0-27 14,0 0 126,27-13-156,-14 0-16,79-53 16,-12 53-1,-41-26 1,-25 26 31,-1 0-32,0-27 1,-13 14 0,13-13-1,1 26 1,12-27-1,-13-12 1,-13 25 0,13 14-1,-13-26 1,0 13 0,0-1-1,0 28 204,-26-1-219,26 0 16</inkml:trace>
+  <inkml:trace contextRef="#ctx0" brushRef="#br0" timeOffset="137358.94">15901 5305 0,'14'0'172,"-1"0"-157,27 0-15,-14 0 16,120 0 0,-41 0-1,-52 0-15,146 0 16,-54 0 0,41 0-1,38 13 1,-38-13-1,78 0 17,-92 13-17,-92-13 1,-14 27 0,-27-14-1,-25-13 126,-14-26-126,0-1 1,0 1 0,-14-14-1,-12 27-15,13 0 16,-1-14 0,-12 14-16,13 0 15,0-1 1,13 1-1,-14 13 1,1-26 0,0 26-1,0-14 17,-1 1-1,1 13-31,0 0 31,0 0-15,-1-13-1,1 13 157,26 13-156,1-13-16,25 40 15,-25-27-15,25 27 32,27 13-32,-52-40 31,12-13-15,-26 13-1,13 0 1,-13 1-1,14-14 1,-1 26 0,-13-13-1,13 14 17,-13-14-1,0 0-16,0 0-15,0 40 32,0-39-17,0-1 17,0 0-17,0 14 1,0-14-1,0-40 95,0-26-110,0 0 15,0 1-15,0-67 32,0 92-17,0-26 1,0 40 0</inkml:trace>
+  <inkml:trace contextRef="#ctx0" brushRef="#br0" timeOffset="138480.6">18746 4974 0,'0'-26'78,"-13"26"-47,13-14-31,-14 14 16,-12 0 0,13 0-1,-27 0 1,13 0 0,-12 14-1,-1 39-15,27-53 16,-27 66-1,14-40 1,26 40 0,0-39-1,0 26 1,0-27 0,39 67 15,-12-80-31,-1 27 15,1-14 17,-14-26-1,13 0-15,41 0-1,25-79 1,-52 52-1,52-65 1,-52 12 0,-40 54-1,0-1-15,0 1 16,0-27 0,0-40-1,-13 54 1,-14-1 15,14 14-15</inkml:trace>
+  <inkml:trace contextRef="#ctx0" brushRef="#br0" timeOffset="140318.43">19222 5159 0,'13'0'140,"40"0"-124,27 0-16,-1 0 16,133 0-1,211 0 17,-251 0-32,92 0 15,67 0 1,-119 0 15,-67 0-31,14 0 16,53 0-1,-173 0 1,-39-26 203,-26-1-204,13 1 1,-14 13-16,14 0 16,-13-14-1,26 14 1,-27 13-1,40 40 79,14-27-94,39 53 16,0-26-1,14 13 1,12-27 0,-65-13-1,-14-13 48,-13 13-48,0 1 1,-13-1-16,-1 0 16,1-13 15,-27-26 63,14 12-94,-27-12 15,13-27 1,-13 27 0,27 12-1,26 1 1</inkml:trace>
+  <inkml:trace contextRef="#ctx0" brushRef="#br0" timeOffset="144654.09">20452 4511 0,'14'0'78,"-14"-13"-62,0 0-16,-14-14 16,1 27 15,-27 0-15,1 0-1,12 0 1,-26 27-1,0-1 1,14 40 0,25-52-1,14-1 1,0 26 0,0-25-1,0 12 16,14-13-15,-1 1 15,0-14 1,27 0-17,-14-27 1,14 1-1,26-27 1,-39 40 0,-1-40-1,-26 39 1,0 1 0,0 0-1,0 0 32,0-14-31,0 14-1</inkml:trace>
+  <inkml:trace contextRef="#ctx0" brushRef="#br0" timeOffset="145119.89">20479 4802 0</inkml:trace>
+  <inkml:trace contextRef="#ctx0" brushRef="#br0" timeOffset="146003.17">20783 4551 0,'-26'0'15,"-1"0"-15,-13 0 16,-12 0 0,38 0-1,1 0 48,13 26-48,0 14-15,0-14 16,0 14 0,0-27-1,0 40 1,13-53-16,-13 27 15,14-27 17,-1 0 30,0 13-46,-13 0-1,0 0 1,0 1 0,0-1 15,0 13-15,-26-26-1,12 0-15,1 0 16,0 0-1,0 0 1,-14 0 0</inkml:trace>
+  <inkml:trace contextRef="#ctx0" brushRef="#br0" timeOffset="147082.35">21021 4577 0,'-26'0'16,"-1"0"-16,-12 0 31,-28 0-16,28 0-15,39 14 141,0-1-141,0 13 16,0 1-1,26 26 1,-13-40-16,1 0 31,-1-13-15,0 0-1,14 0 17,-14 0-1,0 0-15,13 13 15,-26 0-16,0 14 1,0-14 0,0 0-1,0 40 1,0-26 0,-13-14-1,0-13 1,-27 13-1,1-13-15,25 0 16,-25 0 0,-27 0-1</inkml:trace>
+  <inkml:trace contextRef="#ctx0" brushRef="#br0" timeOffset="158865.49">20757 5411 0,'-27'13'94,"1"0"-78,12 14-16,-12-14 15,-14 40 1,40-40-16,0 0 15,-13 53 1,13-52 0,0-1 15,13-13 0,1 0-15,-1 0-1,0 0 1,0-27 0,0-12-1,14-14 1,-27 40 0,0-27-1,0-26 1,0 13-1,-13 26 1</inkml:trace>
+  <inkml:trace contextRef="#ctx0" brushRef="#br0" timeOffset="159387.49">20849 5649 0</inkml:trace>
+  <inkml:trace contextRef="#ctx0" brushRef="#br0" timeOffset="160050.49">21101 5450 0,'-14'0'0,"-39"27"16,27-1-16,-14 27 16,27-40-16,-27 14 15,14 13 1,13-27-1,13 0 17,0 0-32,0 27 31,0-27-15,0-39 93,0 13-109,0-1 16</inkml:trace>
+  <inkml:trace contextRef="#ctx0" brushRef="#br0" timeOffset="160736.62">21352 5437 0,'-40'27'47,"14"-14"-31,13 0-1,13 0 17,0 14-32,0-14 15,0 0 17,0 0-1,0 1 16,0 25-32,-14-25 1,-12 12 0,-27 1-1,13-27 1,40 13-1</inkml:trace>
+  <inkml:trace contextRef="#ctx0" brushRef="#br0" timeOffset="161442.66">20386 5874 0,'0'-13'15,"53"13"1,13 0-16,-39 0 16,171 0-1,-26 0 1,13 0 0,-13 0-1,-92 0 1,-41 0 15</inkml:trace>
+  <inkml:trace contextRef="#ctx0" brushRef="#br0" timeOffset="184844.83">6429 7302 0,'0'27'47,"0"52"-32,0 27-15,0 93 16,0 118-1,0-26 17,0-145-32,0-14 31,14-119 31,-14-26-62,0-27 16</inkml:trace>
+  <inkml:trace contextRef="#ctx0" brushRef="#br0" timeOffset="185883.83">6562 7474 0,'66'-26'47,"0"26"-32,13-13-15,14-14 16,198 1-1,66 26 1,-225 0 15,-105 0-15,-14 0 0,0 26 77,-13 67-77,0-14-16,0 40 16,0 14-1,40-14-15,-40 13 16,40 27-1,-14-80 17,-26-13-17,13-39 1,14-1 0,-14-13 15,-66-13 47,-26 0-62,-27 0-16,-40 0 15,-92 14 1,106-14-1,-40 0 1,132 0 0,27 0 46,-13 0-62,12 0 16,-12 0-1</inkml:trace>
+  <inkml:trace contextRef="#ctx0" brushRef="#br0" timeOffset="187228.36">6562 7580 0,'26'0'31,"1"27"-16,-14-1-15,79 14 16,14 39 15,-26-65-15,-27-1 0,-40 0-1,0 0 16,0-13-15,0 27 0,14-27-16,-27 13 15,13-13-15,14 13 78,-14-13 157,40-13-220,13-53-15,-40 53 16,1-14-16,92-132 31,-93 133-31,27-40 16,13 39 0,-13-12-1,-39 25 1,-1 1 15,0 0-15</inkml:trace>
+  <inkml:trace contextRef="#ctx0" brushRef="#br0" timeOffset="189020.26">7527 7898 0,'40'0'47,"-13"0"-31,25 0-16,-12 0 16,119 0-1,-27 0 1,93-53-1,-106-26 1,13-41 0,-92 1-1,0-92 1,-14 65 0,14-211-1,-14 172 1,1 39-1,13 80 17,12 26-17,1-26 1,14 53 0,-54 0-1,53 13 1,27 0-1,118 0 1,27 0 0,-79-13-1,-93-14-15,-53 27 16,1-13 125,25 0-141,-25-14 15,12 1 1,-26 13-1,13 13-15</inkml:trace>
+  <inkml:trace contextRef="#ctx0" brushRef="#br0" timeOffset="190589.55">10398 6046 0,'13'0'93,"14"66"-77,-14-66 0,14 53-16,39 53 15,0-53 1,13 13-1,-13-13 1,-26-27 0,0 1-1,-14-27 1,1 0 0,78 0-1,28 0 1,12-40 15,54-40-15,-107 67-16,-52-13 15,39 13 1,-52 13 0,13 0-1,39 0 1,-13 13-1,53 53 1,-53 0 0,-26 40-1,-40-93 1,40 133 0,-40-54-1,13 67 16,13 13-15,-26-27 0,0-65-1,0 39 1,0-26 0,0-27-1,0-40 1,0 14-1,-13-40 173,0 0-188,0 0 31,-1 13 16,14 0-16,0 1-15,14-14 15,25 0-15,1 0-1,13-106 1,-27 66 0,-26 27-1,0 26 63,0 13-62</inkml:trace>
+  <inkml:trace contextRef="#ctx0" brushRef="#br0" timeOffset="191525.47">12793 8176 0,'0'-14'93,"-27"14"-77,1 0-16,26 27 63,0 13-48,26-27 1,-13 13-1,1 1 1,-14-14 0,0 0 15,0 0-15,-27 1-1,-65 39 1,52-40-1,0-13 1,14 13-16,26 0 172</inkml:trace>
+  <inkml:trace contextRef="#ctx0" brushRef="#br0" timeOffset="192054.97">12938 8281 0,'0'27'94,"0"13"-94,0-14 16,13 14-1,-13-14 1,0 14-16,14 0 15,-14-1 1,0-26 0</inkml:trace>
+  <inkml:trace contextRef="#ctx0" brushRef="#br0" timeOffset="192709.97">13004 8189 0,'27'-13'157,"26"13"-157,-40 0 15,13 0 1,27 26-1,27 1 1,-67-14 0,-66-13 77,40 0-93,-1 0 16,1 0 0</inkml:trace>
+  <inkml:trace contextRef="#ctx0" brushRef="#br0" timeOffset="193490.48">13507 8123 0,'0'13'32,"0"13"-17,0 14 1,0-13 0,0-1-1,0 0 1,-26 1-1,26-54 79,0-25-78,0-1-16,13 13 15,13-53 1,14 40 0,-14 53 62,-26 14-78,0 12 15,14 1-15,-1 25 16,-13-38 0,0 25 15,13-25-15</inkml:trace>
+  <inkml:trace contextRef="#ctx0" brushRef="#br0" timeOffset="193917.48">13494 8215 0,'26'-26'94,"-13"26"-94,40-27 15,-39 14-15,12 0 16,-13 0 0</inkml:trace>
+  <inkml:trace contextRef="#ctx0" brushRef="#br0" timeOffset="195369.52">13851 7977 0,'0'27'62,"0"-1"-62,0 40 16,0 80-1,0-67 1,0-52-16,0 12 16,-13-52 77,13-27-77,0 1-16,-27-67 16,14 13-1,0 27 1,13 40-1,39 79 48,1-27-47,13 0-1,-13-12 1,-27-14-16,66 13 15,-26-13 1,0-40 0,-26-13 15,-27 27-15,0 13-16,0-1 15,13 28 48,0 39-63,0-27 15,-13 40-15,14 27 16,-1-27 0,0 40-1,-13-80 1,13-13 15</inkml:trace>
+  <inkml:trace contextRef="#ctx0" brushRef="#br0" timeOffset="196489.09">14883 7990 0,'0'27'31,"-13"-1"-15,-27 40-16,-13 1 15,-26 38 1,-80 120-1,53-106 17,0 40-17,40-93 1,13 27 0,13-40-1,14-40 1,26 0-1</inkml:trace>
+  <inkml:trace contextRef="#ctx0" brushRef="#br0" timeOffset="197516.44">14883 8612 0,'0'13'47,"0"54"-47,0 38 16,0 67-1,0-66 1,13 40 0,-13-107-1,0 1 1,0-80 46,0-26-62,13-40 16</inkml:trace>
+  <inkml:trace contextRef="#ctx0" brushRef="#br0" timeOffset="197871.42">14936 8520 0,'13'105'31,"-13"-91"-15,26 39-1,-26-1-15,53 15 16,-26-28-1,12-12 1,-25-27 31,12 0-47,1-13 16,-14-54-1,-13 41 1,0 13 15</inkml:trace>
+  <inkml:trace contextRef="#ctx0" brushRef="#br0" timeOffset="199009.5">15333 8784 0,'0'13'63,"-14"-13"-48,14 14 1,-13-1-16,13 0 16,0 27-1,0-14 1,0 14 0,27-40 46,-27-13-46,0-14-1,0-12-15,0 12 16,0 1 0,0-41-1,0 41 1,-14-14-1,14 27 1</inkml:trace>
+  <inkml:trace contextRef="#ctx0" brushRef="#br0" timeOffset="-97804.93">5993 6165 0,'0'39'0,"-13"107"31,13 52-15,-14-39 0,-39 132-1,40-145 1,-13-27 0,26-93-1,13 1 79,27 26-94,-14-40 16,14 13-16,119 40 15,39-26 1,80-27 15,-133-13-31,-39 0 16,26 0-1,-26-39 1,-79 25 0,-14 14-1,13-13 1,1-13-1,-1-14 1,1 14 0,26-54-1,-27 14 1,1 13 0,145-264 15,-106 211-16,40-40 1,-93 93 0,-13 40-1,-40 13 95,-52 0-110,39 0 0,-14-13 15,-91 0 1,92-14-16,-133 14 31,146 0-31,40 13 31,13-13 63,-26 13-78,-1 0-16</inkml:trace>
+  <inkml:trace contextRef="#ctx0" brushRef="#br0" timeOffset="-71951.42">13930 6747 0</inkml:trace>
 </inkml:ink>
 </file>
 
@@ -2318,17 +1982,17 @@
     <inkml:context xml:id="ctx0">
       <inkml:inkSource xml:id="inkSrc0">
         <inkml:traceFormat>
-          <inkml:channel name="X" type="integer" max="3360" units="cm"/>
-          <inkml:channel name="Y" type="integer" max="1872" units="cm"/>
+          <inkml:channel name="X" type="integer" max="5120" units="cm"/>
+          <inkml:channel name="Y" type="integer" max="1800" units="cm"/>
           <inkml:channel name="T" type="integer" max="2.14748E9" units="dev"/>
         </inkml:traceFormat>
         <inkml:channelProperties>
-          <inkml:channelProperty channel="X" name="resolution" value="114.28571" units="1/cm"/>
-          <inkml:channelProperty channel="Y" name="resolution" value="112.77109" units="1/cm"/>
+          <inkml:channelProperty channel="X" name="resolution" value="174.14966" units="1/cm"/>
+          <inkml:channelProperty channel="Y" name="resolution" value="109.09091" units="1/cm"/>
           <inkml:channelProperty channel="T" name="resolution" value="1" units="1/dev"/>
         </inkml:channelProperties>
       </inkml:inkSource>
-      <inkml:timestamp xml:id="ts0" timeString="2021-03-02T01:45:04.719"/>
+      <inkml:timestamp xml:id="ts0" timeString="2022-03-08T03:18:37.193"/>
     </inkml:context>
     <inkml:brush xml:id="br0">
       <inkml:brushProperty name="width" value="0.05292" units="cm"/>
@@ -2336,9 +2000,12 @@
       <inkml:brushProperty name="color" value="#FF0000"/>
     </inkml:brush>
   </inkml:definitions>
-  <inkml:trace contextRef="#ctx0" brushRef="#br0">4362 12013 0,'0'0'0,"0"0"0,0 0 0,68-61 15,-30 46-15,15 0 16,30-1-16,8 1 16,-8 15-1,-8-8-15,24 16 16,7-8-16,-8 15 15,-7-7-15,7 0 16,0-1 0,-22 16-16,7-23 15,23 0-15,0 0 16,-8 8-16,15-8 16,16-8-1,-54 8-15,1-8 16,22 1-16,8-1 15,-8 16-15,1-1 16,6-7 0,-6-7-16,-31 7 15,15-8-15,15 1 16,0-9 0,-14 9-16,6-9 15,1 1-15,7 7 16,-37 1-16,-8-1 15,22 1 1,1-1-16,-1 0 16,9 1-16,-9-1 15,8 0 1,1 8-16,-16-7 16,-15 7-16,15-8 15,15 1 1,0-1-16,-15 0 15,0 1-15,-8-1 16,16-7-16,7-1 16,-15 9-16,-15-8 15,-8-8 1,8 7-16,15 1 16,0 7-16,-7 1 15,-8-1 1,0 1-16,-8-1 15,1 0-15,6 1 16,9-1-16,-1 0 16,-7 1-1,-15 7-15,-8 0 16,8 7-16,8-7 16,-1 0-1,0 8-15,1-8 16,-9 0-16,-6 0 15,-9 8-15,9 7 16,-16-23 0,0 8-16,-8 0 15,1 0-15,-1 0 16,1 0-16,-8 0 16,0 0-1,8 8-15,-8-8 16,0 0-16,0 0 15,0 0 1,0 0-16,0 0 16,0 0-16,0 0 15,-23 15-15,-38 16 16,-7-24 0,15 9-16,1-9 15,-39 9-15,-15 6 16,23-14-1,7 0-15,8-8 16,0-8-16,15 0 16,8 1-16,7-1 15,8 1 1,7 7-16,8 0 16,0 7-16,7-7 15,1 0-15,7 0 16,0 0-1,0 0-15,0 0 16,0 0-16,0 0 16,0 0-1,0 0-15,-8 8 16,8-8-16,0 0 16,0 0-16,0 0 15,0 7 1,0-7-16</inkml:trace>
-  <inkml:trace contextRef="#ctx0" brushRef="#br0" timeOffset="6357.58">4899 6655 0,'0'0'0,"15"-7"15,23-9-15,15-7 16,22 1-16,8-9 16,16 8-1,-99 23-15</inkml:trace>
-  <inkml:trace contextRef="#ctx0" brushRef="#br0" timeOffset="26253.85">6524 6770 0,'0'0'0,"0"23"16,-7 38-16,14 23 16,1-16-1,14 39-15,1 38 16,0-53-16,-1 15 15,-6 7-15,-1-7 16,-8-8 0,1 16-16,-8-8 15,0-8-15,-8 15 16,1-7-16,-8 8 16,-1-9-1,9 1-15,-8 0 16,7-23-16,1 8 15,7 37 1,0-45-16,7 0 16,8 16-16,-7-9 15,-1 1-15,1-1 16,0-22 0,-1 15-16,1 0 15,-1-15-15,8 7 16,0-7-16,1 15 15,-1-8 1,7 0-16,9 23 16,-1-7-16,-7-23 15,-1-8 1,1 0-16,-8-15 16,0 15-16,0 7 15,-7-14-15,-1-8 16,1-8-1,-1-8-15,1-7 16,0 0-16,-1 8 16,1-9-1,-1 9-15,1 15 16,-8-16-16,7 1 16,-7-16-16,8 8 15,0 0 1,-8-15-16,0-1 15,0 1-15,0-8 16,0 7-16,0-7 16,0 8-1,0-8-15,0 0 16,0 0-16,0 0 16,0 0-1,0 8-15,0-1 16,0-7-16,0 8 15,0-8-15,0 0 16,0 8 0,0-8-16,0 7 15,0 1-15,0 0 16,0-1-16,0 1 16,0 7-1,0 8-15,0 7 16,0-30-16</inkml:trace>
+  <inkml:trace contextRef="#ctx0" brushRef="#br0">3916 6152 0,'26'0'109,"27"0"-93,27 0-16,65 0 16,67 0-1,-106 0-15,66 0 16,145 0-1,186 0 1,-146 0 0,-225 0-1,-118 0 1</inkml:trace>
+  <inkml:trace contextRef="#ctx0" brushRef="#br0" timeOffset="1734.84">4921 7488 0,'40'0'140,"26"0"-140,40 0 16,-27 0 0,146 0-1,-13 0 1,0 0-16,330 39 15,-145-39 1,846 93 15,-1084-93-31,701 106 16,-304-14 0,304 27 15,515 27-16,-898-80 1,502 14 0,-411-28-1,-210-38 1,12 39 0,-158-27-1,52 27 1,-198-40-1,27 0 17,-80-13-32,14 0 15,26 14 1,0-14 0,13 0 15,-53 0-16</inkml:trace>
+  <inkml:trace contextRef="#ctx0" brushRef="#br0" timeOffset="5335.56">3678 8824 0,'39'0'188,"80"0"-188,-39 0 15,92 0-15,145 0 16,80 0-1,93 0 1,-226 0 0,-65 0 15,-186 0-31</inkml:trace>
+  <inkml:trace contextRef="#ctx0" brushRef="#br0" timeOffset="7744.83">5292 10372 0,'0'13'110,"26"-13"-110,14 0 15,52 0 1,67 0 0,106 0-1,39 0 1,-158 0-1,12 0-15,107 0 16,92 0 0,-145 0-1,79 0 1,-119 0 0,26 0 15,-92 0-31,40 0 15,52 0 17,-79 0-17,132 0 1,-145 0 0,185 0-1,-53 0 1,1 0-1,-94 0 1,80-13 0,-80-14-1,120 27 1,-67-26 0,94 13-1,65-1 16,-225 14-15,66-26 0,239-54-1,-239 54 1,80-14 0,-79 27-1,145-40 1,-133 13-1,120 27 1,-93-13 0,106-1-1,-53 1 1,371 13 15,-411 13-31,463 0 16,-370 0 15,278 0-15,-199 0-1,160 0 1,-94 0 0,-251 0-1,-79 0 1,-119 0-1,-27 0 1</inkml:trace>
+  <inkml:trace contextRef="#ctx0" brushRef="#br0" timeOffset="9121.03">4855 10941 0,'13'0'78,"93"0"-63,-93 13-15,212 26 16,66-25 0,106 25-1,542-39 1,-343 0 0,436 0-1,-503 0 1,238 0 15,-317 0-15,198 0-1,-410 0 1,-92 0 0,65 0-1,-171 0-15,26 0 16,-52 0-1</inkml:trace>
+  <inkml:trace contextRef="#ctx0" brushRef="#br0" timeOffset="19089.25">6019 7779 0,'14'26'32,"-14"14"-17,13 13-15,0 0 16,0 53 15,0-40-31,-13 0 0,0 66 16,14-13-1,-1 27 1,0-27 0,-13-53-1,13-26 1,1-1 0,-1-12 15,0-14-16,-39-13 79,-27 0-78,0 0-16,-53 0 15,0 13 1,-106 40 0,133-53-1,-14 13-15,14 27 16,26-13 0</inkml:trace>
 </inkml:ink>
 </file>
 
@@ -2348,43 +2015,27 @@
     <inkml:context xml:id="ctx0">
       <inkml:inkSource xml:id="inkSrc0">
         <inkml:traceFormat>
-          <inkml:channel name="X" type="integer" max="3360" units="cm"/>
-          <inkml:channel name="Y" type="integer" max="1872" units="cm"/>
+          <inkml:channel name="X" type="integer" max="5120" units="cm"/>
+          <inkml:channel name="Y" type="integer" max="1800" units="cm"/>
           <inkml:channel name="T" type="integer" max="2.14748E9" units="dev"/>
         </inkml:traceFormat>
         <inkml:channelProperties>
-          <inkml:channelProperty channel="X" name="resolution" value="114.28571" units="1/cm"/>
-          <inkml:channelProperty channel="Y" name="resolution" value="112.77109" units="1/cm"/>
+          <inkml:channelProperty channel="X" name="resolution" value="174.14966" units="1/cm"/>
+          <inkml:channelProperty channel="Y" name="resolution" value="109.09091" units="1/cm"/>
           <inkml:channelProperty channel="T" name="resolution" value="1" units="1/dev"/>
         </inkml:channelProperties>
       </inkml:inkSource>
-      <inkml:timestamp xml:id="ts0" timeString="2021-03-02T01:55:35.605"/>
+      <inkml:timestamp xml:id="ts0" timeString="2022-03-08T03:19:05.645"/>
     </inkml:context>
     <inkml:brush xml:id="br0">
       <inkml:brushProperty name="width" value="0.05292" units="cm"/>
       <inkml:brushProperty name="height" value="0.05292" units="cm"/>
       <inkml:brushProperty name="color" value="#FF0000"/>
     </inkml:brush>
-    <inkml:brush xml:id="br1">
-      <inkml:brushProperty name="width" value="0.05292" units="cm"/>
-      <inkml:brushProperty name="height" value="0.05292" units="cm"/>
-      <inkml:brushProperty name="color" value="#92D050"/>
-    </inkml:brush>
-    <inkml:brush xml:id="br2">
-      <inkml:brushProperty name="width" value="0.05292" units="cm"/>
-      <inkml:brushProperty name="height" value="0.05292" units="cm"/>
-      <inkml:brushProperty name="color" value="#00B0F0"/>
-    </inkml:brush>
   </inkml:definitions>
-  <inkml:trace contextRef="#ctx0" brushRef="#br0">4634 6075 0,'0'0'0,"0"0"0,0 0 15,8 0-15,7-7 0,8-1 16,-1 0-1,8 1-15,8 7 16,0 0-16,0 0 16,7-8-1,16 0-15,7 1 16,0-1-16,0 1 16,-15 7-16,7-8 15,1 0 1,7 8-16,0-7 15,-15 7-15,-8-8 16,23 8-16,0-8 16,23 8-1,-8 0-15,-15-7 16,8-1-16,7 0 16,0 8-1,-30-7-15,-15 7 16,22 7-16,8-7 15,0 8-15,0 7 16,0-7 0,-15-8-16,0 0 15,8 8-15,7-1 16,0-7 0,-23-7-16,0 7 15,1 0-15,14 7 16,8-7-16,15 8 15,-7-8 1,22 0-16,16 0 16,-8 0-16,-31 0 15,23-15-15,23 15 16,-15-8 0,0 8-16,38-8 15,-54 1-15,9-1 16,29 0-16,-14 1 15,-1-8 1,53 7-16,-67-7 16,-9-1-16,61 16 15,-45-22 1,0 14-16,53 16 16,-68-8-16,-8-8 15,45 8-15,-7 0 16,-22 0-1,37 0-15,0-8 16,-61 8-16,31 0 16,45 0-1,-52 0-15,6 8 16,39-8-16,-68 0 16,-8 8-16,53-1 15,0 16 1,-23-15-16,15 7 15,16 0-15,-46-15 16,-15 8-16,15 7 16,15 0-1,-22-7-15,-8 0 16,8 7-16,-8 0 16,-8 0-1,-7-7-15,-8 0 16,-14-1-16,-1 1 15,-7 7-15,-1-15 16,1 8 0,0 0-16,-1-1 15,1-7-15,0 0 16,-8 0 0,0 0-16,0 0 15,0 0-15,-7 0 16,14-7-16,-6-1 15,-1 0 1,0 1-16,-8-1 16,1-7-16,7-8 15,0-15 1,0-16-16,0 8 16,-7-7-16,0-8 15,-1 0-15,-7-15 16,0-1-1,0 16-15,0 0 16,0-15-16,8 7 16,-1-7-1,-7-1-15,0 9 16,8-9-16,-8-14 16,0 22-16,-8 0 15,1 1 1,7-9-16,0 1 15,0 0-15,-8 22 16,8-30 0,0 16-16,8-24 15,-1 23-15,-7 8 16,0 8-16,0 0 16,8 7-1,-1 8-15,-7 7 16,0-7-16,0 7 15,0 9-15,0-9 16,0 23 0,-7-7-16,-1 0 15,1 7-15,-1 1 16,1-1 0,-9 0-16,-6-7 15,-9 7-15,1 8 16,0-7-1,0-1-15,0 1 16,7 7-16,-23 0 16,-22-8-16,-15 8 15,0 0 1,-15-8-16,-16 8 16,9-7-16,29 7 15,-30-8 1,-30 0-16,15 1 15,-22 7-15,-1 0 16,61 0-16,-61 0 16,-15 0-1,1-8-15,-16 0 16,60 8-16,-52-7 16,15 7-1,-38 7-15,38-7 16,-23 8-16,-8 0 15,8-16-15,16 16 16,14-1-16,-53 1 16,39 7-1,-24-22-15,84-9 16,-46 16-16,-22-7 16,15-1-1,7 0-15,46 1 16,-38-1-16,-8 8 15,23-15-15,-7 0 16,-1 15 0,54-16-16,-31 1 15,-38 0-15,31-8 16,-16 8-16,-22-1 16,75 1-1,-14 0-15,-31 0 16,15 7-16,30 0 15,-7 1 1,-23-1-16,16 0 16,29-7-16,1 15 15,-16-7 1,-30 7-16,31 0 16,7-16-16,-8 9 15,-7-1-15,0 8 16,22-8-1,16 8-15,-1 8 16,-6 0-16,-9-8 16,-7 0-16,8 15 15,14-7 1,8 7-16,1-15 16,6 7-16,1 1 15,0 0-15,0-1 16,-1 1-1,9 0-15,-1 7 16,-7 0-16,15-7 16,-8 7-1,8-7-15,0 7 16,0 0-16,0 8 16,-1 15-16,-6 23 15,7 23 1,7-15-16,0 0 15,8 7-15,0 38 16,8-45-16,0 7 16,7-14-1,7 44-15,1-22 16,-8-15-16,8 0 16,0 7-1,7 16-15,-15-16 16,0-23-16,0 24 15,8 14-15,-8-7 16,0-7 0,-7-1-16,-1-15 15,1 0-15,-8 8 16,0-16 0,-8 16-16,8 0 15,-7 14-15,-8 40 16,-1 37-16,-6 0 15</inkml:trace>
-  <inkml:trace contextRef="#ctx0" brushRef="#br1" timeOffset="10391.94">9231 3900 0,'0'0'0,"0"0"15,0 0 1,0 0-16,0 0 15,0 8-15,-8 7 16,0 0-16,1 8 16,-1 0-16,8 0 15,-7 7 1,7 1-16,0 7 16,0 0-16,-8 8 15,1 23 1,-9 7-16,9-22 15,-1-16-15,-7 7 16,0-6-16,8-1 16,-9-8-1,1 16-15,8-8 16,-1 8-16,1-15 16,-1-1-1,1-7-15,-1 0 16,8-15-16,0-1 15,0-7-15,0 0 16</inkml:trace>
-  <inkml:trace contextRef="#ctx0" brushRef="#br1" timeOffset="11461.17">9253 3885 0,'0'0'16,"0"0"-16,0 0 15,0 0-15,0 0 16,8 0 0,14 0-16,16 0 15,15 0-15,0-8 16,0 1-16,0 14 16,23-22-1,7 15-15,0 0 16,-23-8-16,-14 8 15,22-7-15,15 7 16,0-8 0,0 0-16,-15 8 15,8 0-15,7 0 16,-7 0-16,-8 8 16,-23-8-1,8 0-15,15 0 16,-8 0-16,8 0 15,-15 0 1,-7 0-16,-8 0 16,7 8-16,0-16 15,1 16-15,-1-1 16,0 1 0,-7-8-16,-8 0 15,-7 0-15,-8 0 16,-7 0-16,-1 0 15,1 0 1,-8 0-16,0 0 16,7 0-16,1 8 15,0-1 1,-1 1-16,1-1 16,-8 1-16,7 7 15,1 1-15,-8-9 16,7 24-1,1-1-15,-8-7 16,0 0-16,0 0 16,7 0-1,-7 0-15,0 0 16,0 0-16,8-1 16,0 9-16,-1 15 15,1-8 1,-8 0-16,7-7 15,1-1-15,-1 1 16,1-1-16,-1-7 16,1 0-1,-8-8-15,0 8 16,0 0-16,0-8 16,0-15-1</inkml:trace>
-  <inkml:trace contextRef="#ctx0" brushRef="#br1" timeOffset="12133.8">9253 4831 0,'0'0'0,"0"0"16,0 0-16,0 0 15,0 0 1,0 0-16,8 0 15,7-7-15,23 7 16,7-8 0,16 8-16,7 0 15,15 0-15,38 8 16,-8 7-16,-30-23 16,38 8-1,23 0-15,-23 0 16,22 0-16,-22-15 15,-30 7-15,45 8 16,-15-7 0,-30-9-16,15-7 15,7 31-15,-37-16 16,-8-7-16,15 0 16,-15 7-1,-8 16-15,-22 0 16,-15-1-16,-16 8 15,-7-15 1</inkml:trace>
-  <inkml:trace contextRef="#ctx0" brushRef="#br2" timeOffset="19936.71">11219 4160 0,'0'0'16,"0"0"-16,0 0 15,0 0 1,22-8-16,9 8 16,6 0-16,24-15 15,15-8 1,14 0-16,-7 8 15,1-1-15,6-7 16,1 16-16,-23-1 16,-15 8-1,-8 0-15,1 0 16,-1 8-16,8-8 16,-8 0-16,-7 0 15,0 0 1,-8 7-16,-7-7 15,0 8-15,-1-8 16,1 8-16,0-1 16,-8 1-1,0 0-15,0-1 16,8 8-16,-8-7 16,7 7-1,1 1-15,-8-9 16,0 1-16,0 0 15,1-1-15,-1 1 16,0-1 0,7 9-16,-6-9 15,6 9-15,-7-9 16,1 9 0,-1-1-16,0 15 15,-8 1-15,1-1 16,-1 1-16,1 7 15,-8-7 1,0-1-16,0-7 16,0 8-16,0-1 15,-8 1-15,8-16 16,-7 8 0,7-23-16,-8 23 15,1-8-15,-1 0 16,1-7-1,-8-1-15,-1 1 16,-6 0-16,-9-8 16,1 0-16,-15 7 15,0 1 1,-8-8-16,-15 0 16,-8 0-16,0 8 15,16-1 1,-23 1-16,-23 7 15,8-15-15,7 15 16,0 1-16,-7-16 16,22 7-1,23 1-15,8-8 16,0 0-16,-1 0 16,16 0-16,0-15 15,15 15 1,0-8-16,7 8 15,0 0-15,1-8 16,-1 1 0,1-9-16,7 1 15,0 0-15,0-8 16,7-15 0,1 0-16,7-23 15,8-16-15,-8 32 16,0-9-16,-7 8 15,-1 16-15,1-1 16,-1 8 0,-7 8-16,0 0 15,0 7-15,0 8 16</inkml:trace>
-  <inkml:trace contextRef="#ctx0" brushRef="#br2" timeOffset="20714.47">10281 4961 0,'0'0'0,"0"0"16,0 0-16,0 0 15,0 0-15,0 0 16,0 0 0,0 0-16,0 8 15,0 7-15,0 15 16,0 31 0,-7 8-16,-1-8 15,1 8-15,7 30 16,0-30-16,0-23 15,0-1 1,0-6-16,-8-1 16,1-15-16,-1 7 15,8-7-15,0-8 16,0 1 0,0-9-16,0-7 15</inkml:trace>
-  <inkml:trace contextRef="#ctx0" brushRef="#br2" timeOffset="21659.99">10425 4770 0,'0'0'0,"0"0"16,0 0-16,0 0 16,8 8-1,7-1-15,7 9 16,9-1-16,14-7 15,-7-1 1,7 1-16,23-1 16,15 1-16,16 0 15,-16-8-15,0 0 16,23 7 0,-16-7-16,-29 0 15,7 0-15,0 8 16,0 0-16,-7-1 15,-9 1 1,1 0-16,-15-1 16,0 1-16,0-1 15,-8 9 1,0-1-16,-7-7 16,-8-1-16,0 1 15,0 7-15,0 8 16,1 0-1,-9 15-15,8 8 16,-7-8-16,-1 0 16,-7-7-1,8 14-15,-8-6 16,0 14-16,-8 8 16,1-7-16,-1-9 15,1-6 1,-8-9-16,-1 1 15,1-1-15,8-15 16,-8 8-16,-1 0 16,9-15-1,-1-1-15,-7 1 16,0 0-16,-8 7 16,-7-7-1,-8-8-15,-15 0 16,1 0-16,-1 0 15,7-8-15,-7 8 16,-22-8 0,-8 1-16,-8 7 15,8-8-15,-31 16 16,1-8-16,37 15 16,-22-7-1,-15 7-15,14-8 16,1 9-16,0-1 15,0-7 1,14-8-16,31-8 16,53 8-16</inkml:trace>
-  <inkml:trace contextRef="#ctx0" brushRef="#br2" timeOffset="-185745.46">6471 6632 0,'0'0'15,"0"0"-15,0 0 0,-22 23 0,14-15 16,0 7-1,-7 16-15,-7 7 16,-1 8-16,-15 7 16,-7 8-16,7 0 15,0-7 1,0-1-16,8 8 16,7-15-16,1-8 15,7 0-15,0-7 16,-1-1-1,9 1-15,-1-8 16,1 0-16,-1 0 16,1-1-1,7 1-15,0-15 16,0 0-16,0 7 16,0-8-16,0 1 15,0-8 1,0 0-16,0 0 15,0 0-15,0 0 16,0 0 0,0 0-16,0 0 15,0 0-15,0 0 16,0 0-16,0 0 16,0 0-16,0 0 15,0 0 1,0 0-16,0-8 15,0 8-15,0-7 16,0-8 0,0 15-16,0-8 15,0 0-15,0 1 16,0-9 0,0 16-16,7-7 15,1-16-15,-1 8 16,1-1-16,-1 9 15,1-1-15,0 0 16,-1 1 0,1-1-16,-1 1 15,1-1-15,-1 0 16,1 1 0,-8 7-16,0 0 15,0 0-15,0 0 16,0 0-16,0 0 15</inkml:trace>
-  <inkml:trace contextRef="#ctx0" brushRef="#br2" timeOffset="-184545.07">7620 6793 0,'0'0'0,"0"0"16,0 0-16,0 0 15,0 0-15,0 0 16,0 0 0,0 0-16,0 0 15,0 0-15,0 0 16,0 0-16,0 0 15,0 0 1,0 0-16,-15 7 16,-15 16-16,0-8 15,-1 24-15,9-16 16,-1-8 0,0 0-16,-7 8 15,0 0-15,7-8 16,1 0-1,-1 1-15,0-1 16,1 0-16,-1-7 16,0 7-16,8-7 15,-8-1 1,1 9-16,7-9 16,-1 1-16,1 7 15,0 0 1,0-7-16,0 0 15,0-1-15,0 1 16,0 0-16,7-1 16,8-7-1,0 0-15,0 0 16,0 0-16,0 0 16,0 0-16,0 0 15,0 0 1,0 0-16,0 0 15,0 0-15,0 0 16,0 0 0,0 0-16,0 0 15,0 0-15,0 0 16,0 0-16,0 0 16,0 0-1,0 0-15,0 0 16,0 0-16,0 0 15,0 0-15,0 0 16,0 0 0,0 0-16,0 0 15,0 0-15,15 0 16,-15 0 0</inkml:trace>
+  <inkml:trace contextRef="#ctx0" brushRef="#br0">3797 3889 0,'0'27'109,"0"-14"-93,0 0-16,0 14 15,0 26 1,0 26 0,0-52-1,0 52 1,0-26-1,0 13 1,-13 0 0,13-13-16,-14-13 15,14 66 17,0-27-17,0 0 1,0-26-1,-13 0 1,13 13 0,0-26-16,-13 53 15,13-67 1,-13 80 0,13 79-1,-27-66 1,14-13-1,13 0 1,0-14 15,-13 41-31,-1-54 32,14 27-17,-13 0 1,0 185-1,13-265 1,0 54 0,0-54-1,0 14 1,0-27-16,0 13 16,0 1 15,0-14-31,0 14 15,0-1 1,0-13 15,0 0-31</inkml:trace>
+  <inkml:trace contextRef="#ctx0" brushRef="#br0" timeOffset="2223.98">3598 4855 0,'133'0'110,"39"0"-110,-53 0 15,-13 0-15,237 0 16,160 0-16,159 0 31,317 0-31,-358 0 31,-396 0-15,-145 0 0</inkml:trace>
+  <inkml:trace contextRef="#ctx0" brushRef="#br0" timeOffset="5568.27">2897 10226 0,'53'0'125,"40"0"-110,39 0-15,-53 0 16,80 0 0,172 0-1,92 0 1,-26 0-16,53 0 16,132 0-1,-198 0 1,-199 0-1,-119 0 1,-53 0 0</inkml:trace>
 </inkml:ink>
 </file>
 
@@ -2394,43 +2045,30 @@
     <inkml:context xml:id="ctx0">
       <inkml:inkSource xml:id="inkSrc0">
         <inkml:traceFormat>
-          <inkml:channel name="X" type="integer" max="3360" units="cm"/>
-          <inkml:channel name="Y" type="integer" max="1872" units="cm"/>
+          <inkml:channel name="X" type="integer" max="5120" units="cm"/>
+          <inkml:channel name="Y" type="integer" max="1800" units="cm"/>
           <inkml:channel name="T" type="integer" max="2.14748E9" units="dev"/>
         </inkml:traceFormat>
         <inkml:channelProperties>
-          <inkml:channelProperty channel="X" name="resolution" value="114.28571" units="1/cm"/>
-          <inkml:channelProperty channel="Y" name="resolution" value="112.77109" units="1/cm"/>
+          <inkml:channelProperty channel="X" name="resolution" value="174.14966" units="1/cm"/>
+          <inkml:channelProperty channel="Y" name="resolution" value="109.09091" units="1/cm"/>
           <inkml:channelProperty channel="T" name="resolution" value="1" units="1/dev"/>
         </inkml:channelProperties>
       </inkml:inkSource>
-      <inkml:timestamp xml:id="ts0" timeString="2021-03-02T02:00:19.987"/>
+      <inkml:timestamp xml:id="ts0" timeString="2022-03-08T03:19:31.384"/>
     </inkml:context>
     <inkml:brush xml:id="br0">
       <inkml:brushProperty name="width" value="0.05292" units="cm"/>
       <inkml:brushProperty name="height" value="0.05292" units="cm"/>
-      <inkml:brushProperty name="color" value="#00B0F0"/>
+      <inkml:brushProperty name="color" value="#FF0000"/>
     </inkml:brush>
   </inkml:definitions>
-  <inkml:trace contextRef="#ctx0" brushRef="#br0">5118 6213 0,'0'0'16,"8"7"-16,7-7 0,68 8 0,-45-8 15,7 8 1,8-1-16,0 1 16,0-1-16,-15 1 15,-8-8-15,0 0 16,8 8-16,15-1 16,7 1-1,8 0-15,-7-1 16,-16-14-16,8-1 15,7 16 1,9-8-16,-1 0 16,-8 7-16,-15-7 15,-7 8-15,0-1 16,22-7 0,24 0-16,-9 8 15,-7-8-15,0 8 16,15-1-1,1-7-15,-16 8 16,-23-8-16,0 8 16,8-1-16,8 1 15,7-8 1,0 0-16,0 0 16,0 0-16,0 0 15,15 0-15,-15 0 16,-15 0-1,-8 0-15,1-8 16,14 8-16,1 0 16,-1 8-1,8 0-15,-15-8 16,0-8-16,8 8 16,-1 0-16,8 0 15,-7 0 1,-8 0-16,-8 0 15,8 0-15,15 0 16,0 0 0,0 8-16,-15-8 15,7-8-15,8 8 16,8 0-16,0 0 16,-24 0-1,1 0-15,0-8 16,23 1-16,7 7 15,0 0 1,-15 0-16,23-8 16,15 8-16,-23 0 15,-30 0-15,7-8 16,31 8-16,7-7 16,-14 7-1,-24-8-15,8 0 16,8 8-16,-8-7 15,-8 7 1,-14 0-16,-16 0 16,-8 0-16,-6 0 15,-1-8-15,-8 8 16,1 0 0,-8 0-16,0 0 15,0 0-15,0 0 16,0 0-1,-23 0-15,-37 8 16,-16-8-16,-7 7 16,-31-7-16,-6 8 15,44 0 1,-7-1-16,-53 9 16,15-9-16,0 1 15,-23-8-15,46 15 16,-8-7-1,-53 7-15,46-7 16,-31-1-16,8-7 16,38 0-1,-46-7-15,1-1 16,14 23-16,-22-15 16,45 0-16,0 0 15,-60 8 1,45-8-16,-23 0 15,16 8-15,22-8 16,-23 15-16,-14-15 16,22-8-1,-23 8-15,53 0 16,16 0-16,-1 0 16,-22-7-1,15 7-15,7-8 16,8 0-16,-7 1 15,75 7-15</inkml:trace>
-  <inkml:trace contextRef="#ctx0" brushRef="#br0" timeOffset="53919.89">4778 6411 0,'0'0'0,"0"0"16,0 0-16,38 15 0,-23-7 15,7 0-15,9 7 16,-1 0-16,23 0 16,7 1-1,8-1-15,-7 0 16,7-15-16,38 0 16,0-7-1,-38-1-15,15 0 16,30 16-16,1 0 15,-16-8 1,23 0-16,15 7 16,-61 1-16,61-8 15,23 23-15,-38-39 16,76 9 0,-99 7-16,53-23 15,0 23-15,-14-8 16,51-7-16,-97 15 15,53-8 1,15 1-16,-8-1 16,30 0-16,-67 1 15,75-8-15,-38 7 16,45 0 0,-52 8-16,0-7 15,30 14-15,-1-14 16,9 14-1,-46-14-15,68 14 16,-38-7-16,38 8 16,-83-8-16,76 8 15,-23-16 1,38 8-16,-107 0 16,92 0-16,-23 8 15,37-8-15,-82 7 16,45 1-1,-8 7-15,8 0 16,-15-7-16,-31 0 16,76 15-1,-98-23-15,91 15 16,-76-8-16,0 1 16,53 7-16,-69 1 15,24-9 1,15 8-16,-76 1 15,0-16-15,38 7 16,-16 1 0,-22 0-16,-15-8 15,-7 0-15,-9 0 16,1 0-16,-8 0 16,-7-8-1,0 8-15,-8 0 16,0-8-16,0 1 15,-7-9-15,-1-14 16,1-16 0,-1-7-16,-7-1 15,-15-37-15,0 22 16,8-7 0,-9 7-16,9 16 15,-1-16-15,1-7 16,7 7-1,0 8-15,0-8 16,7-22-16,8 22 16,1 8-16,-1-8 15,0 0 1,-8 1-16,1 22 16,-1 8-16,1 0 15,-8 7-15,0 1 16,0-1-1,-8-7-15,1 7 16,-8 1-16,-8-1 16,-7 1-1,0 7-15,-16-8 16,-14 1-16,-8 15 16,-15-16-16,7 8 15,0 15 1,-52-7-16,15 0 15,-61 0-15,22-1 16,16 9 0,-68-1-16,8 1 15,-8 7-15,15-8 16,-46 16-16,-29-8 16,75 15-1,-99 8-15,1-16 16,53 16-16,-54-15 15,69-1 1,-106 1-16,53 0 16,83 7-16,-136-23 15,53 24-15,68-16 16,-91-8 0,30 0-16,46 16 15,-53-23-15,68 15 16,-31 0-1,-14-8-15,7 0 16,45 8-16,-44-15 16,-1 0-16,90 15 15,-90-15 1,46 7-16,22-15 16,38 16-16,-53-9 15,60 9-15,-44-16 16,82 7-1,15 9-15,-7-8 16,-23-1-16,16 1 16,22 15-16,15-8 15,0 8 1,7 0-16,1 0 16,7 8-16,15 0 15,1-1 1,7 9-16,0 6 15,7 1-15,0 0 16,1 31-16,7 7 16,0 23-1,7 0-15,1-16 16,15 16-16,-8 8 16,7 15-16,1-23 15,0 23 1,-8-1-16,0-22 15,-7 16-15,-8 6 16,-8 17 0,-7-32-16,-8 1 15,23-92-15</inkml:trace>
-  <inkml:trace contextRef="#ctx0" brushRef="#br0" timeOffset="61293.32">12118 4556 0,'0'0'16,"0"0"-16,0 0 15,0 0-15,0 0 16,16-7-1,44-39-15,69-38 16,44-30-16,54-62 16,-45 8-1,-77 61-15</inkml:trace>
-  <inkml:trace contextRef="#ctx0" brushRef="#br0" timeOffset="145239.26">4899 7113 0,'0'0'0,"0"0"0,0 8 0,-15 167 16,7-106-16,-7 15 15,7 31-15,1-9 16,-1-14 0,1 15-16,-1 23 15,1-46-15,7-1 16,-8 17 0,0-16-16,8-23 15,0-16-15,0 1 16,0-46-16</inkml:trace>
-  <inkml:trace contextRef="#ctx0" brushRef="#br0" timeOffset="146391.73">4823 7144 0,'0'0'0,"0"0"15,0 0 1,0 0-16,0 0 16,0 0-16,0 0 15,8 15 1,7 0-16,8 1 16,14 6-16,24 9 15,14-8-15,16 7 16,15-22-1,38-8-15,-16-8 16,16 8-16,22-15 16,-7 0-16,30 0 15,-53-1 1,76-7-16,-1-15 16,-7 15-16,-7 8 15,7-8-15,23 16 16,-61-16-1,68 15-15,-22 0 16,0-7-16,22 0 16,-37 7-16,37 8 15,-75 0 1,53-23-16,14 23 16,-44-15-16,14 23 15,-7-39 1,15 31-16,-45 0 15,83 0-15,-60 0 16,52 8 0,-53-1-16,46 1 15,7 0-15,-97 7 16,97 16-16,-60-16 16,30 8-1,-83-23-15,75 7 16,-90-7-16,0 0 15,76 16-15,-84-16 16,-23 0 0,31-8-16,-7 8 15,-16-8-15,-15-7 16,0 0 0,7 7-16,-7 1 15,-7-1-15,-23 0 16,-8 1-16,-7-9 15,7 9 1,0 7-16,0-16 16,1 16-16,-9 0 15,1 0 1,0 0-16,-1 0 16,-7 0-16,0 8 15,1 0-15,-1 7 16,0 0-1,8 8-15,-8 0 16,7 15-16,-7 8 16,1 15-1,-9 8-15,-7-1 16,0 16-16,0-15 16,0 15-16,0-31 15,-7 1 1,-1-16-16,0-7 15,-14 7-15,-39 15 16,61-53 0</inkml:trace>
-  <inkml:trace contextRef="#ctx0" brushRef="#br0" timeOffset="147416.94">4838 8235 0,'0'0'15,"0"0"1,8 0-16,15 0 15,22 8-15,30-1 16,9 1-16,6 7 16,16 1-1,30-1-15,-22 8 16,29 0-16,24 0 16,-16-1-16,30-6 15,-37-16 1,90 0-16,-37 0 15,14-8-15,39 0 16,-46 1-16,61-1 16,-31-22-1,31 7-15,-23 0 16,67 15-16,1-15 16,-75 16-1,75-1-15,-61 0 16,54 1-16,-16 7 15,-45-15-15,53 30 16,-23-23 0,-83 1-16,83 14 15,0 1-15,-98-8 16,91-8-16,-31 8 16,-75 0-1,67-7-15,-74 7 16,59 7-16,-105-7 15,53 8 1,-8-8-16,15 7 16,-7 1-16,-76-8 15,53 0 1,0 0-16,-30 0 16,0 0-16,0 0 15,-38 0-15,-30 0 16,-8 15-1,-7-15-15,-8 0 16,-8 0-16,1 0 16,-8 0-1,0 0-15</inkml:trace>
-  <inkml:trace contextRef="#ctx0" brushRef="#br0" timeOffset="150923.79">6373 8571 0,'0'0'16,"0"0"-16,0 0 15,0 0-15,0 0 16,0 0-16,0 0 16,0 0-1,0 0-15,0 15 16,0 23-16,0 31 16,0 7-16,0 8 15,0 23 1,0 8-16,0-31 15,0 7-15,0 1 16,0 7 0,-8-38-16,8-15 15,0-8-15,0-7 16,0-1 0,0-7-16,0 0 15,0 0-15,0-8 16,0-7-16,0 7 15,0-7 1,0-8-16,0 0 16,0 0-16,0 0 15,0 0-15</inkml:trace>
-  <inkml:trace contextRef="#ctx0" brushRef="#br0" timeOffset="151696.28">6456 8548 0,'0'0'0,"0"0"15,-7 8-15,-1-1 16,-7 9 0,-15 29-16,-16 16 15,1 8-15,0-15 16,-1-1-16,8-15 15,8-7 1,7-16-16,8 0 16,8 0-16,-1-7 15,1 0 1,7-8-16,0 0 16,0 0-16,0 0 15,0 0-15,7-16 16,8-6-1,0-9-15,16 1 16,-1-9-16,0 1 16,-7 8-16,0 7 15,-8 8 1,0 7-16,-8 0 16,1 1-16,-1 7 15,1 0 1,0 0-16,7 0 15,0 0-15,0 7 16,0 1-16,8 7 16,-1 0-1,-6 1-15,-1-1 16,0-7-16,-8-1 16,1 1-16,-1-1 15,-7-7 1,0 0-16,-15 8 15,-7 0-15,-1-1 16,-7-7 0,-16-7-16,-7-1 15,1 0-15,-1 1 16,7-8-16,46 15 16</inkml:trace>
-  <inkml:trace contextRef="#ctx0" brushRef="#br0" timeOffset="153125.81">7106 3633 0,'0'0'0,"0"0"15,0 0 1,0 0-16,0 0 16,0 0-16,0 0 15,0 0 1,0 0-16,0 23 15,0 23-15,0-8 16,-7 30-16,-1 47 16,8-8-1,-7-23-15,-1 0 16,0 7-16,8 9 16,-7-17-16,-1 1 15,1 0 1,-8-7-16,0-9 15,7-29-15,0-9 16,1 1 0,-1-16-16,1 0 15,7-7-15,0-8 16,0 0-16,0 0 16,0 0-1,0 0-15,-8-15 16,1-8-16,-9-23 15,9 8-15,-8-1 16,0 9 0,0 7-16,-1 0 15,1 8-15,0 0 16,0-1 0,8 9-16,7 7 15,-8-8-15,8 8 16,0 0-16,0 0 15,0 0 1,15 8-16,8 7 16,15 8-16,-8-8 15,0 0-15,-7 1 16,-1-9 0,1 1-16,0-8 15,-8 0-15,8-8 16,-1-7-1,-7 0-15,0 7 16,-7 1-16,0-1 16,-8 8-16,0 0 15,0-8 1,-8 1-16,-22-1 16,-31 0-16,-7 1 15,0 7-15,8 15 16,-8 8-1,68-23-15</inkml:trace>
-  <inkml:trace contextRef="#ctx0" brushRef="#br0" timeOffset="199890.13">15392 4793 0,'0'0'0,"0"0"0,0 0 0,121-69 16,-46 31-16,-14 0 15,22-8 1,30-15-16,1-8 16,-8 1-16,30-9 15,-23 9-15,-45 30 16,46-23 0,6-1-16,-29 17 15,-23 7-15,15-1 16,-15 9-1,-22 15-15,-16 7 16,-30 8-16</inkml:trace>
-  <inkml:trace contextRef="#ctx0" brushRef="#br0" timeOffset="-208058.78">14711 7121 0,'0'0'15,"0"0"-15,0 0 16,8 7-16,0 16 16,-8 38-16,-8 31 15,-7 0 1,-15 37-16,-1 9 15,16-31-15,8-1 16,14 1 0,1-23-16,7-7 15,15 7-15,16-16 16,-46-68-16</inkml:trace>
-  <inkml:trace contextRef="#ctx0" brushRef="#br0" timeOffset="-207163.51">14908 6961 0,'0'0'0,"0"0"15,15 0-15,8-8 16,22-7 0,61-1-16,30 1 15,8-8-15,37 0 16,-52 8 0,97 0-16,-14-8 15,0 0-15,75 8 16,-45 7-16,-15 1 15,60-1 1,15 0-16,-97 1 16,120-9-16,-38 1 15,-23 7-15,24 1 16,-84-8 0,106 22-16,-83-7 15,-69-7 1,92-1-16,-69-15 15,23 15-15,-105 1 16,29 7-16,1 0 16,-46 0-16,-8-8 15,-7 8 1,-15 0-16,-7 0 16,-8 0-16,-8 0 15,-8-8 1,-6 8-16,-1 0 15,0 0-15,0 0 16,0-7-16,0 7 16,0 0-1,-7 7-15,-1 1 16,9 0 0,-1 22-16,-8-7 15,16 46-15,15 84 16,-8-62-16,8-7 15,22 61 1,-14-30-16,-1-1 16,-7 8-16,-16-15 15,1 7-15,-8 1 16,-15-46 0,-7 15-16,7-84 15</inkml:trace>
-  <inkml:trace contextRef="#ctx0" brushRef="#br0" timeOffset="-206587.72">14681 8479 0,'0'0'16,"15"0"0,38-7-16,53-16 15,15 8-15,83-8 16,23 7-1,7 1-15,76 0 16,30 7-16,-52 1 16,82-9-16,-60 16 15,144 8 1,-114 7-16,76-22 16,-76-1-16,98-7 15,-82 7-15,52 39 16,45 7-1,-112 46-15,120 23 16,-174-1-16,114-22 16,-303-61-16</inkml:trace>
-  <inkml:trace contextRef="#ctx0" brushRef="#br0" timeOffset="-176046.36">11257 8602 0,'0'0'0,"-16"38"16,-6 15 0,-1 23-16,0-15 15,1 1-15,7 14 16,-8 15-16,8 1 15,0 7 1,7 16-16,8-1 16,0-30-16,8 0 15,-1 23-15,1-54 16,-1-7 0,-7-46-16</inkml:trace>
-  <inkml:trace contextRef="#ctx0" brushRef="#br0" timeOffset="-175261.02">11287 8350 0,'0'0'16,"22"0"-16,16-8 15,45 0 1,54-15-16,-1 1 16,45-1-16,-52 0 15,52 0-15,8 0 16,8 15-1,-54 1-15,99-1 16,-91 0-16,121-7 16,-166 8-16,166-16 15,-113 15 1,45-22-16,-53 7 16,76 0-16,-68 15 15,22 8 1,-90 8-16,53 15 15,-23 0-15,-30-1 16,7 9-16,-7-8 16,-16-8-1,-22 0-15,-23-7 16,1 0-16,-9 7 16,-7 0-1,0 16-15,1 7 16,-9 31-16,-7-1 15,0 16-15,0 38 16,0 8 0,0 53-16,-7 0 15,7-15-15,-8 0 16,8-53 0,0 14-16,-8-60 15,-14 0-15,-8 0 16,30-69-1</inkml:trace>
-  <inkml:trace contextRef="#ctx0" brushRef="#br0" timeOffset="-174777.61">11098 9846 0,'0'0'0,"38"-16"16,67-14-1,1 7-15,129-23 16,-9 16-16,-21 7 15,135-8 1,-38 16-16,8 7 16,0 8-16,15 8 15,83 7-15,-166-7 16,250 15 0,-250-16-16,188 9 15,-339-9-15</inkml:trace>
-  <inkml:trace contextRef="#ctx0" brushRef="#br0" timeOffset="-153830.47">16193 9784 0,'0'0'0,"0"0"15,15-7-15,38-31 16,38-39-1,45-37-15,61-31 16,-8 23-16,52-77 16,16 31-16,-143 92 15</inkml:trace>
-  <inkml:trace contextRef="#ctx0" brushRef="#br0" timeOffset="-152913.5">19905 6136 0,'30'-23'15,"53"-68"-15,114-85 16,45 1-16,53-108 16,-220 215-1</inkml:trace>
-  <inkml:trace contextRef="#ctx0" brushRef="#br0" timeOffset="-149722.15">11990 6945 0,'7'-15'15,"24"-23"-15,14-8 16,46-30-1,45-39-15,15 24 16,53-1-16,-60 23 16</inkml:trace>
+  <inkml:trace contextRef="#ctx0" brushRef="#br0">8348 4749 0,'0'13'0,"0"14"16,0 52-1,0 54 1,13-14 0,40-13-1,26-27 1,80 119 0,-14-79-1,133-13 1,26 0-1,279-27 1,-41-79 15,-238 0-31,40-26 16,-278-146 15,-66 26-15,-13-131-1,-66 91 1,-199-250 0,-159 65-1,173 279 1,-226-27 0,239 106-1,-53 13 1,224 0-1,-12 13 1,39 53 15,40-26-31,-1-27 16</inkml:trace>
+  <inkml:trace contextRef="#ctx0" brushRef="#br0" timeOffset="1131.11">17079 3995 0,'0'0'0,"-66"0"0,-40 0 16,27 0-16,-80 0 31,-159 0-31,27 66 31,132-13-31,27 53 32,79-27-17,-13 54 1,40 118-1,26-52 1,0-41 0,172 54-1,-14-27 1,67 0 0,-79-132-1,528 133 16,-581-173-31,436-13 16,-79 0 0,555-212 15,-674 67-15,-66-41-1,-212 67 1,-67-106-1,-78 67 1,-252-186 0,-331-40-1,424 291 1,39 54-16</inkml:trace>
+  <inkml:trace contextRef="#ctx0" brushRef="#br0" timeOffset="2971.25">20598 4207 0,'-13'13'0,"-1"0"109,-25 14-93,12-1 0,14-13-1,0 14 204,-14-1-219,27-12 16,-13-1-1,-27 106 1,27-26 0,13 12-1,0-65-15,0 0 16,40 79-1,13-40 1,0-26 0,39 0-1,-39-27 1,40 14 0,13 0-1,66 0 1,-40-14-1,93 14 17,-93-27-17,-66-13 1,0 0 0,-13-27-1,-13 1 1,26-80-1,-26-13 1,0-66 0,-40 79-1,0 0 1,-27-13 0,-52 27-1,13 39 1,39 26-1,1 14 17,12 0-17</inkml:trace>
+  <inkml:trace contextRef="#ctx0" brushRef="#br0" timeOffset="20438.68">19751 5622 0,'-26'40'78,"-1"53"-62,1 52-16,13-13 15,-1 27 1,-39 132-1,0-79 1,-52 158 0,25-118-1,-78 224 1,38-79 0,-65 158-1,79-171 1,27-172-1,-186 515 1,213-515 15,12-106-15,0-27 0,40-52-1</inkml:trace>
+  <inkml:trace contextRef="#ctx0" brushRef="#br0" timeOffset="44176.4">19090 8758 0,'0'53'63,"0"39"-48,13 67-15,-13-119 16,0 39-16,0 67 16,0-27-1,0 13 17,13 0-17,0-13 1,-13-79-1,0 26 1,14-39 0,-1-27-1,-13 26 32,13-13-31,27 27-1,-1-40-15,81 26 16,78-26 0,-13 0 15,106 0-15,40 0-1,-172 0 1,66 0-16,238 0 15,-133 0 1,173 0 0,-212 0-1,66 0 1,-119 0 0,-119 0-1,120 0 1,-213 0-1,-13 0 79,0 0-78,27-39-16,-13-41 15,-14 1 1,106-331 0,-66 238-1,0-66 1,-53 132-16,0-40 16,0 14-1,0 66 1,0 39-1,0 14 1</inkml:trace>
+  <inkml:trace contextRef="#ctx0" brushRef="#br0" timeOffset="46038.65">20452 10134 0,'0'0'0,"-26"26"0,13 40 0,-14 53 16,-26 13-1,27-12-15,-80 104 31,27-78-15,-27 52 0,-13-92-1,0 13 1,-14-79 0,-105 53-1,-66-40 1,132-40-1,-450-13 1,-423 0 0,463 0-1,397 0-15,-1231 0 16,-171-40 0,515-79-1,-211-27 1,820 80 15,-265-40-15,371 54-1,-79-15 1,211 28 0,66 26-1,146 13 1,13-40 281,0-66-297,0 13 15,0-79 17,0 0-32,13 67 15,-13-1 1,26 26-1,-26 41 17,0-14-17,0 40 1</inkml:trace>
 </inkml:ink>
 </file>
 
@@ -7458,57 +7096,6 @@
           </a:p>
         </p:txBody>
       </p:sp>
-      <mc:AlternateContent xmlns:mc="http://schemas.openxmlformats.org/markup-compatibility/2006" xmlns:p14="http://schemas.microsoft.com/office/powerpoint/2010/main">
-        <mc:Choice Requires="p14">
-          <p:contentPart p14:bwMode="auto" r:id="rId2">
-            <p14:nvContentPartPr>
-              <p14:cNvPr id="5" name="Ink 4">
-                <a:extLst>
-                  <a:ext uri="{FF2B5EF4-FFF2-40B4-BE49-F238E27FC236}">
-                    <a16:creationId xmlns:a16="http://schemas.microsoft.com/office/drawing/2014/main" id="{F3F37D50-EAD3-4A35-8BB0-5D2BF16DE568}"/>
-                  </a:ext>
-                </a:extLst>
-              </p14:cNvPr>
-              <p14:cNvContentPartPr/>
-              <p14:nvPr/>
-            </p14:nvContentPartPr>
-            <p14:xfrm>
-              <a:off x="3061800" y="1634760"/>
-              <a:ext cx="1026360" cy="459360"/>
-            </p14:xfrm>
-          </p:contentPart>
-        </mc:Choice>
-        <mc:Fallback xmlns="">
-          <p:pic>
-            <p:nvPicPr>
-              <p:cNvPr id="5" name="Ink 4">
-                <a:extLst>
-                  <a:ext uri="{FF2B5EF4-FFF2-40B4-BE49-F238E27FC236}">
-                    <a16:creationId xmlns:a16="http://schemas.microsoft.com/office/drawing/2014/main" id="{F3F37D50-EAD3-4A35-8BB0-5D2BF16DE568}"/>
-                  </a:ext>
-                </a:extLst>
-              </p:cNvPr>
-              <p:cNvPicPr/>
-              <p:nvPr/>
-            </p:nvPicPr>
-            <p:blipFill>
-              <a:blip r:embed="rId3"/>
-              <a:stretch>
-                <a:fillRect/>
-              </a:stretch>
-            </p:blipFill>
-            <p:spPr>
-              <a:xfrm>
-                <a:off x="3052440" y="1625400"/>
-                <a:ext cx="1045080" cy="478080"/>
-              </a:xfrm>
-              <a:prstGeom prst="rect">
-                <a:avLst/>
-              </a:prstGeom>
-            </p:spPr>
-          </p:pic>
-        </mc:Fallback>
-      </mc:AlternateContent>
     </p:spTree>
     <p:extLst>
       <p:ext uri="{BB962C8B-B14F-4D97-AF65-F5344CB8AC3E}">
@@ -7788,6 +7375,57 @@
           </a:p>
         </p:txBody>
       </p:sp>
+      <mc:AlternateContent xmlns:mc="http://schemas.openxmlformats.org/markup-compatibility/2006" xmlns:p14="http://schemas.microsoft.com/office/powerpoint/2010/main">
+        <mc:Choice Requires="p14">
+          <p:contentPart p14:bwMode="auto" r:id="rId2">
+            <p14:nvContentPartPr>
+              <p14:cNvPr id="5" name="Ink 4">
+                <a:extLst>
+                  <a:ext uri="{FF2B5EF4-FFF2-40B4-BE49-F238E27FC236}">
+                    <a16:creationId xmlns:a16="http://schemas.microsoft.com/office/drawing/2014/main" id="{4609A41F-14AC-4FC7-9AF8-3C13D4B0529D}"/>
+                  </a:ext>
+                </a:extLst>
+              </p14:cNvPr>
+              <p14:cNvContentPartPr/>
+              <p14:nvPr/>
+            </p14:nvContentPartPr>
+            <p14:xfrm>
+              <a:off x="1219320" y="2233440"/>
+              <a:ext cx="3000600" cy="2048400"/>
+            </p14:xfrm>
+          </p:contentPart>
+        </mc:Choice>
+        <mc:Fallback xmlns="">
+          <p:pic>
+            <p:nvPicPr>
+              <p:cNvPr id="5" name="Ink 4">
+                <a:extLst>
+                  <a:ext uri="{FF2B5EF4-FFF2-40B4-BE49-F238E27FC236}">
+                    <a16:creationId xmlns:a16="http://schemas.microsoft.com/office/drawing/2014/main" id="{4609A41F-14AC-4FC7-9AF8-3C13D4B0529D}"/>
+                  </a:ext>
+                </a:extLst>
+              </p:cNvPr>
+              <p:cNvPicPr/>
+              <p:nvPr/>
+            </p:nvPicPr>
+            <p:blipFill>
+              <a:blip r:embed="rId3"/>
+              <a:stretch>
+                <a:fillRect/>
+              </a:stretch>
+            </p:blipFill>
+            <p:spPr>
+              <a:xfrm>
+                <a:off x="1209960" y="2224080"/>
+                <a:ext cx="3019320" cy="2067120"/>
+              </a:xfrm>
+              <a:prstGeom prst="rect">
+                <a:avLst/>
+              </a:prstGeom>
+            </p:spPr>
+          </p:pic>
+        </mc:Fallback>
+      </mc:AlternateContent>
     </p:spTree>
     <p:extLst>
       <p:ext uri="{BB962C8B-B14F-4D97-AF65-F5344CB8AC3E}">
@@ -8195,10 +7833,10 @@
         <mc:Choice Requires="p14">
           <p:contentPart p14:bwMode="auto" r:id="rId3">
             <p14:nvContentPartPr>
-              <p14:cNvPr id="2" name="Ink 1">
+              <p14:cNvPr id="3" name="Ink 2">
                 <a:extLst>
                   <a:ext uri="{FF2B5EF4-FFF2-40B4-BE49-F238E27FC236}">
-                    <a16:creationId xmlns:a16="http://schemas.microsoft.com/office/drawing/2014/main" id="{35B4A546-91FE-4E4D-B3A1-3422C0D307D8}"/>
+                    <a16:creationId xmlns:a16="http://schemas.microsoft.com/office/drawing/2014/main" id="{AFA21691-908B-4D4F-802B-8F43E9F098DF}"/>
                   </a:ext>
                 </a:extLst>
               </p14:cNvPr>
@@ -8206,18 +7844,18 @@
               <p14:nvPr/>
             </p14:nvContentPartPr>
             <p14:xfrm>
-              <a:off x="737640" y="1632240"/>
-              <a:ext cx="8287200" cy="2689920"/>
+              <a:off x="900000" y="990720"/>
+              <a:ext cx="4962960" cy="2967120"/>
             </p14:xfrm>
           </p:contentPart>
         </mc:Choice>
         <mc:Fallback xmlns="">
           <p:pic>
             <p:nvPicPr>
-              <p:cNvPr id="2" name="Ink 1">
+              <p:cNvPr id="3" name="Ink 2">
                 <a:extLst>
                   <a:ext uri="{FF2B5EF4-FFF2-40B4-BE49-F238E27FC236}">
-                    <a16:creationId xmlns:a16="http://schemas.microsoft.com/office/drawing/2014/main" id="{35B4A546-91FE-4E4D-B3A1-3422C0D307D8}"/>
+                    <a16:creationId xmlns:a16="http://schemas.microsoft.com/office/drawing/2014/main" id="{AFA21691-908B-4D4F-802B-8F43E9F098DF}"/>
                   </a:ext>
                 </a:extLst>
               </p:cNvPr>
@@ -8232,8 +7870,8 @@
             </p:blipFill>
             <p:spPr>
               <a:xfrm>
-                <a:off x="728280" y="1622880"/>
-                <a:ext cx="8305920" cy="2708640"/>
+                <a:off x="890640" y="981360"/>
+                <a:ext cx="4981680" cy="2985840"/>
               </a:xfrm>
               <a:prstGeom prst="rect">
                 <a:avLst/>
@@ -9602,57 +9240,6 @@
           </a:p>
         </p:txBody>
       </p:sp>
-      <mc:AlternateContent xmlns:mc="http://schemas.openxmlformats.org/markup-compatibility/2006">
-        <mc:Choice xmlns:p14="http://schemas.microsoft.com/office/powerpoint/2010/main" Requires="p14">
-          <p:contentPart p14:bwMode="auto" r:id="rId2">
-            <p14:nvContentPartPr>
-              <p14:cNvPr id="5" name="Ink 4">
-                <a:extLst>
-                  <a:ext uri="{FF2B5EF4-FFF2-40B4-BE49-F238E27FC236}">
-                    <a16:creationId xmlns:a16="http://schemas.microsoft.com/office/drawing/2014/main" id="{2CA307A7-443E-4E62-A079-9DDFF4E2AB33}"/>
-                  </a:ext>
-                </a:extLst>
-              </p14:cNvPr>
-              <p14:cNvContentPartPr/>
-              <p14:nvPr/>
-            </p14:nvContentPartPr>
-            <p14:xfrm>
-              <a:off x="1355400" y="1294200"/>
-              <a:ext cx="7786440" cy="2978640"/>
-            </p14:xfrm>
-          </p:contentPart>
-        </mc:Choice>
-        <mc:Fallback>
-          <p:pic>
-            <p:nvPicPr>
-              <p:cNvPr id="5" name="Ink 4">
-                <a:extLst>
-                  <a:ext uri="{FF2B5EF4-FFF2-40B4-BE49-F238E27FC236}">
-                    <a16:creationId xmlns:a16="http://schemas.microsoft.com/office/drawing/2014/main" id="{2CA307A7-443E-4E62-A079-9DDFF4E2AB33}"/>
-                  </a:ext>
-                </a:extLst>
-              </p:cNvPr>
-              <p:cNvPicPr/>
-              <p:nvPr/>
-            </p:nvPicPr>
-            <p:blipFill>
-              <a:blip r:embed="rId3"/>
-              <a:stretch>
-                <a:fillRect/>
-              </a:stretch>
-            </p:blipFill>
-            <p:spPr>
-              <a:xfrm>
-                <a:off x="1346040" y="1284840"/>
-                <a:ext cx="7805160" cy="2997360"/>
-              </a:xfrm>
-              <a:prstGeom prst="rect">
-                <a:avLst/>
-              </a:prstGeom>
-            </p:spPr>
-          </p:pic>
-        </mc:Fallback>
-      </mc:AlternateContent>
     </p:spTree>
     <p:extLst>
       <p:ext uri="{BB962C8B-B14F-4D97-AF65-F5344CB8AC3E}">
@@ -9732,57 +9319,6 @@
           </a:graphicData>
         </a:graphic>
       </p:graphicFrame>
-      <mc:AlternateContent xmlns:mc="http://schemas.openxmlformats.org/markup-compatibility/2006">
-        <mc:Choice xmlns:p14="http://schemas.microsoft.com/office/powerpoint/2010/main" Requires="p14">
-          <p:contentPart p14:bwMode="auto" r:id="rId3">
-            <p14:nvContentPartPr>
-              <p14:cNvPr id="3" name="Ink 2">
-                <a:extLst>
-                  <a:ext uri="{FF2B5EF4-FFF2-40B4-BE49-F238E27FC236}">
-                    <a16:creationId xmlns:a16="http://schemas.microsoft.com/office/drawing/2014/main" id="{4A440164-0221-4835-A619-7183B3E99BCC}"/>
-                  </a:ext>
-                </a:extLst>
-              </p14:cNvPr>
-              <p14:cNvContentPartPr/>
-              <p14:nvPr/>
-            </p14:nvContentPartPr>
-            <p14:xfrm>
-              <a:off x="1570320" y="2351880"/>
-              <a:ext cx="2142360" cy="1973160"/>
-            </p14:xfrm>
-          </p:contentPart>
-        </mc:Choice>
-        <mc:Fallback>
-          <p:pic>
-            <p:nvPicPr>
-              <p:cNvPr id="3" name="Ink 2">
-                <a:extLst>
-                  <a:ext uri="{FF2B5EF4-FFF2-40B4-BE49-F238E27FC236}">
-                    <a16:creationId xmlns:a16="http://schemas.microsoft.com/office/drawing/2014/main" id="{4A440164-0221-4835-A619-7183B3E99BCC}"/>
-                  </a:ext>
-                </a:extLst>
-              </p:cNvPr>
-              <p:cNvPicPr/>
-              <p:nvPr/>
-            </p:nvPicPr>
-            <p:blipFill>
-              <a:blip r:embed="rId4"/>
-              <a:stretch>
-                <a:fillRect/>
-              </a:stretch>
-            </p:blipFill>
-            <p:spPr>
-              <a:xfrm>
-                <a:off x="1560960" y="2342520"/>
-                <a:ext cx="2161080" cy="1991880"/>
-              </a:xfrm>
-              <a:prstGeom prst="rect">
-                <a:avLst/>
-              </a:prstGeom>
-            </p:spPr>
-          </p:pic>
-        </mc:Fallback>
-      </mc:AlternateContent>
     </p:spTree>
     <p:extLst>
       <p:ext uri="{BB962C8B-B14F-4D97-AF65-F5344CB8AC3E}">
@@ -10027,7 +9563,13 @@
       </p:grpSpPr>
       <p:sp>
         <p:nvSpPr>
-          <p:cNvPr id="2" name="Title 1"/>
+          <p:cNvPr id="2" name="Title 1">
+            <a:extLst>
+              <a:ext uri="{FF2B5EF4-FFF2-40B4-BE49-F238E27FC236}">
+                <a16:creationId xmlns:a16="http://schemas.microsoft.com/office/drawing/2014/main" id="{88379114-FAA0-49EB-86E9-88BC4503F1BD}"/>
+              </a:ext>
+            </a:extLst>
+          </p:cNvPr>
           <p:cNvSpPr>
             <a:spLocks noGrp="1"/>
           </p:cNvSpPr>
@@ -10040,96 +9582,109 @@
           <a:bodyPr/>
           <a:lstStyle/>
           <a:p>
-            <a:r>
-              <a:rPr lang="en-US" sz="3000" dirty="0" err="1"/>
-              <a:t>Probabilidad</a:t>
-            </a:r>
-            <a:r>
-              <a:rPr lang="en-US" sz="3000" dirty="0"/>
-              <a:t> de que </a:t>
-            </a:r>
-            <a:r>
-              <a:rPr lang="en-US" sz="3000" dirty="0" err="1"/>
-              <a:t>suceda</a:t>
-            </a:r>
-            <a:r>
-              <a:rPr lang="en-US" sz="3000" dirty="0"/>
-              <a:t> un </a:t>
-            </a:r>
-            <a:r>
-              <a:rPr lang="en-US" sz="3000" dirty="0" err="1"/>
-              <a:t>evento</a:t>
-            </a:r>
-            <a:endParaRPr lang="en-US" sz="3000" dirty="0"/>
+            <a:endParaRPr lang="en-US"/>
           </a:p>
         </p:txBody>
       </p:sp>
-      <p:pic>
-        <p:nvPicPr>
-          <p:cNvPr id="4" name="Picture 3"/>
-          <p:cNvPicPr>
-            <a:picLocks noChangeAspect="1"/>
-          </p:cNvPicPr>
-          <p:nvPr/>
-        </p:nvPicPr>
-        <p:blipFill>
-          <a:blip r:embed="rId2"/>
-          <a:stretch>
-            <a:fillRect/>
-          </a:stretch>
-        </p:blipFill>
-        <p:spPr>
-          <a:xfrm>
-            <a:off x="2166028" y="1366767"/>
-            <a:ext cx="3027100" cy="3027100"/>
-          </a:xfrm>
-          <a:prstGeom prst="rect">
-            <a:avLst/>
-          </a:prstGeom>
-        </p:spPr>
-      </p:pic>
       <p:sp>
         <p:nvSpPr>
-          <p:cNvPr id="5" name="TextBox 4"/>
-          <p:cNvSpPr txBox="1"/>
-          <p:nvPr/>
+          <p:cNvPr id="4" name="Slide Number Placeholder 3">
+            <a:extLst>
+              <a:ext uri="{FF2B5EF4-FFF2-40B4-BE49-F238E27FC236}">
+                <a16:creationId xmlns:a16="http://schemas.microsoft.com/office/drawing/2014/main" id="{B95D1EAF-E966-435E-80CB-7C72A3C7CA74}"/>
+              </a:ext>
+            </a:extLst>
+          </p:cNvPr>
+          <p:cNvSpPr>
+            <a:spLocks noGrp="1"/>
+          </p:cNvSpPr>
+          <p:nvPr>
+            <p:ph type="sldNum" idx="12"/>
+          </p:nvPr>
         </p:nvSpPr>
-        <p:spPr>
-          <a:xfrm>
-            <a:off x="5754258" y="2526450"/>
-            <a:ext cx="2246743" cy="507831"/>
-          </a:xfrm>
-          <a:prstGeom prst="rect">
-            <a:avLst/>
-          </a:prstGeom>
-          <a:noFill/>
-        </p:spPr>
+        <p:spPr/>
         <p:txBody>
-          <a:bodyPr wrap="square" rtlCol="0">
-            <a:spAutoFit/>
-          </a:bodyPr>
+          <a:bodyPr/>
           <a:lstStyle/>
           <a:p>
-            <a:r>
-              <a:rPr lang="en-US" sz="2700" dirty="0"/>
-              <a:t>P = 1/12</a:t>
-            </a:r>
+            <a:pPr marL="0" lvl="0" indent="0">
+              <a:spcBef>
+                <a:spcPts val="0"/>
+              </a:spcBef>
+              <a:spcAft>
+                <a:spcPts val="0"/>
+              </a:spcAft>
+              <a:buNone/>
+            </a:pPr>
+            <a:fld id="{00000000-1234-1234-1234-123412341234}" type="slidenum">
+              <a:rPr lang="en" smtClean="0"/>
+              <a:t>23</a:t>
+            </a:fld>
+            <a:endParaRPr lang="en"/>
           </a:p>
         </p:txBody>
       </p:sp>
+      <mc:AlternateContent xmlns:mc="http://schemas.openxmlformats.org/markup-compatibility/2006">
+        <mc:Choice xmlns:p14="http://schemas.microsoft.com/office/powerpoint/2010/main" Requires="p14">
+          <p:contentPart p14:bwMode="auto" r:id="rId2">
+            <p14:nvContentPartPr>
+              <p14:cNvPr id="5" name="Ink 4">
+                <a:extLst>
+                  <a:ext uri="{FF2B5EF4-FFF2-40B4-BE49-F238E27FC236}">
+                    <a16:creationId xmlns:a16="http://schemas.microsoft.com/office/drawing/2014/main" id="{D09D0D86-DF86-4790-A2FB-D95212F8E04F}"/>
+                  </a:ext>
+                </a:extLst>
+              </p14:cNvPr>
+              <p14:cNvContentPartPr/>
+              <p14:nvPr/>
+            </p14:nvContentPartPr>
+            <p14:xfrm>
+              <a:off x="1243080" y="1600200"/>
+              <a:ext cx="6629760" cy="1748160"/>
+            </p14:xfrm>
+          </p:contentPart>
+        </mc:Choice>
+        <mc:Fallback>
+          <p:pic>
+            <p:nvPicPr>
+              <p:cNvPr id="5" name="Ink 4">
+                <a:extLst>
+                  <a:ext uri="{FF2B5EF4-FFF2-40B4-BE49-F238E27FC236}">
+                    <a16:creationId xmlns:a16="http://schemas.microsoft.com/office/drawing/2014/main" id="{D09D0D86-DF86-4790-A2FB-D95212F8E04F}"/>
+                  </a:ext>
+                </a:extLst>
+              </p:cNvPr>
+              <p:cNvPicPr/>
+              <p:nvPr/>
+            </p:nvPicPr>
+            <p:blipFill>
+              <a:blip r:embed="rId3"/>
+              <a:stretch>
+                <a:fillRect/>
+              </a:stretch>
+            </p:blipFill>
+            <p:spPr>
+              <a:xfrm>
+                <a:off x="1233720" y="1590840"/>
+                <a:ext cx="6648480" cy="1766880"/>
+              </a:xfrm>
+              <a:prstGeom prst="rect">
+                <a:avLst/>
+              </a:prstGeom>
+            </p:spPr>
+          </p:pic>
+        </mc:Fallback>
+      </mc:AlternateContent>
     </p:spTree>
     <p:extLst>
       <p:ext uri="{BB962C8B-B14F-4D97-AF65-F5344CB8AC3E}">
-        <p14:creationId xmlns:p14="http://schemas.microsoft.com/office/powerpoint/2010/main" val="700681204"/>
+        <p14:creationId xmlns:p14="http://schemas.microsoft.com/office/powerpoint/2010/main" val="1813003008"/>
       </p:ext>
     </p:extLst>
   </p:cSld>
   <p:clrMapOvr>
     <a:masterClrMapping/>
   </p:clrMapOvr>
-  <p:transition>
-    <p:fade thruBlk="1"/>
-  </p:transition>
 </p:sld>
 </file>
 
@@ -10152,7 +9707,7 @@
       </p:grpSpPr>
       <p:sp>
         <p:nvSpPr>
-          <p:cNvPr id="2" name="Título 1"/>
+          <p:cNvPr id="2" name="Title 1"/>
           <p:cNvSpPr>
             <a:spLocks noGrp="1"/>
           </p:cNvSpPr>
@@ -10166,20 +9721,146 @@
           <a:lstStyle/>
           <a:p>
             <a:r>
-              <a:rPr lang="es-MX" dirty="0"/>
-              <a:t>Teorema de </a:t>
-            </a:r>
-            <a:r>
-              <a:rPr lang="es-MX" dirty="0" err="1"/>
-              <a:t>Bayes</a:t>
-            </a:r>
-            <a:endParaRPr lang="es-MX" dirty="0"/>
+              <a:rPr lang="en-US" dirty="0"/>
+              <a:t>Scoring</a:t>
+            </a:r>
           </a:p>
         </p:txBody>
       </p:sp>
       <p:sp>
         <p:nvSpPr>
-          <p:cNvPr id="4" name="Marcador de número de diapositiva 3"/>
+          <p:cNvPr id="3" name="Text Placeholder 2"/>
+          <p:cNvSpPr>
+            <a:spLocks noGrp="1"/>
+          </p:cNvSpPr>
+          <p:nvPr>
+            <p:ph type="body" idx="1"/>
+          </p:nvPr>
+        </p:nvSpPr>
+        <p:spPr/>
+        <p:txBody>
+          <a:bodyPr/>
+          <a:lstStyle/>
+          <a:p>
+            <a:r>
+              <a:rPr lang="en-US" dirty="0"/>
+              <a:t>Como </a:t>
+            </a:r>
+            <a:r>
+              <a:rPr lang="en-US" dirty="0" err="1"/>
+              <a:t>calificamos</a:t>
+            </a:r>
+            <a:r>
+              <a:rPr lang="en-US" dirty="0"/>
+              <a:t> </a:t>
+            </a:r>
+            <a:r>
+              <a:rPr lang="en-US" dirty="0" err="1"/>
+              <a:t>si</a:t>
+            </a:r>
+            <a:r>
+              <a:rPr lang="en-US" dirty="0"/>
+              <a:t> un </a:t>
+            </a:r>
+            <a:r>
+              <a:rPr lang="en-US" dirty="0" err="1"/>
+              <a:t>modelo</a:t>
+            </a:r>
+            <a:r>
+              <a:rPr lang="en-US" dirty="0"/>
+              <a:t> </a:t>
+            </a:r>
+            <a:r>
+              <a:rPr lang="en-US" dirty="0" err="1"/>
+              <a:t>es</a:t>
+            </a:r>
+            <a:r>
+              <a:rPr lang="en-US" dirty="0"/>
+              <a:t> </a:t>
+            </a:r>
+            <a:r>
+              <a:rPr lang="en-US" dirty="0" err="1"/>
+              <a:t>bueno</a:t>
+            </a:r>
+            <a:r>
+              <a:rPr lang="en-US" dirty="0"/>
+              <a:t> o </a:t>
+            </a:r>
+            <a:r>
+              <a:rPr lang="en-US" dirty="0" err="1"/>
+              <a:t>malo</a:t>
+            </a:r>
+            <a:r>
+              <a:rPr lang="en-US" dirty="0"/>
+              <a:t>?</a:t>
+            </a:r>
+          </a:p>
+          <a:p>
+            <a:endParaRPr lang="en-US" dirty="0"/>
+          </a:p>
+          <a:p>
+            <a:r>
+              <a:rPr lang="en-US" dirty="0"/>
+              <a:t>Que </a:t>
+            </a:r>
+            <a:r>
+              <a:rPr lang="en-US" dirty="0" err="1"/>
+              <a:t>creen</a:t>
+            </a:r>
+            <a:r>
+              <a:rPr lang="en-US" dirty="0"/>
+              <a:t> que </a:t>
+            </a:r>
+            <a:r>
+              <a:rPr lang="en-US" dirty="0" err="1"/>
+              <a:t>debemos</a:t>
+            </a:r>
+            <a:r>
+              <a:rPr lang="en-US" dirty="0"/>
+              <a:t> </a:t>
+            </a:r>
+            <a:r>
+              <a:rPr lang="en-US" dirty="0" err="1"/>
+              <a:t>considerar</a:t>
+            </a:r>
+            <a:r>
+              <a:rPr lang="en-US" dirty="0"/>
+              <a:t> </a:t>
+            </a:r>
+            <a:r>
+              <a:rPr lang="en-US" dirty="0" err="1"/>
+              <a:t>en</a:t>
+            </a:r>
+            <a:r>
+              <a:rPr lang="en-US" dirty="0"/>
+              <a:t> </a:t>
+            </a:r>
+            <a:r>
+              <a:rPr lang="en-US" dirty="0" err="1"/>
+              <a:t>una</a:t>
+            </a:r>
+            <a:r>
+              <a:rPr lang="en-US" dirty="0"/>
+              <a:t> m</a:t>
+            </a:r>
+            <a:r>
+              <a:rPr lang="es-ES" dirty="0" err="1"/>
+              <a:t>étrica</a:t>
+            </a:r>
+            <a:r>
+              <a:rPr lang="es-ES" dirty="0"/>
+              <a:t>?</a:t>
+            </a:r>
+            <a:endParaRPr lang="en-US" dirty="0"/>
+          </a:p>
+          <a:p>
+            <a:endParaRPr lang="en-US" dirty="0"/>
+          </a:p>
+        </p:txBody>
+      </p:sp>
+      <p:sp>
+        <p:nvSpPr>
+          <p:cNvPr id="4" name="Slide Number Placeholder 3"/>
           <p:cNvSpPr>
             <a:spLocks noGrp="1"/>
           </p:cNvSpPr>
@@ -10201,336 +9882,10 @@
           </a:p>
         </p:txBody>
       </p:sp>
-      <mc:AlternateContent xmlns:mc="http://schemas.openxmlformats.org/markup-compatibility/2006" xmlns:a14="http://schemas.microsoft.com/office/drawing/2010/main">
-        <mc:Choice Requires="a14">
-          <p:sp>
-            <p:nvSpPr>
-              <p:cNvPr id="5" name="Marcador de texto 4"/>
-              <p:cNvSpPr>
-                <a:spLocks noGrp="1"/>
-              </p:cNvSpPr>
-              <p:nvPr>
-                <p:ph type="body" idx="1"/>
-              </p:nvPr>
-            </p:nvSpPr>
-            <p:spPr>
-              <a:xfrm>
-                <a:off x="1108075" y="1671176"/>
-                <a:ext cx="6927850" cy="3079749"/>
-              </a:xfrm>
-            </p:spPr>
-            <p:txBody>
-              <a:bodyPr/>
-              <a:lstStyle/>
-              <a:p>
-                <a14:m>
-                  <m:oMath xmlns:m="http://schemas.openxmlformats.org/officeDocument/2006/math">
-                    <m:r>
-                      <a:rPr lang="en-US" sz="2400" i="1" smtClean="0">
-                        <a:latin typeface="Cambria Math" panose="02040503050406030204" pitchFamily="18" charset="0"/>
-                      </a:rPr>
-                      <m:t>𝑃</m:t>
-                    </m:r>
-                    <m:d>
-                      <m:dPr>
-                        <m:sepChr m:val="∣"/>
-                        <m:ctrlPr>
-                          <a:rPr lang="en-US" sz="2400" i="1" smtClean="0">
-                            <a:latin typeface="Cambria Math" panose="02040503050406030204" pitchFamily="18" charset="0"/>
-                          </a:rPr>
-                        </m:ctrlPr>
-                      </m:dPr>
-                      <m:e>
-                        <m:r>
-                          <a:rPr lang="en-US" sz="2400" i="1" smtClean="0">
-                            <a:latin typeface="Cambria Math" panose="02040503050406030204" pitchFamily="18" charset="0"/>
-                          </a:rPr>
-                          <m:t>𝐴</m:t>
-                        </m:r>
-                      </m:e>
-                      <m:e>
-                        <m:r>
-                          <a:rPr lang="en-US" sz="2400" i="1">
-                            <a:latin typeface="Cambria Math" panose="02040503050406030204" pitchFamily="18" charset="0"/>
-                          </a:rPr>
-                          <m:t>𝐵</m:t>
-                        </m:r>
-                      </m:e>
-                    </m:d>
-                    <m:r>
-                      <a:rPr lang="en-US" sz="2400" i="1" smtClean="0">
-                        <a:latin typeface="Cambria Math" panose="02040503050406030204" pitchFamily="18" charset="0"/>
-                      </a:rPr>
-                      <m:t>= </m:t>
-                    </m:r>
-                    <m:f>
-                      <m:fPr>
-                        <m:ctrlPr>
-                          <a:rPr lang="en-US" sz="2400" i="1" smtClean="0">
-                            <a:latin typeface="Cambria Math" panose="02040503050406030204" pitchFamily="18" charset="0"/>
-                          </a:rPr>
-                        </m:ctrlPr>
-                      </m:fPr>
-                      <m:num>
-                        <m:r>
-                          <a:rPr lang="en-US" sz="2400" i="1">
-                            <a:latin typeface="Cambria Math" panose="02040503050406030204" pitchFamily="18" charset="0"/>
-                          </a:rPr>
-                          <m:t>𝑃</m:t>
-                        </m:r>
-                        <m:d>
-                          <m:dPr>
-                            <m:ctrlPr>
-                              <a:rPr lang="en-US" sz="2400" i="1">
-                                <a:latin typeface="Cambria Math" panose="02040503050406030204" pitchFamily="18" charset="0"/>
-                              </a:rPr>
-                            </m:ctrlPr>
-                          </m:dPr>
-                          <m:e>
-                            <m:r>
-                              <a:rPr lang="en-US" sz="2400" i="1">
-                                <a:latin typeface="Cambria Math" panose="02040503050406030204" pitchFamily="18" charset="0"/>
-                              </a:rPr>
-                              <m:t>𝐵</m:t>
-                            </m:r>
-                            <m:r>
-                              <a:rPr lang="en-US" sz="2400" i="1">
-                                <a:latin typeface="Cambria Math" panose="02040503050406030204" pitchFamily="18" charset="0"/>
-                              </a:rPr>
-                              <m:t>∣ </m:t>
-                            </m:r>
-                            <m:r>
-                              <a:rPr lang="en-US" sz="2400" i="1">
-                                <a:latin typeface="Cambria Math" panose="02040503050406030204" pitchFamily="18" charset="0"/>
-                              </a:rPr>
-                              <m:t>𝐴</m:t>
-                            </m:r>
-                          </m:e>
-                        </m:d>
-                        <m:r>
-                          <a:rPr lang="en-US" sz="2400" i="1">
-                            <a:latin typeface="Cambria Math" panose="02040503050406030204" pitchFamily="18" charset="0"/>
-                          </a:rPr>
-                          <m:t>𝑃</m:t>
-                        </m:r>
-                        <m:d>
-                          <m:dPr>
-                            <m:ctrlPr>
-                              <a:rPr lang="en-US" sz="2400" i="1">
-                                <a:latin typeface="Cambria Math" panose="02040503050406030204" pitchFamily="18" charset="0"/>
-                              </a:rPr>
-                            </m:ctrlPr>
-                          </m:dPr>
-                          <m:e>
-                            <m:r>
-                              <a:rPr lang="en-US" sz="2400" i="1">
-                                <a:latin typeface="Cambria Math" panose="02040503050406030204" pitchFamily="18" charset="0"/>
-                              </a:rPr>
-                              <m:t>𝐴</m:t>
-                            </m:r>
-                          </m:e>
-                        </m:d>
-                      </m:num>
-                      <m:den>
-                        <m:r>
-                          <a:rPr lang="en-US" sz="2400" i="1">
-                            <a:latin typeface="Cambria Math" panose="02040503050406030204" pitchFamily="18" charset="0"/>
-                          </a:rPr>
-                          <m:t>𝑃</m:t>
-                        </m:r>
-                        <m:d>
-                          <m:dPr>
-                            <m:ctrlPr>
-                              <a:rPr lang="en-US" sz="2400" i="1">
-                                <a:latin typeface="Cambria Math" panose="02040503050406030204" pitchFamily="18" charset="0"/>
-                              </a:rPr>
-                            </m:ctrlPr>
-                          </m:dPr>
-                          <m:e>
-                            <m:r>
-                              <a:rPr lang="es-MX" sz="2400" b="0" i="1" smtClean="0">
-                                <a:latin typeface="Cambria Math" panose="02040503050406030204" pitchFamily="18" charset="0"/>
-                              </a:rPr>
-                              <m:t>𝐵</m:t>
-                            </m:r>
-                          </m:e>
-                        </m:d>
-                      </m:den>
-                    </m:f>
-                  </m:oMath>
-                </a14:m>
-                <a:endParaRPr lang="es-MX" sz="2400" dirty="0"/>
-              </a:p>
-              <a:p>
-                <a:endParaRPr lang="es-MX" sz="2400" dirty="0"/>
-              </a:p>
-              <a:p>
-                <a14:m>
-                  <m:oMath xmlns:m="http://schemas.openxmlformats.org/officeDocument/2006/math">
-                    <m:r>
-                      <a:rPr lang="en-US" sz="2400" i="1" dirty="0" smtClean="0">
-                        <a:latin typeface="Cambria Math" panose="02040503050406030204" pitchFamily="18" charset="0"/>
-                      </a:rPr>
-                      <m:t>𝑃</m:t>
-                    </m:r>
-                    <m:d>
-                      <m:dPr>
-                        <m:sepChr m:val="∣"/>
-                        <m:ctrlPr>
-                          <a:rPr lang="en-US" sz="2400" i="1" dirty="0" smtClean="0">
-                            <a:latin typeface="Cambria Math" panose="02040503050406030204" pitchFamily="18" charset="0"/>
-                          </a:rPr>
-                        </m:ctrlPr>
-                      </m:dPr>
-                      <m:e>
-                        <m:r>
-                          <a:rPr lang="en-US" sz="2400" i="1" dirty="0" smtClean="0">
-                            <a:latin typeface="Cambria Math" panose="02040503050406030204" pitchFamily="18" charset="0"/>
-                          </a:rPr>
-                          <m:t>𝐴</m:t>
-                        </m:r>
-                      </m:e>
-                      <m:e>
-                        <m:r>
-                          <a:rPr lang="en-US" sz="2400" i="1" dirty="0">
-                            <a:latin typeface="Cambria Math" panose="02040503050406030204" pitchFamily="18" charset="0"/>
-                          </a:rPr>
-                          <m:t>𝐵</m:t>
-                        </m:r>
-                      </m:e>
-                    </m:d>
-                  </m:oMath>
-                </a14:m>
-                <a:r>
-                  <a:rPr lang="es-MX" sz="2400" i="1" dirty="0">
-                    <a:latin typeface="Cambria Math" panose="02040503050406030204" pitchFamily="18" charset="0"/>
-                  </a:rPr>
-                  <a:t> Es una probabilidad Condicional</a:t>
-                </a:r>
-              </a:p>
-              <a:p>
-                <a:pPr lvl="1"/>
-                <a:r>
-                  <a:rPr lang="es-MX" sz="1800" i="1" dirty="0">
-                    <a:latin typeface="Cambria Math" panose="02040503050406030204" pitchFamily="18" charset="0"/>
-                  </a:rPr>
-                  <a:t>La probabilidad de que A ocurra dado que B ocurrió.</a:t>
-                </a:r>
-              </a:p>
-              <a:p>
-                <a:r>
-                  <a:rPr lang="es-MX" sz="2400" dirty="0"/>
-                  <a:t>P(A) Es la Probabilidad de A</a:t>
-                </a:r>
-              </a:p>
-              <a:p>
-                <a:r>
-                  <a:rPr lang="es-MX" sz="2400" dirty="0"/>
-                  <a:t>P(B) Es la probabilidad de B</a:t>
-                </a:r>
-              </a:p>
-              <a:p>
-                <a:endParaRPr lang="es-MX" sz="2400" dirty="0"/>
-              </a:p>
-              <a:p>
-                <a:endParaRPr lang="es-MX" sz="2400" dirty="0"/>
-              </a:p>
-            </p:txBody>
-          </p:sp>
-        </mc:Choice>
-        <mc:Fallback xmlns="">
-          <p:sp>
-            <p:nvSpPr>
-              <p:cNvPr id="5" name="Marcador de texto 4"/>
-              <p:cNvSpPr>
-                <a:spLocks noGrp="1" noRot="1" noChangeAspect="1" noMove="1" noResize="1" noEditPoints="1" noAdjustHandles="1" noChangeArrowheads="1" noChangeShapeType="1" noTextEdit="1"/>
-              </p:cNvSpPr>
-              <p:nvPr>
-                <p:ph type="body" idx="1"/>
-              </p:nvPr>
-            </p:nvSpPr>
-            <p:spPr>
-              <a:xfrm>
-                <a:off x="1108075" y="1671176"/>
-                <a:ext cx="6927850" cy="3079749"/>
-              </a:xfrm>
-              <a:blipFill>
-                <a:blip r:embed="rId2"/>
-                <a:stretch>
-                  <a:fillRect l="-366" t="-9504"/>
-                </a:stretch>
-              </a:blipFill>
-            </p:spPr>
-            <p:txBody>
-              <a:bodyPr/>
-              <a:lstStyle/>
-              <a:p>
-                <a:r>
-                  <a:rPr lang="en-MX">
-                    <a:noFill/>
-                  </a:rPr>
-                  <a:t> </a:t>
-                </a:r>
-              </a:p>
-            </p:txBody>
-          </p:sp>
-        </mc:Fallback>
-      </mc:AlternateContent>
-      <mc:AlternateContent xmlns:mc="http://schemas.openxmlformats.org/markup-compatibility/2006">
-        <mc:Choice xmlns:p14="http://schemas.microsoft.com/office/powerpoint/2010/main" Requires="p14">
-          <p:contentPart p14:bwMode="auto" r:id="rId3">
-            <p14:nvContentPartPr>
-              <p14:cNvPr id="3" name="Ink 2">
-                <a:extLst>
-                  <a:ext uri="{FF2B5EF4-FFF2-40B4-BE49-F238E27FC236}">
-                    <a16:creationId xmlns:a16="http://schemas.microsoft.com/office/drawing/2014/main" id="{CA300BBC-0625-4E34-8D3A-58803CCB40D2}"/>
-                  </a:ext>
-                </a:extLst>
-              </p14:cNvPr>
-              <p14:cNvContentPartPr/>
-              <p14:nvPr/>
-            </p14:nvContentPartPr>
-            <p14:xfrm>
-              <a:off x="1523880" y="1162080"/>
-              <a:ext cx="3222720" cy="1541880"/>
-            </p14:xfrm>
-          </p:contentPart>
-        </mc:Choice>
-        <mc:Fallback>
-          <p:pic>
-            <p:nvPicPr>
-              <p:cNvPr id="3" name="Ink 2">
-                <a:extLst>
-                  <a:ext uri="{FF2B5EF4-FFF2-40B4-BE49-F238E27FC236}">
-                    <a16:creationId xmlns:a16="http://schemas.microsoft.com/office/drawing/2014/main" id="{CA300BBC-0625-4E34-8D3A-58803CCB40D2}"/>
-                  </a:ext>
-                </a:extLst>
-              </p:cNvPr>
-              <p:cNvPicPr/>
-              <p:nvPr/>
-            </p:nvPicPr>
-            <p:blipFill>
-              <a:blip r:embed="rId4"/>
-              <a:stretch>
-                <a:fillRect/>
-              </a:stretch>
-            </p:blipFill>
-            <p:spPr>
-              <a:xfrm>
-                <a:off x="1514520" y="1152720"/>
-                <a:ext cx="3241440" cy="1560600"/>
-              </a:xfrm>
-              <a:prstGeom prst="rect">
-                <a:avLst/>
-              </a:prstGeom>
-            </p:spPr>
-          </p:pic>
-        </mc:Fallback>
-      </mc:AlternateContent>
     </p:spTree>
     <p:extLst>
       <p:ext uri="{BB962C8B-B14F-4D97-AF65-F5344CB8AC3E}">
-        <p14:creationId xmlns:p14="http://schemas.microsoft.com/office/powerpoint/2010/main" val="353229462"/>
+        <p14:creationId xmlns:p14="http://schemas.microsoft.com/office/powerpoint/2010/main" val="204322390"/>
       </p:ext>
     </p:extLst>
   </p:cSld>
@@ -10559,7 +9914,7 @@
       </p:grpSpPr>
       <p:sp>
         <p:nvSpPr>
-          <p:cNvPr id="2" name="Título 1"/>
+          <p:cNvPr id="2" name="Title 1"/>
           <p:cNvSpPr>
             <a:spLocks noGrp="1"/>
           </p:cNvSpPr>
@@ -10572,13 +9927,119 @@
           <a:bodyPr/>
           <a:lstStyle/>
           <a:p>
-            <a:endParaRPr lang="es-MX"/>
+            <a:endParaRPr lang="en-US"/>
           </a:p>
         </p:txBody>
       </p:sp>
       <p:sp>
         <p:nvSpPr>
-          <p:cNvPr id="4" name="Marcador de número de diapositiva 3"/>
+          <p:cNvPr id="3" name="Text Placeholder 2"/>
+          <p:cNvSpPr>
+            <a:spLocks noGrp="1"/>
+          </p:cNvSpPr>
+          <p:nvPr>
+            <p:ph type="body" idx="1"/>
+          </p:nvPr>
+        </p:nvSpPr>
+        <p:spPr/>
+        <p:txBody>
+          <a:bodyPr/>
+          <a:lstStyle/>
+          <a:p>
+            <a:r>
+              <a:rPr lang="en-US" dirty="0"/>
+              <a:t>Accuracy:</a:t>
+            </a:r>
+          </a:p>
+          <a:p>
+            <a:pPr lvl="1"/>
+            <a:r>
+              <a:rPr lang="en-US" dirty="0" err="1"/>
+              <a:t>Cuantas</a:t>
+            </a:r>
+            <a:r>
+              <a:rPr lang="en-US" dirty="0"/>
+              <a:t> </a:t>
+            </a:r>
+            <a:r>
+              <a:rPr lang="en-US" dirty="0" err="1"/>
+              <a:t>veces</a:t>
+            </a:r>
+            <a:r>
+              <a:rPr lang="en-US" dirty="0"/>
+              <a:t> me </a:t>
+            </a:r>
+            <a:r>
+              <a:rPr lang="en-US" dirty="0" err="1"/>
+              <a:t>equivoco</a:t>
+            </a:r>
+            <a:r>
+              <a:rPr lang="en-US" dirty="0"/>
+              <a:t>.</a:t>
+            </a:r>
+          </a:p>
+          <a:p>
+            <a:r>
+              <a:rPr lang="en-US" dirty="0"/>
+              <a:t>Recall:</a:t>
+            </a:r>
+          </a:p>
+          <a:p>
+            <a:pPr lvl="1"/>
+            <a:r>
+              <a:rPr lang="en-US" dirty="0" err="1"/>
+              <a:t>Cuantas</a:t>
+            </a:r>
+            <a:r>
+              <a:rPr lang="en-US" dirty="0"/>
+              <a:t> </a:t>
+            </a:r>
+            <a:r>
+              <a:rPr lang="en-US" dirty="0" err="1"/>
+              <a:t>veces</a:t>
+            </a:r>
+            <a:r>
+              <a:rPr lang="en-US" dirty="0"/>
+              <a:t> </a:t>
+            </a:r>
+            <a:r>
+              <a:rPr lang="en-US" dirty="0" err="1"/>
+              <a:t>predecimos</a:t>
+            </a:r>
+            <a:r>
+              <a:rPr lang="en-US" dirty="0"/>
+              <a:t> </a:t>
+            </a:r>
+            <a:r>
+              <a:rPr lang="en-US" dirty="0" err="1"/>
+              <a:t>correctamente</a:t>
+            </a:r>
+            <a:r>
+              <a:rPr lang="en-US" dirty="0"/>
+              <a:t> </a:t>
+            </a:r>
+            <a:r>
+              <a:rPr lang="en-US" dirty="0" err="1"/>
+              <a:t>ejemplos</a:t>
+            </a:r>
+            <a:r>
+              <a:rPr lang="en-US" dirty="0"/>
+              <a:t> </a:t>
+            </a:r>
+            <a:r>
+              <a:rPr lang="en-US" dirty="0" err="1"/>
+              <a:t>positivos</a:t>
+            </a:r>
+            <a:r>
+              <a:rPr lang="en-US" dirty="0"/>
+              <a:t>.</a:t>
+            </a:r>
+          </a:p>
+        </p:txBody>
+      </p:sp>
+      <p:sp>
+        <p:nvSpPr>
+          <p:cNvPr id="4" name="Slide Number Placeholder 3"/>
           <p:cNvSpPr>
             <a:spLocks noGrp="1"/>
           </p:cNvSpPr>
@@ -10600,55 +10061,14 @@
           </a:p>
         </p:txBody>
       </p:sp>
-      <p:pic>
-        <p:nvPicPr>
-          <p:cNvPr id="2056" name="Picture 8" descr="https://latex.codecogs.com/png.latex?%5Cdpi%7B300%7D%20%5CLARGE%20P%28%5Ctext%7BCliente%20%3D%20Alto%7D%5Cmid%5Ctext%7BVuelva%7D%29%20%5C%5C%20%5C%5C%20%3D%20%5Cfrac%7BP%28%5Ctext%7BVuelva%7D%5Cmid%5Ctext%7BCliente%20%3D%20Alto%7D%29%20P%28%5Ctext%7BCliente%20%3D%20Alto%7D%29%7D%7BP%28%5Ctext%7BVuelva%7D%29%7D%20%5C%5C"/>
-          <p:cNvPicPr>
-            <a:picLocks noChangeAspect="1" noChangeArrowheads="1"/>
-          </p:cNvPicPr>
-          <p:nvPr/>
-        </p:nvPicPr>
-        <p:blipFill>
-          <a:blip r:embed="rId2">
-            <a:extLst>
-              <a:ext uri="{28A0092B-C50C-407E-A947-70E740481C1C}">
-                <a14:useLocalDpi xmlns:a14="http://schemas.microsoft.com/office/drawing/2010/main" val="0"/>
-              </a:ext>
-            </a:extLst>
-          </a:blip>
-          <a:srcRect/>
-          <a:stretch>
-            <a:fillRect/>
-          </a:stretch>
-        </p:blipFill>
-        <p:spPr bwMode="auto">
-          <a:xfrm>
-            <a:off x="1104900" y="1882338"/>
-            <a:ext cx="6772275" cy="1533961"/>
-          </a:xfrm>
-          <a:prstGeom prst="rect">
-            <a:avLst/>
-          </a:prstGeom>
-          <a:noFill/>
-          <a:extLst>
-            <a:ext uri="{909E8E84-426E-40DD-AFC4-6F175D3DCCD1}">
-              <a14:hiddenFill xmlns:a14="http://schemas.microsoft.com/office/drawing/2010/main">
-                <a:solidFill>
-                  <a:srgbClr val="FFFFFF"/>
-                </a:solidFill>
-              </a14:hiddenFill>
-            </a:ext>
-          </a:extLst>
-        </p:spPr>
-      </p:pic>
       <mc:AlternateContent xmlns:mc="http://schemas.openxmlformats.org/markup-compatibility/2006">
         <mc:Choice xmlns:p14="http://schemas.microsoft.com/office/powerpoint/2010/main" Requires="p14">
-          <p:contentPart p14:bwMode="auto" r:id="rId3">
+          <p:contentPart p14:bwMode="auto" r:id="rId2">
             <p14:nvContentPartPr>
-              <p14:cNvPr id="3" name="Ink 2">
+              <p14:cNvPr id="5" name="Ink 4">
                 <a:extLst>
                   <a:ext uri="{FF2B5EF4-FFF2-40B4-BE49-F238E27FC236}">
-                    <a16:creationId xmlns:a16="http://schemas.microsoft.com/office/drawing/2014/main" id="{6AEC3DEE-DA5F-4934-ADBB-F636E63E657C}"/>
+                    <a16:creationId xmlns:a16="http://schemas.microsoft.com/office/drawing/2014/main" id="{D1906D1E-7A9A-407F-9703-5A83DB974BCE}"/>
                   </a:ext>
                 </a:extLst>
               </p14:cNvPr>
@@ -10656,18 +10076,18 @@
               <p14:nvPr/>
             </p14:nvContentPartPr>
             <p14:xfrm>
-              <a:off x="1564920" y="1307880"/>
-              <a:ext cx="6374160" cy="2267280"/>
+              <a:off x="1324080" y="2214720"/>
+              <a:ext cx="5529600" cy="1762200"/>
             </p14:xfrm>
           </p:contentPart>
         </mc:Choice>
         <mc:Fallback>
           <p:pic>
             <p:nvPicPr>
-              <p:cNvPr id="3" name="Ink 2">
+              <p:cNvPr id="5" name="Ink 4">
                 <a:extLst>
                   <a:ext uri="{FF2B5EF4-FFF2-40B4-BE49-F238E27FC236}">
-                    <a16:creationId xmlns:a16="http://schemas.microsoft.com/office/drawing/2014/main" id="{6AEC3DEE-DA5F-4934-ADBB-F636E63E657C}"/>
+                    <a16:creationId xmlns:a16="http://schemas.microsoft.com/office/drawing/2014/main" id="{D1906D1E-7A9A-407F-9703-5A83DB974BCE}"/>
                   </a:ext>
                 </a:extLst>
               </p:cNvPr>
@@ -10675,15 +10095,15 @@
               <p:nvPr/>
             </p:nvPicPr>
             <p:blipFill>
-              <a:blip r:embed="rId4"/>
+              <a:blip r:embed="rId3"/>
               <a:stretch>
                 <a:fillRect/>
               </a:stretch>
             </p:blipFill>
             <p:spPr>
               <a:xfrm>
-                <a:off x="1555560" y="1298520"/>
-                <a:ext cx="6392880" cy="2286000"/>
+                <a:off x="1314720" y="2205360"/>
+                <a:ext cx="5548320" cy="1780920"/>
               </a:xfrm>
               <a:prstGeom prst="rect">
                 <a:avLst/>
@@ -10695,7 +10115,7 @@
     </p:spTree>
     <p:extLst>
       <p:ext uri="{BB962C8B-B14F-4D97-AF65-F5344CB8AC3E}">
-        <p14:creationId xmlns:p14="http://schemas.microsoft.com/office/powerpoint/2010/main" val="1719934996"/>
+        <p14:creationId xmlns:p14="http://schemas.microsoft.com/office/powerpoint/2010/main" val="1794883107"/>
       </p:ext>
     </p:extLst>
   </p:cSld>
@@ -10724,7 +10144,7 @@
       </p:grpSpPr>
       <p:sp>
         <p:nvSpPr>
-          <p:cNvPr id="2" name="Título 1"/>
+          <p:cNvPr id="2" name="Title 1"/>
           <p:cNvSpPr>
             <a:spLocks noGrp="1"/>
           </p:cNvSpPr>
@@ -10737,25 +10157,13 @@
           <a:bodyPr/>
           <a:lstStyle/>
           <a:p>
-            <a:r>
-              <a:rPr lang="es-MX" dirty="0" err="1"/>
-              <a:t>Naive</a:t>
-            </a:r>
-            <a:r>
-              <a:rPr lang="es-MX" dirty="0"/>
-              <a:t> </a:t>
-            </a:r>
-            <a:r>
-              <a:rPr lang="es-MX" dirty="0" err="1"/>
-              <a:t>Bayes</a:t>
-            </a:r>
-            <a:endParaRPr lang="es-MX" dirty="0"/>
+            <a:endParaRPr lang="en-US"/>
           </a:p>
         </p:txBody>
       </p:sp>
       <p:sp>
         <p:nvSpPr>
-          <p:cNvPr id="3" name="Marcador de texto 2"/>
+          <p:cNvPr id="3" name="Text Placeholder 2"/>
           <p:cNvSpPr>
             <a:spLocks noGrp="1"/>
           </p:cNvSpPr>
@@ -10769,45 +10177,177 @@
           <a:lstStyle/>
           <a:p>
             <a:r>
-              <a:rPr lang="es-MX" dirty="0" err="1"/>
-              <a:t>Naive</a:t>
-            </a:r>
-            <a:r>
-              <a:rPr lang="es-MX" dirty="0"/>
+              <a:rPr lang="en-US" sz="1800" dirty="0"/>
+              <a:t>Train set:</a:t>
+            </a:r>
+          </a:p>
+          <a:p>
+            <a:pPr lvl="1"/>
+            <a:r>
+              <a:rPr lang="en-US" sz="1800" dirty="0"/>
+              <a:t>Set con el que </a:t>
+            </a:r>
+            <a:r>
+              <a:rPr lang="en-US" sz="1800" dirty="0" err="1"/>
+              <a:t>entrenamos</a:t>
+            </a:r>
+            <a:r>
+              <a:rPr lang="en-US" sz="1800" dirty="0"/>
               <a:t> </a:t>
             </a:r>
             <a:r>
-              <a:rPr lang="es-MX" dirty="0" err="1"/>
-              <a:t>Bayes</a:t>
-            </a:r>
-            <a:r>
-              <a:rPr lang="es-MX" dirty="0"/>
-              <a:t> asume que las variables son independientes entre ellas.</a:t>
-            </a:r>
-          </a:p>
-          <a:p>
-            <a:r>
-              <a:rPr lang="es-MX" dirty="0"/>
-              <a:t>Las variables no se afectan mutuamente</a:t>
-            </a:r>
-          </a:p>
-          <a:p>
-            <a:r>
-              <a:rPr lang="es-MX" dirty="0"/>
-              <a:t>No es necesariamente cierto</a:t>
-            </a:r>
-          </a:p>
-          <a:p>
-            <a:r>
-              <a:rPr lang="es-MX" dirty="0"/>
-              <a:t>Funciona sorprendentemente bien.</a:t>
+              <a:rPr lang="en-US" sz="1800" dirty="0" err="1"/>
+              <a:t>los</a:t>
+            </a:r>
+            <a:r>
+              <a:rPr lang="en-US" sz="1800" dirty="0"/>
+              <a:t> </a:t>
+            </a:r>
+            <a:r>
+              <a:rPr lang="en-US" sz="1800" dirty="0" err="1"/>
+              <a:t>datos</a:t>
+            </a:r>
+            <a:r>
+              <a:rPr lang="en-US" sz="1800" dirty="0"/>
+              <a:t>.</a:t>
+            </a:r>
+          </a:p>
+          <a:p>
+            <a:pPr lvl="2"/>
+            <a:r>
+              <a:rPr lang="en-US" sz="1800" dirty="0" err="1"/>
+              <a:t>Debe</a:t>
+            </a:r>
+            <a:r>
+              <a:rPr lang="en-US" sz="1800" dirty="0"/>
+              <a:t> </a:t>
+            </a:r>
+            <a:r>
+              <a:rPr lang="en-US" sz="1800" dirty="0" err="1"/>
+              <a:t>ser</a:t>
+            </a:r>
+            <a:r>
+              <a:rPr lang="en-US" sz="1800" dirty="0"/>
+              <a:t> un set </a:t>
+            </a:r>
+            <a:r>
+              <a:rPr lang="en-US" sz="1800" dirty="0" err="1"/>
+              <a:t>representativo</a:t>
+            </a:r>
+            <a:r>
+              <a:rPr lang="en-US" sz="1800" dirty="0"/>
+              <a:t> de </a:t>
+            </a:r>
+            <a:r>
+              <a:rPr lang="en-US" sz="1800" dirty="0" err="1"/>
+              <a:t>los</a:t>
+            </a:r>
+            <a:r>
+              <a:rPr lang="en-US" sz="1800" dirty="0"/>
+              <a:t> </a:t>
+            </a:r>
+            <a:r>
+              <a:rPr lang="en-US" sz="1800" dirty="0" err="1"/>
+              <a:t>datos</a:t>
+            </a:r>
+            <a:endParaRPr lang="en-US" sz="1800" dirty="0"/>
+          </a:p>
+          <a:p>
+            <a:r>
+              <a:rPr lang="en-US" sz="1800" dirty="0"/>
+              <a:t>Validation set:</a:t>
+            </a:r>
+          </a:p>
+          <a:p>
+            <a:pPr lvl="1"/>
+            <a:r>
+              <a:rPr lang="en-US" sz="1800" dirty="0"/>
+              <a:t>Set con el que </a:t>
+            </a:r>
+            <a:r>
+              <a:rPr lang="en-US" sz="1800" dirty="0" err="1"/>
+              <a:t>probamos</a:t>
+            </a:r>
+            <a:r>
+              <a:rPr lang="en-US" sz="1800" dirty="0"/>
+              <a:t> </a:t>
+            </a:r>
+            <a:r>
+              <a:rPr lang="en-US" sz="1800" dirty="0" err="1"/>
+              <a:t>hiperparametros</a:t>
+            </a:r>
+            <a:endParaRPr lang="en-US" sz="1800" dirty="0"/>
+          </a:p>
+          <a:p>
+            <a:r>
+              <a:rPr lang="en-US" sz="1800" dirty="0"/>
+              <a:t>Test set:</a:t>
+            </a:r>
+          </a:p>
+          <a:p>
+            <a:pPr lvl="1"/>
+            <a:r>
+              <a:rPr lang="en-US" sz="1800" dirty="0"/>
+              <a:t>Set con el que </a:t>
+            </a:r>
+            <a:r>
+              <a:rPr lang="en-US" sz="1800" dirty="0" err="1"/>
+              <a:t>reportamos</a:t>
+            </a:r>
+            <a:r>
+              <a:rPr lang="en-US" sz="1800" dirty="0"/>
+              <a:t> </a:t>
+            </a:r>
+            <a:r>
+              <a:rPr lang="en-US" sz="1800" dirty="0" err="1"/>
+              <a:t>resultados</a:t>
+            </a:r>
+            <a:endParaRPr lang="en-US" sz="1800" dirty="0"/>
+          </a:p>
+          <a:p>
+            <a:pPr lvl="2"/>
+            <a:r>
+              <a:rPr lang="en-US" sz="1800" dirty="0"/>
+              <a:t>De </a:t>
+            </a:r>
+            <a:r>
+              <a:rPr lang="en-US" sz="1800" dirty="0" err="1"/>
+              <a:t>igual</a:t>
+            </a:r>
+            <a:r>
+              <a:rPr lang="en-US" sz="1800" dirty="0"/>
+              <a:t> forma </a:t>
+            </a:r>
+            <a:r>
+              <a:rPr lang="en-US" sz="1800" dirty="0" err="1"/>
+              <a:t>debe</a:t>
+            </a:r>
+            <a:r>
+              <a:rPr lang="en-US" sz="1800" dirty="0"/>
+              <a:t> de </a:t>
+            </a:r>
+            <a:r>
+              <a:rPr lang="en-US" sz="1800" dirty="0" err="1"/>
+              <a:t>ser</a:t>
+            </a:r>
+            <a:r>
+              <a:rPr lang="en-US" sz="1800" dirty="0"/>
+              <a:t> </a:t>
+            </a:r>
+            <a:r>
+              <a:rPr lang="en-US" sz="1800" dirty="0" err="1"/>
+              <a:t>representativo</a:t>
+            </a:r>
+            <a:r>
+              <a:rPr lang="en-US" sz="1800" dirty="0"/>
+              <a:t>.</a:t>
             </a:r>
           </a:p>
         </p:txBody>
       </p:sp>
       <p:sp>
         <p:nvSpPr>
-          <p:cNvPr id="4" name="Marcador de número de diapositiva 3"/>
+          <p:cNvPr id="4" name="Slide Number Placeholder 3"/>
           <p:cNvSpPr>
             <a:spLocks noGrp="1"/>
           </p:cNvSpPr>
@@ -10836,7 +10376,7 @@
               <p14:cNvPr id="5" name="Ink 4">
                 <a:extLst>
                   <a:ext uri="{FF2B5EF4-FFF2-40B4-BE49-F238E27FC236}">
-                    <a16:creationId xmlns:a16="http://schemas.microsoft.com/office/drawing/2014/main" id="{3B60FE8D-2BDF-4B72-BB41-18C57F05B9D7}"/>
+                    <a16:creationId xmlns:a16="http://schemas.microsoft.com/office/drawing/2014/main" id="{503811CB-DCC0-4585-8C40-353BB1C92532}"/>
                   </a:ext>
                 </a:extLst>
               </p14:cNvPr>
@@ -10844,8 +10384,8 @@
               <p14:nvPr/>
             </p14:nvContentPartPr>
             <p14:xfrm>
-              <a:off x="990720" y="939600"/>
-              <a:ext cx="1140480" cy="1341360"/>
+              <a:off x="1042920" y="1400040"/>
+              <a:ext cx="1672200" cy="2281680"/>
             </p14:xfrm>
           </p:contentPart>
         </mc:Choice>
@@ -10855,7 +10395,7 @@
               <p:cNvPr id="5" name="Ink 4">
                 <a:extLst>
                   <a:ext uri="{FF2B5EF4-FFF2-40B4-BE49-F238E27FC236}">
-                    <a16:creationId xmlns:a16="http://schemas.microsoft.com/office/drawing/2014/main" id="{3B60FE8D-2BDF-4B72-BB41-18C57F05B9D7}"/>
+                    <a16:creationId xmlns:a16="http://schemas.microsoft.com/office/drawing/2014/main" id="{503811CB-DCC0-4585-8C40-353BB1C92532}"/>
                   </a:ext>
                 </a:extLst>
               </p:cNvPr>
@@ -10870,8 +10410,8 @@
             </p:blipFill>
             <p:spPr>
               <a:xfrm>
-                <a:off x="981360" y="930240"/>
-                <a:ext cx="1159200" cy="1360080"/>
+                <a:off x="1033560" y="1390680"/>
+                <a:ext cx="1690920" cy="2300400"/>
               </a:xfrm>
               <a:prstGeom prst="rect">
                 <a:avLst/>
@@ -10883,7 +10423,7 @@
     </p:spTree>
     <p:extLst>
       <p:ext uri="{BB962C8B-B14F-4D97-AF65-F5344CB8AC3E}">
-        <p14:creationId xmlns:p14="http://schemas.microsoft.com/office/powerpoint/2010/main" val="2868892105"/>
+        <p14:creationId xmlns:p14="http://schemas.microsoft.com/office/powerpoint/2010/main" val="3671239834"/>
       </p:ext>
     </p:extLst>
   </p:cSld>
@@ -10912,13 +10452,7 @@
       </p:grpSpPr>
       <p:sp>
         <p:nvSpPr>
-          <p:cNvPr id="2" name="Title 1">
-            <a:extLst>
-              <a:ext uri="{FF2B5EF4-FFF2-40B4-BE49-F238E27FC236}">
-                <a16:creationId xmlns:a16="http://schemas.microsoft.com/office/drawing/2014/main" id="{88379114-FAA0-49EB-86E9-88BC4503F1BD}"/>
-              </a:ext>
-            </a:extLst>
-          </p:cNvPr>
+          <p:cNvPr id="2" name="Title 1"/>
           <p:cNvSpPr>
             <a:spLocks noGrp="1"/>
           </p:cNvSpPr>
@@ -10937,13 +10471,7 @@
       </p:sp>
       <p:sp>
         <p:nvSpPr>
-          <p:cNvPr id="3" name="Text Placeholder 2">
-            <a:extLst>
-              <a:ext uri="{FF2B5EF4-FFF2-40B4-BE49-F238E27FC236}">
-                <a16:creationId xmlns:a16="http://schemas.microsoft.com/office/drawing/2014/main" id="{5C37D8C2-9851-4FD4-BDC7-F70E37373FFC}"/>
-              </a:ext>
-            </a:extLst>
-          </p:cNvPr>
+          <p:cNvPr id="3" name="Text Placeholder 2"/>
           <p:cNvSpPr>
             <a:spLocks noGrp="1"/>
           </p:cNvSpPr>
@@ -10962,13 +10490,7 @@
       </p:sp>
       <p:sp>
         <p:nvSpPr>
-          <p:cNvPr id="4" name="Slide Number Placeholder 3">
-            <a:extLst>
-              <a:ext uri="{FF2B5EF4-FFF2-40B4-BE49-F238E27FC236}">
-                <a16:creationId xmlns:a16="http://schemas.microsoft.com/office/drawing/2014/main" id="{B95D1EAF-E966-435E-80CB-7C72A3C7CA74}"/>
-              </a:ext>
-            </a:extLst>
-          </p:cNvPr>
+          <p:cNvPr id="4" name="Slide Number Placeholder 3"/>
           <p:cNvSpPr>
             <a:spLocks noGrp="1"/>
           </p:cNvSpPr>
@@ -10981,31 +10503,64 @@
           <a:bodyPr/>
           <a:lstStyle/>
           <a:p>
-            <a:pPr marL="0" lvl="0" indent="0">
-              <a:spcBef>
-                <a:spcPts val="0"/>
-              </a:spcBef>
-              <a:spcAft>
-                <a:spcPts val="0"/>
-              </a:spcAft>
-              <a:buNone/>
-            </a:pPr>
             <a:fld id="{00000000-1234-1234-1234-123412341234}" type="slidenum">
-              <a:rPr lang="en" smtClean="0"/>
+              <a:rPr lang="en-US" smtClean="0"/>
+              <a:pPr/>
               <a:t>27</a:t>
             </a:fld>
-            <a:endParaRPr lang="en"/>
+            <a:endParaRPr lang="en-US" dirty="0"/>
           </a:p>
         </p:txBody>
       </p:sp>
+      <p:pic>
+        <p:nvPicPr>
+          <p:cNvPr id="1026" name="Picture 2" descr="https://miro.medium.com/max/1400/1*Nv2NNALuokZEcV6hYEHdGA.png"/>
+          <p:cNvPicPr>
+            <a:picLocks noChangeAspect="1" noChangeArrowheads="1"/>
+          </p:cNvPicPr>
+          <p:nvPr/>
+        </p:nvPicPr>
+        <p:blipFill>
+          <a:blip r:embed="rId2">
+            <a:extLst>
+              <a:ext uri="{28A0092B-C50C-407E-A947-70E740481C1C}">
+                <a14:useLocalDpi xmlns:a14="http://schemas.microsoft.com/office/drawing/2010/main" val="0"/>
+              </a:ext>
+            </a:extLst>
+          </a:blip>
+          <a:srcRect/>
+          <a:stretch>
+            <a:fillRect/>
+          </a:stretch>
+        </p:blipFill>
+        <p:spPr bwMode="auto">
+          <a:xfrm>
+            <a:off x="931333" y="1625600"/>
+            <a:ext cx="7391400" cy="1762125"/>
+          </a:xfrm>
+          <a:prstGeom prst="rect">
+            <a:avLst/>
+          </a:prstGeom>
+          <a:noFill/>
+          <a:extLst>
+            <a:ext uri="{909E8E84-426E-40DD-AFC4-6F175D3DCCD1}">
+              <a14:hiddenFill xmlns:a14="http://schemas.microsoft.com/office/drawing/2010/main">
+                <a:solidFill>
+                  <a:srgbClr val="FFFFFF"/>
+                </a:solidFill>
+              </a14:hiddenFill>
+            </a:ext>
+          </a:extLst>
+        </p:spPr>
+      </p:pic>
       <mc:AlternateContent xmlns:mc="http://schemas.openxmlformats.org/markup-compatibility/2006">
         <mc:Choice xmlns:p14="http://schemas.microsoft.com/office/powerpoint/2010/main" Requires="p14">
-          <p:contentPart p14:bwMode="auto" r:id="rId2">
+          <p:contentPart p14:bwMode="auto" r:id="rId3">
             <p14:nvContentPartPr>
               <p14:cNvPr id="5" name="Ink 4">
                 <a:extLst>
                   <a:ext uri="{FF2B5EF4-FFF2-40B4-BE49-F238E27FC236}">
-                    <a16:creationId xmlns:a16="http://schemas.microsoft.com/office/drawing/2014/main" id="{AFE3C662-2175-416E-A1FD-022F66FE413B}"/>
+                    <a16:creationId xmlns:a16="http://schemas.microsoft.com/office/drawing/2014/main" id="{B14B8EF3-CA55-4DD0-97F1-22C16C0EC7CE}"/>
                   </a:ext>
                 </a:extLst>
               </p14:cNvPr>
@@ -11013,8 +10568,8 @@
               <p14:nvPr/>
             </p14:nvContentPartPr>
             <p14:xfrm>
-              <a:off x="1045080" y="1049760"/>
-              <a:ext cx="6355080" cy="3819240"/>
+              <a:off x="3005280" y="1428840"/>
+              <a:ext cx="5510520" cy="2743560"/>
             </p14:xfrm>
           </p:contentPart>
         </mc:Choice>
@@ -11024,7 +10579,7 @@
               <p:cNvPr id="5" name="Ink 4">
                 <a:extLst>
                   <a:ext uri="{FF2B5EF4-FFF2-40B4-BE49-F238E27FC236}">
-                    <a16:creationId xmlns:a16="http://schemas.microsoft.com/office/drawing/2014/main" id="{AFE3C662-2175-416E-A1FD-022F66FE413B}"/>
+                    <a16:creationId xmlns:a16="http://schemas.microsoft.com/office/drawing/2014/main" id="{B14B8EF3-CA55-4DD0-97F1-22C16C0EC7CE}"/>
                   </a:ext>
                 </a:extLst>
               </p:cNvPr>
@@ -11032,15 +10587,15 @@
               <p:nvPr/>
             </p:nvPicPr>
             <p:blipFill>
-              <a:blip r:embed="rId3"/>
+              <a:blip r:embed="rId4"/>
               <a:stretch>
                 <a:fillRect/>
               </a:stretch>
             </p:blipFill>
             <p:spPr>
               <a:xfrm>
-                <a:off x="1035720" y="1040400"/>
-                <a:ext cx="6373800" cy="3837960"/>
+                <a:off x="2995920" y="1419480"/>
+                <a:ext cx="5529240" cy="2762280"/>
               </a:xfrm>
               <a:prstGeom prst="rect">
                 <a:avLst/>
@@ -11052,7 +10607,7 @@
     </p:spTree>
     <p:extLst>
       <p:ext uri="{BB962C8B-B14F-4D97-AF65-F5344CB8AC3E}">
-        <p14:creationId xmlns:p14="http://schemas.microsoft.com/office/powerpoint/2010/main" val="1813003008"/>
+        <p14:creationId xmlns:p14="http://schemas.microsoft.com/office/powerpoint/2010/main" val="2771785520"/>
       </p:ext>
     </p:extLst>
   </p:cSld>
@@ -11094,10 +10649,7 @@
           <a:bodyPr/>
           <a:lstStyle/>
           <a:p>
-            <a:r>
-              <a:rPr lang="en-US" dirty="0"/>
-              <a:t>Scoring</a:t>
-            </a:r>
+            <a:endParaRPr lang="en-US"/>
           </a:p>
         </p:txBody>
       </p:sp>
@@ -11117,12 +10669,57 @@
           <a:lstStyle/>
           <a:p>
             <a:r>
+              <a:rPr lang="en-US" dirty="0" err="1"/>
+              <a:t>Por</a:t>
+            </a:r>
+            <a:r>
               <a:rPr lang="en-US" dirty="0"/>
-              <a:t>Como </a:t>
+              <a:t> que </a:t>
             </a:r>
             <a:r>
               <a:rPr lang="en-US" dirty="0" err="1"/>
-              <a:t>calificamos</a:t>
+              <a:t>creen</a:t>
+            </a:r>
+            <a:r>
+              <a:rPr lang="en-US" dirty="0"/>
+              <a:t> que </a:t>
+            </a:r>
+            <a:r>
+              <a:rPr lang="en-US" dirty="0" err="1"/>
+              <a:t>tenemos</a:t>
+            </a:r>
+            <a:r>
+              <a:rPr lang="en-US" dirty="0"/>
+              <a:t> que </a:t>
+            </a:r>
+            <a:r>
+              <a:rPr lang="en-US" dirty="0" err="1"/>
+              <a:t>usar</a:t>
+            </a:r>
+            <a:r>
+              <a:rPr lang="en-US" dirty="0"/>
+              <a:t> dos sets para </a:t>
+            </a:r>
+            <a:r>
+              <a:rPr lang="en-US" dirty="0" err="1"/>
+              <a:t>probar</a:t>
+            </a:r>
+            <a:r>
+              <a:rPr lang="en-US" dirty="0"/>
+              <a:t>?</a:t>
+            </a:r>
+          </a:p>
+          <a:p>
+            <a:endParaRPr lang="en-US" dirty="0"/>
+          </a:p>
+          <a:p>
+            <a:r>
+              <a:rPr lang="en-US" dirty="0"/>
+              <a:t>Que </a:t>
+            </a:r>
+            <a:r>
+              <a:rPr lang="en-US" dirty="0" err="1"/>
+              <a:t>porcentaje</a:t>
             </a:r>
             <a:r>
               <a:rPr lang="en-US" dirty="0"/>
@@ -11130,15 +10727,15 @@
             </a:r>
             <a:r>
               <a:rPr lang="en-US" dirty="0" err="1"/>
-              <a:t>si</a:t>
+              <a:t>utilizamos</a:t>
             </a:r>
             <a:r>
               <a:rPr lang="en-US" dirty="0"/>
-              <a:t> un </a:t>
+              <a:t> para </a:t>
             </a:r>
             <a:r>
               <a:rPr lang="en-US" dirty="0" err="1"/>
-              <a:t>modelo</a:t>
+              <a:t>cada</a:t>
             </a:r>
             <a:r>
               <a:rPr lang="en-US" dirty="0"/>
@@ -11146,89 +10743,12 @@
             </a:r>
             <a:r>
               <a:rPr lang="en-US" dirty="0" err="1"/>
-              <a:t>es</a:t>
-            </a:r>
-            <a:r>
-              <a:rPr lang="en-US" dirty="0"/>
-              <a:t> </a:t>
-            </a:r>
-            <a:r>
-              <a:rPr lang="en-US" dirty="0" err="1"/>
-              <a:t>bueno</a:t>
-            </a:r>
-            <a:r>
-              <a:rPr lang="en-US" dirty="0"/>
-              <a:t> o </a:t>
-            </a:r>
-            <a:r>
-              <a:rPr lang="en-US" dirty="0" err="1"/>
-              <a:t>malo</a:t>
+              <a:t>uno</a:t>
             </a:r>
             <a:r>
               <a:rPr lang="en-US" dirty="0"/>
               <a:t>?</a:t>
             </a:r>
-          </a:p>
-          <a:p>
-            <a:endParaRPr lang="en-US" dirty="0"/>
-          </a:p>
-          <a:p>
-            <a:r>
-              <a:rPr lang="en-US" dirty="0"/>
-              <a:t>Que </a:t>
-            </a:r>
-            <a:r>
-              <a:rPr lang="en-US" dirty="0" err="1"/>
-              <a:t>creen</a:t>
-            </a:r>
-            <a:r>
-              <a:rPr lang="en-US" dirty="0"/>
-              <a:t> que </a:t>
-            </a:r>
-            <a:r>
-              <a:rPr lang="en-US" dirty="0" err="1"/>
-              <a:t>debemos</a:t>
-            </a:r>
-            <a:r>
-              <a:rPr lang="en-US" dirty="0"/>
-              <a:t> </a:t>
-            </a:r>
-            <a:r>
-              <a:rPr lang="en-US" dirty="0" err="1"/>
-              <a:t>considerar</a:t>
-            </a:r>
-            <a:r>
-              <a:rPr lang="en-US" dirty="0"/>
-              <a:t> </a:t>
-            </a:r>
-            <a:r>
-              <a:rPr lang="en-US" dirty="0" err="1"/>
-              <a:t>en</a:t>
-            </a:r>
-            <a:r>
-              <a:rPr lang="en-US" dirty="0"/>
-              <a:t> </a:t>
-            </a:r>
-            <a:r>
-              <a:rPr lang="en-US" dirty="0" err="1"/>
-              <a:t>una</a:t>
-            </a:r>
-            <a:r>
-              <a:rPr lang="en-US" dirty="0"/>
-              <a:t> m</a:t>
-            </a:r>
-            <a:r>
-              <a:rPr lang="es-ES" dirty="0" err="1"/>
-              <a:t>étrica</a:t>
-            </a:r>
-            <a:r>
-              <a:rPr lang="es-ES" dirty="0"/>
-              <a:t>?</a:t>
-            </a:r>
-            <a:endParaRPr lang="en-US" dirty="0"/>
-          </a:p>
-          <a:p>
-            <a:endParaRPr lang="en-US" dirty="0"/>
           </a:p>
         </p:txBody>
       </p:sp>
@@ -11256,61 +10776,10 @@
           </a:p>
         </p:txBody>
       </p:sp>
-      <mc:AlternateContent xmlns:mc="http://schemas.openxmlformats.org/markup-compatibility/2006">
-        <mc:Choice xmlns:p14="http://schemas.microsoft.com/office/powerpoint/2010/main" Requires="p14">
-          <p:contentPart p14:bwMode="auto" r:id="rId2">
-            <p14:nvContentPartPr>
-              <p14:cNvPr id="5" name="Ink 4">
-                <a:extLst>
-                  <a:ext uri="{FF2B5EF4-FFF2-40B4-BE49-F238E27FC236}">
-                    <a16:creationId xmlns:a16="http://schemas.microsoft.com/office/drawing/2014/main" id="{6859AF2B-A415-422F-B802-466DAC427A0D}"/>
-                  </a:ext>
-                </a:extLst>
-              </p14:cNvPr>
-              <p14:cNvContentPartPr/>
-              <p14:nvPr/>
-            </p14:nvContentPartPr>
-            <p14:xfrm>
-              <a:off x="2623680" y="1961640"/>
-              <a:ext cx="5421600" cy="824760"/>
-            </p14:xfrm>
-          </p:contentPart>
-        </mc:Choice>
-        <mc:Fallback>
-          <p:pic>
-            <p:nvPicPr>
-              <p:cNvPr id="5" name="Ink 4">
-                <a:extLst>
-                  <a:ext uri="{FF2B5EF4-FFF2-40B4-BE49-F238E27FC236}">
-                    <a16:creationId xmlns:a16="http://schemas.microsoft.com/office/drawing/2014/main" id="{6859AF2B-A415-422F-B802-466DAC427A0D}"/>
-                  </a:ext>
-                </a:extLst>
-              </p:cNvPr>
-              <p:cNvPicPr/>
-              <p:nvPr/>
-            </p:nvPicPr>
-            <p:blipFill>
-              <a:blip r:embed="rId3"/>
-              <a:stretch>
-                <a:fillRect/>
-              </a:stretch>
-            </p:blipFill>
-            <p:spPr>
-              <a:xfrm>
-                <a:off x="2614320" y="1952280"/>
-                <a:ext cx="5440320" cy="843480"/>
-              </a:xfrm>
-              <a:prstGeom prst="rect">
-                <a:avLst/>
-              </a:prstGeom>
-            </p:spPr>
-          </p:pic>
-        </mc:Fallback>
-      </mc:AlternateContent>
     </p:spTree>
     <p:extLst>
       <p:ext uri="{BB962C8B-B14F-4D97-AF65-F5344CB8AC3E}">
-        <p14:creationId xmlns:p14="http://schemas.microsoft.com/office/powerpoint/2010/main" val="204322390"/>
+        <p14:creationId xmlns:p14="http://schemas.microsoft.com/office/powerpoint/2010/main" val="3717766469"/>
       </p:ext>
     </p:extLst>
   </p:cSld>
@@ -11373,92 +10842,58 @@
           <a:p>
             <a:r>
               <a:rPr lang="en-US" dirty="0"/>
-              <a:t>Accuracy:</a:t>
+              <a:t>Pol</a:t>
+            </a:r>
+            <a:r>
+              <a:rPr lang="es-ES" dirty="0" err="1"/>
+              <a:t>ítica</a:t>
+            </a:r>
+            <a:r>
+              <a:rPr lang="es-ES" dirty="0"/>
+              <a:t> </a:t>
+            </a:r>
+            <a:r>
+              <a:rPr lang="en-US" dirty="0"/>
+              <a:t>de </a:t>
+            </a:r>
+            <a:r>
+              <a:rPr lang="en-US" dirty="0" err="1"/>
+              <a:t>entrenamiento</a:t>
+            </a:r>
+            <a:r>
+              <a:rPr lang="en-US" dirty="0"/>
+              <a:t>:</a:t>
             </a:r>
           </a:p>
           <a:p>
             <a:pPr lvl="1"/>
             <a:r>
-              <a:rPr lang="en-US" dirty="0" err="1"/>
-              <a:t>Cuantas</a:t>
-            </a:r>
-            <a:r>
               <a:rPr lang="en-US" dirty="0"/>
-              <a:t> </a:t>
-            </a:r>
-            <a:r>
-              <a:rPr lang="en-US" dirty="0" err="1"/>
-              <a:t>veces</a:t>
-            </a:r>
-            <a:r>
-              <a:rPr lang="en-US" dirty="0"/>
-              <a:t> me </a:t>
-            </a:r>
-            <a:r>
-              <a:rPr lang="en-US" dirty="0" err="1"/>
-              <a:t>equivoco</a:t>
-            </a:r>
-            <a:r>
-              <a:rPr lang="en-US" dirty="0"/>
-              <a:t>.</a:t>
-            </a:r>
-          </a:p>
-          <a:p>
-            <a:r>
-              <a:rPr lang="en-US" dirty="0"/>
-              <a:t>Recall:</a:t>
+              <a:t>Son las pol</a:t>
+            </a:r>
+            <a:r>
+              <a:rPr lang="es-ES" dirty="0" err="1"/>
+              <a:t>ìticas</a:t>
+            </a:r>
+            <a:r>
+              <a:rPr lang="es-ES" dirty="0"/>
+              <a:t> que se siguen para entrenar el modelos con nuevos datos.</a:t>
             </a:r>
           </a:p>
           <a:p>
             <a:pPr lvl="1"/>
             <a:r>
-              <a:rPr lang="en-US" dirty="0" err="1"/>
-              <a:t>Cuantas</a:t>
-            </a:r>
-            <a:r>
-              <a:rPr lang="en-US" dirty="0"/>
-              <a:t> </a:t>
-            </a:r>
-            <a:r>
-              <a:rPr lang="en-US" dirty="0" err="1"/>
-              <a:t>veces</a:t>
-            </a:r>
-            <a:r>
-              <a:rPr lang="en-US" dirty="0"/>
-              <a:t> </a:t>
-            </a:r>
-            <a:r>
-              <a:rPr lang="en-US" dirty="0" err="1"/>
-              <a:t>predecimos</a:t>
-            </a:r>
-            <a:r>
-              <a:rPr lang="en-US" dirty="0"/>
-              <a:t> </a:t>
-            </a:r>
-            <a:r>
-              <a:rPr lang="en-US" dirty="0" err="1"/>
-              <a:t>correctamente</a:t>
-            </a:r>
-            <a:r>
-              <a:rPr lang="en-US" dirty="0"/>
-              <a:t> </a:t>
-            </a:r>
-            <a:r>
-              <a:rPr lang="en-US" dirty="0" err="1"/>
-              <a:t>ejemplos</a:t>
-            </a:r>
-            <a:r>
-              <a:rPr lang="en-US" dirty="0"/>
-              <a:t> </a:t>
-            </a:r>
-            <a:r>
-              <a:rPr lang="en-US" dirty="0" err="1"/>
-              <a:t>positivos</a:t>
-            </a:r>
-            <a:r>
-              <a:rPr lang="en-US" dirty="0"/>
-              <a:t>.</a:t>
-            </a:r>
+              <a:rPr lang="es-ES" dirty="0"/>
+              <a:t>Se deben de acordar por el equipo de TI/Negocio</a:t>
+            </a:r>
+          </a:p>
+          <a:p>
+            <a:pPr lvl="1"/>
+            <a:r>
+              <a:rPr lang="es-ES" dirty="0"/>
+              <a:t>Se deben de hacer en ambientes no productivos.</a:t>
+            </a:r>
+            <a:endParaRPr lang="en-US" dirty="0"/>
           </a:p>
         </p:txBody>
       </p:sp>
@@ -11493,7 +10928,7 @@
               <p14:cNvPr id="5" name="Ink 4">
                 <a:extLst>
                   <a:ext uri="{FF2B5EF4-FFF2-40B4-BE49-F238E27FC236}">
-                    <a16:creationId xmlns:a16="http://schemas.microsoft.com/office/drawing/2014/main" id="{EFDEBFCA-02A9-4F37-9916-92AE22F9730C}"/>
+                    <a16:creationId xmlns:a16="http://schemas.microsoft.com/office/drawing/2014/main" id="{5BAAA969-441D-4377-B70A-5F56BC451F32}"/>
                   </a:ext>
                 </a:extLst>
               </p14:cNvPr>
@@ -11501,8 +10936,8 @@
               <p14:nvPr/>
             </p14:nvContentPartPr>
             <p14:xfrm>
-              <a:off x="1295280" y="2211840"/>
-              <a:ext cx="1146240" cy="1044360"/>
+              <a:off x="1704960" y="3085920"/>
+              <a:ext cx="4148640" cy="452880"/>
             </p14:xfrm>
           </p:contentPart>
         </mc:Choice>
@@ -11512,7 +10947,7 @@
               <p:cNvPr id="5" name="Ink 4">
                 <a:extLst>
                   <a:ext uri="{FF2B5EF4-FFF2-40B4-BE49-F238E27FC236}">
-                    <a16:creationId xmlns:a16="http://schemas.microsoft.com/office/drawing/2014/main" id="{EFDEBFCA-02A9-4F37-9916-92AE22F9730C}"/>
+                    <a16:creationId xmlns:a16="http://schemas.microsoft.com/office/drawing/2014/main" id="{5BAAA969-441D-4377-B70A-5F56BC451F32}"/>
                   </a:ext>
                 </a:extLst>
               </p:cNvPr>
@@ -11527,8 +10962,8 @@
             </p:blipFill>
             <p:spPr>
               <a:xfrm>
-                <a:off x="1285920" y="2202480"/>
-                <a:ext cx="1164960" cy="1063080"/>
+                <a:off x="1695600" y="3076560"/>
+                <a:ext cx="4167360" cy="471600"/>
               </a:xfrm>
               <a:prstGeom prst="rect">
                 <a:avLst/>
@@ -11540,7 +10975,7 @@
     </p:spTree>
     <p:extLst>
       <p:ext uri="{BB962C8B-B14F-4D97-AF65-F5344CB8AC3E}">
-        <p14:creationId xmlns:p14="http://schemas.microsoft.com/office/powerpoint/2010/main" val="1794883107"/>
+        <p14:creationId xmlns:p14="http://schemas.microsoft.com/office/powerpoint/2010/main" val="2114452826"/>
       </p:ext>
     </p:extLst>
   </p:cSld>
@@ -11717,764 +11152,6 @@
       </p:grpSpPr>
       <p:sp>
         <p:nvSpPr>
-          <p:cNvPr id="2" name="Title 1"/>
-          <p:cNvSpPr>
-            <a:spLocks noGrp="1"/>
-          </p:cNvSpPr>
-          <p:nvPr>
-            <p:ph type="title"/>
-          </p:nvPr>
-        </p:nvSpPr>
-        <p:spPr/>
-        <p:txBody>
-          <a:bodyPr/>
-          <a:lstStyle/>
-          <a:p>
-            <a:endParaRPr lang="en-US"/>
-          </a:p>
-        </p:txBody>
-      </p:sp>
-      <p:sp>
-        <p:nvSpPr>
-          <p:cNvPr id="3" name="Text Placeholder 2"/>
-          <p:cNvSpPr>
-            <a:spLocks noGrp="1"/>
-          </p:cNvSpPr>
-          <p:nvPr>
-            <p:ph type="body" idx="1"/>
-          </p:nvPr>
-        </p:nvSpPr>
-        <p:spPr/>
-        <p:txBody>
-          <a:bodyPr/>
-          <a:lstStyle/>
-          <a:p>
-            <a:r>
-              <a:rPr lang="en-US" sz="1800" dirty="0"/>
-              <a:t>Train set:</a:t>
-            </a:r>
-          </a:p>
-          <a:p>
-            <a:pPr lvl="1"/>
-            <a:r>
-              <a:rPr lang="en-US" sz="1800" dirty="0"/>
-              <a:t>Set con el que </a:t>
-            </a:r>
-            <a:r>
-              <a:rPr lang="en-US" sz="1800" dirty="0" err="1"/>
-              <a:t>entrenamos</a:t>
-            </a:r>
-            <a:r>
-              <a:rPr lang="en-US" sz="1800" dirty="0"/>
-              <a:t> </a:t>
-            </a:r>
-            <a:r>
-              <a:rPr lang="en-US" sz="1800" dirty="0" err="1"/>
-              <a:t>los</a:t>
-            </a:r>
-            <a:r>
-              <a:rPr lang="en-US" sz="1800" dirty="0"/>
-              <a:t> </a:t>
-            </a:r>
-            <a:r>
-              <a:rPr lang="en-US" sz="1800" dirty="0" err="1"/>
-              <a:t>datos</a:t>
-            </a:r>
-            <a:r>
-              <a:rPr lang="en-US" sz="1800" dirty="0"/>
-              <a:t>.</a:t>
-            </a:r>
-          </a:p>
-          <a:p>
-            <a:pPr lvl="2"/>
-            <a:r>
-              <a:rPr lang="en-US" sz="1800" dirty="0" err="1"/>
-              <a:t>Debe</a:t>
-            </a:r>
-            <a:r>
-              <a:rPr lang="en-US" sz="1800" dirty="0"/>
-              <a:t> </a:t>
-            </a:r>
-            <a:r>
-              <a:rPr lang="en-US" sz="1800" dirty="0" err="1"/>
-              <a:t>ser</a:t>
-            </a:r>
-            <a:r>
-              <a:rPr lang="en-US" sz="1800" dirty="0"/>
-              <a:t> un set </a:t>
-            </a:r>
-            <a:r>
-              <a:rPr lang="en-US" sz="1800" dirty="0" err="1"/>
-              <a:t>representativo</a:t>
-            </a:r>
-            <a:r>
-              <a:rPr lang="en-US" sz="1800" dirty="0"/>
-              <a:t> de </a:t>
-            </a:r>
-            <a:r>
-              <a:rPr lang="en-US" sz="1800" dirty="0" err="1"/>
-              <a:t>los</a:t>
-            </a:r>
-            <a:r>
-              <a:rPr lang="en-US" sz="1800" dirty="0"/>
-              <a:t> </a:t>
-            </a:r>
-            <a:r>
-              <a:rPr lang="en-US" sz="1800" dirty="0" err="1"/>
-              <a:t>datos</a:t>
-            </a:r>
-            <a:endParaRPr lang="en-US" sz="1800" dirty="0"/>
-          </a:p>
-          <a:p>
-            <a:r>
-              <a:rPr lang="en-US" sz="1800" dirty="0"/>
-              <a:t>Validation set:</a:t>
-            </a:r>
-          </a:p>
-          <a:p>
-            <a:pPr lvl="1"/>
-            <a:r>
-              <a:rPr lang="en-US" sz="1800" dirty="0"/>
-              <a:t>Set con el que </a:t>
-            </a:r>
-            <a:r>
-              <a:rPr lang="en-US" sz="1800" dirty="0" err="1"/>
-              <a:t>probamos</a:t>
-            </a:r>
-            <a:r>
-              <a:rPr lang="en-US" sz="1800" dirty="0"/>
-              <a:t> </a:t>
-            </a:r>
-            <a:r>
-              <a:rPr lang="en-US" sz="1800" dirty="0" err="1"/>
-              <a:t>hiperparametros</a:t>
-            </a:r>
-            <a:endParaRPr lang="en-US" sz="1800" dirty="0"/>
-          </a:p>
-          <a:p>
-            <a:r>
-              <a:rPr lang="en-US" sz="1800" dirty="0"/>
-              <a:t>Test set:</a:t>
-            </a:r>
-          </a:p>
-          <a:p>
-            <a:pPr lvl="1"/>
-            <a:r>
-              <a:rPr lang="en-US" sz="1800" dirty="0"/>
-              <a:t>Set con el que </a:t>
-            </a:r>
-            <a:r>
-              <a:rPr lang="en-US" sz="1800" dirty="0" err="1"/>
-              <a:t>reportamos</a:t>
-            </a:r>
-            <a:r>
-              <a:rPr lang="en-US" sz="1800" dirty="0"/>
-              <a:t> </a:t>
-            </a:r>
-            <a:r>
-              <a:rPr lang="en-US" sz="1800" dirty="0" err="1"/>
-              <a:t>resultados</a:t>
-            </a:r>
-            <a:endParaRPr lang="en-US" sz="1800" dirty="0"/>
-          </a:p>
-          <a:p>
-            <a:pPr lvl="2"/>
-            <a:r>
-              <a:rPr lang="en-US" sz="1800" dirty="0"/>
-              <a:t>De </a:t>
-            </a:r>
-            <a:r>
-              <a:rPr lang="en-US" sz="1800" dirty="0" err="1"/>
-              <a:t>igual</a:t>
-            </a:r>
-            <a:r>
-              <a:rPr lang="en-US" sz="1800" dirty="0"/>
-              <a:t> forma </a:t>
-            </a:r>
-            <a:r>
-              <a:rPr lang="en-US" sz="1800" dirty="0" err="1"/>
-              <a:t>debe</a:t>
-            </a:r>
-            <a:r>
-              <a:rPr lang="en-US" sz="1800" dirty="0"/>
-              <a:t> de </a:t>
-            </a:r>
-            <a:r>
-              <a:rPr lang="en-US" sz="1800" dirty="0" err="1"/>
-              <a:t>ser</a:t>
-            </a:r>
-            <a:r>
-              <a:rPr lang="en-US" sz="1800" dirty="0"/>
-              <a:t> </a:t>
-            </a:r>
-            <a:r>
-              <a:rPr lang="en-US" sz="1800" dirty="0" err="1"/>
-              <a:t>representativo</a:t>
-            </a:r>
-            <a:r>
-              <a:rPr lang="en-US" sz="1800" dirty="0"/>
-              <a:t>.</a:t>
-            </a:r>
-          </a:p>
-        </p:txBody>
-      </p:sp>
-      <p:sp>
-        <p:nvSpPr>
-          <p:cNvPr id="4" name="Slide Number Placeholder 3"/>
-          <p:cNvSpPr>
-            <a:spLocks noGrp="1"/>
-          </p:cNvSpPr>
-          <p:nvPr>
-            <p:ph type="sldNum" idx="12"/>
-          </p:nvPr>
-        </p:nvSpPr>
-        <p:spPr/>
-        <p:txBody>
-          <a:bodyPr/>
-          <a:lstStyle/>
-          <a:p>
-            <a:fld id="{00000000-1234-1234-1234-123412341234}" type="slidenum">
-              <a:rPr lang="en-US" smtClean="0"/>
-              <a:pPr/>
-              <a:t>30</a:t>
-            </a:fld>
-            <a:endParaRPr lang="en-US" dirty="0"/>
-          </a:p>
-        </p:txBody>
-      </p:sp>
-    </p:spTree>
-    <p:extLst>
-      <p:ext uri="{BB962C8B-B14F-4D97-AF65-F5344CB8AC3E}">
-        <p14:creationId xmlns:p14="http://schemas.microsoft.com/office/powerpoint/2010/main" val="3671239834"/>
-      </p:ext>
-    </p:extLst>
-  </p:cSld>
-  <p:clrMapOvr>
-    <a:masterClrMapping/>
-  </p:clrMapOvr>
-</p:sld>
-</file>
-
-<file path=ppt/slides/slide31.xml><?xml version="1.0" encoding="utf-8"?>
-<p:sld xmlns:a="http://schemas.openxmlformats.org/drawingml/2006/main" xmlns:r="http://schemas.openxmlformats.org/officeDocument/2006/relationships" xmlns:p="http://schemas.openxmlformats.org/presentationml/2006/main">
-  <p:cSld>
-    <p:spTree>
-      <p:nvGrpSpPr>
-        <p:cNvPr id="1" name=""/>
-        <p:cNvGrpSpPr/>
-        <p:nvPr/>
-      </p:nvGrpSpPr>
-      <p:grpSpPr>
-        <a:xfrm>
-          <a:off x="0" y="0"/>
-          <a:ext cx="0" cy="0"/>
-          <a:chOff x="0" y="0"/>
-          <a:chExt cx="0" cy="0"/>
-        </a:xfrm>
-      </p:grpSpPr>
-      <p:sp>
-        <p:nvSpPr>
-          <p:cNvPr id="2" name="Title 1"/>
-          <p:cNvSpPr>
-            <a:spLocks noGrp="1"/>
-          </p:cNvSpPr>
-          <p:nvPr>
-            <p:ph type="title"/>
-          </p:nvPr>
-        </p:nvSpPr>
-        <p:spPr/>
-        <p:txBody>
-          <a:bodyPr/>
-          <a:lstStyle/>
-          <a:p>
-            <a:endParaRPr lang="en-US"/>
-          </a:p>
-        </p:txBody>
-      </p:sp>
-      <p:sp>
-        <p:nvSpPr>
-          <p:cNvPr id="3" name="Text Placeholder 2"/>
-          <p:cNvSpPr>
-            <a:spLocks noGrp="1"/>
-          </p:cNvSpPr>
-          <p:nvPr>
-            <p:ph type="body" idx="1"/>
-          </p:nvPr>
-        </p:nvSpPr>
-        <p:spPr/>
-        <p:txBody>
-          <a:bodyPr/>
-          <a:lstStyle/>
-          <a:p>
-            <a:endParaRPr lang="en-US"/>
-          </a:p>
-        </p:txBody>
-      </p:sp>
-      <p:sp>
-        <p:nvSpPr>
-          <p:cNvPr id="4" name="Slide Number Placeholder 3"/>
-          <p:cNvSpPr>
-            <a:spLocks noGrp="1"/>
-          </p:cNvSpPr>
-          <p:nvPr>
-            <p:ph type="sldNum" idx="12"/>
-          </p:nvPr>
-        </p:nvSpPr>
-        <p:spPr/>
-        <p:txBody>
-          <a:bodyPr/>
-          <a:lstStyle/>
-          <a:p>
-            <a:fld id="{00000000-1234-1234-1234-123412341234}" type="slidenum">
-              <a:rPr lang="en-US" smtClean="0"/>
-              <a:pPr/>
-              <a:t>31</a:t>
-            </a:fld>
-            <a:endParaRPr lang="en-US" dirty="0"/>
-          </a:p>
-        </p:txBody>
-      </p:sp>
-      <p:pic>
-        <p:nvPicPr>
-          <p:cNvPr id="1026" name="Picture 2" descr="https://miro.medium.com/max/1400/1*Nv2NNALuokZEcV6hYEHdGA.png"/>
-          <p:cNvPicPr>
-            <a:picLocks noChangeAspect="1" noChangeArrowheads="1"/>
-          </p:cNvPicPr>
-          <p:nvPr/>
-        </p:nvPicPr>
-        <p:blipFill>
-          <a:blip r:embed="rId2">
-            <a:extLst>
-              <a:ext uri="{28A0092B-C50C-407E-A947-70E740481C1C}">
-                <a14:useLocalDpi xmlns:a14="http://schemas.microsoft.com/office/drawing/2010/main" val="0"/>
-              </a:ext>
-            </a:extLst>
-          </a:blip>
-          <a:srcRect/>
-          <a:stretch>
-            <a:fillRect/>
-          </a:stretch>
-        </p:blipFill>
-        <p:spPr bwMode="auto">
-          <a:xfrm>
-            <a:off x="931333" y="1625600"/>
-            <a:ext cx="7391400" cy="1762125"/>
-          </a:xfrm>
-          <a:prstGeom prst="rect">
-            <a:avLst/>
-          </a:prstGeom>
-          <a:noFill/>
-          <a:extLst>
-            <a:ext uri="{909E8E84-426E-40DD-AFC4-6F175D3DCCD1}">
-              <a14:hiddenFill xmlns:a14="http://schemas.microsoft.com/office/drawing/2010/main">
-                <a:solidFill>
-                  <a:srgbClr val="FFFFFF"/>
-                </a:solidFill>
-              </a14:hiddenFill>
-            </a:ext>
-          </a:extLst>
-        </p:spPr>
-      </p:pic>
-    </p:spTree>
-    <p:extLst>
-      <p:ext uri="{BB962C8B-B14F-4D97-AF65-F5344CB8AC3E}">
-        <p14:creationId xmlns:p14="http://schemas.microsoft.com/office/powerpoint/2010/main" val="2771785520"/>
-      </p:ext>
-    </p:extLst>
-  </p:cSld>
-  <p:clrMapOvr>
-    <a:masterClrMapping/>
-  </p:clrMapOvr>
-</p:sld>
-</file>
-
-<file path=ppt/slides/slide32.xml><?xml version="1.0" encoding="utf-8"?>
-<p:sld xmlns:a="http://schemas.openxmlformats.org/drawingml/2006/main" xmlns:r="http://schemas.openxmlformats.org/officeDocument/2006/relationships" xmlns:p="http://schemas.openxmlformats.org/presentationml/2006/main">
-  <p:cSld>
-    <p:spTree>
-      <p:nvGrpSpPr>
-        <p:cNvPr id="1" name=""/>
-        <p:cNvGrpSpPr/>
-        <p:nvPr/>
-      </p:nvGrpSpPr>
-      <p:grpSpPr>
-        <a:xfrm>
-          <a:off x="0" y="0"/>
-          <a:ext cx="0" cy="0"/>
-          <a:chOff x="0" y="0"/>
-          <a:chExt cx="0" cy="0"/>
-        </a:xfrm>
-      </p:grpSpPr>
-      <p:sp>
-        <p:nvSpPr>
-          <p:cNvPr id="2" name="Title 1"/>
-          <p:cNvSpPr>
-            <a:spLocks noGrp="1"/>
-          </p:cNvSpPr>
-          <p:nvPr>
-            <p:ph type="title"/>
-          </p:nvPr>
-        </p:nvSpPr>
-        <p:spPr/>
-        <p:txBody>
-          <a:bodyPr/>
-          <a:lstStyle/>
-          <a:p>
-            <a:endParaRPr lang="en-US"/>
-          </a:p>
-        </p:txBody>
-      </p:sp>
-      <p:sp>
-        <p:nvSpPr>
-          <p:cNvPr id="3" name="Text Placeholder 2"/>
-          <p:cNvSpPr>
-            <a:spLocks noGrp="1"/>
-          </p:cNvSpPr>
-          <p:nvPr>
-            <p:ph type="body" idx="1"/>
-          </p:nvPr>
-        </p:nvSpPr>
-        <p:spPr/>
-        <p:txBody>
-          <a:bodyPr/>
-          <a:lstStyle/>
-          <a:p>
-            <a:r>
-              <a:rPr lang="en-US" dirty="0" err="1"/>
-              <a:t>Por</a:t>
-            </a:r>
-            <a:r>
-              <a:rPr lang="en-US" dirty="0"/>
-              <a:t> que </a:t>
-            </a:r>
-            <a:r>
-              <a:rPr lang="en-US" dirty="0" err="1"/>
-              <a:t>creen</a:t>
-            </a:r>
-            <a:r>
-              <a:rPr lang="en-US" dirty="0"/>
-              <a:t> que </a:t>
-            </a:r>
-            <a:r>
-              <a:rPr lang="en-US" dirty="0" err="1"/>
-              <a:t>tenemos</a:t>
-            </a:r>
-            <a:r>
-              <a:rPr lang="en-US" dirty="0"/>
-              <a:t> que </a:t>
-            </a:r>
-            <a:r>
-              <a:rPr lang="en-US" dirty="0" err="1"/>
-              <a:t>usar</a:t>
-            </a:r>
-            <a:r>
-              <a:rPr lang="en-US" dirty="0"/>
-              <a:t> dos sets para </a:t>
-            </a:r>
-            <a:r>
-              <a:rPr lang="en-US" dirty="0" err="1"/>
-              <a:t>probar</a:t>
-            </a:r>
-            <a:r>
-              <a:rPr lang="en-US" dirty="0"/>
-              <a:t>?</a:t>
-            </a:r>
-          </a:p>
-          <a:p>
-            <a:endParaRPr lang="en-US" dirty="0"/>
-          </a:p>
-          <a:p>
-            <a:r>
-              <a:rPr lang="en-US" dirty="0"/>
-              <a:t>Que </a:t>
-            </a:r>
-            <a:r>
-              <a:rPr lang="en-US" dirty="0" err="1"/>
-              <a:t>porcentaje</a:t>
-            </a:r>
-            <a:r>
-              <a:rPr lang="en-US" dirty="0"/>
-              <a:t> </a:t>
-            </a:r>
-            <a:r>
-              <a:rPr lang="en-US" dirty="0" err="1"/>
-              <a:t>utilizamos</a:t>
-            </a:r>
-            <a:r>
-              <a:rPr lang="en-US" dirty="0"/>
-              <a:t> para </a:t>
-            </a:r>
-            <a:r>
-              <a:rPr lang="en-US" dirty="0" err="1"/>
-              <a:t>cada</a:t>
-            </a:r>
-            <a:r>
-              <a:rPr lang="en-US" dirty="0"/>
-              <a:t> </a:t>
-            </a:r>
-            <a:r>
-              <a:rPr lang="en-US" dirty="0" err="1"/>
-              <a:t>uno</a:t>
-            </a:r>
-            <a:r>
-              <a:rPr lang="en-US" dirty="0"/>
-              <a:t>?</a:t>
-            </a:r>
-          </a:p>
-        </p:txBody>
-      </p:sp>
-      <p:sp>
-        <p:nvSpPr>
-          <p:cNvPr id="4" name="Slide Number Placeholder 3"/>
-          <p:cNvSpPr>
-            <a:spLocks noGrp="1"/>
-          </p:cNvSpPr>
-          <p:nvPr>
-            <p:ph type="sldNum" idx="12"/>
-          </p:nvPr>
-        </p:nvSpPr>
-        <p:spPr/>
-        <p:txBody>
-          <a:bodyPr/>
-          <a:lstStyle/>
-          <a:p>
-            <a:fld id="{00000000-1234-1234-1234-123412341234}" type="slidenum">
-              <a:rPr lang="en-US" smtClean="0"/>
-              <a:pPr/>
-              <a:t>32</a:t>
-            </a:fld>
-            <a:endParaRPr lang="en-US" dirty="0"/>
-          </a:p>
-        </p:txBody>
-      </p:sp>
-    </p:spTree>
-    <p:extLst>
-      <p:ext uri="{BB962C8B-B14F-4D97-AF65-F5344CB8AC3E}">
-        <p14:creationId xmlns:p14="http://schemas.microsoft.com/office/powerpoint/2010/main" val="3717766469"/>
-      </p:ext>
-    </p:extLst>
-  </p:cSld>
-  <p:clrMapOvr>
-    <a:masterClrMapping/>
-  </p:clrMapOvr>
-</p:sld>
-</file>
-
-<file path=ppt/slides/slide33.xml><?xml version="1.0" encoding="utf-8"?>
-<p:sld xmlns:a="http://schemas.openxmlformats.org/drawingml/2006/main" xmlns:r="http://schemas.openxmlformats.org/officeDocument/2006/relationships" xmlns:p="http://schemas.openxmlformats.org/presentationml/2006/main">
-  <p:cSld>
-    <p:spTree>
-      <p:nvGrpSpPr>
-        <p:cNvPr id="1" name=""/>
-        <p:cNvGrpSpPr/>
-        <p:nvPr/>
-      </p:nvGrpSpPr>
-      <p:grpSpPr>
-        <a:xfrm>
-          <a:off x="0" y="0"/>
-          <a:ext cx="0" cy="0"/>
-          <a:chOff x="0" y="0"/>
-          <a:chExt cx="0" cy="0"/>
-        </a:xfrm>
-      </p:grpSpPr>
-      <p:sp>
-        <p:nvSpPr>
-          <p:cNvPr id="2" name="Title 1"/>
-          <p:cNvSpPr>
-            <a:spLocks noGrp="1"/>
-          </p:cNvSpPr>
-          <p:nvPr>
-            <p:ph type="title"/>
-          </p:nvPr>
-        </p:nvSpPr>
-        <p:spPr/>
-        <p:txBody>
-          <a:bodyPr/>
-          <a:lstStyle/>
-          <a:p>
-            <a:endParaRPr lang="en-US"/>
-          </a:p>
-        </p:txBody>
-      </p:sp>
-      <p:sp>
-        <p:nvSpPr>
-          <p:cNvPr id="3" name="Text Placeholder 2"/>
-          <p:cNvSpPr>
-            <a:spLocks noGrp="1"/>
-          </p:cNvSpPr>
-          <p:nvPr>
-            <p:ph type="body" idx="1"/>
-          </p:nvPr>
-        </p:nvSpPr>
-        <p:spPr/>
-        <p:txBody>
-          <a:bodyPr/>
-          <a:lstStyle/>
-          <a:p>
-            <a:r>
-              <a:rPr lang="en-US" dirty="0"/>
-              <a:t>Pol</a:t>
-            </a:r>
-            <a:r>
-              <a:rPr lang="es-ES" dirty="0" err="1"/>
-              <a:t>ítica</a:t>
-            </a:r>
-            <a:r>
-              <a:rPr lang="es-ES" dirty="0"/>
-              <a:t> </a:t>
-            </a:r>
-            <a:r>
-              <a:rPr lang="en-US" dirty="0"/>
-              <a:t>de </a:t>
-            </a:r>
-            <a:r>
-              <a:rPr lang="en-US" dirty="0" err="1"/>
-              <a:t>entrenamiento</a:t>
-            </a:r>
-            <a:r>
-              <a:rPr lang="en-US" dirty="0"/>
-              <a:t>:</a:t>
-            </a:r>
-          </a:p>
-          <a:p>
-            <a:pPr lvl="1"/>
-            <a:r>
-              <a:rPr lang="en-US" dirty="0"/>
-              <a:t>Son las pol</a:t>
-            </a:r>
-            <a:r>
-              <a:rPr lang="es-ES" dirty="0" err="1"/>
-              <a:t>ìticas</a:t>
-            </a:r>
-            <a:r>
-              <a:rPr lang="es-ES" dirty="0"/>
-              <a:t> que se siguen para entrenar el modelos con nuevos datos.</a:t>
-            </a:r>
-          </a:p>
-          <a:p>
-            <a:pPr lvl="1"/>
-            <a:r>
-              <a:rPr lang="es-ES" dirty="0"/>
-              <a:t>Se deben de acordar por el equipo de TI/Negocio</a:t>
-            </a:r>
-          </a:p>
-          <a:p>
-            <a:pPr lvl="1"/>
-            <a:r>
-              <a:rPr lang="es-ES" dirty="0"/>
-              <a:t>Se deben de hacer en ambientes no productivos.</a:t>
-            </a:r>
-            <a:endParaRPr lang="en-US" dirty="0"/>
-          </a:p>
-        </p:txBody>
-      </p:sp>
-      <p:sp>
-        <p:nvSpPr>
-          <p:cNvPr id="4" name="Slide Number Placeholder 3"/>
-          <p:cNvSpPr>
-            <a:spLocks noGrp="1"/>
-          </p:cNvSpPr>
-          <p:nvPr>
-            <p:ph type="sldNum" idx="12"/>
-          </p:nvPr>
-        </p:nvSpPr>
-        <p:spPr/>
-        <p:txBody>
-          <a:bodyPr/>
-          <a:lstStyle/>
-          <a:p>
-            <a:fld id="{00000000-1234-1234-1234-123412341234}" type="slidenum">
-              <a:rPr lang="en-US" smtClean="0"/>
-              <a:pPr/>
-              <a:t>33</a:t>
-            </a:fld>
-            <a:endParaRPr lang="en-US" dirty="0"/>
-          </a:p>
-        </p:txBody>
-      </p:sp>
-      <mc:AlternateContent xmlns:mc="http://schemas.openxmlformats.org/markup-compatibility/2006">
-        <mc:Choice xmlns:p14="http://schemas.microsoft.com/office/powerpoint/2010/main" Requires="p14">
-          <p:contentPart p14:bwMode="auto" r:id="rId2">
-            <p14:nvContentPartPr>
-              <p14:cNvPr id="5" name="Ink 4">
-                <a:extLst>
-                  <a:ext uri="{FF2B5EF4-FFF2-40B4-BE49-F238E27FC236}">
-                    <a16:creationId xmlns:a16="http://schemas.microsoft.com/office/drawing/2014/main" id="{2545A9C4-3CFF-411B-8126-3097762A2227}"/>
-                  </a:ext>
-                </a:extLst>
-              </p14:cNvPr>
-              <p14:cNvContentPartPr/>
-              <p14:nvPr/>
-            </p14:nvContentPartPr>
-            <p14:xfrm>
-              <a:off x="1366200" y="1785960"/>
-              <a:ext cx="3135600" cy="1761480"/>
-            </p14:xfrm>
-          </p:contentPart>
-        </mc:Choice>
-        <mc:Fallback>
-          <p:pic>
-            <p:nvPicPr>
-              <p:cNvPr id="5" name="Ink 4">
-                <a:extLst>
-                  <a:ext uri="{FF2B5EF4-FFF2-40B4-BE49-F238E27FC236}">
-                    <a16:creationId xmlns:a16="http://schemas.microsoft.com/office/drawing/2014/main" id="{2545A9C4-3CFF-411B-8126-3097762A2227}"/>
-                  </a:ext>
-                </a:extLst>
-              </p:cNvPr>
-              <p:cNvPicPr/>
-              <p:nvPr/>
-            </p:nvPicPr>
-            <p:blipFill>
-              <a:blip r:embed="rId3"/>
-              <a:stretch>
-                <a:fillRect/>
-              </a:stretch>
-            </p:blipFill>
-            <p:spPr>
-              <a:xfrm>
-                <a:off x="1356840" y="1776600"/>
-                <a:ext cx="3154320" cy="1780200"/>
-              </a:xfrm>
-              <a:prstGeom prst="rect">
-                <a:avLst/>
-              </a:prstGeom>
-            </p:spPr>
-          </p:pic>
-        </mc:Fallback>
-      </mc:AlternateContent>
-    </p:spTree>
-    <p:extLst>
-      <p:ext uri="{BB962C8B-B14F-4D97-AF65-F5344CB8AC3E}">
-        <p14:creationId xmlns:p14="http://schemas.microsoft.com/office/powerpoint/2010/main" val="2114452826"/>
-      </p:ext>
-    </p:extLst>
-  </p:cSld>
-  <p:clrMapOvr>
-    <a:masterClrMapping/>
-  </p:clrMapOvr>
-</p:sld>
-</file>
-
-<file path=ppt/slides/slide34.xml><?xml version="1.0" encoding="utf-8"?>
-<p:sld xmlns:a="http://schemas.openxmlformats.org/drawingml/2006/main" xmlns:r="http://schemas.openxmlformats.org/officeDocument/2006/relationships" xmlns:p="http://schemas.openxmlformats.org/presentationml/2006/main">
-  <p:cSld>
-    <p:spTree>
-      <p:nvGrpSpPr>
-        <p:cNvPr id="1" name=""/>
-        <p:cNvGrpSpPr/>
-        <p:nvPr/>
-      </p:nvGrpSpPr>
-      <p:grpSpPr>
-        <a:xfrm>
-          <a:off x="0" y="0"/>
-          <a:ext cx="0" cy="0"/>
-          <a:chOff x="0" y="0"/>
-          <a:chExt cx="0" cy="0"/>
-        </a:xfrm>
-      </p:grpSpPr>
-      <p:sp>
-        <p:nvSpPr>
           <p:cNvPr id="2" name="Title 1">
             <a:extLst>
               <a:ext uri="{FF2B5EF4-FFF2-40B4-BE49-F238E27FC236}">
@@ -12581,12 +11258,63 @@
             </a:pPr>
             <a:fld id="{00000000-1234-1234-1234-123412341234}" type="slidenum">
               <a:rPr lang="en" smtClean="0"/>
-              <a:t>34</a:t>
+              <a:t>30</a:t>
             </a:fld>
             <a:endParaRPr lang="en"/>
           </a:p>
         </p:txBody>
       </p:sp>
+      <mc:AlternateContent xmlns:mc="http://schemas.openxmlformats.org/markup-compatibility/2006">
+        <mc:Choice xmlns:p14="http://schemas.microsoft.com/office/powerpoint/2010/main" Requires="p14">
+          <p:contentPart p14:bwMode="auto" r:id="rId2">
+            <p14:nvContentPartPr>
+              <p14:cNvPr id="5" name="Ink 4">
+                <a:extLst>
+                  <a:ext uri="{FF2B5EF4-FFF2-40B4-BE49-F238E27FC236}">
+                    <a16:creationId xmlns:a16="http://schemas.microsoft.com/office/drawing/2014/main" id="{AF248036-D2CF-4788-893C-BA8F74B18FE6}"/>
+                  </a:ext>
+                </a:extLst>
+              </p14:cNvPr>
+              <p14:cNvContentPartPr/>
+              <p14:nvPr/>
+            </p14:nvContentPartPr>
+            <p14:xfrm>
+              <a:off x="1390680" y="2643120"/>
+              <a:ext cx="2881800" cy="695880"/>
+            </p14:xfrm>
+          </p:contentPart>
+        </mc:Choice>
+        <mc:Fallback>
+          <p:pic>
+            <p:nvPicPr>
+              <p:cNvPr id="5" name="Ink 4">
+                <a:extLst>
+                  <a:ext uri="{FF2B5EF4-FFF2-40B4-BE49-F238E27FC236}">
+                    <a16:creationId xmlns:a16="http://schemas.microsoft.com/office/drawing/2014/main" id="{AF248036-D2CF-4788-893C-BA8F74B18FE6}"/>
+                  </a:ext>
+                </a:extLst>
+              </p:cNvPr>
+              <p:cNvPicPr/>
+              <p:nvPr/>
+            </p:nvPicPr>
+            <p:blipFill>
+              <a:blip r:embed="rId3"/>
+              <a:stretch>
+                <a:fillRect/>
+              </a:stretch>
+            </p:blipFill>
+            <p:spPr>
+              <a:xfrm>
+                <a:off x="1381320" y="2633760"/>
+                <a:ext cx="2900520" cy="714600"/>
+              </a:xfrm>
+              <a:prstGeom prst="rect">
+                <a:avLst/>
+              </a:prstGeom>
+            </p:spPr>
+          </p:pic>
+        </mc:Fallback>
+      </mc:AlternateContent>
     </p:spTree>
     <p:extLst>
       <p:ext uri="{BB962C8B-B14F-4D97-AF65-F5344CB8AC3E}">
@@ -12600,7 +11328,7 @@
 </p:sld>
 </file>
 
-<file path=ppt/slides/slide35.xml><?xml version="1.0" encoding="utf-8"?>
+<file path=ppt/slides/slide31.xml><?xml version="1.0" encoding="utf-8"?>
 <p:sld xmlns:a="http://schemas.openxmlformats.org/drawingml/2006/main" xmlns:r="http://schemas.openxmlformats.org/officeDocument/2006/relationships" xmlns:p="http://schemas.openxmlformats.org/presentationml/2006/main">
   <p:cSld>
     <p:spTree>
@@ -12678,7 +11406,7 @@
             </a:pPr>
             <a:fld id="{00000000-1234-1234-1234-123412341234}" type="slidenum">
               <a:rPr lang="en" smtClean="0"/>
-              <a:t>35</a:t>
+              <a:t>31</a:t>
             </a:fld>
             <a:endParaRPr lang="en"/>
           </a:p>
@@ -12926,6 +11654,57 @@
           </a:fontRef>
         </p:style>
       </p:cxnSp>
+      <mc:AlternateContent xmlns:mc="http://schemas.openxmlformats.org/markup-compatibility/2006">
+        <mc:Choice xmlns:p14="http://schemas.microsoft.com/office/powerpoint/2010/main" Requires="p14">
+          <p:contentPart p14:bwMode="auto" r:id="rId2">
+            <p14:nvContentPartPr>
+              <p14:cNvPr id="3" name="Ink 2">
+                <a:extLst>
+                  <a:ext uri="{FF2B5EF4-FFF2-40B4-BE49-F238E27FC236}">
+                    <a16:creationId xmlns:a16="http://schemas.microsoft.com/office/drawing/2014/main" id="{4FA30EF3-C599-4501-AB4E-BDB3769A050B}"/>
+                  </a:ext>
+                </a:extLst>
+              </p14:cNvPr>
+              <p14:cNvContentPartPr/>
+              <p14:nvPr/>
+            </p14:nvContentPartPr>
+            <p14:xfrm>
+              <a:off x="938160" y="2128680"/>
+              <a:ext cx="6891840" cy="2372400"/>
+            </p14:xfrm>
+          </p:contentPart>
+        </mc:Choice>
+        <mc:Fallback>
+          <p:pic>
+            <p:nvPicPr>
+              <p:cNvPr id="3" name="Ink 2">
+                <a:extLst>
+                  <a:ext uri="{FF2B5EF4-FFF2-40B4-BE49-F238E27FC236}">
+                    <a16:creationId xmlns:a16="http://schemas.microsoft.com/office/drawing/2014/main" id="{4FA30EF3-C599-4501-AB4E-BDB3769A050B}"/>
+                  </a:ext>
+                </a:extLst>
+              </p:cNvPr>
+              <p:cNvPicPr/>
+              <p:nvPr/>
+            </p:nvPicPr>
+            <p:blipFill>
+              <a:blip r:embed="rId3"/>
+              <a:stretch>
+                <a:fillRect/>
+              </a:stretch>
+            </p:blipFill>
+            <p:spPr>
+              <a:xfrm>
+                <a:off x="928800" y="2119320"/>
+                <a:ext cx="6910560" cy="2391120"/>
+              </a:xfrm>
+              <a:prstGeom prst="rect">
+                <a:avLst/>
+              </a:prstGeom>
+            </p:spPr>
+          </p:pic>
+        </mc:Fallback>
+      </mc:AlternateContent>
     </p:spTree>
     <p:extLst>
       <p:ext uri="{BB962C8B-B14F-4D97-AF65-F5344CB8AC3E}">
@@ -12939,7 +11718,7 @@
 </p:sld>
 </file>
 
-<file path=ppt/slides/slide36.xml><?xml version="1.0" encoding="utf-8"?>
+<file path=ppt/slides/slide32.xml><?xml version="1.0" encoding="utf-8"?>
 <p:sld xmlns:a="http://schemas.openxmlformats.org/drawingml/2006/main" xmlns:r="http://schemas.openxmlformats.org/officeDocument/2006/relationships" xmlns:p="http://schemas.openxmlformats.org/presentationml/2006/main">
   <p:cSld>
     <p:spTree>
@@ -13017,7 +11796,7 @@
             </a:pPr>
             <a:fld id="{00000000-1234-1234-1234-123412341234}" type="slidenum">
               <a:rPr lang="en" smtClean="0"/>
-              <a:t>36</a:t>
+              <a:t>32</a:t>
             </a:fld>
             <a:endParaRPr lang="en"/>
           </a:p>
@@ -13526,57 +12305,6 @@
           </a:p>
         </p:txBody>
       </p:sp>
-      <mc:AlternateContent xmlns:mc="http://schemas.openxmlformats.org/markup-compatibility/2006">
-        <mc:Choice xmlns:p14="http://schemas.microsoft.com/office/powerpoint/2010/main" Requires="p14">
-          <p:contentPart p14:bwMode="auto" r:id="rId2">
-            <p14:nvContentPartPr>
-              <p14:cNvPr id="9" name="Ink 8">
-                <a:extLst>
-                  <a:ext uri="{FF2B5EF4-FFF2-40B4-BE49-F238E27FC236}">
-                    <a16:creationId xmlns:a16="http://schemas.microsoft.com/office/drawing/2014/main" id="{BA42CFB7-DDA5-4712-BE12-60834E03B867}"/>
-                  </a:ext>
-                </a:extLst>
-              </p14:cNvPr>
-              <p14:cNvContentPartPr/>
-              <p14:nvPr/>
-            </p14:nvContentPartPr>
-            <p14:xfrm>
-              <a:off x="503640" y="368280"/>
-              <a:ext cx="7291080" cy="4154760"/>
-            </p14:xfrm>
-          </p:contentPart>
-        </mc:Choice>
-        <mc:Fallback>
-          <p:pic>
-            <p:nvPicPr>
-              <p:cNvPr id="9" name="Ink 8">
-                <a:extLst>
-                  <a:ext uri="{FF2B5EF4-FFF2-40B4-BE49-F238E27FC236}">
-                    <a16:creationId xmlns:a16="http://schemas.microsoft.com/office/drawing/2014/main" id="{BA42CFB7-DDA5-4712-BE12-60834E03B867}"/>
-                  </a:ext>
-                </a:extLst>
-              </p:cNvPr>
-              <p:cNvPicPr/>
-              <p:nvPr/>
-            </p:nvPicPr>
-            <p:blipFill>
-              <a:blip r:embed="rId3"/>
-              <a:stretch>
-                <a:fillRect/>
-              </a:stretch>
-            </p:blipFill>
-            <p:spPr>
-              <a:xfrm>
-                <a:off x="494280" y="358920"/>
-                <a:ext cx="7309800" cy="4173480"/>
-              </a:xfrm>
-              <a:prstGeom prst="rect">
-                <a:avLst/>
-              </a:prstGeom>
-            </p:spPr>
-          </p:pic>
-        </mc:Fallback>
-      </mc:AlternateContent>
     </p:spTree>
     <p:extLst>
       <p:ext uri="{BB962C8B-B14F-4D97-AF65-F5344CB8AC3E}">
@@ -13590,7 +12318,7 @@
 </p:sld>
 </file>
 
-<file path=ppt/slides/slide37.xml><?xml version="1.0" encoding="utf-8"?>
+<file path=ppt/slides/slide33.xml><?xml version="1.0" encoding="utf-8"?>
 <p:sld xmlns:a="http://schemas.openxmlformats.org/drawingml/2006/main" xmlns:r="http://schemas.openxmlformats.org/officeDocument/2006/relationships" xmlns:p="http://schemas.openxmlformats.org/presentationml/2006/main">
   <p:cSld>
     <p:spTree>
@@ -13709,7 +12437,7 @@
             </a:pPr>
             <a:fld id="{00000000-1234-1234-1234-123412341234}" type="slidenum">
               <a:rPr lang="en" smtClean="0"/>
-              <a:t>37</a:t>
+              <a:t>33</a:t>
             </a:fld>
             <a:endParaRPr lang="en"/>
           </a:p>
@@ -13728,7 +12456,7 @@
 </p:sld>
 </file>
 
-<file path=ppt/slides/slide38.xml><?xml version="1.0" encoding="utf-8"?>
+<file path=ppt/slides/slide34.xml><?xml version="1.0" encoding="utf-8"?>
 <p:sld xmlns:a="http://schemas.openxmlformats.org/drawingml/2006/main" xmlns:r="http://schemas.openxmlformats.org/officeDocument/2006/relationships" xmlns:p="http://schemas.openxmlformats.org/presentationml/2006/main">
   <p:cSld>
     <p:spTree>
@@ -13848,12 +12576,63 @@
             </a:pPr>
             <a:fld id="{00000000-1234-1234-1234-123412341234}" type="slidenum">
               <a:rPr lang="en" smtClean="0"/>
-              <a:t>38</a:t>
+              <a:t>34</a:t>
             </a:fld>
             <a:endParaRPr lang="en"/>
           </a:p>
         </p:txBody>
       </p:sp>
+      <mc:AlternateContent xmlns:mc="http://schemas.openxmlformats.org/markup-compatibility/2006">
+        <mc:Choice xmlns:p14="http://schemas.microsoft.com/office/powerpoint/2010/main" Requires="p14">
+          <p:contentPart p14:bwMode="auto" r:id="rId2">
+            <p14:nvContentPartPr>
+              <p14:cNvPr id="5" name="Ink 4">
+                <a:extLst>
+                  <a:ext uri="{FF2B5EF4-FFF2-40B4-BE49-F238E27FC236}">
+                    <a16:creationId xmlns:a16="http://schemas.microsoft.com/office/drawing/2014/main" id="{7D3F16AF-25F6-49C1-A76D-4688D5D87777}"/>
+                  </a:ext>
+                </a:extLst>
+              </p14:cNvPr>
+              <p14:cNvContentPartPr/>
+              <p14:nvPr/>
+            </p14:nvContentPartPr>
+            <p14:xfrm>
+              <a:off x="957240" y="938160"/>
+              <a:ext cx="5963040" cy="3724560"/>
+            </p14:xfrm>
+          </p:contentPart>
+        </mc:Choice>
+        <mc:Fallback>
+          <p:pic>
+            <p:nvPicPr>
+              <p:cNvPr id="5" name="Ink 4">
+                <a:extLst>
+                  <a:ext uri="{FF2B5EF4-FFF2-40B4-BE49-F238E27FC236}">
+                    <a16:creationId xmlns:a16="http://schemas.microsoft.com/office/drawing/2014/main" id="{7D3F16AF-25F6-49C1-A76D-4688D5D87777}"/>
+                  </a:ext>
+                </a:extLst>
+              </p:cNvPr>
+              <p:cNvPicPr/>
+              <p:nvPr/>
+            </p:nvPicPr>
+            <p:blipFill>
+              <a:blip r:embed="rId3"/>
+              <a:stretch>
+                <a:fillRect/>
+              </a:stretch>
+            </p:blipFill>
+            <p:spPr>
+              <a:xfrm>
+                <a:off x="947880" y="928800"/>
+                <a:ext cx="5981760" cy="3743280"/>
+              </a:xfrm>
+              <a:prstGeom prst="rect">
+                <a:avLst/>
+              </a:prstGeom>
+            </p:spPr>
+          </p:pic>
+        </mc:Fallback>
+      </mc:AlternateContent>
     </p:spTree>
     <p:extLst>
       <p:ext uri="{BB962C8B-B14F-4D97-AF65-F5344CB8AC3E}">
@@ -13867,7 +12646,7 @@
 </p:sld>
 </file>
 
-<file path=ppt/slides/slide39.xml><?xml version="1.0" encoding="utf-8"?>
+<file path=ppt/slides/slide35.xml><?xml version="1.0" encoding="utf-8"?>
 <p:sld xmlns:a="http://schemas.openxmlformats.org/drawingml/2006/main" xmlns:r="http://schemas.openxmlformats.org/officeDocument/2006/relationships" xmlns:p="http://schemas.openxmlformats.org/presentationml/2006/main">
   <p:cSld>
     <p:spTree>
@@ -13982,12 +12761,63 @@
             </a:pPr>
             <a:fld id="{00000000-1234-1234-1234-123412341234}" type="slidenum">
               <a:rPr lang="en" smtClean="0"/>
-              <a:t>39</a:t>
+              <a:t>35</a:t>
             </a:fld>
             <a:endParaRPr lang="en"/>
           </a:p>
         </p:txBody>
       </p:sp>
+      <mc:AlternateContent xmlns:mc="http://schemas.openxmlformats.org/markup-compatibility/2006">
+        <mc:Choice xmlns:p14="http://schemas.microsoft.com/office/powerpoint/2010/main" Requires="p14">
+          <p:contentPart p14:bwMode="auto" r:id="rId2">
+            <p14:nvContentPartPr>
+              <p14:cNvPr id="5" name="Ink 4">
+                <a:extLst>
+                  <a:ext uri="{FF2B5EF4-FFF2-40B4-BE49-F238E27FC236}">
+                    <a16:creationId xmlns:a16="http://schemas.microsoft.com/office/drawing/2014/main" id="{CD625E46-3593-49FE-9CBA-656F67C0304F}"/>
+                  </a:ext>
+                </a:extLst>
+              </p14:cNvPr>
+              <p14:cNvContentPartPr/>
+              <p14:nvPr/>
+            </p14:nvContentPartPr>
+            <p14:xfrm>
+              <a:off x="1309680" y="3062160"/>
+              <a:ext cx="5100840" cy="624240"/>
+            </p14:xfrm>
+          </p:contentPart>
+        </mc:Choice>
+        <mc:Fallback>
+          <p:pic>
+            <p:nvPicPr>
+              <p:cNvPr id="5" name="Ink 4">
+                <a:extLst>
+                  <a:ext uri="{FF2B5EF4-FFF2-40B4-BE49-F238E27FC236}">
+                    <a16:creationId xmlns:a16="http://schemas.microsoft.com/office/drawing/2014/main" id="{CD625E46-3593-49FE-9CBA-656F67C0304F}"/>
+                  </a:ext>
+                </a:extLst>
+              </p:cNvPr>
+              <p:cNvPicPr/>
+              <p:nvPr/>
+            </p:nvPicPr>
+            <p:blipFill>
+              <a:blip r:embed="rId3"/>
+              <a:stretch>
+                <a:fillRect/>
+              </a:stretch>
+            </p:blipFill>
+            <p:spPr>
+              <a:xfrm>
+                <a:off x="1300320" y="3052800"/>
+                <a:ext cx="5119560" cy="642960"/>
+              </a:xfrm>
+              <a:prstGeom prst="rect">
+                <a:avLst/>
+              </a:prstGeom>
+            </p:spPr>
+          </p:pic>
+        </mc:Fallback>
+      </mc:AlternateContent>
     </p:spTree>
     <p:extLst>
       <p:ext uri="{BB962C8B-B14F-4D97-AF65-F5344CB8AC3E}">
@@ -14463,10 +13293,10 @@
         <mc:Choice Requires="p14">
           <p:contentPart p14:bwMode="auto" r:id="rId3">
             <p14:nvContentPartPr>
-              <p14:cNvPr id="3" name="Ink 2">
+              <p14:cNvPr id="5" name="Ink 4">
                 <a:extLst>
                   <a:ext uri="{FF2B5EF4-FFF2-40B4-BE49-F238E27FC236}">
-                    <a16:creationId xmlns:a16="http://schemas.microsoft.com/office/drawing/2014/main" id="{4B35452D-AA43-4C0E-A19E-CE774277960A}"/>
+                    <a16:creationId xmlns:a16="http://schemas.microsoft.com/office/drawing/2014/main" id="{29C8F97E-436B-47D1-BCEB-369CAA46DE68}"/>
                   </a:ext>
                 </a:extLst>
               </p14:cNvPr>
@@ -14474,18 +13304,18 @@
               <p14:nvPr/>
             </p14:nvContentPartPr>
             <p14:xfrm>
-              <a:off x="1311840" y="846360"/>
-              <a:ext cx="7348320" cy="3594240"/>
+              <a:off x="1857240" y="2057400"/>
+              <a:ext cx="5706000" cy="1957680"/>
             </p14:xfrm>
           </p:contentPart>
         </mc:Choice>
         <mc:Fallback xmlns="">
           <p:pic>
             <p:nvPicPr>
-              <p:cNvPr id="3" name="Ink 2">
+              <p:cNvPr id="5" name="Ink 4">
                 <a:extLst>
                   <a:ext uri="{FF2B5EF4-FFF2-40B4-BE49-F238E27FC236}">
-                    <a16:creationId xmlns:a16="http://schemas.microsoft.com/office/drawing/2014/main" id="{4B35452D-AA43-4C0E-A19E-CE774277960A}"/>
+                    <a16:creationId xmlns:a16="http://schemas.microsoft.com/office/drawing/2014/main" id="{29C8F97E-436B-47D1-BCEB-369CAA46DE68}"/>
                   </a:ext>
                 </a:extLst>
               </p:cNvPr>
@@ -14500,8 +13330,8 @@
             </p:blipFill>
             <p:spPr>
               <a:xfrm>
-                <a:off x="1302480" y="837000"/>
-                <a:ext cx="7367040" cy="3612960"/>
+                <a:off x="1847880" y="2048040"/>
+                <a:ext cx="5724720" cy="1976400"/>
               </a:xfrm>
               <a:prstGeom prst="rect">
                 <a:avLst/>
@@ -14685,10 +13515,10 @@
         <mc:Choice Requires="p14">
           <p:contentPart p14:bwMode="auto" r:id="rId3">
             <p14:nvContentPartPr>
-              <p14:cNvPr id="6" name="Ink 5">
+              <p14:cNvPr id="7" name="Ink 6">
                 <a:extLst>
                   <a:ext uri="{FF2B5EF4-FFF2-40B4-BE49-F238E27FC236}">
-                    <a16:creationId xmlns:a16="http://schemas.microsoft.com/office/drawing/2014/main" id="{C993CCF3-4DB3-45D6-98AF-6821F7C144CA}"/>
+                    <a16:creationId xmlns:a16="http://schemas.microsoft.com/office/drawing/2014/main" id="{55F1B720-B49F-45B5-B6AB-5BFD9972C9EA}"/>
                   </a:ext>
                 </a:extLst>
               </p14:cNvPr>
@@ -14696,18 +13526,18 @@
               <p14:nvPr/>
             </p14:nvContentPartPr>
             <p14:xfrm>
-              <a:off x="4898880" y="1772280"/>
-              <a:ext cx="3870360" cy="1865880"/>
+              <a:off x="5205240" y="2986200"/>
+              <a:ext cx="3367800" cy="462240"/>
             </p14:xfrm>
           </p:contentPart>
         </mc:Choice>
         <mc:Fallback xmlns="">
           <p:pic>
             <p:nvPicPr>
-              <p:cNvPr id="6" name="Ink 5">
+              <p:cNvPr id="7" name="Ink 6">
                 <a:extLst>
                   <a:ext uri="{FF2B5EF4-FFF2-40B4-BE49-F238E27FC236}">
-                    <a16:creationId xmlns:a16="http://schemas.microsoft.com/office/drawing/2014/main" id="{C993CCF3-4DB3-45D6-98AF-6821F7C144CA}"/>
+                    <a16:creationId xmlns:a16="http://schemas.microsoft.com/office/drawing/2014/main" id="{55F1B720-B49F-45B5-B6AB-5BFD9972C9EA}"/>
                   </a:ext>
                 </a:extLst>
               </p:cNvPr>
@@ -14722,8 +13552,8 @@
             </p:blipFill>
             <p:spPr>
               <a:xfrm>
-                <a:off x="4889520" y="1762920"/>
-                <a:ext cx="3889080" cy="1884600"/>
+                <a:off x="5195880" y="2976840"/>
+                <a:ext cx="3386520" cy="480960"/>
               </a:xfrm>
               <a:prstGeom prst="rect">
                 <a:avLst/>
@@ -14940,10 +13770,10 @@
         <mc:Choice Requires="p14">
           <p:contentPart p14:bwMode="auto" r:id="rId4">
             <p14:nvContentPartPr>
-              <p14:cNvPr id="5" name="Ink 4">
+              <p14:cNvPr id="7" name="Ink 6">
                 <a:extLst>
                   <a:ext uri="{FF2B5EF4-FFF2-40B4-BE49-F238E27FC236}">
-                    <a16:creationId xmlns:a16="http://schemas.microsoft.com/office/drawing/2014/main" id="{EFF168D7-5B4D-4C8F-8F89-2B83E8107B99}"/>
+                    <a16:creationId xmlns:a16="http://schemas.microsoft.com/office/drawing/2014/main" id="{4FE10F3D-8EA1-4E97-BEA9-894435633C2E}"/>
                   </a:ext>
                 </a:extLst>
               </p14:cNvPr>
@@ -14951,18 +13781,18 @@
               <p14:nvPr/>
             </p14:nvContentPartPr>
             <p14:xfrm>
-              <a:off x="1306440" y="2461680"/>
-              <a:ext cx="1750320" cy="849600"/>
+              <a:off x="814320" y="4172040"/>
+              <a:ext cx="3758040" cy="128880"/>
             </p14:xfrm>
           </p:contentPart>
         </mc:Choice>
         <mc:Fallback xmlns="">
           <p:pic>
             <p:nvPicPr>
-              <p:cNvPr id="5" name="Ink 4">
+              <p:cNvPr id="7" name="Ink 6">
                 <a:extLst>
                   <a:ext uri="{FF2B5EF4-FFF2-40B4-BE49-F238E27FC236}">
-                    <a16:creationId xmlns:a16="http://schemas.microsoft.com/office/drawing/2014/main" id="{EFF168D7-5B4D-4C8F-8F89-2B83E8107B99}"/>
+                    <a16:creationId xmlns:a16="http://schemas.microsoft.com/office/drawing/2014/main" id="{4FE10F3D-8EA1-4E97-BEA9-894435633C2E}"/>
                   </a:ext>
                 </a:extLst>
               </p:cNvPr>
@@ -14977,8 +13807,8 @@
             </p:blipFill>
             <p:spPr>
               <a:xfrm>
-                <a:off x="1297080" y="2452320"/>
-                <a:ext cx="1769040" cy="868320"/>
+                <a:off x="804960" y="4162680"/>
+                <a:ext cx="3776760" cy="147600"/>
               </a:xfrm>
               <a:prstGeom prst="rect">
                 <a:avLst/>
